--- a/04 SharePointFramework.pptx
+++ b/04 SharePointFramework.pptx
@@ -5,10 +5,10 @@
     <p:sldMasterId id="2147483648" r:id="rId5"/>
   </p:sldMasterIdLst>
   <p:notesMasterIdLst>
-    <p:notesMasterId r:id="rId36"/>
+    <p:notesMasterId r:id="rId37"/>
   </p:notesMasterIdLst>
   <p:handoutMasterIdLst>
-    <p:handoutMasterId r:id="rId37"/>
+    <p:handoutMasterId r:id="rId38"/>
   </p:handoutMasterIdLst>
   <p:sldIdLst>
     <p:sldId id="279" r:id="rId6"/>
@@ -41,6 +41,7 @@
     <p:sldId id="311" r:id="rId33"/>
     <p:sldId id="312" r:id="rId34"/>
     <p:sldId id="314" r:id="rId35"/>
+    <p:sldId id="315" r:id="rId36"/>
   </p:sldIdLst>
   <p:sldSz cx="9144000" cy="6858000" type="screen4x3"/>
   <p:notesSz cx="7315200" cy="9601200"/>
@@ -170,10 +171,6 @@
     </p:ext>
   </p:extLst>
 </p:presentation>
-</file>
-
-<file path=ppt/revisionInfo.xml><?xml version="1.0" encoding="utf-8"?>
-<p1510:revInfo xmlns:a="http://schemas.openxmlformats.org/drawingml/2006/main" xmlns:r="http://schemas.openxmlformats.org/officeDocument/2006/relationships" xmlns:p1510="http://schemas.microsoft.com/office/powerpoint/2015/10/main"/>
 </file>
 
 <file path=ppt/handoutMasters/handoutMaster1.xml><?xml version="1.0" encoding="utf-8"?>
@@ -7136,6 +7133,91 @@
     <p:extLst>
       <p:ext uri="{BB962C8B-B14F-4D97-AF65-F5344CB8AC3E}">
         <p14:creationId xmlns:p14="http://schemas.microsoft.com/office/powerpoint/2010/main" val="1526765403"/>
+      </p:ext>
+    </p:extLst>
+  </p:cSld>
+  <p:clrMapOvr>
+    <a:masterClrMapping/>
+  </p:clrMapOvr>
+</p:sld>
+</file>
+
+<file path=ppt/slides/slide31.xml><?xml version="1.0" encoding="utf-8"?>
+<p:sld xmlns:a="http://schemas.openxmlformats.org/drawingml/2006/main" xmlns:r="http://schemas.openxmlformats.org/officeDocument/2006/relationships" xmlns:p="http://schemas.openxmlformats.org/presentationml/2006/main">
+  <p:cSld>
+    <p:spTree>
+      <p:nvGrpSpPr>
+        <p:cNvPr id="1" name=""/>
+        <p:cNvGrpSpPr/>
+        <p:nvPr/>
+      </p:nvGrpSpPr>
+      <p:grpSpPr>
+        <a:xfrm>
+          <a:off x="0" y="0"/>
+          <a:ext cx="0" cy="0"/>
+          <a:chOff x="0" y="0"/>
+          <a:chExt cx="0" cy="0"/>
+        </a:xfrm>
+      </p:grpSpPr>
+      <p:sp>
+        <p:nvSpPr>
+          <p:cNvPr id="2" name="Title 1">
+            <a:extLst>
+              <a:ext uri="{FF2B5EF4-FFF2-40B4-BE49-F238E27FC236}">
+                <a16:creationId xmlns:a16="http://schemas.microsoft.com/office/drawing/2014/main" id="{4950C274-D1C5-4762-81C8-582AC8646ABB}"/>
+              </a:ext>
+            </a:extLst>
+          </p:cNvPr>
+          <p:cNvSpPr>
+            <a:spLocks noGrp="1"/>
+          </p:cNvSpPr>
+          <p:nvPr>
+            <p:ph type="title"/>
+          </p:nvPr>
+        </p:nvSpPr>
+        <p:spPr/>
+        <p:txBody>
+          <a:bodyPr/>
+          <a:lstStyle/>
+          <a:p>
+            <a:endParaRPr lang="en-US"/>
+          </a:p>
+        </p:txBody>
+      </p:sp>
+      <p:pic>
+        <p:nvPicPr>
+          <p:cNvPr id="3" name="Picture 2">
+            <a:extLst>
+              <a:ext uri="{FF2B5EF4-FFF2-40B4-BE49-F238E27FC236}">
+                <a16:creationId xmlns:a16="http://schemas.microsoft.com/office/drawing/2014/main" id="{34BB4FA4-E058-4517-9662-72B4B8B5ACBA}"/>
+              </a:ext>
+            </a:extLst>
+          </p:cNvPr>
+          <p:cNvPicPr>
+            <a:picLocks noChangeAspect="1"/>
+          </p:cNvPicPr>
+          <p:nvPr/>
+        </p:nvPicPr>
+        <p:blipFill>
+          <a:blip r:embed="rId2"/>
+          <a:stretch>
+            <a:fillRect/>
+          </a:stretch>
+        </p:blipFill>
+        <p:spPr>
+          <a:xfrm>
+            <a:off x="304800" y="1219200"/>
+            <a:ext cx="7239000" cy="3886200"/>
+          </a:xfrm>
+          <a:prstGeom prst="rect">
+            <a:avLst/>
+          </a:prstGeom>
+        </p:spPr>
+      </p:pic>
+    </p:spTree>
+    <p:extLst>
+      <p:ext uri="{BB962C8B-B14F-4D97-AF65-F5344CB8AC3E}">
+        <p14:creationId xmlns:p14="http://schemas.microsoft.com/office/powerpoint/2010/main" val="3279350518"/>
       </p:ext>
     </p:extLst>
   </p:cSld>
@@ -10172,129 +10254,6 @@
 </file>
 
 <file path=customXml/item2.xml><?xml version="1.0" encoding="utf-8"?>
-<ct:contentTypeSchema xmlns:ct="http://schemas.microsoft.com/office/2006/metadata/contentType" xmlns:ma="http://schemas.microsoft.com/office/2006/metadata/properties/metaAttributes" ct:_="" ma:_="" ma:contentTypeName="Document" ma:contentTypeID="0x01010043F7775CCE86F349BB7C51FB3CE6B150" ma:contentTypeVersion="0" ma:contentTypeDescription="Create a new document." ma:contentTypeScope="" ma:versionID="bb563817a2861b6b5994bd26a2ba9e40">
-  <xsd:schema xmlns:xsd="http://www.w3.org/2001/XMLSchema" xmlns:xs="http://www.w3.org/2001/XMLSchema" xmlns:p="http://schemas.microsoft.com/office/2006/metadata/properties" targetNamespace="http://schemas.microsoft.com/office/2006/metadata/properties" ma:root="true" ma:fieldsID="c64490b4aec6201516c3a874156f37b2">
-    <xsd:element name="properties">
-      <xsd:complexType>
-        <xsd:sequence>
-          <xsd:element name="documentManagement">
-            <xsd:complexType>
-              <xsd:all/>
-            </xsd:complexType>
-          </xsd:element>
-        </xsd:sequence>
-      </xsd:complexType>
-    </xsd:element>
-  </xsd:schema>
-  <xsd:schema xmlns="http://schemas.openxmlformats.org/package/2006/metadata/core-properties" xmlns:xsd="http://www.w3.org/2001/XMLSchema" xmlns:xsi="http://www.w3.org/2001/XMLSchema-instance" xmlns:dc="http://purl.org/dc/elements/1.1/" xmlns:dcterms="http://purl.org/dc/terms/" xmlns:odoc="http://schemas.microsoft.com/internal/obd" targetNamespace="http://schemas.openxmlformats.org/package/2006/metadata/core-properties" elementFormDefault="qualified" attributeFormDefault="unqualified" blockDefault="#all">
-    <xsd:import namespace="http://purl.org/dc/elements/1.1/" schemaLocation="http://dublincore.org/schemas/xmls/qdc/2003/04/02/dc.xsd"/>
-    <xsd:import namespace="http://purl.org/dc/terms/" schemaLocation="http://dublincore.org/schemas/xmls/qdc/2003/04/02/dcterms.xsd"/>
-    <xsd:element name="coreProperties" type="CT_coreProperties"/>
-    <xsd:complexType name="CT_coreProperties">
-      <xsd:all>
-        <xsd:element ref="dc:creator" minOccurs="0" maxOccurs="1"/>
-        <xsd:element ref="dcterms:created" minOccurs="0" maxOccurs="1"/>
-        <xsd:element ref="dc:identifier" minOccurs="0" maxOccurs="1"/>
-        <xsd:element name="contentType" minOccurs="0" maxOccurs="1" type="xsd:string" ma:index="0" ma:displayName="Content Type"/>
-        <xsd:element ref="dc:title" minOccurs="0" maxOccurs="1" ma:index="4" ma:displayName="Title"/>
-        <xsd:element ref="dc:subject" minOccurs="0" maxOccurs="1"/>
-        <xsd:element ref="dc:description" minOccurs="0" maxOccurs="1"/>
-        <xsd:element name="keywords" minOccurs="0" maxOccurs="1" type="xsd:string"/>
-        <xsd:element ref="dc:language" minOccurs="0" maxOccurs="1"/>
-        <xsd:element name="category" minOccurs="0" maxOccurs="1" type="xsd:string"/>
-        <xsd:element name="version" minOccurs="0" maxOccurs="1" type="xsd:string"/>
-        <xsd:element name="revision" minOccurs="0" maxOccurs="1" type="xsd:string">
-          <xsd:annotation>
-            <xsd:documentation>
-                        This value indicates the number of saves or revisions. The application is responsible for updating this value after each revision.
-                    </xsd:documentation>
-          </xsd:annotation>
-        </xsd:element>
-        <xsd:element name="lastModifiedBy" minOccurs="0" maxOccurs="1" type="xsd:string"/>
-        <xsd:element ref="dcterms:modified" minOccurs="0" maxOccurs="1"/>
-        <xsd:element name="contentStatus" minOccurs="0" maxOccurs="1" type="xsd:string"/>
-      </xsd:all>
-    </xsd:complexType>
-  </xsd:schema>
-  <xs:schema xmlns:pc="http://schemas.microsoft.com/office/infopath/2007/PartnerControls" xmlns:xs="http://www.w3.org/2001/XMLSchema" targetNamespace="http://schemas.microsoft.com/office/infopath/2007/PartnerControls" elementFormDefault="qualified" attributeFormDefault="unqualified">
-    <xs:element name="Person">
-      <xs:complexType>
-        <xs:sequence>
-          <xs:element ref="pc:DisplayName" minOccurs="0"/>
-          <xs:element ref="pc:AccountId" minOccurs="0"/>
-          <xs:element ref="pc:AccountType" minOccurs="0"/>
-        </xs:sequence>
-      </xs:complexType>
-    </xs:element>
-    <xs:element name="DisplayName" type="xs:string"/>
-    <xs:element name="AccountId" type="xs:string"/>
-    <xs:element name="AccountType" type="xs:string"/>
-    <xs:element name="BDCAssociatedEntity">
-      <xs:complexType>
-        <xs:sequence>
-          <xs:element ref="pc:BDCEntity" minOccurs="0" maxOccurs="unbounded"/>
-        </xs:sequence>
-        <xs:attribute ref="pc:EntityNamespace"/>
-        <xs:attribute ref="pc:EntityName"/>
-        <xs:attribute ref="pc:SystemInstanceName"/>
-        <xs:attribute ref="pc:AssociationName"/>
-      </xs:complexType>
-    </xs:element>
-    <xs:attribute name="EntityNamespace" type="xs:string"/>
-    <xs:attribute name="EntityName" type="xs:string"/>
-    <xs:attribute name="SystemInstanceName" type="xs:string"/>
-    <xs:attribute name="AssociationName" type="xs:string"/>
-    <xs:element name="BDCEntity">
-      <xs:complexType>
-        <xs:sequence>
-          <xs:element ref="pc:EntityDisplayName" minOccurs="0"/>
-          <xs:element ref="pc:EntityInstanceReference" minOccurs="0"/>
-          <xs:element ref="pc:EntityId1" minOccurs="0"/>
-          <xs:element ref="pc:EntityId2" minOccurs="0"/>
-          <xs:element ref="pc:EntityId3" minOccurs="0"/>
-          <xs:element ref="pc:EntityId4" minOccurs="0"/>
-          <xs:element ref="pc:EntityId5" minOccurs="0"/>
-        </xs:sequence>
-      </xs:complexType>
-    </xs:element>
-    <xs:element name="EntityDisplayName" type="xs:string"/>
-    <xs:element name="EntityInstanceReference" type="xs:string"/>
-    <xs:element name="EntityId1" type="xs:string"/>
-    <xs:element name="EntityId2" type="xs:string"/>
-    <xs:element name="EntityId3" type="xs:string"/>
-    <xs:element name="EntityId4" type="xs:string"/>
-    <xs:element name="EntityId5" type="xs:string"/>
-    <xs:element name="Terms">
-      <xs:complexType>
-        <xs:sequence>
-          <xs:element ref="pc:TermInfo" minOccurs="0" maxOccurs="unbounded"/>
-        </xs:sequence>
-      </xs:complexType>
-    </xs:element>
-    <xs:element name="TermInfo">
-      <xs:complexType>
-        <xs:sequence>
-          <xs:element ref="pc:TermName" minOccurs="0"/>
-          <xs:element ref="pc:TermId" minOccurs="0"/>
-        </xs:sequence>
-      </xs:complexType>
-    </xs:element>
-    <xs:element name="TermName" type="xs:string"/>
-    <xs:element name="TermId" type="xs:string"/>
-  </xs:schema>
-</ct:contentTypeSchema>
-</file>
-
-<file path=customXml/item3.xml><?xml version="1.0" encoding="utf-8"?>
-<?mso-contentType ?>
-<FormTemplates xmlns="http://schemas.microsoft.com/sharepoint/v3/contenttype/forms">
-  <Display>DocumentLibraryForm</Display>
-  <Edit>DocumentLibraryForm</Edit>
-  <New>DocumentLibraryForm</New>
-</FormTemplates>
-</file>
-
-<file path=customXml/item4.xml><?xml version="1.0" encoding="utf-8"?>
 <outs:outSpaceData xmlns:outs="http://schemas.microsoft.com/office/2009/outspace/metadata">
   <outs:relatedDates>
     <outs:relatedDate>
@@ -10444,6 +10403,129 @@
 </outs:outSpaceData>
 </file>
 
+<file path=customXml/item3.xml><?xml version="1.0" encoding="utf-8"?>
+<?mso-contentType ?>
+<FormTemplates xmlns="http://schemas.microsoft.com/sharepoint/v3/contenttype/forms">
+  <Display>DocumentLibraryForm</Display>
+  <Edit>DocumentLibraryForm</Edit>
+  <New>DocumentLibraryForm</New>
+</FormTemplates>
+</file>
+
+<file path=customXml/item4.xml><?xml version="1.0" encoding="utf-8"?>
+<ct:contentTypeSchema xmlns:ct="http://schemas.microsoft.com/office/2006/metadata/contentType" xmlns:ma="http://schemas.microsoft.com/office/2006/metadata/properties/metaAttributes" ct:_="" ma:_="" ma:contentTypeName="Document" ma:contentTypeID="0x01010043F7775CCE86F349BB7C51FB3CE6B150" ma:contentTypeVersion="0" ma:contentTypeDescription="Create a new document." ma:contentTypeScope="" ma:versionID="bb563817a2861b6b5994bd26a2ba9e40">
+  <xsd:schema xmlns:xsd="http://www.w3.org/2001/XMLSchema" xmlns:xs="http://www.w3.org/2001/XMLSchema" xmlns:p="http://schemas.microsoft.com/office/2006/metadata/properties" targetNamespace="http://schemas.microsoft.com/office/2006/metadata/properties" ma:root="true" ma:fieldsID="c64490b4aec6201516c3a874156f37b2">
+    <xsd:element name="properties">
+      <xsd:complexType>
+        <xsd:sequence>
+          <xsd:element name="documentManagement">
+            <xsd:complexType>
+              <xsd:all/>
+            </xsd:complexType>
+          </xsd:element>
+        </xsd:sequence>
+      </xsd:complexType>
+    </xsd:element>
+  </xsd:schema>
+  <xsd:schema xmlns="http://schemas.openxmlformats.org/package/2006/metadata/core-properties" xmlns:xsd="http://www.w3.org/2001/XMLSchema" xmlns:xsi="http://www.w3.org/2001/XMLSchema-instance" xmlns:dc="http://purl.org/dc/elements/1.1/" xmlns:dcterms="http://purl.org/dc/terms/" xmlns:odoc="http://schemas.microsoft.com/internal/obd" targetNamespace="http://schemas.openxmlformats.org/package/2006/metadata/core-properties" elementFormDefault="qualified" attributeFormDefault="unqualified" blockDefault="#all">
+    <xsd:import namespace="http://purl.org/dc/elements/1.1/" schemaLocation="http://dublincore.org/schemas/xmls/qdc/2003/04/02/dc.xsd"/>
+    <xsd:import namespace="http://purl.org/dc/terms/" schemaLocation="http://dublincore.org/schemas/xmls/qdc/2003/04/02/dcterms.xsd"/>
+    <xsd:element name="coreProperties" type="CT_coreProperties"/>
+    <xsd:complexType name="CT_coreProperties">
+      <xsd:all>
+        <xsd:element ref="dc:creator" minOccurs="0" maxOccurs="1"/>
+        <xsd:element ref="dcterms:created" minOccurs="0" maxOccurs="1"/>
+        <xsd:element ref="dc:identifier" minOccurs="0" maxOccurs="1"/>
+        <xsd:element name="contentType" minOccurs="0" maxOccurs="1" type="xsd:string" ma:index="0" ma:displayName="Content Type"/>
+        <xsd:element ref="dc:title" minOccurs="0" maxOccurs="1" ma:index="4" ma:displayName="Title"/>
+        <xsd:element ref="dc:subject" minOccurs="0" maxOccurs="1"/>
+        <xsd:element ref="dc:description" minOccurs="0" maxOccurs="1"/>
+        <xsd:element name="keywords" minOccurs="0" maxOccurs="1" type="xsd:string"/>
+        <xsd:element ref="dc:language" minOccurs="0" maxOccurs="1"/>
+        <xsd:element name="category" minOccurs="0" maxOccurs="1" type="xsd:string"/>
+        <xsd:element name="version" minOccurs="0" maxOccurs="1" type="xsd:string"/>
+        <xsd:element name="revision" minOccurs="0" maxOccurs="1" type="xsd:string">
+          <xsd:annotation>
+            <xsd:documentation>
+                        This value indicates the number of saves or revisions. The application is responsible for updating this value after each revision.
+                    </xsd:documentation>
+          </xsd:annotation>
+        </xsd:element>
+        <xsd:element name="lastModifiedBy" minOccurs="0" maxOccurs="1" type="xsd:string"/>
+        <xsd:element ref="dcterms:modified" minOccurs="0" maxOccurs="1"/>
+        <xsd:element name="contentStatus" minOccurs="0" maxOccurs="1" type="xsd:string"/>
+      </xsd:all>
+    </xsd:complexType>
+  </xsd:schema>
+  <xs:schema xmlns:pc="http://schemas.microsoft.com/office/infopath/2007/PartnerControls" xmlns:xs="http://www.w3.org/2001/XMLSchema" targetNamespace="http://schemas.microsoft.com/office/infopath/2007/PartnerControls" elementFormDefault="qualified" attributeFormDefault="unqualified">
+    <xs:element name="Person">
+      <xs:complexType>
+        <xs:sequence>
+          <xs:element ref="pc:DisplayName" minOccurs="0"/>
+          <xs:element ref="pc:AccountId" minOccurs="0"/>
+          <xs:element ref="pc:AccountType" minOccurs="0"/>
+        </xs:sequence>
+      </xs:complexType>
+    </xs:element>
+    <xs:element name="DisplayName" type="xs:string"/>
+    <xs:element name="AccountId" type="xs:string"/>
+    <xs:element name="AccountType" type="xs:string"/>
+    <xs:element name="BDCAssociatedEntity">
+      <xs:complexType>
+        <xs:sequence>
+          <xs:element ref="pc:BDCEntity" minOccurs="0" maxOccurs="unbounded"/>
+        </xs:sequence>
+        <xs:attribute ref="pc:EntityNamespace"/>
+        <xs:attribute ref="pc:EntityName"/>
+        <xs:attribute ref="pc:SystemInstanceName"/>
+        <xs:attribute ref="pc:AssociationName"/>
+      </xs:complexType>
+    </xs:element>
+    <xs:attribute name="EntityNamespace" type="xs:string"/>
+    <xs:attribute name="EntityName" type="xs:string"/>
+    <xs:attribute name="SystemInstanceName" type="xs:string"/>
+    <xs:attribute name="AssociationName" type="xs:string"/>
+    <xs:element name="BDCEntity">
+      <xs:complexType>
+        <xs:sequence>
+          <xs:element ref="pc:EntityDisplayName" minOccurs="0"/>
+          <xs:element ref="pc:EntityInstanceReference" minOccurs="0"/>
+          <xs:element ref="pc:EntityId1" minOccurs="0"/>
+          <xs:element ref="pc:EntityId2" minOccurs="0"/>
+          <xs:element ref="pc:EntityId3" minOccurs="0"/>
+          <xs:element ref="pc:EntityId4" minOccurs="0"/>
+          <xs:element ref="pc:EntityId5" minOccurs="0"/>
+        </xs:sequence>
+      </xs:complexType>
+    </xs:element>
+    <xs:element name="EntityDisplayName" type="xs:string"/>
+    <xs:element name="EntityInstanceReference" type="xs:string"/>
+    <xs:element name="EntityId1" type="xs:string"/>
+    <xs:element name="EntityId2" type="xs:string"/>
+    <xs:element name="EntityId3" type="xs:string"/>
+    <xs:element name="EntityId4" type="xs:string"/>
+    <xs:element name="EntityId5" type="xs:string"/>
+    <xs:element name="Terms">
+      <xs:complexType>
+        <xs:sequence>
+          <xs:element ref="pc:TermInfo" minOccurs="0" maxOccurs="unbounded"/>
+        </xs:sequence>
+      </xs:complexType>
+    </xs:element>
+    <xs:element name="TermInfo">
+      <xs:complexType>
+        <xs:sequence>
+          <xs:element ref="pc:TermName" minOccurs="0"/>
+          <xs:element ref="pc:TermId" minOccurs="0"/>
+        </xs:sequence>
+      </xs:complexType>
+    </xs:element>
+    <xs:element name="TermName" type="xs:string"/>
+    <xs:element name="TermId" type="xs:string"/>
+  </xs:schema>
+</ct:contentTypeSchema>
+</file>
+
 <file path=customXml/itemProps1.xml><?xml version="1.0" encoding="utf-8"?>
 <ds:datastoreItem xmlns:ds="http://schemas.openxmlformats.org/officeDocument/2006/customXml" ds:itemID="{A5547237-B119-45CA-BEFC-A2DA2BDB03E7}">
   <ds:schemaRefs>
@@ -10460,6 +10542,22 @@
 </file>
 
 <file path=customXml/itemProps2.xml><?xml version="1.0" encoding="utf-8"?>
+<ds:datastoreItem xmlns:ds="http://schemas.openxmlformats.org/officeDocument/2006/customXml" ds:itemID="{8865FC99-B6BD-4E98-8312-F4F432C217EA}">
+  <ds:schemaRefs>
+    <ds:schemaRef ds:uri="http://schemas.microsoft.com/office/2009/outspace/metadata"/>
+  </ds:schemaRefs>
+</ds:datastoreItem>
+</file>
+
+<file path=customXml/itemProps3.xml><?xml version="1.0" encoding="utf-8"?>
+<ds:datastoreItem xmlns:ds="http://schemas.openxmlformats.org/officeDocument/2006/customXml" ds:itemID="{6034B84F-8F8E-48B7-9EFF-C7DE1A66BD73}">
+  <ds:schemaRefs>
+    <ds:schemaRef ds:uri="http://schemas.microsoft.com/sharepoint/v3/contenttype/forms"/>
+  </ds:schemaRefs>
+</ds:datastoreItem>
+</file>
+
+<file path=customXml/itemProps4.xml><?xml version="1.0" encoding="utf-8"?>
 <ds:datastoreItem xmlns:ds="http://schemas.openxmlformats.org/officeDocument/2006/customXml" ds:itemID="{E31B5E98-6A59-4EC7-A18B-B1626004080B}">
   <ds:schemaRefs>
     <ds:schemaRef ds:uri="http://schemas.microsoft.com/office/2006/metadata/contentType"/>
@@ -10473,20 +10571,4 @@
     <ds:schemaRef ds:uri="http://schemas.microsoft.com/office/infopath/2007/PartnerControls"/>
   </ds:schemaRefs>
 </ds:datastoreItem>
-</file>
-
-<file path=customXml/itemProps3.xml><?xml version="1.0" encoding="utf-8"?>
-<ds:datastoreItem xmlns:ds="http://schemas.openxmlformats.org/officeDocument/2006/customXml" ds:itemID="{6034B84F-8F8E-48B7-9EFF-C7DE1A66BD73}">
-  <ds:schemaRefs>
-    <ds:schemaRef ds:uri="http://schemas.microsoft.com/sharepoint/v3/contenttype/forms"/>
-  </ds:schemaRefs>
-</ds:datastoreItem>
-</file>
-
-<file path=customXml/itemProps4.xml><?xml version="1.0" encoding="utf-8"?>
-<ds:datastoreItem xmlns:ds="http://schemas.openxmlformats.org/officeDocument/2006/customXml" ds:itemID="{8865FC99-B6BD-4E98-8312-F4F432C217EA}">
-  <ds:schemaRefs>
-    <ds:schemaRef ds:uri="http://schemas.microsoft.com/office/2009/outspace/metadata"/>
-  </ds:schemaRefs>
-</ds:datastoreItem>
 </file>
--- a/04 SharePointFramework.pptx
+++ b/04 SharePointFramework.pptx
@@ -7501,7 +7501,7 @@
                   <a:schemeClr val="tx1"/>
                 </a:solidFill>
               </a:rPr>
-              <a:t>JavaScript</a:t>
+              <a:t>TypeScript</a:t>
             </a:r>
           </a:p>
         </p:txBody>
@@ -8870,12 +8870,8 @@
           <a:lstStyle/>
           <a:p>
             <a:r>
-              <a:rPr lang="en-US" dirty="0"/>
-              <a:t>Working with </a:t>
-            </a:r>
-            <a:r>
-              <a:rPr lang="en-US" dirty="0" err="1"/>
-              <a:t>npm</a:t>
+              <a:rPr lang="en-US"/>
+              <a:t>Installing Packages for SPFx Development</a:t>
             </a:r>
             <a:endParaRPr lang="en-US" dirty="0"/>
           </a:p>
@@ -8893,165 +8889,76 @@
         </p:nvSpPr>
         <p:spPr/>
         <p:txBody>
-          <a:bodyPr>
-            <a:normAutofit/>
-          </a:bodyPr>
+          <a:bodyPr/>
           <a:lstStyle/>
           <a:p>
-            <a:pPr>
-              <a:lnSpc>
-                <a:spcPct val="160000"/>
-              </a:lnSpc>
-            </a:pPr>
-            <a:r>
-              <a:rPr lang="en-US" sz="2000" dirty="0"/>
-              <a:t>Windows Build Tools </a:t>
-            </a:r>
-            <a:r>
-              <a:rPr lang="en-US" sz="1600" i="1" dirty="0">
-                <a:solidFill>
-                  <a:schemeClr val="bg1">
-                    <a:lumMod val="50000"/>
-                  </a:schemeClr>
-                </a:solidFill>
-              </a:rPr>
-              <a:t>(Visual C++ Build Tools 2015)</a:t>
-            </a:r>
-            <a:endParaRPr lang="en-US" sz="2000" i="1" dirty="0">
-              <a:solidFill>
-                <a:schemeClr val="bg1">
-                  <a:lumMod val="50000"/>
-                </a:schemeClr>
-              </a:solidFill>
-            </a:endParaRPr>
-          </a:p>
-          <a:p>
-            <a:pPr marL="347662" lvl="1" indent="0">
-              <a:lnSpc>
-                <a:spcPct val="160000"/>
-              </a:lnSpc>
-              <a:buNone/>
-            </a:pPr>
-            <a:r>
-              <a:rPr lang="en-US" sz="1800" b="1" dirty="0" err="1"/>
-              <a:t>npm</a:t>
-            </a:r>
-            <a:r>
-              <a:rPr lang="en-US" sz="1800" b="1" dirty="0"/>
-              <a:t> install -g --production windows-build-tools</a:t>
-            </a:r>
-          </a:p>
-          <a:p>
-            <a:pPr>
-              <a:lnSpc>
-                <a:spcPct val="160000"/>
-              </a:lnSpc>
-            </a:pPr>
-            <a:r>
-              <a:rPr lang="en-US" sz="2200" dirty="0"/>
+            <a:r>
+              <a:rPr lang="en-US" dirty="0"/>
               <a:t>Install Gulp</a:t>
             </a:r>
           </a:p>
           <a:p>
-            <a:pPr marL="347662" lvl="1" indent="0">
-              <a:lnSpc>
-                <a:spcPct val="160000"/>
-              </a:lnSpc>
-              <a:buNone/>
-            </a:pPr>
-            <a:r>
-              <a:rPr lang="en-US" sz="1800" b="1" dirty="0" err="1"/>
-              <a:t>npm</a:t>
-            </a:r>
-            <a:r>
-              <a:rPr lang="en-US" sz="1800" b="1" dirty="0"/>
-              <a:t> install -g gulp</a:t>
-            </a:r>
-          </a:p>
-          <a:p>
-            <a:pPr>
-              <a:lnSpc>
-                <a:spcPct val="160000"/>
-              </a:lnSpc>
-            </a:pPr>
-            <a:r>
-              <a:rPr lang="en-US" sz="2200" dirty="0"/>
+            <a:pPr lvl="2"/>
+            <a:r>
+              <a:rPr lang="en-US" dirty="0"/>
+              <a:t>npm install -g gulp</a:t>
+            </a:r>
+          </a:p>
+          <a:p>
+            <a:pPr lvl="1"/>
+            <a:endParaRPr lang="en-US" dirty="0"/>
+          </a:p>
+          <a:p>
+            <a:r>
+              <a:rPr lang="en-US" dirty="0"/>
               <a:t>Install Yeoman</a:t>
             </a:r>
           </a:p>
           <a:p>
-            <a:pPr marL="347662" lvl="1" indent="0">
-              <a:lnSpc>
-                <a:spcPct val="160000"/>
-              </a:lnSpc>
-              <a:buNone/>
-            </a:pPr>
-            <a:r>
-              <a:rPr lang="en-US" sz="1800" b="1" dirty="0" err="1"/>
-              <a:t>npm</a:t>
-            </a:r>
-            <a:r>
-              <a:rPr lang="en-US" sz="1800" b="1" dirty="0"/>
-              <a:t> install -g </a:t>
-            </a:r>
-            <a:r>
-              <a:rPr lang="en-US" sz="1800" b="1" dirty="0" err="1"/>
+            <a:pPr lvl="2"/>
+            <a:r>
+              <a:rPr lang="en-US" dirty="0"/>
+              <a:t>npm install -g </a:t>
+            </a:r>
+            <a:r>
+              <a:rPr lang="en-US" dirty="0" err="1"/>
               <a:t>yo</a:t>
             </a:r>
-            <a:endParaRPr lang="en-US" sz="1800" b="1" dirty="0"/>
-          </a:p>
-          <a:p>
-            <a:pPr>
-              <a:lnSpc>
-                <a:spcPct val="160000"/>
-              </a:lnSpc>
-            </a:pPr>
-            <a:r>
-              <a:rPr lang="en-US" sz="2200" dirty="0"/>
-              <a:t>Install Yeoman Template for </a:t>
-            </a:r>
-            <a:r>
-              <a:rPr lang="en-US" sz="2200" dirty="0" err="1"/>
-              <a:t>SPFx</a:t>
-            </a:r>
-            <a:endParaRPr lang="en-US" sz="2200" dirty="0"/>
-          </a:p>
-          <a:p>
-            <a:pPr marL="347662" lvl="1" indent="0">
-              <a:lnSpc>
-                <a:spcPct val="160000"/>
-              </a:lnSpc>
-              <a:buNone/>
-            </a:pPr>
-            <a:r>
-              <a:rPr lang="en-US" sz="1800" b="1" dirty="0" err="1"/>
-              <a:t>npm</a:t>
-            </a:r>
-            <a:r>
-              <a:rPr lang="en-US" sz="1800" b="1" dirty="0"/>
-              <a:t> install -g @</a:t>
-            </a:r>
-            <a:r>
-              <a:rPr lang="en-US" sz="1800" b="1" dirty="0" err="1"/>
+            <a:endParaRPr lang="en-US" dirty="0"/>
+          </a:p>
+          <a:p>
+            <a:pPr lvl="1"/>
+            <a:endParaRPr lang="en-US" dirty="0"/>
+          </a:p>
+          <a:p>
+            <a:r>
+              <a:rPr lang="en-US" dirty="0"/>
+              <a:t>Install Yeoman Template for SPFx</a:t>
+            </a:r>
+          </a:p>
+          <a:p>
+            <a:pPr lvl="2"/>
+            <a:r>
+              <a:rPr lang="en-US" dirty="0"/>
+              <a:t>npm install -g @</a:t>
+            </a:r>
+            <a:r>
+              <a:rPr lang="en-US" dirty="0" err="1"/>
               <a:t>microsoft</a:t>
             </a:r>
             <a:r>
-              <a:rPr lang="en-US" sz="1800" b="1" dirty="0"/>
+              <a:rPr lang="en-US" dirty="0"/>
               <a:t>/generator-</a:t>
             </a:r>
             <a:r>
-              <a:rPr lang="en-US" sz="1800" b="1" dirty="0" err="1"/>
+              <a:rPr lang="en-US" dirty="0" err="1"/>
               <a:t>sharepoint</a:t>
             </a:r>
-            <a:endParaRPr lang="en-US" sz="1800" b="1" dirty="0"/>
-          </a:p>
-          <a:p>
-            <a:pPr lvl="1">
-              <a:lnSpc>
-                <a:spcPct val="160000"/>
-              </a:lnSpc>
-            </a:pPr>
-            <a:endParaRPr lang="en-US" sz="1800" dirty="0"/>
+            <a:endParaRPr lang="en-US" dirty="0"/>
+          </a:p>
+          <a:p>
+            <a:pPr lvl="1"/>
+            <a:endParaRPr lang="en-US" dirty="0"/>
           </a:p>
         </p:txBody>
       </p:sp>
@@ -9181,7 +9088,7 @@
                                         <p:tgtEl>
                                           <p:spTgt spid="3">
                                             <p:txEl>
-                                              <p:pRg st="2" end="2"/>
+                                              <p:pRg st="3" end="3"/>
                                             </p:txEl>
                                           </p:spTgt>
                                         </p:tgtEl>
@@ -9212,7 +9119,7 @@
                                         <p:tgtEl>
                                           <p:spTgt spid="3">
                                             <p:txEl>
-                                              <p:pRg st="3" end="3"/>
+                                              <p:pRg st="4" end="4"/>
                                             </p:txEl>
                                           </p:spTgt>
                                         </p:tgtEl>
@@ -9261,7 +9168,7 @@
                                         <p:tgtEl>
                                           <p:spTgt spid="3">
                                             <p:txEl>
-                                              <p:pRg st="4" end="4"/>
+                                              <p:pRg st="6" end="6"/>
                                             </p:txEl>
                                           </p:spTgt>
                                         </p:tgtEl>
@@ -9285,86 +9192,6 @@
                                     <p:set>
                                       <p:cBhvr>
                                         <p:cTn id="20" dur="1" fill="hold">
-                                          <p:stCondLst>
-                                            <p:cond delay="0"/>
-                                          </p:stCondLst>
-                                        </p:cTn>
-                                        <p:tgtEl>
-                                          <p:spTgt spid="3">
-                                            <p:txEl>
-                                              <p:pRg st="5" end="5"/>
-                                            </p:txEl>
-                                          </p:spTgt>
-                                        </p:tgtEl>
-                                        <p:attrNameLst>
-                                          <p:attrName>style.visibility</p:attrName>
-                                        </p:attrNameLst>
-                                      </p:cBhvr>
-                                      <p:to>
-                                        <p:strVal val="visible"/>
-                                      </p:to>
-                                    </p:set>
-                                  </p:childTnLst>
-                                </p:cTn>
-                              </p:par>
-                            </p:childTnLst>
-                          </p:cTn>
-                        </p:par>
-                      </p:childTnLst>
-                    </p:cTn>
-                  </p:par>
-                  <p:par>
-                    <p:cTn id="21" fill="hold">
-                      <p:stCondLst>
-                        <p:cond delay="indefinite"/>
-                      </p:stCondLst>
-                      <p:childTnLst>
-                        <p:par>
-                          <p:cTn id="22" fill="hold">
-                            <p:stCondLst>
-                              <p:cond delay="0"/>
-                            </p:stCondLst>
-                            <p:childTnLst>
-                              <p:par>
-                                <p:cTn id="23" presetID="1" presetClass="entr" presetSubtype="0" fill="hold" nodeType="clickEffect">
-                                  <p:stCondLst>
-                                    <p:cond delay="0"/>
-                                  </p:stCondLst>
-                                  <p:childTnLst>
-                                    <p:set>
-                                      <p:cBhvr>
-                                        <p:cTn id="24" dur="1" fill="hold">
-                                          <p:stCondLst>
-                                            <p:cond delay="0"/>
-                                          </p:stCondLst>
-                                        </p:cTn>
-                                        <p:tgtEl>
-                                          <p:spTgt spid="3">
-                                            <p:txEl>
-                                              <p:pRg st="6" end="6"/>
-                                            </p:txEl>
-                                          </p:spTgt>
-                                        </p:tgtEl>
-                                        <p:attrNameLst>
-                                          <p:attrName>style.visibility</p:attrName>
-                                        </p:attrNameLst>
-                                      </p:cBhvr>
-                                      <p:to>
-                                        <p:strVal val="visible"/>
-                                      </p:to>
-                                    </p:set>
-                                  </p:childTnLst>
-                                </p:cTn>
-                              </p:par>
-                              <p:par>
-                                <p:cTn id="25" presetID="1" presetClass="entr" presetSubtype="0" fill="hold" nodeType="withEffect">
-                                  <p:stCondLst>
-                                    <p:cond delay="0"/>
-                                  </p:stCondLst>
-                                  <p:childTnLst>
-                                    <p:set>
-                                      <p:cBhvr>
-                                        <p:cTn id="26" dur="1" fill="hold">
                                           <p:stCondLst>
                                             <p:cond delay="0"/>
                                           </p:stCondLst>
@@ -10254,6 +10081,129 @@
 </file>
 
 <file path=customXml/item2.xml><?xml version="1.0" encoding="utf-8"?>
+<ct:contentTypeSchema xmlns:ct="http://schemas.microsoft.com/office/2006/metadata/contentType" xmlns:ma="http://schemas.microsoft.com/office/2006/metadata/properties/metaAttributes" ct:_="" ma:_="" ma:contentTypeName="Document" ma:contentTypeID="0x01010043F7775CCE86F349BB7C51FB3CE6B150" ma:contentTypeVersion="0" ma:contentTypeDescription="Create a new document." ma:contentTypeScope="" ma:versionID="bb563817a2861b6b5994bd26a2ba9e40">
+  <xsd:schema xmlns:xsd="http://www.w3.org/2001/XMLSchema" xmlns:xs="http://www.w3.org/2001/XMLSchema" xmlns:p="http://schemas.microsoft.com/office/2006/metadata/properties" targetNamespace="http://schemas.microsoft.com/office/2006/metadata/properties" ma:root="true" ma:fieldsID="c64490b4aec6201516c3a874156f37b2">
+    <xsd:element name="properties">
+      <xsd:complexType>
+        <xsd:sequence>
+          <xsd:element name="documentManagement">
+            <xsd:complexType>
+              <xsd:all/>
+            </xsd:complexType>
+          </xsd:element>
+        </xsd:sequence>
+      </xsd:complexType>
+    </xsd:element>
+  </xsd:schema>
+  <xsd:schema xmlns="http://schemas.openxmlformats.org/package/2006/metadata/core-properties" xmlns:xsd="http://www.w3.org/2001/XMLSchema" xmlns:xsi="http://www.w3.org/2001/XMLSchema-instance" xmlns:dc="http://purl.org/dc/elements/1.1/" xmlns:dcterms="http://purl.org/dc/terms/" xmlns:odoc="http://schemas.microsoft.com/internal/obd" targetNamespace="http://schemas.openxmlformats.org/package/2006/metadata/core-properties" elementFormDefault="qualified" attributeFormDefault="unqualified" blockDefault="#all">
+    <xsd:import namespace="http://purl.org/dc/elements/1.1/" schemaLocation="http://dublincore.org/schemas/xmls/qdc/2003/04/02/dc.xsd"/>
+    <xsd:import namespace="http://purl.org/dc/terms/" schemaLocation="http://dublincore.org/schemas/xmls/qdc/2003/04/02/dcterms.xsd"/>
+    <xsd:element name="coreProperties" type="CT_coreProperties"/>
+    <xsd:complexType name="CT_coreProperties">
+      <xsd:all>
+        <xsd:element ref="dc:creator" minOccurs="0" maxOccurs="1"/>
+        <xsd:element ref="dcterms:created" minOccurs="0" maxOccurs="1"/>
+        <xsd:element ref="dc:identifier" minOccurs="0" maxOccurs="1"/>
+        <xsd:element name="contentType" minOccurs="0" maxOccurs="1" type="xsd:string" ma:index="0" ma:displayName="Content Type"/>
+        <xsd:element ref="dc:title" minOccurs="0" maxOccurs="1" ma:index="4" ma:displayName="Title"/>
+        <xsd:element ref="dc:subject" minOccurs="0" maxOccurs="1"/>
+        <xsd:element ref="dc:description" minOccurs="0" maxOccurs="1"/>
+        <xsd:element name="keywords" minOccurs="0" maxOccurs="1" type="xsd:string"/>
+        <xsd:element ref="dc:language" minOccurs="0" maxOccurs="1"/>
+        <xsd:element name="category" minOccurs="0" maxOccurs="1" type="xsd:string"/>
+        <xsd:element name="version" minOccurs="0" maxOccurs="1" type="xsd:string"/>
+        <xsd:element name="revision" minOccurs="0" maxOccurs="1" type="xsd:string">
+          <xsd:annotation>
+            <xsd:documentation>
+                        This value indicates the number of saves or revisions. The application is responsible for updating this value after each revision.
+                    </xsd:documentation>
+          </xsd:annotation>
+        </xsd:element>
+        <xsd:element name="lastModifiedBy" minOccurs="0" maxOccurs="1" type="xsd:string"/>
+        <xsd:element ref="dcterms:modified" minOccurs="0" maxOccurs="1"/>
+        <xsd:element name="contentStatus" minOccurs="0" maxOccurs="1" type="xsd:string"/>
+      </xsd:all>
+    </xsd:complexType>
+  </xsd:schema>
+  <xs:schema xmlns:pc="http://schemas.microsoft.com/office/infopath/2007/PartnerControls" xmlns:xs="http://www.w3.org/2001/XMLSchema" targetNamespace="http://schemas.microsoft.com/office/infopath/2007/PartnerControls" elementFormDefault="qualified" attributeFormDefault="unqualified">
+    <xs:element name="Person">
+      <xs:complexType>
+        <xs:sequence>
+          <xs:element ref="pc:DisplayName" minOccurs="0"/>
+          <xs:element ref="pc:AccountId" minOccurs="0"/>
+          <xs:element ref="pc:AccountType" minOccurs="0"/>
+        </xs:sequence>
+      </xs:complexType>
+    </xs:element>
+    <xs:element name="DisplayName" type="xs:string"/>
+    <xs:element name="AccountId" type="xs:string"/>
+    <xs:element name="AccountType" type="xs:string"/>
+    <xs:element name="BDCAssociatedEntity">
+      <xs:complexType>
+        <xs:sequence>
+          <xs:element ref="pc:BDCEntity" minOccurs="0" maxOccurs="unbounded"/>
+        </xs:sequence>
+        <xs:attribute ref="pc:EntityNamespace"/>
+        <xs:attribute ref="pc:EntityName"/>
+        <xs:attribute ref="pc:SystemInstanceName"/>
+        <xs:attribute ref="pc:AssociationName"/>
+      </xs:complexType>
+    </xs:element>
+    <xs:attribute name="EntityNamespace" type="xs:string"/>
+    <xs:attribute name="EntityName" type="xs:string"/>
+    <xs:attribute name="SystemInstanceName" type="xs:string"/>
+    <xs:attribute name="AssociationName" type="xs:string"/>
+    <xs:element name="BDCEntity">
+      <xs:complexType>
+        <xs:sequence>
+          <xs:element ref="pc:EntityDisplayName" minOccurs="0"/>
+          <xs:element ref="pc:EntityInstanceReference" minOccurs="0"/>
+          <xs:element ref="pc:EntityId1" minOccurs="0"/>
+          <xs:element ref="pc:EntityId2" minOccurs="0"/>
+          <xs:element ref="pc:EntityId3" minOccurs="0"/>
+          <xs:element ref="pc:EntityId4" minOccurs="0"/>
+          <xs:element ref="pc:EntityId5" minOccurs="0"/>
+        </xs:sequence>
+      </xs:complexType>
+    </xs:element>
+    <xs:element name="EntityDisplayName" type="xs:string"/>
+    <xs:element name="EntityInstanceReference" type="xs:string"/>
+    <xs:element name="EntityId1" type="xs:string"/>
+    <xs:element name="EntityId2" type="xs:string"/>
+    <xs:element name="EntityId3" type="xs:string"/>
+    <xs:element name="EntityId4" type="xs:string"/>
+    <xs:element name="EntityId5" type="xs:string"/>
+    <xs:element name="Terms">
+      <xs:complexType>
+        <xs:sequence>
+          <xs:element ref="pc:TermInfo" minOccurs="0" maxOccurs="unbounded"/>
+        </xs:sequence>
+      </xs:complexType>
+    </xs:element>
+    <xs:element name="TermInfo">
+      <xs:complexType>
+        <xs:sequence>
+          <xs:element ref="pc:TermName" minOccurs="0"/>
+          <xs:element ref="pc:TermId" minOccurs="0"/>
+        </xs:sequence>
+      </xs:complexType>
+    </xs:element>
+    <xs:element name="TermName" type="xs:string"/>
+    <xs:element name="TermId" type="xs:string"/>
+  </xs:schema>
+</ct:contentTypeSchema>
+</file>
+
+<file path=customXml/item3.xml><?xml version="1.0" encoding="utf-8"?>
+<?mso-contentType ?>
+<FormTemplates xmlns="http://schemas.microsoft.com/sharepoint/v3/contenttype/forms">
+  <Display>DocumentLibraryForm</Display>
+  <Edit>DocumentLibraryForm</Edit>
+  <New>DocumentLibraryForm</New>
+</FormTemplates>
+</file>
+
+<file path=customXml/item4.xml><?xml version="1.0" encoding="utf-8"?>
 <outs:outSpaceData xmlns:outs="http://schemas.microsoft.com/office/2009/outspace/metadata">
   <outs:relatedDates>
     <outs:relatedDate>
@@ -10403,129 +10353,6 @@
 </outs:outSpaceData>
 </file>
 
-<file path=customXml/item3.xml><?xml version="1.0" encoding="utf-8"?>
-<?mso-contentType ?>
-<FormTemplates xmlns="http://schemas.microsoft.com/sharepoint/v3/contenttype/forms">
-  <Display>DocumentLibraryForm</Display>
-  <Edit>DocumentLibraryForm</Edit>
-  <New>DocumentLibraryForm</New>
-</FormTemplates>
-</file>
-
-<file path=customXml/item4.xml><?xml version="1.0" encoding="utf-8"?>
-<ct:contentTypeSchema xmlns:ct="http://schemas.microsoft.com/office/2006/metadata/contentType" xmlns:ma="http://schemas.microsoft.com/office/2006/metadata/properties/metaAttributes" ct:_="" ma:_="" ma:contentTypeName="Document" ma:contentTypeID="0x01010043F7775CCE86F349BB7C51FB3CE6B150" ma:contentTypeVersion="0" ma:contentTypeDescription="Create a new document." ma:contentTypeScope="" ma:versionID="bb563817a2861b6b5994bd26a2ba9e40">
-  <xsd:schema xmlns:xsd="http://www.w3.org/2001/XMLSchema" xmlns:xs="http://www.w3.org/2001/XMLSchema" xmlns:p="http://schemas.microsoft.com/office/2006/metadata/properties" targetNamespace="http://schemas.microsoft.com/office/2006/metadata/properties" ma:root="true" ma:fieldsID="c64490b4aec6201516c3a874156f37b2">
-    <xsd:element name="properties">
-      <xsd:complexType>
-        <xsd:sequence>
-          <xsd:element name="documentManagement">
-            <xsd:complexType>
-              <xsd:all/>
-            </xsd:complexType>
-          </xsd:element>
-        </xsd:sequence>
-      </xsd:complexType>
-    </xsd:element>
-  </xsd:schema>
-  <xsd:schema xmlns="http://schemas.openxmlformats.org/package/2006/metadata/core-properties" xmlns:xsd="http://www.w3.org/2001/XMLSchema" xmlns:xsi="http://www.w3.org/2001/XMLSchema-instance" xmlns:dc="http://purl.org/dc/elements/1.1/" xmlns:dcterms="http://purl.org/dc/terms/" xmlns:odoc="http://schemas.microsoft.com/internal/obd" targetNamespace="http://schemas.openxmlformats.org/package/2006/metadata/core-properties" elementFormDefault="qualified" attributeFormDefault="unqualified" blockDefault="#all">
-    <xsd:import namespace="http://purl.org/dc/elements/1.1/" schemaLocation="http://dublincore.org/schemas/xmls/qdc/2003/04/02/dc.xsd"/>
-    <xsd:import namespace="http://purl.org/dc/terms/" schemaLocation="http://dublincore.org/schemas/xmls/qdc/2003/04/02/dcterms.xsd"/>
-    <xsd:element name="coreProperties" type="CT_coreProperties"/>
-    <xsd:complexType name="CT_coreProperties">
-      <xsd:all>
-        <xsd:element ref="dc:creator" minOccurs="0" maxOccurs="1"/>
-        <xsd:element ref="dcterms:created" minOccurs="0" maxOccurs="1"/>
-        <xsd:element ref="dc:identifier" minOccurs="0" maxOccurs="1"/>
-        <xsd:element name="contentType" minOccurs="0" maxOccurs="1" type="xsd:string" ma:index="0" ma:displayName="Content Type"/>
-        <xsd:element ref="dc:title" minOccurs="0" maxOccurs="1" ma:index="4" ma:displayName="Title"/>
-        <xsd:element ref="dc:subject" minOccurs="0" maxOccurs="1"/>
-        <xsd:element ref="dc:description" minOccurs="0" maxOccurs="1"/>
-        <xsd:element name="keywords" minOccurs="0" maxOccurs="1" type="xsd:string"/>
-        <xsd:element ref="dc:language" minOccurs="0" maxOccurs="1"/>
-        <xsd:element name="category" minOccurs="0" maxOccurs="1" type="xsd:string"/>
-        <xsd:element name="version" minOccurs="0" maxOccurs="1" type="xsd:string"/>
-        <xsd:element name="revision" minOccurs="0" maxOccurs="1" type="xsd:string">
-          <xsd:annotation>
-            <xsd:documentation>
-                        This value indicates the number of saves or revisions. The application is responsible for updating this value after each revision.
-                    </xsd:documentation>
-          </xsd:annotation>
-        </xsd:element>
-        <xsd:element name="lastModifiedBy" minOccurs="0" maxOccurs="1" type="xsd:string"/>
-        <xsd:element ref="dcterms:modified" minOccurs="0" maxOccurs="1"/>
-        <xsd:element name="contentStatus" minOccurs="0" maxOccurs="1" type="xsd:string"/>
-      </xsd:all>
-    </xsd:complexType>
-  </xsd:schema>
-  <xs:schema xmlns:pc="http://schemas.microsoft.com/office/infopath/2007/PartnerControls" xmlns:xs="http://www.w3.org/2001/XMLSchema" targetNamespace="http://schemas.microsoft.com/office/infopath/2007/PartnerControls" elementFormDefault="qualified" attributeFormDefault="unqualified">
-    <xs:element name="Person">
-      <xs:complexType>
-        <xs:sequence>
-          <xs:element ref="pc:DisplayName" minOccurs="0"/>
-          <xs:element ref="pc:AccountId" minOccurs="0"/>
-          <xs:element ref="pc:AccountType" minOccurs="0"/>
-        </xs:sequence>
-      </xs:complexType>
-    </xs:element>
-    <xs:element name="DisplayName" type="xs:string"/>
-    <xs:element name="AccountId" type="xs:string"/>
-    <xs:element name="AccountType" type="xs:string"/>
-    <xs:element name="BDCAssociatedEntity">
-      <xs:complexType>
-        <xs:sequence>
-          <xs:element ref="pc:BDCEntity" minOccurs="0" maxOccurs="unbounded"/>
-        </xs:sequence>
-        <xs:attribute ref="pc:EntityNamespace"/>
-        <xs:attribute ref="pc:EntityName"/>
-        <xs:attribute ref="pc:SystemInstanceName"/>
-        <xs:attribute ref="pc:AssociationName"/>
-      </xs:complexType>
-    </xs:element>
-    <xs:attribute name="EntityNamespace" type="xs:string"/>
-    <xs:attribute name="EntityName" type="xs:string"/>
-    <xs:attribute name="SystemInstanceName" type="xs:string"/>
-    <xs:attribute name="AssociationName" type="xs:string"/>
-    <xs:element name="BDCEntity">
-      <xs:complexType>
-        <xs:sequence>
-          <xs:element ref="pc:EntityDisplayName" minOccurs="0"/>
-          <xs:element ref="pc:EntityInstanceReference" minOccurs="0"/>
-          <xs:element ref="pc:EntityId1" minOccurs="0"/>
-          <xs:element ref="pc:EntityId2" minOccurs="0"/>
-          <xs:element ref="pc:EntityId3" minOccurs="0"/>
-          <xs:element ref="pc:EntityId4" minOccurs="0"/>
-          <xs:element ref="pc:EntityId5" minOccurs="0"/>
-        </xs:sequence>
-      </xs:complexType>
-    </xs:element>
-    <xs:element name="EntityDisplayName" type="xs:string"/>
-    <xs:element name="EntityInstanceReference" type="xs:string"/>
-    <xs:element name="EntityId1" type="xs:string"/>
-    <xs:element name="EntityId2" type="xs:string"/>
-    <xs:element name="EntityId3" type="xs:string"/>
-    <xs:element name="EntityId4" type="xs:string"/>
-    <xs:element name="EntityId5" type="xs:string"/>
-    <xs:element name="Terms">
-      <xs:complexType>
-        <xs:sequence>
-          <xs:element ref="pc:TermInfo" minOccurs="0" maxOccurs="unbounded"/>
-        </xs:sequence>
-      </xs:complexType>
-    </xs:element>
-    <xs:element name="TermInfo">
-      <xs:complexType>
-        <xs:sequence>
-          <xs:element ref="pc:TermName" minOccurs="0"/>
-          <xs:element ref="pc:TermId" minOccurs="0"/>
-        </xs:sequence>
-      </xs:complexType>
-    </xs:element>
-    <xs:element name="TermName" type="xs:string"/>
-    <xs:element name="TermId" type="xs:string"/>
-  </xs:schema>
-</ct:contentTypeSchema>
-</file>
-
 <file path=customXml/itemProps1.xml><?xml version="1.0" encoding="utf-8"?>
 <ds:datastoreItem xmlns:ds="http://schemas.openxmlformats.org/officeDocument/2006/customXml" ds:itemID="{A5547237-B119-45CA-BEFC-A2DA2BDB03E7}">
   <ds:schemaRefs>
@@ -10542,9 +10369,17 @@
 </file>
 
 <file path=customXml/itemProps2.xml><?xml version="1.0" encoding="utf-8"?>
-<ds:datastoreItem xmlns:ds="http://schemas.openxmlformats.org/officeDocument/2006/customXml" ds:itemID="{8865FC99-B6BD-4E98-8312-F4F432C217EA}">
+<ds:datastoreItem xmlns:ds="http://schemas.openxmlformats.org/officeDocument/2006/customXml" ds:itemID="{E31B5E98-6A59-4EC7-A18B-B1626004080B}">
   <ds:schemaRefs>
-    <ds:schemaRef ds:uri="http://schemas.microsoft.com/office/2009/outspace/metadata"/>
+    <ds:schemaRef ds:uri="http://schemas.microsoft.com/office/2006/metadata/contentType"/>
+    <ds:schemaRef ds:uri="http://schemas.microsoft.com/office/2006/metadata/properties/metaAttributes"/>
+    <ds:schemaRef ds:uri="http://www.w3.org/2001/XMLSchema"/>
+    <ds:schemaRef ds:uri="http://schemas.microsoft.com/office/2006/metadata/properties"/>
+    <ds:schemaRef ds:uri="http://schemas.openxmlformats.org/package/2006/metadata/core-properties"/>
+    <ds:schemaRef ds:uri="http://purl.org/dc/elements/1.1/"/>
+    <ds:schemaRef ds:uri="http://purl.org/dc/terms/"/>
+    <ds:schemaRef ds:uri="http://schemas.microsoft.com/internal/obd"/>
+    <ds:schemaRef ds:uri="http://schemas.microsoft.com/office/infopath/2007/PartnerControls"/>
   </ds:schemaRefs>
 </ds:datastoreItem>
 </file>
@@ -10558,17 +10393,9 @@
 </file>
 
 <file path=customXml/itemProps4.xml><?xml version="1.0" encoding="utf-8"?>
-<ds:datastoreItem xmlns:ds="http://schemas.openxmlformats.org/officeDocument/2006/customXml" ds:itemID="{E31B5E98-6A59-4EC7-A18B-B1626004080B}">
+<ds:datastoreItem xmlns:ds="http://schemas.openxmlformats.org/officeDocument/2006/customXml" ds:itemID="{8865FC99-B6BD-4E98-8312-F4F432C217EA}">
   <ds:schemaRefs>
-    <ds:schemaRef ds:uri="http://schemas.microsoft.com/office/2006/metadata/contentType"/>
-    <ds:schemaRef ds:uri="http://schemas.microsoft.com/office/2006/metadata/properties/metaAttributes"/>
-    <ds:schemaRef ds:uri="http://www.w3.org/2001/XMLSchema"/>
-    <ds:schemaRef ds:uri="http://schemas.microsoft.com/office/2006/metadata/properties"/>
-    <ds:schemaRef ds:uri="http://schemas.openxmlformats.org/package/2006/metadata/core-properties"/>
-    <ds:schemaRef ds:uri="http://purl.org/dc/elements/1.1/"/>
-    <ds:schemaRef ds:uri="http://purl.org/dc/terms/"/>
-    <ds:schemaRef ds:uri="http://schemas.microsoft.com/internal/obd"/>
-    <ds:schemaRef ds:uri="http://schemas.microsoft.com/office/infopath/2007/PartnerControls"/>
+    <ds:schemaRef ds:uri="http://schemas.microsoft.com/office/2009/outspace/metadata"/>
   </ds:schemaRefs>
 </ds:datastoreItem>
 </file>
--- a/04 SharePointFramework.pptx
+++ b/04 SharePointFramework.pptx
@@ -5,10 +5,10 @@
     <p:sldMasterId id="2147483648" r:id="rId5"/>
   </p:sldMasterIdLst>
   <p:notesMasterIdLst>
-    <p:notesMasterId r:id="rId37"/>
+    <p:notesMasterId r:id="rId42"/>
   </p:notesMasterIdLst>
   <p:handoutMasterIdLst>
-    <p:handoutMasterId r:id="rId38"/>
+    <p:handoutMasterId r:id="rId43"/>
   </p:handoutMasterIdLst>
   <p:sldIdLst>
     <p:sldId id="279" r:id="rId6"/>
@@ -17,31 +17,36 @@
     <p:sldId id="284" r:id="rId9"/>
     <p:sldId id="285" r:id="rId10"/>
     <p:sldId id="286" r:id="rId11"/>
-    <p:sldId id="288" r:id="rId12"/>
-    <p:sldId id="289" r:id="rId13"/>
-    <p:sldId id="292" r:id="rId14"/>
-    <p:sldId id="293" r:id="rId15"/>
-    <p:sldId id="294" r:id="rId16"/>
-    <p:sldId id="295" r:id="rId17"/>
-    <p:sldId id="296" r:id="rId18"/>
-    <p:sldId id="297" r:id="rId19"/>
-    <p:sldId id="298" r:id="rId20"/>
-    <p:sldId id="299" r:id="rId21"/>
-    <p:sldId id="300" r:id="rId22"/>
-    <p:sldId id="301" r:id="rId23"/>
-    <p:sldId id="302" r:id="rId24"/>
-    <p:sldId id="303" r:id="rId25"/>
-    <p:sldId id="304" r:id="rId26"/>
-    <p:sldId id="305" r:id="rId27"/>
-    <p:sldId id="306" r:id="rId28"/>
-    <p:sldId id="307" r:id="rId29"/>
-    <p:sldId id="308" r:id="rId30"/>
-    <p:sldId id="309" r:id="rId31"/>
-    <p:sldId id="310" r:id="rId32"/>
-    <p:sldId id="311" r:id="rId33"/>
-    <p:sldId id="312" r:id="rId34"/>
-    <p:sldId id="314" r:id="rId35"/>
-    <p:sldId id="315" r:id="rId36"/>
+    <p:sldId id="292" r:id="rId12"/>
+    <p:sldId id="312" r:id="rId13"/>
+    <p:sldId id="294" r:id="rId14"/>
+    <p:sldId id="307" r:id="rId15"/>
+    <p:sldId id="308" r:id="rId16"/>
+    <p:sldId id="309" r:id="rId17"/>
+    <p:sldId id="295" r:id="rId18"/>
+    <p:sldId id="296" r:id="rId19"/>
+    <p:sldId id="313" r:id="rId20"/>
+    <p:sldId id="297" r:id="rId21"/>
+    <p:sldId id="318" r:id="rId22"/>
+    <p:sldId id="302" r:id="rId23"/>
+    <p:sldId id="299" r:id="rId24"/>
+    <p:sldId id="314" r:id="rId25"/>
+    <p:sldId id="298" r:id="rId26"/>
+    <p:sldId id="310" r:id="rId27"/>
+    <p:sldId id="311" r:id="rId28"/>
+    <p:sldId id="319" r:id="rId29"/>
+    <p:sldId id="315" r:id="rId30"/>
+    <p:sldId id="303" r:id="rId31"/>
+    <p:sldId id="304" r:id="rId32"/>
+    <p:sldId id="305" r:id="rId33"/>
+    <p:sldId id="316" r:id="rId34"/>
+    <p:sldId id="320" r:id="rId35"/>
+    <p:sldId id="321" r:id="rId36"/>
+    <p:sldId id="322" r:id="rId37"/>
+    <p:sldId id="327" r:id="rId38"/>
+    <p:sldId id="325" r:id="rId39"/>
+    <p:sldId id="326" r:id="rId40"/>
+    <p:sldId id="317" r:id="rId41"/>
   </p:sldIdLst>
   <p:sldSz cx="9144000" cy="6858000" type="screen4x3"/>
   <p:notesSz cx="7315200" cy="9601200"/>
@@ -805,7 +810,7 @@
     </p:spTree>
     <p:extLst>
       <p:ext uri="{BB962C8B-B14F-4D97-AF65-F5344CB8AC3E}">
-        <p14:creationId xmlns:p14="http://schemas.microsoft.com/office/powerpoint/2010/main" val="1671648054"/>
+        <p14:creationId xmlns:p14="http://schemas.microsoft.com/office/powerpoint/2010/main" val="3744362979"/>
       </p:ext>
     </p:extLst>
   </p:cSld>
@@ -891,7 +896,7 @@
     </p:spTree>
     <p:extLst>
       <p:ext uri="{BB962C8B-B14F-4D97-AF65-F5344CB8AC3E}">
-        <p14:creationId xmlns:p14="http://schemas.microsoft.com/office/powerpoint/2010/main" val="2714668020"/>
+        <p14:creationId xmlns:p14="http://schemas.microsoft.com/office/powerpoint/2010/main" val="3454763185"/>
       </p:ext>
     </p:extLst>
   </p:cSld>
@@ -977,7 +982,7 @@
     </p:spTree>
     <p:extLst>
       <p:ext uri="{BB962C8B-B14F-4D97-AF65-F5344CB8AC3E}">
-        <p14:creationId xmlns:p14="http://schemas.microsoft.com/office/powerpoint/2010/main" val="3050025602"/>
+        <p14:creationId xmlns:p14="http://schemas.microsoft.com/office/powerpoint/2010/main" val="3610908661"/>
       </p:ext>
     </p:extLst>
   </p:cSld>
@@ -1063,7 +1068,179 @@
     </p:spTree>
     <p:extLst>
       <p:ext uri="{BB962C8B-B14F-4D97-AF65-F5344CB8AC3E}">
-        <p14:creationId xmlns:p14="http://schemas.microsoft.com/office/powerpoint/2010/main" val="38364111"/>
+        <p14:creationId xmlns:p14="http://schemas.microsoft.com/office/powerpoint/2010/main" val="2460337194"/>
+      </p:ext>
+    </p:extLst>
+  </p:cSld>
+  <p:clrMapOvr>
+    <a:masterClrMapping/>
+  </p:clrMapOvr>
+</p:notes>
+</file>
+
+<file path=ppt/notesSlides/notesSlide7.xml><?xml version="1.0" encoding="utf-8"?>
+<p:notes xmlns:a="http://schemas.openxmlformats.org/drawingml/2006/main" xmlns:r="http://schemas.openxmlformats.org/officeDocument/2006/relationships" xmlns:p="http://schemas.openxmlformats.org/presentationml/2006/main">
+  <p:cSld>
+    <p:spTree>
+      <p:nvGrpSpPr>
+        <p:cNvPr id="1" name=""/>
+        <p:cNvGrpSpPr/>
+        <p:nvPr/>
+      </p:nvGrpSpPr>
+      <p:grpSpPr>
+        <a:xfrm>
+          <a:off x="0" y="0"/>
+          <a:ext cx="0" cy="0"/>
+          <a:chOff x="0" y="0"/>
+          <a:chExt cx="0" cy="0"/>
+        </a:xfrm>
+      </p:grpSpPr>
+      <p:sp>
+        <p:nvSpPr>
+          <p:cNvPr id="2" name="Slide Image Placeholder 1"/>
+          <p:cNvSpPr>
+            <a:spLocks noGrp="1" noRot="1" noChangeAspect="1"/>
+          </p:cNvSpPr>
+          <p:nvPr>
+            <p:ph type="sldImg"/>
+          </p:nvPr>
+        </p:nvSpPr>
+        <p:spPr/>
+      </p:sp>
+      <p:sp>
+        <p:nvSpPr>
+          <p:cNvPr id="3" name="Notes Placeholder 2"/>
+          <p:cNvSpPr>
+            <a:spLocks noGrp="1"/>
+          </p:cNvSpPr>
+          <p:nvPr>
+            <p:ph type="body" idx="1"/>
+          </p:nvPr>
+        </p:nvSpPr>
+        <p:spPr/>
+        <p:txBody>
+          <a:bodyPr/>
+          <a:lstStyle/>
+          <a:p>
+            <a:pPr marL="0" marR="0" indent="0" algn="l" defTabSz="914400" rtl="0" eaLnBrk="1" fontAlgn="auto" latinLnBrk="0" hangingPunct="1">
+              <a:lnSpc>
+                <a:spcPct val="100000"/>
+              </a:lnSpc>
+              <a:spcBef>
+                <a:spcPts val="0"/>
+              </a:spcBef>
+              <a:spcAft>
+                <a:spcPts val="0"/>
+              </a:spcAft>
+              <a:buClrTx/>
+              <a:buSzTx/>
+              <a:buFontTx/>
+              <a:buNone/>
+              <a:tabLst/>
+              <a:defRPr/>
+            </a:pPr>
+            <a:endParaRPr lang="en-US" sz="1200" kern="1200" baseline="0" dirty="0">
+              <a:solidFill>
+                <a:schemeClr val="tx1"/>
+              </a:solidFill>
+              <a:effectLst/>
+              <a:latin typeface="+mn-lt"/>
+              <a:ea typeface="+mn-ea"/>
+              <a:cs typeface="+mn-cs"/>
+            </a:endParaRPr>
+          </a:p>
+        </p:txBody>
+      </p:sp>
+    </p:spTree>
+    <p:extLst>
+      <p:ext uri="{BB962C8B-B14F-4D97-AF65-F5344CB8AC3E}">
+        <p14:creationId xmlns:p14="http://schemas.microsoft.com/office/powerpoint/2010/main" val="1862089707"/>
+      </p:ext>
+    </p:extLst>
+  </p:cSld>
+  <p:clrMapOvr>
+    <a:masterClrMapping/>
+  </p:clrMapOvr>
+</p:notes>
+</file>
+
+<file path=ppt/notesSlides/notesSlide8.xml><?xml version="1.0" encoding="utf-8"?>
+<p:notes xmlns:a="http://schemas.openxmlformats.org/drawingml/2006/main" xmlns:r="http://schemas.openxmlformats.org/officeDocument/2006/relationships" xmlns:p="http://schemas.openxmlformats.org/presentationml/2006/main">
+  <p:cSld>
+    <p:spTree>
+      <p:nvGrpSpPr>
+        <p:cNvPr id="1" name=""/>
+        <p:cNvGrpSpPr/>
+        <p:nvPr/>
+      </p:nvGrpSpPr>
+      <p:grpSpPr>
+        <a:xfrm>
+          <a:off x="0" y="0"/>
+          <a:ext cx="0" cy="0"/>
+          <a:chOff x="0" y="0"/>
+          <a:chExt cx="0" cy="0"/>
+        </a:xfrm>
+      </p:grpSpPr>
+      <p:sp>
+        <p:nvSpPr>
+          <p:cNvPr id="2" name="Slide Image Placeholder 1"/>
+          <p:cNvSpPr>
+            <a:spLocks noGrp="1" noRot="1" noChangeAspect="1"/>
+          </p:cNvSpPr>
+          <p:nvPr>
+            <p:ph type="sldImg"/>
+          </p:nvPr>
+        </p:nvSpPr>
+        <p:spPr/>
+      </p:sp>
+      <p:sp>
+        <p:nvSpPr>
+          <p:cNvPr id="3" name="Notes Placeholder 2"/>
+          <p:cNvSpPr>
+            <a:spLocks noGrp="1"/>
+          </p:cNvSpPr>
+          <p:nvPr>
+            <p:ph type="body" idx="1"/>
+          </p:nvPr>
+        </p:nvSpPr>
+        <p:spPr/>
+        <p:txBody>
+          <a:bodyPr/>
+          <a:lstStyle/>
+          <a:p>
+            <a:pPr marL="0" marR="0" indent="0" algn="l" defTabSz="914400" rtl="0" eaLnBrk="1" fontAlgn="auto" latinLnBrk="0" hangingPunct="1">
+              <a:lnSpc>
+                <a:spcPct val="100000"/>
+              </a:lnSpc>
+              <a:spcBef>
+                <a:spcPts val="0"/>
+              </a:spcBef>
+              <a:spcAft>
+                <a:spcPts val="0"/>
+              </a:spcAft>
+              <a:buClrTx/>
+              <a:buSzTx/>
+              <a:buFontTx/>
+              <a:buNone/>
+              <a:tabLst/>
+              <a:defRPr/>
+            </a:pPr>
+            <a:endParaRPr lang="en-US" sz="1200" kern="1200" baseline="0" dirty="0">
+              <a:solidFill>
+                <a:schemeClr val="tx1"/>
+              </a:solidFill>
+              <a:effectLst/>
+              <a:latin typeface="+mn-lt"/>
+              <a:ea typeface="+mn-ea"/>
+              <a:cs typeface="+mn-cs"/>
+            </a:endParaRPr>
+          </a:p>
+        </p:txBody>
+      </p:sp>
+    </p:spTree>
+    <p:extLst>
+      <p:ext uri="{BB962C8B-B14F-4D97-AF65-F5344CB8AC3E}">
+        <p14:creationId xmlns:p14="http://schemas.microsoft.com/office/powerpoint/2010/main" val="4168196851"/>
       </p:ext>
     </p:extLst>
   </p:cSld>
@@ -3226,7 +3403,13 @@
       </p:grpSpPr>
       <p:sp>
         <p:nvSpPr>
-          <p:cNvPr id="2" name="Title 1"/>
+          <p:cNvPr id="2" name="Title 1">
+            <a:extLst>
+              <a:ext uri="{FF2B5EF4-FFF2-40B4-BE49-F238E27FC236}">
+                <a16:creationId xmlns:a16="http://schemas.microsoft.com/office/drawing/2014/main" id="{531EA073-A992-45DB-8FD7-1666A9D40C8B}"/>
+              </a:ext>
+            </a:extLst>
+          </p:cNvPr>
           <p:cNvSpPr>
             <a:spLocks noGrp="1"/>
           </p:cNvSpPr>
@@ -3241,14 +3424,20 @@
           <a:p>
             <a:r>
               <a:rPr lang="en-US" dirty="0"/>
-              <a:t>Agenda</a:t>
+              <a:t>Answering Questions about a New Project</a:t>
             </a:r>
           </a:p>
         </p:txBody>
       </p:sp>
       <p:sp>
         <p:nvSpPr>
-          <p:cNvPr id="3" name="Content Placeholder 2"/>
+          <p:cNvPr id="6" name="Content Placeholder 5">
+            <a:extLst>
+              <a:ext uri="{FF2B5EF4-FFF2-40B4-BE49-F238E27FC236}">
+                <a16:creationId xmlns:a16="http://schemas.microsoft.com/office/drawing/2014/main" id="{86A10C14-44AB-49BD-847B-779FDBAC5519}"/>
+              </a:ext>
+            </a:extLst>
+          </p:cNvPr>
           <p:cNvSpPr>
             <a:spLocks noGrp="1"/>
           </p:cNvSpPr>
@@ -3263,99 +3452,189 @@
           </a:bodyPr>
           <a:lstStyle/>
           <a:p>
-            <a:pPr>
-              <a:buFont typeface="Wingdings" panose="05000000000000000000" pitchFamily="2" charset="2"/>
-              <a:buChar char="ü"/>
-            </a:pPr>
-            <a:r>
-              <a:rPr lang="en-US" dirty="0"/>
-              <a:t>Overview the SharePoint Framework (</a:t>
-            </a:r>
-            <a:r>
-              <a:rPr lang="en-US" dirty="0" err="1"/>
-              <a:t>SPFx</a:t>
-            </a:r>
-            <a:r>
-              <a:rPr lang="en-US" dirty="0"/>
-              <a:t>)</a:t>
-            </a:r>
-          </a:p>
-          <a:p>
-            <a:pPr>
-              <a:buFont typeface="Wingdings" panose="05000000000000000000" pitchFamily="2" charset="2"/>
-              <a:buChar char="ü"/>
-            </a:pPr>
-            <a:r>
-              <a:rPr lang="en-US" dirty="0"/>
-              <a:t>Setting up an </a:t>
-            </a:r>
-            <a:r>
-              <a:rPr lang="en-US" dirty="0" err="1"/>
-              <a:t>SPFx</a:t>
-            </a:r>
-            <a:r>
-              <a:rPr lang="en-US" dirty="0"/>
-              <a:t> Development Environment</a:t>
-            </a:r>
-          </a:p>
-          <a:p>
-            <a:pPr>
-              <a:buFont typeface="Wingdings" panose="05000000000000000000" pitchFamily="2" charset="2"/>
-              <a:buChar char="Ø"/>
-            </a:pPr>
-            <a:r>
-              <a:rPr lang="en-US" dirty="0"/>
-              <a:t>Creating Projects using the </a:t>
-            </a:r>
-            <a:r>
-              <a:rPr lang="en-US" dirty="0" err="1"/>
-              <a:t>SPFx</a:t>
-            </a:r>
-            <a:r>
-              <a:rPr lang="en-US" dirty="0"/>
-              <a:t> Templates</a:t>
-            </a:r>
-          </a:p>
-          <a:p>
-            <a:r>
-              <a:rPr lang="en-US" dirty="0"/>
-              <a:t>Debugging with the SharePoint Workbench </a:t>
-            </a:r>
-          </a:p>
-          <a:p>
-            <a:r>
-              <a:rPr lang="en-US" dirty="0"/>
-              <a:t>Developing </a:t>
-            </a:r>
-            <a:r>
-              <a:rPr lang="en-US" dirty="0" err="1"/>
-              <a:t>SPFx</a:t>
-            </a:r>
-            <a:r>
-              <a:rPr lang="en-US" dirty="0"/>
-              <a:t> Web Parts using React.js</a:t>
-            </a:r>
-          </a:p>
-          <a:p>
-            <a:r>
-              <a:rPr lang="en-US" dirty="0"/>
-              <a:t>Deploying </a:t>
-            </a:r>
-            <a:r>
-              <a:rPr lang="en-US" dirty="0" err="1"/>
-              <a:t>SPFx</a:t>
-            </a:r>
-            <a:r>
-              <a:rPr lang="en-US" dirty="0"/>
-              <a:t> Projects using an Azure CDN</a:t>
+            <a:r>
+              <a:rPr lang="en-US" sz="2000" dirty="0"/>
+              <a:t>Do you want to support SharePoint On-premises?</a:t>
+            </a:r>
+          </a:p>
+          <a:p>
+            <a:pPr lvl="1"/>
+            <a:endParaRPr lang="en-US" sz="1600" dirty="0"/>
+          </a:p>
+          <a:p>
+            <a:pPr lvl="1"/>
+            <a:endParaRPr lang="en-US" sz="1600" dirty="0"/>
+          </a:p>
+          <a:p>
+            <a:pPr lvl="1"/>
+            <a:endParaRPr lang="en-US" sz="1600" dirty="0"/>
+          </a:p>
+          <a:p>
+            <a:endParaRPr lang="en-US" sz="2000" dirty="0"/>
+          </a:p>
+          <a:p>
+            <a:r>
+              <a:rPr lang="en-US" sz="2000" dirty="0"/>
+              <a:t>Do you want to create a webpart or an SPFx extension</a:t>
+            </a:r>
+          </a:p>
+          <a:p>
+            <a:endParaRPr lang="en-US" sz="2000" dirty="0"/>
+          </a:p>
+          <a:p>
+            <a:endParaRPr lang="en-US" sz="2000" dirty="0"/>
+          </a:p>
+          <a:p>
+            <a:r>
+              <a:rPr lang="en-US" sz="2000" dirty="0"/>
+              <a:t>Do you want to create a standard webpart or a React webpart</a:t>
             </a:r>
           </a:p>
         </p:txBody>
       </p:sp>
+      <p:pic>
+        <p:nvPicPr>
+          <p:cNvPr id="3" name="Picture 2">
+            <a:extLst>
+              <a:ext uri="{FF2B5EF4-FFF2-40B4-BE49-F238E27FC236}">
+                <a16:creationId xmlns:a16="http://schemas.microsoft.com/office/drawing/2014/main" id="{17A924B1-AEA5-4368-9ACD-C3BE9444E80B}"/>
+              </a:ext>
+            </a:extLst>
+          </p:cNvPr>
+          <p:cNvPicPr>
+            <a:picLocks noChangeAspect="1"/>
+          </p:cNvPicPr>
+          <p:nvPr/>
+        </p:nvPicPr>
+        <p:blipFill>
+          <a:blip r:embed="rId2">
+            <a:extLst>
+              <a:ext uri="{28A0092B-C50C-407E-A947-70E740481C1C}">
+                <a14:useLocalDpi xmlns:a14="http://schemas.microsoft.com/office/drawing/2010/main" val="0"/>
+              </a:ext>
+            </a:extLst>
+          </a:blip>
+          <a:srcRect/>
+          <a:stretch>
+            <a:fillRect/>
+          </a:stretch>
+        </p:blipFill>
+        <p:spPr bwMode="auto">
+          <a:xfrm>
+            <a:off x="784820" y="1925339"/>
+            <a:ext cx="7574359" cy="1252901"/>
+          </a:xfrm>
+          <a:prstGeom prst="rect">
+            <a:avLst/>
+          </a:prstGeom>
+          <a:noFill/>
+          <a:ln>
+            <a:solidFill>
+              <a:schemeClr val="tx1"/>
+            </a:solidFill>
+          </a:ln>
+        </p:spPr>
+      </p:pic>
+      <p:pic>
+        <p:nvPicPr>
+          <p:cNvPr id="4" name="Picture 3">
+            <a:extLst>
+              <a:ext uri="{FF2B5EF4-FFF2-40B4-BE49-F238E27FC236}">
+                <a16:creationId xmlns:a16="http://schemas.microsoft.com/office/drawing/2014/main" id="{8E4824DB-9451-4051-AB2F-C25233881A6B}"/>
+              </a:ext>
+            </a:extLst>
+          </p:cNvPr>
+          <p:cNvPicPr>
+            <a:picLocks noChangeAspect="1"/>
+          </p:cNvPicPr>
+          <p:nvPr/>
+        </p:nvPicPr>
+        <p:blipFill rotWithShape="1">
+          <a:blip r:embed="rId3">
+            <a:extLst>
+              <a:ext uri="{28A0092B-C50C-407E-A947-70E740481C1C}">
+                <a14:useLocalDpi xmlns:a14="http://schemas.microsoft.com/office/drawing/2010/main" val="0"/>
+              </a:ext>
+            </a:extLst>
+          </a:blip>
+          <a:srcRect r="34785" b="2856"/>
+          <a:stretch/>
+        </p:blipFill>
+        <p:spPr bwMode="auto">
+          <a:xfrm>
+            <a:off x="820132" y="3655779"/>
+            <a:ext cx="7574359" cy="742420"/>
+          </a:xfrm>
+          <a:prstGeom prst="rect">
+            <a:avLst/>
+          </a:prstGeom>
+          <a:noFill/>
+          <a:ln w="9525" cap="flat" cmpd="sng" algn="ctr">
+            <a:solidFill>
+              <a:sysClr val="windowText" lastClr="000000"/>
+            </a:solidFill>
+            <a:prstDash val="solid"/>
+            <a:round/>
+            <a:headEnd type="none" w="med" len="med"/>
+            <a:tailEnd type="none" w="med" len="med"/>
+          </a:ln>
+          <a:extLst>
+            <a:ext uri="{53640926-AAD7-44D8-BBD7-CCE9431645EC}">
+              <a14:shadowObscured xmlns:a14="http://schemas.microsoft.com/office/drawing/2010/main"/>
+            </a:ext>
+          </a:extLst>
+        </p:spPr>
+      </p:pic>
+      <p:pic>
+        <p:nvPicPr>
+          <p:cNvPr id="5" name="Picture 4">
+            <a:extLst>
+              <a:ext uri="{FF2B5EF4-FFF2-40B4-BE49-F238E27FC236}">
+                <a16:creationId xmlns:a16="http://schemas.microsoft.com/office/drawing/2014/main" id="{FC1BF06C-F8F5-4B43-99BB-6100DB7FC140}"/>
+              </a:ext>
+            </a:extLst>
+          </p:cNvPr>
+          <p:cNvPicPr>
+            <a:picLocks noChangeAspect="1"/>
+          </p:cNvPicPr>
+          <p:nvPr/>
+        </p:nvPicPr>
+        <p:blipFill>
+          <a:blip r:embed="rId4">
+            <a:extLst>
+              <a:ext uri="{28A0092B-C50C-407E-A947-70E740481C1C}">
+                <a14:useLocalDpi xmlns:a14="http://schemas.microsoft.com/office/drawing/2010/main" val="0"/>
+              </a:ext>
+            </a:extLst>
+          </a:blip>
+          <a:srcRect/>
+          <a:stretch>
+            <a:fillRect/>
+          </a:stretch>
+        </p:blipFill>
+        <p:spPr bwMode="auto">
+          <a:xfrm>
+            <a:off x="784820" y="4932293"/>
+            <a:ext cx="6633625" cy="1573710"/>
+          </a:xfrm>
+          <a:prstGeom prst="rect">
+            <a:avLst/>
+          </a:prstGeom>
+          <a:noFill/>
+          <a:ln>
+            <a:solidFill>
+              <a:schemeClr val="tx1">
+                <a:lumMod val="50000"/>
+                <a:lumOff val="50000"/>
+              </a:schemeClr>
+            </a:solidFill>
+          </a:ln>
+        </p:spPr>
+      </p:pic>
     </p:spTree>
     <p:extLst>
       <p:ext uri="{BB962C8B-B14F-4D97-AF65-F5344CB8AC3E}">
-        <p14:creationId xmlns:p14="http://schemas.microsoft.com/office/powerpoint/2010/main" val="3354286797"/>
+        <p14:creationId xmlns:p14="http://schemas.microsoft.com/office/powerpoint/2010/main" val="2238658958"/>
       </p:ext>
     </p:extLst>
   </p:cSld>
@@ -3384,7 +3663,13 @@
       </p:grpSpPr>
       <p:sp>
         <p:nvSpPr>
-          <p:cNvPr id="2" name="Title 1"/>
+          <p:cNvPr id="2" name="Title 1">
+            <a:extLst>
+              <a:ext uri="{FF2B5EF4-FFF2-40B4-BE49-F238E27FC236}">
+                <a16:creationId xmlns:a16="http://schemas.microsoft.com/office/drawing/2014/main" id="{CF7043A9-1FCE-4515-ADCB-2551EF4044B2}"/>
+              </a:ext>
+            </a:extLst>
+          </p:cNvPr>
           <p:cNvSpPr>
             <a:spLocks noGrp="1"/>
           </p:cNvSpPr>
@@ -3399,22 +3684,20 @@
           <a:p>
             <a:r>
               <a:rPr lang="en-US" dirty="0"/>
-              <a:t>Using the </a:t>
-            </a:r>
-            <a:r>
-              <a:rPr lang="en-US" dirty="0" err="1"/>
-              <a:t>SPFx</a:t>
-            </a:r>
-            <a:r>
-              <a:rPr lang="en-US" dirty="0"/>
-              <a:t> Yeoman Template</a:t>
+              <a:t>SharePoint Framework Project Structure</a:t>
             </a:r>
           </a:p>
         </p:txBody>
       </p:sp>
       <p:sp>
         <p:nvSpPr>
-          <p:cNvPr id="3" name="Content Placeholder 2"/>
+          <p:cNvPr id="3" name="Content Placeholder 2">
+            <a:extLst>
+              <a:ext uri="{FF2B5EF4-FFF2-40B4-BE49-F238E27FC236}">
+                <a16:creationId xmlns:a16="http://schemas.microsoft.com/office/drawing/2014/main" id="{BC668C57-0680-4972-BB3B-EBF2EE280B98}"/>
+              </a:ext>
+            </a:extLst>
+          </p:cNvPr>
           <p:cNvSpPr>
             <a:spLocks noGrp="1"/>
           </p:cNvSpPr>
@@ -3424,137 +3707,50 @@
         </p:nvSpPr>
         <p:spPr/>
         <p:txBody>
-          <a:bodyPr>
-            <a:normAutofit/>
-          </a:bodyPr>
+          <a:bodyPr/>
           <a:lstStyle/>
           <a:p>
             <a:r>
-              <a:rPr lang="en-US" sz="2000" dirty="0" err="1"/>
-              <a:t>SPFx</a:t>
-            </a:r>
-            <a:r>
-              <a:rPr lang="en-US" sz="2000" dirty="0"/>
-              <a:t> projects created with Yeoman template</a:t>
-            </a:r>
-          </a:p>
-          <a:p>
-            <a:pPr lvl="1"/>
-            <a:r>
-              <a:rPr lang="en-US" sz="1800" dirty="0" err="1"/>
-              <a:t>yo</a:t>
-            </a:r>
-            <a:r>
-              <a:rPr lang="en-US" sz="1800" dirty="0"/>
-              <a:t> @</a:t>
-            </a:r>
-            <a:r>
-              <a:rPr lang="en-US" sz="1800" dirty="0" err="1"/>
-              <a:t>microsoft</a:t>
-            </a:r>
-            <a:r>
-              <a:rPr lang="en-US" sz="1800" dirty="0"/>
-              <a:t>/</a:t>
-            </a:r>
-            <a:r>
-              <a:rPr lang="en-US" sz="1800" dirty="0" err="1"/>
-              <a:t>sharepoint</a:t>
-            </a:r>
-            <a:endParaRPr lang="en-US" sz="1800" dirty="0"/>
-          </a:p>
-          <a:p>
-            <a:pPr lvl="1"/>
-            <a:r>
-              <a:rPr lang="en-US" sz="1800" dirty="0"/>
-              <a:t>Takes 8-10 minutes to complete</a:t>
-            </a:r>
-          </a:p>
-          <a:p>
-            <a:pPr lvl="1"/>
-            <a:r>
-              <a:rPr lang="en-US" sz="1800" dirty="0"/>
-              <a:t>Create a directory with over 200MB of source files</a:t>
+              <a:rPr lang="en-US" dirty="0"/>
+              <a:t>Project created as Node.js project</a:t>
             </a:r>
           </a:p>
         </p:txBody>
       </p:sp>
       <p:pic>
         <p:nvPicPr>
-          <p:cNvPr id="4" name="Picture 3"/>
-          <p:cNvPicPr>
-            <a:picLocks noChangeAspect="1"/>
-          </p:cNvPicPr>
+          <p:cNvPr id="4" name="Picture 3">
+            <a:extLst>
+              <a:ext uri="{FF2B5EF4-FFF2-40B4-BE49-F238E27FC236}">
+                <a16:creationId xmlns:a16="http://schemas.microsoft.com/office/drawing/2014/main" id="{A3DC9608-14F3-44D0-A4AA-EF9891E2F3A7}"/>
+              </a:ext>
+            </a:extLst>
+          </p:cNvPr>
+          <p:cNvPicPr/>
           <p:nvPr/>
         </p:nvPicPr>
-        <p:blipFill rotWithShape="1">
-          <a:blip r:embed="rId2"/>
-          <a:srcRect r="31868" b="16197"/>
-          <a:stretch/>
+        <p:blipFill>
+          <a:blip r:embed="rId2">
+            <a:extLst>
+              <a:ext uri="{28A0092B-C50C-407E-A947-70E740481C1C}">
+                <a14:useLocalDpi xmlns:a14="http://schemas.microsoft.com/office/drawing/2010/main" val="0"/>
+              </a:ext>
+            </a:extLst>
+          </a:blip>
+          <a:srcRect/>
+          <a:stretch>
+            <a:fillRect/>
+          </a:stretch>
         </p:blipFill>
-        <p:spPr>
+        <p:spPr bwMode="auto">
           <a:xfrm>
-            <a:off x="700106" y="2922668"/>
-            <a:ext cx="4262437" cy="3037305"/>
+            <a:off x="990600" y="2133600"/>
+            <a:ext cx="3581400" cy="4466503"/>
           </a:xfrm>
           <a:prstGeom prst="rect">
             <a:avLst/>
           </a:prstGeom>
-          <a:ln>
-            <a:solidFill>
-              <a:schemeClr val="tx1"/>
-            </a:solidFill>
-          </a:ln>
-        </p:spPr>
-      </p:pic>
-      <p:pic>
-        <p:nvPicPr>
-          <p:cNvPr id="5" name="Picture 4"/>
-          <p:cNvPicPr>
-            <a:picLocks noChangeAspect="1"/>
-          </p:cNvPicPr>
-          <p:nvPr/>
-        </p:nvPicPr>
-        <p:blipFill rotWithShape="1">
-          <a:blip r:embed="rId3"/>
-          <a:srcRect r="32879" b="18092"/>
-          <a:stretch/>
-        </p:blipFill>
-        <p:spPr>
-          <a:xfrm>
-            <a:off x="2370992" y="3420899"/>
-            <a:ext cx="4296304" cy="3037305"/>
-          </a:xfrm>
-          <a:prstGeom prst="rect">
-            <a:avLst/>
-          </a:prstGeom>
-          <a:ln>
-            <a:solidFill>
-              <a:schemeClr val="tx1"/>
-            </a:solidFill>
-          </a:ln>
-        </p:spPr>
-      </p:pic>
-      <p:pic>
-        <p:nvPicPr>
-          <p:cNvPr id="6" name="Picture 5"/>
-          <p:cNvPicPr>
-            <a:picLocks noChangeAspect="1"/>
-          </p:cNvPicPr>
-          <p:nvPr/>
-        </p:nvPicPr>
-        <p:blipFill rotWithShape="1">
-          <a:blip r:embed="rId4"/>
-          <a:srcRect l="-1" r="34400" b="32576"/>
-          <a:stretch/>
-        </p:blipFill>
-        <p:spPr>
-          <a:xfrm>
-            <a:off x="4595446" y="4133962"/>
-            <a:ext cx="4191000" cy="2495438"/>
-          </a:xfrm>
-          <a:prstGeom prst="rect">
-            <a:avLst/>
-          </a:prstGeom>
+          <a:noFill/>
           <a:ln>
             <a:solidFill>
               <a:schemeClr val="tx1"/>
@@ -3565,7 +3761,287 @@
     </p:spTree>
     <p:extLst>
       <p:ext uri="{BB962C8B-B14F-4D97-AF65-F5344CB8AC3E}">
-        <p14:creationId xmlns:p14="http://schemas.microsoft.com/office/powerpoint/2010/main" val="2828400253"/>
+        <p14:creationId xmlns:p14="http://schemas.microsoft.com/office/powerpoint/2010/main" val="4152347194"/>
+      </p:ext>
+    </p:extLst>
+  </p:cSld>
+  <p:clrMapOvr>
+    <a:masterClrMapping/>
+  </p:clrMapOvr>
+</p:sld>
+</file>
+
+<file path=ppt/slides/slide12.xml><?xml version="1.0" encoding="utf-8"?>
+<p:sld xmlns:a="http://schemas.openxmlformats.org/drawingml/2006/main" xmlns:r="http://schemas.openxmlformats.org/officeDocument/2006/relationships" xmlns:p="http://schemas.openxmlformats.org/presentationml/2006/main">
+  <p:cSld>
+    <p:spTree>
+      <p:nvGrpSpPr>
+        <p:cNvPr id="1" name=""/>
+        <p:cNvGrpSpPr/>
+        <p:nvPr/>
+      </p:nvGrpSpPr>
+      <p:grpSpPr>
+        <a:xfrm>
+          <a:off x="0" y="0"/>
+          <a:ext cx="0" cy="0"/>
+          <a:chOff x="0" y="0"/>
+          <a:chExt cx="0" cy="0"/>
+        </a:xfrm>
+      </p:grpSpPr>
+      <p:sp>
+        <p:nvSpPr>
+          <p:cNvPr id="2" name="Title 1">
+            <a:extLst>
+              <a:ext uri="{FF2B5EF4-FFF2-40B4-BE49-F238E27FC236}">
+                <a16:creationId xmlns:a16="http://schemas.microsoft.com/office/drawing/2014/main" id="{00765210-C545-40F4-B72D-1BB932EC3CCC}"/>
+              </a:ext>
+            </a:extLst>
+          </p:cNvPr>
+          <p:cNvSpPr>
+            <a:spLocks noGrp="1"/>
+          </p:cNvSpPr>
+          <p:nvPr>
+            <p:ph type="title"/>
+          </p:nvPr>
+        </p:nvSpPr>
+        <p:spPr/>
+        <p:txBody>
+          <a:bodyPr/>
+          <a:lstStyle/>
+          <a:p>
+            <a:r>
+              <a:rPr lang="en-US" dirty="0"/>
+              <a:t>SharePoint Framework Adds Gulp Tasks</a:t>
+            </a:r>
+          </a:p>
+        </p:txBody>
+      </p:sp>
+      <p:sp>
+        <p:nvSpPr>
+          <p:cNvPr id="3" name="Content Placeholder 2">
+            <a:extLst>
+              <a:ext uri="{FF2B5EF4-FFF2-40B4-BE49-F238E27FC236}">
+                <a16:creationId xmlns:a16="http://schemas.microsoft.com/office/drawing/2014/main" id="{156C53C4-A25D-4B5F-AF78-772DF8A1DB3A}"/>
+              </a:ext>
+            </a:extLst>
+          </p:cNvPr>
+          <p:cNvSpPr>
+            <a:spLocks noGrp="1"/>
+          </p:cNvSpPr>
+          <p:nvPr>
+            <p:ph idx="1"/>
+          </p:nvPr>
+        </p:nvSpPr>
+        <p:spPr/>
+        <p:txBody>
+          <a:bodyPr>
+            <a:normAutofit/>
+          </a:bodyPr>
+          <a:lstStyle/>
+          <a:p>
+            <a:r>
+              <a:rPr lang="en-US" sz="2400" dirty="0"/>
+              <a:t>Run </a:t>
+            </a:r>
+            <a:r>
+              <a:rPr lang="en-US" sz="2400" b="1" dirty="0"/>
+              <a:t>gulp --tasks</a:t>
+            </a:r>
+            <a:r>
+              <a:rPr lang="en-US" sz="2400" dirty="0"/>
+              <a:t> to see SPFx gulp tasks added to project</a:t>
+            </a:r>
+          </a:p>
+        </p:txBody>
+      </p:sp>
+      <p:pic>
+        <p:nvPicPr>
+          <p:cNvPr id="4" name="Picture 3">
+            <a:extLst>
+              <a:ext uri="{FF2B5EF4-FFF2-40B4-BE49-F238E27FC236}">
+                <a16:creationId xmlns:a16="http://schemas.microsoft.com/office/drawing/2014/main" id="{E54DE390-5ED6-495E-A0D0-8E633C1EDE75}"/>
+              </a:ext>
+            </a:extLst>
+          </p:cNvPr>
+          <p:cNvPicPr>
+            <a:picLocks noChangeAspect="1"/>
+          </p:cNvPicPr>
+          <p:nvPr/>
+        </p:nvPicPr>
+        <p:blipFill>
+          <a:blip r:embed="rId2"/>
+          <a:stretch>
+            <a:fillRect/>
+          </a:stretch>
+        </p:blipFill>
+        <p:spPr>
+          <a:xfrm>
+            <a:off x="762000" y="2057400"/>
+            <a:ext cx="7848600" cy="3465721"/>
+          </a:xfrm>
+          <a:prstGeom prst="rect">
+            <a:avLst/>
+          </a:prstGeom>
+        </p:spPr>
+      </p:pic>
+    </p:spTree>
+    <p:extLst>
+      <p:ext uri="{BB962C8B-B14F-4D97-AF65-F5344CB8AC3E}">
+        <p14:creationId xmlns:p14="http://schemas.microsoft.com/office/powerpoint/2010/main" val="2131500792"/>
+      </p:ext>
+    </p:extLst>
+  </p:cSld>
+  <p:clrMapOvr>
+    <a:masterClrMapping/>
+  </p:clrMapOvr>
+</p:sld>
+</file>
+
+<file path=ppt/slides/slide13.xml><?xml version="1.0" encoding="utf-8"?>
+<p:sld xmlns:a="http://schemas.openxmlformats.org/drawingml/2006/main" xmlns:r="http://schemas.openxmlformats.org/officeDocument/2006/relationships" xmlns:p="http://schemas.openxmlformats.org/presentationml/2006/main">
+  <p:cSld>
+    <p:spTree>
+      <p:nvGrpSpPr>
+        <p:cNvPr id="1" name=""/>
+        <p:cNvGrpSpPr/>
+        <p:nvPr/>
+      </p:nvGrpSpPr>
+      <p:grpSpPr>
+        <a:xfrm>
+          <a:off x="0" y="0"/>
+          <a:ext cx="0" cy="0"/>
+          <a:chOff x="0" y="0"/>
+          <a:chExt cx="0" cy="0"/>
+        </a:xfrm>
+      </p:grpSpPr>
+      <p:sp>
+        <p:nvSpPr>
+          <p:cNvPr id="2" name="Title 1"/>
+          <p:cNvSpPr>
+            <a:spLocks noGrp="1"/>
+          </p:cNvSpPr>
+          <p:nvPr>
+            <p:ph type="title"/>
+          </p:nvPr>
+        </p:nvSpPr>
+        <p:spPr/>
+        <p:txBody>
+          <a:bodyPr/>
+          <a:lstStyle/>
+          <a:p>
+            <a:r>
+              <a:rPr lang="en-US" dirty="0" err="1"/>
+              <a:t>Package.json</a:t>
+            </a:r>
+            <a:endParaRPr lang="en-US" dirty="0"/>
+          </a:p>
+        </p:txBody>
+      </p:sp>
+      <p:pic>
+        <p:nvPicPr>
+          <p:cNvPr id="3" name="Picture 2">
+            <a:extLst>
+              <a:ext uri="{FF2B5EF4-FFF2-40B4-BE49-F238E27FC236}">
+                <a16:creationId xmlns:a16="http://schemas.microsoft.com/office/drawing/2014/main" id="{BC67C5A7-B55D-48E1-B60F-7E4C460E3AD6}"/>
+              </a:ext>
+            </a:extLst>
+          </p:cNvPr>
+          <p:cNvPicPr>
+            <a:picLocks noChangeAspect="1"/>
+          </p:cNvPicPr>
+          <p:nvPr/>
+        </p:nvPicPr>
+        <p:blipFill>
+          <a:blip r:embed="rId2"/>
+          <a:stretch>
+            <a:fillRect/>
+          </a:stretch>
+        </p:blipFill>
+        <p:spPr>
+          <a:xfrm>
+            <a:off x="381000" y="1219200"/>
+            <a:ext cx="7239000" cy="5034841"/>
+          </a:xfrm>
+          <a:prstGeom prst="rect">
+            <a:avLst/>
+          </a:prstGeom>
+          <a:ln>
+            <a:solidFill>
+              <a:schemeClr val="tx1">
+                <a:lumMod val="50000"/>
+                <a:lumOff val="50000"/>
+              </a:schemeClr>
+            </a:solidFill>
+          </a:ln>
+        </p:spPr>
+      </p:pic>
+      <p:sp>
+        <p:nvSpPr>
+          <p:cNvPr id="5" name="Arrow: Left 4">
+            <a:extLst>
+              <a:ext uri="{FF2B5EF4-FFF2-40B4-BE49-F238E27FC236}">
+                <a16:creationId xmlns:a16="http://schemas.microsoft.com/office/drawing/2014/main" id="{6B2F8AB9-CFB8-4015-84E5-12634C45CCCB}"/>
+              </a:ext>
+            </a:extLst>
+          </p:cNvPr>
+          <p:cNvSpPr/>
+          <p:nvPr/>
+        </p:nvSpPr>
+        <p:spPr>
+          <a:xfrm>
+            <a:off x="6737196" y="4105508"/>
+            <a:ext cx="2057400" cy="533400"/>
+          </a:xfrm>
+          <a:prstGeom prst="leftArrow">
+            <a:avLst/>
+          </a:prstGeom>
+          <a:solidFill>
+            <a:schemeClr val="accent2"/>
+          </a:solidFill>
+          <a:ln>
+            <a:solidFill>
+              <a:srgbClr val="9F002D"/>
+            </a:solidFill>
+          </a:ln>
+        </p:spPr>
+        <p:style>
+          <a:lnRef idx="2">
+            <a:schemeClr val="accent1">
+              <a:shade val="50000"/>
+            </a:schemeClr>
+          </a:lnRef>
+          <a:fillRef idx="1">
+            <a:schemeClr val="accent1"/>
+          </a:fillRef>
+          <a:effectRef idx="0">
+            <a:schemeClr val="accent1"/>
+          </a:effectRef>
+          <a:fontRef idx="minor">
+            <a:schemeClr val="lt1"/>
+          </a:fontRef>
+        </p:style>
+        <p:txBody>
+          <a:bodyPr rtlCol="0" anchor="ctr"/>
+          <a:lstStyle/>
+          <a:p>
+            <a:pPr algn="ctr"/>
+            <a:r>
+              <a:rPr lang="en-US" sz="1000" b="1" dirty="0">
+                <a:solidFill>
+                  <a:schemeClr val="accent1">
+                    <a:lumMod val="50000"/>
+                  </a:schemeClr>
+                </a:solidFill>
+              </a:rPr>
+              <a:t>SPFx API Version Number</a:t>
+            </a:r>
+          </a:p>
+        </p:txBody>
+      </p:sp>
+    </p:spTree>
+    <p:extLst>
+      <p:ext uri="{BB962C8B-B14F-4D97-AF65-F5344CB8AC3E}">
+        <p14:creationId xmlns:p14="http://schemas.microsoft.com/office/powerpoint/2010/main" val="2221690424"/>
       </p:ext>
     </p:extLst>
   </p:cSld>
@@ -3593,7 +4069,7 @@
                             </p:stCondLst>
                             <p:childTnLst>
                               <p:par>
-                                <p:cTn id="5" presetID="1" presetClass="entr" presetSubtype="0" fill="hold" nodeType="clickEffect">
+                                <p:cTn id="5" presetID="1" presetClass="entr" presetSubtype="0" fill="hold" grpId="0" nodeType="clickEffect">
                                   <p:stCondLst>
                                     <p:cond delay="0"/>
                                   </p:stCondLst>
@@ -3606,97 +4082,7 @@
                                           </p:stCondLst>
                                         </p:cTn>
                                         <p:tgtEl>
-                                          <p:spTgt spid="4"/>
-                                        </p:tgtEl>
-                                        <p:attrNameLst>
-                                          <p:attrName>style.visibility</p:attrName>
-                                        </p:attrNameLst>
-                                      </p:cBhvr>
-                                      <p:to>
-                                        <p:strVal val="visible"/>
-                                      </p:to>
-                                    </p:set>
-                                  </p:childTnLst>
-                                </p:cTn>
-                              </p:par>
-                            </p:childTnLst>
-                          </p:cTn>
-                        </p:par>
-                      </p:childTnLst>
-                    </p:cTn>
-                  </p:par>
-                  <p:par>
-                    <p:cTn id="7" fill="hold">
-                      <p:stCondLst>
-                        <p:cond delay="indefinite"/>
-                      </p:stCondLst>
-                      <p:childTnLst>
-                        <p:par>
-                          <p:cTn id="8" fill="hold">
-                            <p:stCondLst>
-                              <p:cond delay="0"/>
-                            </p:stCondLst>
-                            <p:childTnLst>
-                              <p:par>
-                                <p:cTn id="9" presetID="1" presetClass="entr" presetSubtype="0" fill="hold" nodeType="clickEffect">
-                                  <p:stCondLst>
-                                    <p:cond delay="0"/>
-                                  </p:stCondLst>
-                                  <p:childTnLst>
-                                    <p:set>
-                                      <p:cBhvr>
-                                        <p:cTn id="10" dur="1" fill="hold">
-                                          <p:stCondLst>
-                                            <p:cond delay="0"/>
-                                          </p:stCondLst>
-                                        </p:cTn>
-                                        <p:tgtEl>
                                           <p:spTgt spid="5"/>
-                                        </p:tgtEl>
-                                        <p:attrNameLst>
-                                          <p:attrName>style.visibility</p:attrName>
-                                        </p:attrNameLst>
-                                      </p:cBhvr>
-                                      <p:to>
-                                        <p:strVal val="visible"/>
-                                      </p:to>
-                                    </p:set>
-                                  </p:childTnLst>
-                                </p:cTn>
-                              </p:par>
-                            </p:childTnLst>
-                          </p:cTn>
-                        </p:par>
-                      </p:childTnLst>
-                    </p:cTn>
-                  </p:par>
-                  <p:par>
-                    <p:cTn id="11" fill="hold">
-                      <p:stCondLst>
-                        <p:cond delay="indefinite"/>
-                      </p:stCondLst>
-                      <p:childTnLst>
-                        <p:par>
-                          <p:cTn id="12" fill="hold">
-                            <p:stCondLst>
-                              <p:cond delay="0"/>
-                            </p:stCondLst>
-                            <p:childTnLst>
-                              <p:par>
-                                <p:cTn id="13" presetID="1" presetClass="entr" presetSubtype="0" fill="hold" nodeType="clickEffect">
-                                  <p:stCondLst>
-                                    <p:cond delay="0"/>
-                                  </p:stCondLst>
-                                  <p:childTnLst>
-                                    <p:set>
-                                      <p:cBhvr>
-                                        <p:cTn id="14" dur="1" fill="hold">
-                                          <p:stCondLst>
-                                            <p:cond delay="0"/>
-                                          </p:stCondLst>
-                                        </p:cTn>
-                                        <p:tgtEl>
-                                          <p:spTgt spid="6"/>
                                         </p:tgtEl>
                                         <p:attrNameLst>
                                           <p:attrName>style.visibility</p:attrName>
@@ -3736,11 +4122,14 @@
         </p:cTn>
       </p:par>
     </p:tnLst>
+    <p:bldLst>
+      <p:bldP spid="5" grpId="0" animBg="1"/>
+    </p:bldLst>
   </p:timing>
 </p:sld>
 </file>
 
-<file path=ppt/slides/slide12.xml><?xml version="1.0" encoding="utf-8"?>
+<file path=ppt/slides/slide14.xml><?xml version="1.0" encoding="utf-8"?>
 <p:sld xmlns:a="http://schemas.openxmlformats.org/drawingml/2006/main" xmlns:r="http://schemas.openxmlformats.org/officeDocument/2006/relationships" xmlns:p="http://schemas.openxmlformats.org/presentationml/2006/main">
   <p:cSld>
     <p:spTree>
@@ -3773,46 +4162,183 @@
           <a:lstStyle/>
           <a:p>
             <a:r>
-              <a:rPr lang="en-US" dirty="0" err="1"/>
-              <a:t>Package.json</a:t>
+              <a:rPr lang="en-US"/>
+              <a:t>Running gulp trust-dev-cert</a:t>
             </a:r>
             <a:endParaRPr lang="en-US" dirty="0"/>
+          </a:p>
+        </p:txBody>
+      </p:sp>
+      <p:sp>
+        <p:nvSpPr>
+          <p:cNvPr id="3" name="Content Placeholder 2"/>
+          <p:cNvSpPr>
+            <a:spLocks noGrp="1"/>
+          </p:cNvSpPr>
+          <p:nvPr>
+            <p:ph idx="1"/>
+          </p:nvPr>
+        </p:nvSpPr>
+        <p:spPr/>
+        <p:txBody>
+          <a:bodyPr>
+            <a:normAutofit/>
+          </a:bodyPr>
+          <a:lstStyle/>
+          <a:p>
+            <a:r>
+              <a:rPr lang="en-US" sz="2400" dirty="0"/>
+              <a:t>Testing SPFx code requires self-signed certificate</a:t>
+            </a:r>
+          </a:p>
+          <a:p>
+            <a:pPr lvl="1"/>
+            <a:r>
+              <a:rPr lang="en-US" sz="2000" dirty="0"/>
+              <a:t>Certificate used serve pages with SSL at </a:t>
+            </a:r>
+            <a:r>
+              <a:rPr lang="en-US" sz="2000" dirty="0">
+                <a:hlinkClick r:id="rId2"/>
+              </a:rPr>
+              <a:t>https://localhost</a:t>
+            </a:r>
+            <a:r>
+              <a:rPr lang="en-US" sz="2000" dirty="0"/>
+              <a:t> </a:t>
+            </a:r>
+          </a:p>
+          <a:p>
+            <a:pPr lvl="1"/>
+            <a:r>
+              <a:rPr lang="en-US" sz="2000" dirty="0"/>
+              <a:t>Certificated created and registered using </a:t>
+            </a:r>
+            <a:r>
+              <a:rPr lang="en-US" sz="2000" b="1" dirty="0"/>
+              <a:t>gulp trust-dev-cert</a:t>
+            </a:r>
+          </a:p>
+          <a:p>
+            <a:pPr lvl="1"/>
+            <a:endParaRPr lang="en-US" sz="2000" b="1" dirty="0"/>
+          </a:p>
+          <a:p>
+            <a:pPr lvl="1"/>
+            <a:endParaRPr lang="en-US" sz="2000" b="1" dirty="0"/>
+          </a:p>
+          <a:p>
+            <a:pPr lvl="1"/>
+            <a:endParaRPr lang="en-US" sz="2000" b="1" dirty="0"/>
+          </a:p>
+          <a:p>
+            <a:pPr lvl="1"/>
+            <a:endParaRPr lang="en-US" sz="2000" b="1" dirty="0"/>
+          </a:p>
+          <a:p>
+            <a:pPr lvl="1"/>
+            <a:endParaRPr lang="en-US" sz="2000" b="1" dirty="0"/>
+          </a:p>
+          <a:p>
+            <a:pPr lvl="1"/>
+            <a:endParaRPr lang="en-US" sz="2000" b="1" dirty="0"/>
+          </a:p>
+          <a:p>
+            <a:r>
+              <a:rPr lang="en-US" sz="2400" b="1" dirty="0"/>
+              <a:t>gulp trust-dev-cert</a:t>
+            </a:r>
+            <a:r>
+              <a:rPr lang="en-US" sz="2400" dirty="0"/>
+              <a:t> must be run within project directory</a:t>
+            </a:r>
+          </a:p>
+          <a:p>
+            <a:pPr lvl="1"/>
+            <a:r>
+              <a:rPr lang="en-US" sz="2000" dirty="0"/>
+              <a:t>However, you only have to run this command once</a:t>
+            </a:r>
+          </a:p>
+          <a:p>
+            <a:pPr lvl="1"/>
+            <a:r>
+              <a:rPr lang="en-US" sz="2000" dirty="0"/>
+              <a:t>No need to run </a:t>
+            </a:r>
+            <a:r>
+              <a:rPr lang="en-US" sz="2000" b="1" dirty="0"/>
+              <a:t>gulp trust-dev-cert</a:t>
+            </a:r>
+            <a:r>
+              <a:rPr lang="en-US" sz="2000" dirty="0"/>
+              <a:t> on a per-project basis</a:t>
+            </a:r>
+          </a:p>
+          <a:p>
+            <a:endParaRPr lang="en-US" sz="2400" dirty="0"/>
+          </a:p>
+          <a:p>
+            <a:pPr lvl="1"/>
+            <a:endParaRPr lang="en-US" sz="2000" dirty="0"/>
+          </a:p>
+          <a:p>
+            <a:pPr lvl="1"/>
+            <a:endParaRPr lang="en-US" sz="2000" dirty="0"/>
+          </a:p>
+          <a:p>
+            <a:pPr lvl="1"/>
+            <a:endParaRPr lang="en-US" sz="2000" dirty="0"/>
+          </a:p>
+          <a:p>
+            <a:pPr lvl="1"/>
+            <a:endParaRPr lang="en-US" sz="2000" dirty="0"/>
           </a:p>
         </p:txBody>
       </p:sp>
       <p:pic>
         <p:nvPicPr>
-          <p:cNvPr id="4" name="Picture 3"/>
-          <p:cNvPicPr>
-            <a:picLocks noChangeAspect="1"/>
-          </p:cNvPicPr>
+          <p:cNvPr id="6" name="Picture 5">
+            <a:extLst>
+              <a:ext uri="{FF2B5EF4-FFF2-40B4-BE49-F238E27FC236}">
+                <a16:creationId xmlns:a16="http://schemas.microsoft.com/office/drawing/2014/main" id="{E0F46700-588F-422A-9D8E-E1DA65B04B22}"/>
+              </a:ext>
+            </a:extLst>
+          </p:cNvPr>
+          <p:cNvPicPr/>
           <p:nvPr/>
         </p:nvPicPr>
         <p:blipFill>
-          <a:blip r:embed="rId2"/>
+          <a:blip r:embed="rId3">
+            <a:extLst>
+              <a:ext uri="{28A0092B-C50C-407E-A947-70E740481C1C}">
+                <a14:useLocalDpi xmlns:a14="http://schemas.microsoft.com/office/drawing/2010/main" val="0"/>
+              </a:ext>
+            </a:extLst>
+          </a:blip>
+          <a:srcRect/>
           <a:stretch>
             <a:fillRect/>
           </a:stretch>
         </p:blipFill>
-        <p:spPr>
+        <p:spPr bwMode="auto">
           <a:xfrm>
-            <a:off x="533400" y="1143000"/>
-            <a:ext cx="7848600" cy="5481713"/>
+            <a:off x="1143000" y="2743200"/>
+            <a:ext cx="7010400" cy="2133600"/>
           </a:xfrm>
           <a:prstGeom prst="rect">
             <a:avLst/>
           </a:prstGeom>
+          <a:noFill/>
           <a:ln>
-            <a:solidFill>
-              <a:schemeClr val="tx1"/>
-            </a:solidFill>
+            <a:noFill/>
           </a:ln>
         </p:spPr>
       </p:pic>
     </p:spTree>
     <p:extLst>
       <p:ext uri="{BB962C8B-B14F-4D97-AF65-F5344CB8AC3E}">
-        <p14:creationId xmlns:p14="http://schemas.microsoft.com/office/powerpoint/2010/main" val="2221690424"/>
+        <p14:creationId xmlns:p14="http://schemas.microsoft.com/office/powerpoint/2010/main" val="1948063999"/>
       </p:ext>
     </p:extLst>
   </p:cSld>
@@ -3822,7 +4348,7 @@
 </p:sld>
 </file>
 
-<file path=ppt/slides/slide13.xml><?xml version="1.0" encoding="utf-8"?>
+<file path=ppt/slides/slide15.xml><?xml version="1.0" encoding="utf-8"?>
 <p:sld xmlns:a="http://schemas.openxmlformats.org/drawingml/2006/main" xmlns:r="http://schemas.openxmlformats.org/officeDocument/2006/relationships" xmlns:p="http://schemas.openxmlformats.org/presentationml/2006/main">
   <p:cSld>
     <p:spTree>
@@ -3855,9 +4381,10 @@
           <a:lstStyle/>
           <a:p>
             <a:r>
-              <a:rPr lang="en-US" dirty="0"/>
-              <a:t>Gulp as a Task Runner</a:t>
-            </a:r>
+              <a:rPr lang="en-US"/>
+              <a:t>Agenda</a:t>
+            </a:r>
+            <a:endParaRPr lang="en-US" dirty="0"/>
           </a:p>
         </p:txBody>
       </p:sp>
@@ -3874,97 +4401,64 @@
         <p:spPr/>
         <p:txBody>
           <a:bodyPr>
-            <a:normAutofit/>
+            <a:noAutofit/>
           </a:bodyPr>
           <a:lstStyle/>
           <a:p>
+            <a:pPr lvl="0">
+              <a:buFont typeface="Wingdings" panose="05000000000000000000" pitchFamily="2" charset="2"/>
+              <a:buChar char="ü"/>
+            </a:pPr>
             <a:r>
               <a:rPr lang="en-US" sz="2400" dirty="0"/>
-              <a:t>Gulp serves as a Task Runner</a:t>
-            </a:r>
-          </a:p>
-          <a:p>
-            <a:pPr lvl="1"/>
-            <a:r>
-              <a:rPr lang="en-US" sz="2000" dirty="0"/>
-              <a:t>Compiles TypeScript files to JavaScript</a:t>
-            </a:r>
-          </a:p>
-          <a:p>
-            <a:pPr lvl="1"/>
-            <a:r>
-              <a:rPr lang="en-US" sz="2000" dirty="0"/>
-              <a:t>Compiles SASS files to CSS</a:t>
-            </a:r>
-          </a:p>
-          <a:p>
-            <a:pPr lvl="1"/>
-            <a:r>
-              <a:rPr lang="en-US" sz="2000" dirty="0"/>
-              <a:t>Bundles and minifies JavaScript and CSS files</a:t>
-            </a:r>
-          </a:p>
-          <a:p>
-            <a:pPr>
-              <a:lnSpc>
-                <a:spcPct val="150000"/>
-              </a:lnSpc>
+              <a:t>Introduction to the SharePoint Framework</a:t>
+            </a:r>
+          </a:p>
+          <a:p>
+            <a:pPr lvl="0">
+              <a:buFont typeface="Wingdings" panose="05000000000000000000" pitchFamily="2" charset="2"/>
+              <a:buChar char="ü"/>
             </a:pPr>
             <a:r>
               <a:rPr lang="en-US" sz="2400" dirty="0"/>
-              <a:t>Create a self-signed certificate</a:t>
-            </a:r>
-          </a:p>
-          <a:p>
-            <a:pPr marL="347662" lvl="1" indent="0">
-              <a:lnSpc>
-                <a:spcPct val="150000"/>
-              </a:lnSpc>
-              <a:buNone/>
+              <a:t>Creating SPFX Projects using the Yeoman Generator</a:t>
+            </a:r>
+          </a:p>
+          <a:p>
+            <a:pPr lvl="0">
+              <a:buFont typeface="Wingdings" panose="05000000000000000000" pitchFamily="2" charset="2"/>
+              <a:buChar char="Ø"/>
             </a:pPr>
             <a:r>
-              <a:rPr lang="en-US" sz="2000" b="1" dirty="0"/>
-              <a:t>gulp trust-dev-cert</a:t>
-            </a:r>
-          </a:p>
-          <a:p>
-            <a:pPr>
-              <a:lnSpc>
-                <a:spcPct val="150000"/>
-              </a:lnSpc>
-            </a:pPr>
-            <a:r>
               <a:rPr lang="en-US" sz="2400" dirty="0"/>
-              <a:t>Start up the project for testing &amp; debugging</a:t>
-            </a:r>
-          </a:p>
-          <a:p>
-            <a:pPr marL="347662" lvl="1" indent="0">
-              <a:lnSpc>
-                <a:spcPct val="150000"/>
-              </a:lnSpc>
-              <a:buNone/>
-            </a:pPr>
-            <a:r>
-              <a:rPr lang="en-US" sz="2000" b="1" dirty="0"/>
-              <a:t>gulp serve</a:t>
-            </a:r>
-          </a:p>
-          <a:p>
-            <a:endParaRPr lang="en-US" sz="2400" dirty="0"/>
-          </a:p>
-          <a:p>
-            <a:pPr marL="347662" lvl="1" indent="0">
-              <a:buNone/>
-            </a:pPr>
-            <a:endParaRPr lang="en-US" sz="2000" dirty="0"/>
+              <a:t>Testing &amp; Debugging Webparts in SharePoint Workbench</a:t>
+            </a:r>
+          </a:p>
+          <a:p>
+            <a:r>
+              <a:rPr lang="en-US" sz="2400" dirty="0"/>
+              <a:t>Managing Styles using SCSS Files and CSS Modules</a:t>
+            </a:r>
+          </a:p>
+          <a:p>
+            <a:r>
+              <a:rPr lang="en-US" sz="2400" dirty="0"/>
+              <a:t>Creating a Web Part with Custom Properties</a:t>
+            </a:r>
+          </a:p>
+          <a:p>
+            <a:pPr lvl="0"/>
+            <a:r>
+              <a:rPr lang="en-US" sz="2400" dirty="0"/>
+              <a:t>Creating Application Customizers</a:t>
+            </a:r>
           </a:p>
         </p:txBody>
       </p:sp>
     </p:spTree>
     <p:extLst>
       <p:ext uri="{BB962C8B-B14F-4D97-AF65-F5344CB8AC3E}">
-        <p14:creationId xmlns:p14="http://schemas.microsoft.com/office/powerpoint/2010/main" val="1948063999"/>
+        <p14:creationId xmlns:p14="http://schemas.microsoft.com/office/powerpoint/2010/main" val="3694796357"/>
       </p:ext>
     </p:extLst>
   </p:cSld>
@@ -3974,7 +4468,7 @@
 </p:sld>
 </file>
 
-<file path=ppt/slides/slide14.xml><?xml version="1.0" encoding="utf-8"?>
+<file path=ppt/slides/slide16.xml><?xml version="1.0" encoding="utf-8"?>
 <p:sld xmlns:a="http://schemas.openxmlformats.org/drawingml/2006/main" xmlns:r="http://schemas.openxmlformats.org/officeDocument/2006/relationships" xmlns:p="http://schemas.openxmlformats.org/presentationml/2006/main">
   <p:cSld>
     <p:spTree>
@@ -4101,7 +4595,541 @@
 </p:sld>
 </file>
 
-<file path=ppt/slides/slide15.xml><?xml version="1.0" encoding="utf-8"?>
+<file path=ppt/slides/slide17.xml><?xml version="1.0" encoding="utf-8"?>
+<p:sld xmlns:a="http://schemas.openxmlformats.org/drawingml/2006/main" xmlns:r="http://schemas.openxmlformats.org/officeDocument/2006/relationships" xmlns:p="http://schemas.openxmlformats.org/presentationml/2006/main">
+  <p:cSld>
+    <p:spTree>
+      <p:nvGrpSpPr>
+        <p:cNvPr id="1" name=""/>
+        <p:cNvGrpSpPr/>
+        <p:nvPr/>
+      </p:nvGrpSpPr>
+      <p:grpSpPr>
+        <a:xfrm>
+          <a:off x="0" y="0"/>
+          <a:ext cx="0" cy="0"/>
+          <a:chOff x="0" y="0"/>
+          <a:chExt cx="0" cy="0"/>
+        </a:xfrm>
+      </p:grpSpPr>
+      <p:sp>
+        <p:nvSpPr>
+          <p:cNvPr id="2" name="Title 1">
+            <a:extLst>
+              <a:ext uri="{FF2B5EF4-FFF2-40B4-BE49-F238E27FC236}">
+                <a16:creationId xmlns:a16="http://schemas.microsoft.com/office/drawing/2014/main" id="{71BAE858-8553-4D50-8467-2BB55F77532F}"/>
+              </a:ext>
+            </a:extLst>
+          </p:cNvPr>
+          <p:cNvSpPr>
+            <a:spLocks noGrp="1"/>
+          </p:cNvSpPr>
+          <p:nvPr>
+            <p:ph type="title"/>
+          </p:nvPr>
+        </p:nvSpPr>
+        <p:spPr/>
+        <p:txBody>
+          <a:bodyPr/>
+          <a:lstStyle/>
+          <a:p>
+            <a:r>
+              <a:rPr lang="en-US" dirty="0"/>
+              <a:t>Webpart Manifest</a:t>
+            </a:r>
+          </a:p>
+        </p:txBody>
+      </p:sp>
+      <p:pic>
+        <p:nvPicPr>
+          <p:cNvPr id="3" name="Picture 2">
+            <a:extLst>
+              <a:ext uri="{FF2B5EF4-FFF2-40B4-BE49-F238E27FC236}">
+                <a16:creationId xmlns:a16="http://schemas.microsoft.com/office/drawing/2014/main" id="{40F85A16-E6BB-42BE-8918-E9D3839845FB}"/>
+              </a:ext>
+            </a:extLst>
+          </p:cNvPr>
+          <p:cNvPicPr/>
+          <p:nvPr/>
+        </p:nvPicPr>
+        <p:blipFill>
+          <a:blip r:embed="rId2">
+            <a:extLst>
+              <a:ext uri="{28A0092B-C50C-407E-A947-70E740481C1C}">
+                <a14:useLocalDpi xmlns:a14="http://schemas.microsoft.com/office/drawing/2010/main" val="0"/>
+              </a:ext>
+            </a:extLst>
+          </a:blip>
+          <a:srcRect/>
+          <a:stretch>
+            <a:fillRect/>
+          </a:stretch>
+        </p:blipFill>
+        <p:spPr bwMode="auto">
+          <a:xfrm>
+            <a:off x="685800" y="1600200"/>
+            <a:ext cx="3124200" cy="2139582"/>
+          </a:xfrm>
+          <a:prstGeom prst="rect">
+            <a:avLst/>
+          </a:prstGeom>
+          <a:noFill/>
+          <a:ln>
+            <a:solidFill>
+              <a:schemeClr val="tx1">
+                <a:lumMod val="50000"/>
+                <a:lumOff val="50000"/>
+              </a:schemeClr>
+            </a:solidFill>
+          </a:ln>
+        </p:spPr>
+      </p:pic>
+      <p:pic>
+        <p:nvPicPr>
+          <p:cNvPr id="5" name="Picture 4">
+            <a:extLst>
+              <a:ext uri="{FF2B5EF4-FFF2-40B4-BE49-F238E27FC236}">
+                <a16:creationId xmlns:a16="http://schemas.microsoft.com/office/drawing/2014/main" id="{918861C0-B23F-4471-BFCC-21CDBC51D096}"/>
+              </a:ext>
+            </a:extLst>
+          </p:cNvPr>
+          <p:cNvPicPr/>
+          <p:nvPr/>
+        </p:nvPicPr>
+        <p:blipFill>
+          <a:blip r:embed="rId3">
+            <a:extLst>
+              <a:ext uri="{28A0092B-C50C-407E-A947-70E740481C1C}">
+                <a14:useLocalDpi xmlns:a14="http://schemas.microsoft.com/office/drawing/2010/main" val="0"/>
+              </a:ext>
+            </a:extLst>
+          </a:blip>
+          <a:srcRect/>
+          <a:stretch>
+            <a:fillRect/>
+          </a:stretch>
+        </p:blipFill>
+        <p:spPr bwMode="auto">
+          <a:xfrm>
+            <a:off x="721112" y="4191000"/>
+            <a:ext cx="3657600" cy="1490345"/>
+          </a:xfrm>
+          <a:prstGeom prst="rect">
+            <a:avLst/>
+          </a:prstGeom>
+          <a:noFill/>
+          <a:ln>
+            <a:solidFill>
+              <a:schemeClr val="tx1"/>
+            </a:solidFill>
+          </a:ln>
+        </p:spPr>
+      </p:pic>
+    </p:spTree>
+    <p:extLst>
+      <p:ext uri="{BB962C8B-B14F-4D97-AF65-F5344CB8AC3E}">
+        <p14:creationId xmlns:p14="http://schemas.microsoft.com/office/powerpoint/2010/main" val="705374187"/>
+      </p:ext>
+    </p:extLst>
+  </p:cSld>
+  <p:clrMapOvr>
+    <a:masterClrMapping/>
+  </p:clrMapOvr>
+</p:sld>
+</file>
+
+<file path=ppt/slides/slide18.xml><?xml version="1.0" encoding="utf-8"?>
+<p:sld xmlns:a="http://schemas.openxmlformats.org/drawingml/2006/main" xmlns:r="http://schemas.openxmlformats.org/officeDocument/2006/relationships" xmlns:p="http://schemas.openxmlformats.org/presentationml/2006/main">
+  <p:cSld>
+    <p:spTree>
+      <p:nvGrpSpPr>
+        <p:cNvPr id="1" name=""/>
+        <p:cNvGrpSpPr/>
+        <p:nvPr/>
+      </p:nvGrpSpPr>
+      <p:grpSpPr>
+        <a:xfrm>
+          <a:off x="0" y="0"/>
+          <a:ext cx="0" cy="0"/>
+          <a:chOff x="0" y="0"/>
+          <a:chExt cx="0" cy="0"/>
+        </a:xfrm>
+      </p:grpSpPr>
+      <p:sp>
+        <p:nvSpPr>
+          <p:cNvPr id="2" name="Title 1"/>
+          <p:cNvSpPr>
+            <a:spLocks noGrp="1"/>
+          </p:cNvSpPr>
+          <p:nvPr>
+            <p:ph type="title"/>
+          </p:nvPr>
+        </p:nvSpPr>
+        <p:spPr/>
+        <p:txBody>
+          <a:bodyPr/>
+          <a:lstStyle/>
+          <a:p>
+            <a:r>
+              <a:rPr lang="en-US" dirty="0"/>
+              <a:t>Web Part Context</a:t>
+            </a:r>
+          </a:p>
+        </p:txBody>
+      </p:sp>
+      <p:pic>
+        <p:nvPicPr>
+          <p:cNvPr id="3" name="Picture 2"/>
+          <p:cNvPicPr>
+            <a:picLocks noChangeAspect="1"/>
+          </p:cNvPicPr>
+          <p:nvPr/>
+        </p:nvPicPr>
+        <p:blipFill>
+          <a:blip r:embed="rId2"/>
+          <a:stretch>
+            <a:fillRect/>
+          </a:stretch>
+        </p:blipFill>
+        <p:spPr>
+          <a:xfrm>
+            <a:off x="115957" y="1093304"/>
+            <a:ext cx="7656443" cy="3444074"/>
+          </a:xfrm>
+          <a:prstGeom prst="rect">
+            <a:avLst/>
+          </a:prstGeom>
+        </p:spPr>
+      </p:pic>
+      <p:pic>
+        <p:nvPicPr>
+          <p:cNvPr id="4" name="Picture 3"/>
+          <p:cNvPicPr>
+            <a:picLocks noChangeAspect="1"/>
+          </p:cNvPicPr>
+          <p:nvPr/>
+        </p:nvPicPr>
+        <p:blipFill rotWithShape="1">
+          <a:blip r:embed="rId3"/>
+          <a:srcRect t="8702"/>
+          <a:stretch/>
+        </p:blipFill>
+        <p:spPr>
+          <a:xfrm>
+            <a:off x="5410200" y="4267200"/>
+            <a:ext cx="3634926" cy="2438400"/>
+          </a:xfrm>
+          <a:prstGeom prst="rect">
+            <a:avLst/>
+          </a:prstGeom>
+        </p:spPr>
+      </p:pic>
+    </p:spTree>
+    <p:extLst>
+      <p:ext uri="{BB962C8B-B14F-4D97-AF65-F5344CB8AC3E}">
+        <p14:creationId xmlns:p14="http://schemas.microsoft.com/office/powerpoint/2010/main" val="2098062114"/>
+      </p:ext>
+    </p:extLst>
+  </p:cSld>
+  <p:clrMapOvr>
+    <a:masterClrMapping/>
+  </p:clrMapOvr>
+</p:sld>
+</file>
+
+<file path=ppt/slides/slide19.xml><?xml version="1.0" encoding="utf-8"?>
+<p:sld xmlns:a="http://schemas.openxmlformats.org/drawingml/2006/main" xmlns:r="http://schemas.openxmlformats.org/officeDocument/2006/relationships" xmlns:p="http://schemas.openxmlformats.org/presentationml/2006/main">
+  <p:cSld>
+    <p:spTree>
+      <p:nvGrpSpPr>
+        <p:cNvPr id="1" name=""/>
+        <p:cNvGrpSpPr/>
+        <p:nvPr/>
+      </p:nvGrpSpPr>
+      <p:grpSpPr>
+        <a:xfrm>
+          <a:off x="0" y="0"/>
+          <a:ext cx="0" cy="0"/>
+          <a:chOff x="0" y="0"/>
+          <a:chExt cx="0" cy="0"/>
+        </a:xfrm>
+      </p:grpSpPr>
+      <p:sp>
+        <p:nvSpPr>
+          <p:cNvPr id="2" name="Title 1"/>
+          <p:cNvSpPr>
+            <a:spLocks noGrp="1"/>
+          </p:cNvSpPr>
+          <p:nvPr>
+            <p:ph type="title"/>
+          </p:nvPr>
+        </p:nvSpPr>
+        <p:spPr/>
+        <p:txBody>
+          <a:bodyPr/>
+          <a:lstStyle/>
+          <a:p>
+            <a:r>
+              <a:rPr lang="en-US" dirty="0"/>
+              <a:t>Hello World with </a:t>
+            </a:r>
+            <a:r>
+              <a:rPr lang="en-US" dirty="0" err="1"/>
+              <a:t>SPFx</a:t>
+            </a:r>
+            <a:endParaRPr lang="en-US" dirty="0"/>
+          </a:p>
+        </p:txBody>
+      </p:sp>
+    </p:spTree>
+    <p:extLst>
+      <p:ext uri="{BB962C8B-B14F-4D97-AF65-F5344CB8AC3E}">
+        <p14:creationId xmlns:p14="http://schemas.microsoft.com/office/powerpoint/2010/main" val="2726954055"/>
+      </p:ext>
+    </p:extLst>
+  </p:cSld>
+  <p:clrMapOvr>
+    <a:masterClrMapping/>
+  </p:clrMapOvr>
+</p:sld>
+</file>
+
+<file path=ppt/slides/slide2.xml><?xml version="1.0" encoding="utf-8"?>
+<p:sld xmlns:a="http://schemas.openxmlformats.org/drawingml/2006/main" xmlns:r="http://schemas.openxmlformats.org/officeDocument/2006/relationships" xmlns:p="http://schemas.openxmlformats.org/presentationml/2006/main">
+  <p:cSld>
+    <p:spTree>
+      <p:nvGrpSpPr>
+        <p:cNvPr id="1" name=""/>
+        <p:cNvGrpSpPr/>
+        <p:nvPr/>
+      </p:nvGrpSpPr>
+      <p:grpSpPr>
+        <a:xfrm>
+          <a:off x="0" y="0"/>
+          <a:ext cx="0" cy="0"/>
+          <a:chOff x="0" y="0"/>
+          <a:chExt cx="0" cy="0"/>
+        </a:xfrm>
+      </p:grpSpPr>
+      <p:sp>
+        <p:nvSpPr>
+          <p:cNvPr id="2" name="Title 1"/>
+          <p:cNvSpPr>
+            <a:spLocks noGrp="1"/>
+          </p:cNvSpPr>
+          <p:nvPr>
+            <p:ph type="title"/>
+          </p:nvPr>
+        </p:nvSpPr>
+        <p:spPr/>
+        <p:txBody>
+          <a:bodyPr/>
+          <a:lstStyle/>
+          <a:p>
+            <a:r>
+              <a:rPr lang="en-US"/>
+              <a:t>Agenda</a:t>
+            </a:r>
+            <a:endParaRPr lang="en-US" dirty="0"/>
+          </a:p>
+        </p:txBody>
+      </p:sp>
+      <p:sp>
+        <p:nvSpPr>
+          <p:cNvPr id="3" name="Content Placeholder 2"/>
+          <p:cNvSpPr>
+            <a:spLocks noGrp="1"/>
+          </p:cNvSpPr>
+          <p:nvPr>
+            <p:ph idx="1"/>
+          </p:nvPr>
+        </p:nvSpPr>
+        <p:spPr/>
+        <p:txBody>
+          <a:bodyPr>
+            <a:noAutofit/>
+          </a:bodyPr>
+          <a:lstStyle/>
+          <a:p>
+            <a:pPr lvl="0"/>
+            <a:r>
+              <a:rPr lang="en-US" sz="2400" dirty="0"/>
+              <a:t>Introduction to the SharePoint Framework</a:t>
+            </a:r>
+          </a:p>
+          <a:p>
+            <a:pPr lvl="0"/>
+            <a:r>
+              <a:rPr lang="en-US" sz="2400" dirty="0"/>
+              <a:t>Creating SPFX Projects using the Yeoman Generator</a:t>
+            </a:r>
+          </a:p>
+          <a:p>
+            <a:pPr lvl="0"/>
+            <a:r>
+              <a:rPr lang="en-US" sz="2400" dirty="0"/>
+              <a:t>Testing &amp; Debugging Webparts in SharePoint Workbench</a:t>
+            </a:r>
+          </a:p>
+          <a:p>
+            <a:r>
+              <a:rPr lang="en-US" sz="2400" dirty="0"/>
+              <a:t>Managing Styles using SCSS Files and CSS Modules</a:t>
+            </a:r>
+          </a:p>
+          <a:p>
+            <a:r>
+              <a:rPr lang="en-US" sz="2400" dirty="0"/>
+              <a:t>Creating a Web Part with Custom Properties</a:t>
+            </a:r>
+          </a:p>
+          <a:p>
+            <a:pPr lvl="0"/>
+            <a:r>
+              <a:rPr lang="en-US" sz="2400" dirty="0"/>
+              <a:t>Creating Application Customizers</a:t>
+            </a:r>
+          </a:p>
+        </p:txBody>
+      </p:sp>
+    </p:spTree>
+    <p:extLst>
+      <p:ext uri="{BB962C8B-B14F-4D97-AF65-F5344CB8AC3E}">
+        <p14:creationId xmlns:p14="http://schemas.microsoft.com/office/powerpoint/2010/main" val="1619929893"/>
+      </p:ext>
+    </p:extLst>
+  </p:cSld>
+  <p:clrMapOvr>
+    <a:masterClrMapping/>
+  </p:clrMapOvr>
+</p:sld>
+</file>
+
+<file path=ppt/slides/slide20.xml><?xml version="1.0" encoding="utf-8"?>
+<p:sld xmlns:a="http://schemas.openxmlformats.org/drawingml/2006/main" xmlns:r="http://schemas.openxmlformats.org/officeDocument/2006/relationships" xmlns:p="http://schemas.openxmlformats.org/presentationml/2006/main">
+  <p:cSld>
+    <p:spTree>
+      <p:nvGrpSpPr>
+        <p:cNvPr id="1" name=""/>
+        <p:cNvGrpSpPr/>
+        <p:nvPr/>
+      </p:nvGrpSpPr>
+      <p:grpSpPr>
+        <a:xfrm>
+          <a:off x="0" y="0"/>
+          <a:ext cx="0" cy="0"/>
+          <a:chOff x="0" y="0"/>
+          <a:chExt cx="0" cy="0"/>
+        </a:xfrm>
+      </p:grpSpPr>
+      <p:sp>
+        <p:nvSpPr>
+          <p:cNvPr id="2" name="Title 1"/>
+          <p:cNvSpPr>
+            <a:spLocks noGrp="1"/>
+          </p:cNvSpPr>
+          <p:nvPr>
+            <p:ph type="title"/>
+          </p:nvPr>
+        </p:nvSpPr>
+        <p:spPr/>
+        <p:txBody>
+          <a:bodyPr/>
+          <a:lstStyle/>
+          <a:p>
+            <a:r>
+              <a:rPr lang="en-US"/>
+              <a:t>Agenda</a:t>
+            </a:r>
+            <a:endParaRPr lang="en-US" dirty="0"/>
+          </a:p>
+        </p:txBody>
+      </p:sp>
+      <p:sp>
+        <p:nvSpPr>
+          <p:cNvPr id="3" name="Content Placeholder 2"/>
+          <p:cNvSpPr>
+            <a:spLocks noGrp="1"/>
+          </p:cNvSpPr>
+          <p:nvPr>
+            <p:ph idx="1"/>
+          </p:nvPr>
+        </p:nvSpPr>
+        <p:spPr/>
+        <p:txBody>
+          <a:bodyPr>
+            <a:noAutofit/>
+          </a:bodyPr>
+          <a:lstStyle/>
+          <a:p>
+            <a:pPr lvl="0">
+              <a:buFont typeface="Wingdings" panose="05000000000000000000" pitchFamily="2" charset="2"/>
+              <a:buChar char="ü"/>
+            </a:pPr>
+            <a:r>
+              <a:rPr lang="en-US" sz="2400" dirty="0"/>
+              <a:t>Introduction to the SharePoint Framework</a:t>
+            </a:r>
+          </a:p>
+          <a:p>
+            <a:pPr lvl="0">
+              <a:buFont typeface="Wingdings" panose="05000000000000000000" pitchFamily="2" charset="2"/>
+              <a:buChar char="ü"/>
+            </a:pPr>
+            <a:r>
+              <a:rPr lang="en-US" sz="2400" dirty="0"/>
+              <a:t>Creating SPFX Projects using the Yeoman Generator</a:t>
+            </a:r>
+          </a:p>
+          <a:p>
+            <a:pPr lvl="0">
+              <a:buFont typeface="Wingdings" panose="05000000000000000000" pitchFamily="2" charset="2"/>
+              <a:buChar char="ü"/>
+            </a:pPr>
+            <a:r>
+              <a:rPr lang="en-US" sz="2400" dirty="0"/>
+              <a:t>Testing &amp; Debugging Webparts in SharePoint Workbench</a:t>
+            </a:r>
+          </a:p>
+          <a:p>
+            <a:pPr>
+              <a:buFont typeface="Wingdings" panose="05000000000000000000" pitchFamily="2" charset="2"/>
+              <a:buChar char="Ø"/>
+            </a:pPr>
+            <a:r>
+              <a:rPr lang="en-US" sz="2400" dirty="0"/>
+              <a:t>Managing Styles using SCSS Files and CSS Modules</a:t>
+            </a:r>
+          </a:p>
+          <a:p>
+            <a:r>
+              <a:rPr lang="en-US" sz="2400" dirty="0"/>
+              <a:t>Creating a Web Part with Custom Properties</a:t>
+            </a:r>
+          </a:p>
+          <a:p>
+            <a:pPr lvl="0"/>
+            <a:r>
+              <a:rPr lang="en-US" sz="2400" dirty="0"/>
+              <a:t>Creating Application Customizers</a:t>
+            </a:r>
+          </a:p>
+        </p:txBody>
+      </p:sp>
+    </p:spTree>
+    <p:extLst>
+      <p:ext uri="{BB962C8B-B14F-4D97-AF65-F5344CB8AC3E}">
+        <p14:creationId xmlns:p14="http://schemas.microsoft.com/office/powerpoint/2010/main" val="4016575774"/>
+      </p:ext>
+    </p:extLst>
+  </p:cSld>
+  <p:clrMapOvr>
+    <a:masterClrMapping/>
+  </p:clrMapOvr>
+</p:sld>
+</file>
+
+<file path=ppt/slides/slide21.xml><?xml version="1.0" encoding="utf-8"?>
 <p:sld xmlns:a="http://schemas.openxmlformats.org/drawingml/2006/main" xmlns:r="http://schemas.openxmlformats.org/officeDocument/2006/relationships" xmlns:p="http://schemas.openxmlformats.org/presentationml/2006/main">
   <p:cSld>
     <p:spTree>
@@ -4324,7 +5352,7 @@
 </p:sld>
 </file>
 
-<file path=ppt/slides/slide16.xml><?xml version="1.0" encoding="utf-8"?>
+<file path=ppt/slides/slide22.xml><?xml version="1.0" encoding="utf-8"?>
 <p:sld xmlns:a="http://schemas.openxmlformats.org/drawingml/2006/main" xmlns:r="http://schemas.openxmlformats.org/officeDocument/2006/relationships" xmlns:p="http://schemas.openxmlformats.org/presentationml/2006/main">
   <p:cSld>
     <p:spTree>
@@ -4343,7 +5371,13 @@
       </p:grpSpPr>
       <p:sp>
         <p:nvSpPr>
-          <p:cNvPr id="2" name="Title 1"/>
+          <p:cNvPr id="2" name="Title 1">
+            <a:extLst>
+              <a:ext uri="{FF2B5EF4-FFF2-40B4-BE49-F238E27FC236}">
+                <a16:creationId xmlns:a16="http://schemas.microsoft.com/office/drawing/2014/main" id="{21AC4DE4-E5A8-40ED-A9DE-6AF15C4B963D}"/>
+              </a:ext>
+            </a:extLst>
+          </p:cNvPr>
           <p:cNvSpPr>
             <a:spLocks noGrp="1"/>
           </p:cNvSpPr>
@@ -4358,20 +5392,45 @@
           <a:p>
             <a:r>
               <a:rPr lang="en-US" dirty="0"/>
-              <a:t>Hello World with </a:t>
-            </a:r>
-            <a:r>
-              <a:rPr lang="en-US" dirty="0" err="1"/>
-              <a:t>SPFx</a:t>
-            </a:r>
-            <a:endParaRPr lang="en-US" dirty="0"/>
+              <a:t>SCSS File Compilation</a:t>
+            </a:r>
           </a:p>
         </p:txBody>
       </p:sp>
+      <p:pic>
+        <p:nvPicPr>
+          <p:cNvPr id="3" name="Picture 2">
+            <a:extLst>
+              <a:ext uri="{FF2B5EF4-FFF2-40B4-BE49-F238E27FC236}">
+                <a16:creationId xmlns:a16="http://schemas.microsoft.com/office/drawing/2014/main" id="{2FB030B3-544D-4F8C-8C9F-2549C1A87F12}"/>
+              </a:ext>
+            </a:extLst>
+          </p:cNvPr>
+          <p:cNvPicPr>
+            <a:picLocks noChangeAspect="1"/>
+          </p:cNvPicPr>
+          <p:nvPr/>
+        </p:nvPicPr>
+        <p:blipFill>
+          <a:blip r:embed="rId2"/>
+          <a:stretch>
+            <a:fillRect/>
+          </a:stretch>
+        </p:blipFill>
+        <p:spPr>
+          <a:xfrm>
+            <a:off x="481012" y="1371600"/>
+            <a:ext cx="7953375" cy="1495425"/>
+          </a:xfrm>
+          <a:prstGeom prst="rect">
+            <a:avLst/>
+          </a:prstGeom>
+        </p:spPr>
+      </p:pic>
     </p:spTree>
     <p:extLst>
       <p:ext uri="{BB962C8B-B14F-4D97-AF65-F5344CB8AC3E}">
-        <p14:creationId xmlns:p14="http://schemas.microsoft.com/office/powerpoint/2010/main" val="2726954055"/>
+        <p14:creationId xmlns:p14="http://schemas.microsoft.com/office/powerpoint/2010/main" val="2663811900"/>
       </p:ext>
     </p:extLst>
   </p:cSld>
@@ -4381,7 +5440,7 @@
 </p:sld>
 </file>
 
-<file path=ppt/slides/slide17.xml><?xml version="1.0" encoding="utf-8"?>
+<file path=ppt/slides/slide23.xml><?xml version="1.0" encoding="utf-8"?>
 <p:sld xmlns:a="http://schemas.openxmlformats.org/drawingml/2006/main" xmlns:r="http://schemas.openxmlformats.org/officeDocument/2006/relationships" xmlns:p="http://schemas.openxmlformats.org/presentationml/2006/main">
   <p:cSld>
     <p:spTree>
@@ -4400,7 +5459,13 @@
       </p:grpSpPr>
       <p:sp>
         <p:nvSpPr>
-          <p:cNvPr id="2" name="Title 1"/>
+          <p:cNvPr id="2" name="Title 1">
+            <a:extLst>
+              <a:ext uri="{FF2B5EF4-FFF2-40B4-BE49-F238E27FC236}">
+                <a16:creationId xmlns:a16="http://schemas.microsoft.com/office/drawing/2014/main" id="{AC0F77CE-3435-48D4-8F6F-920F2972D4A3}"/>
+              </a:ext>
+            </a:extLst>
+          </p:cNvPr>
           <p:cNvSpPr>
             <a:spLocks noGrp="1"/>
           </p:cNvSpPr>
@@ -4415,296 +5480,169 @@
           <a:p>
             <a:r>
               <a:rPr lang="en-US" dirty="0"/>
-              <a:t>Adding a JavaScript Library (D3.js)</a:t>
+              <a:t>SCSS Module Compilation</a:t>
             </a:r>
           </a:p>
         </p:txBody>
       </p:sp>
-      <p:sp>
-        <p:nvSpPr>
-          <p:cNvPr id="3" name="Content Placeholder 2"/>
-          <p:cNvSpPr>
-            <a:spLocks noGrp="1"/>
-          </p:cNvSpPr>
-          <p:nvPr>
-            <p:ph idx="1"/>
-          </p:nvPr>
-        </p:nvSpPr>
-        <p:spPr/>
+      <p:pic>
+        <p:nvPicPr>
+          <p:cNvPr id="3" name="Picture 2">
+            <a:extLst>
+              <a:ext uri="{FF2B5EF4-FFF2-40B4-BE49-F238E27FC236}">
+                <a16:creationId xmlns:a16="http://schemas.microsoft.com/office/drawing/2014/main" id="{E49821B8-8E98-45C1-AF41-4A4E90FFEC79}"/>
+              </a:ext>
+            </a:extLst>
+          </p:cNvPr>
+          <p:cNvPicPr>
+            <a:picLocks noChangeAspect="1"/>
+          </p:cNvPicPr>
+          <p:nvPr/>
+        </p:nvPicPr>
+        <p:blipFill>
+          <a:blip r:embed="rId2"/>
+          <a:stretch>
+            <a:fillRect/>
+          </a:stretch>
+        </p:blipFill>
+        <p:spPr>
+          <a:xfrm>
+            <a:off x="3958684" y="2133600"/>
+            <a:ext cx="3295650" cy="1504950"/>
+          </a:xfrm>
+          <a:prstGeom prst="rect">
+            <a:avLst/>
+          </a:prstGeom>
+          <a:ln>
+            <a:solidFill>
+              <a:schemeClr val="tx1">
+                <a:lumMod val="50000"/>
+                <a:lumOff val="50000"/>
+              </a:schemeClr>
+            </a:solidFill>
+          </a:ln>
+        </p:spPr>
+      </p:pic>
+      <p:pic>
+        <p:nvPicPr>
+          <p:cNvPr id="5" name="Picture 4">
+            <a:extLst>
+              <a:ext uri="{FF2B5EF4-FFF2-40B4-BE49-F238E27FC236}">
+                <a16:creationId xmlns:a16="http://schemas.microsoft.com/office/drawing/2014/main" id="{D274E8B9-848F-4A32-9617-3D230DDDC805}"/>
+              </a:ext>
+            </a:extLst>
+          </p:cNvPr>
+          <p:cNvPicPr>
+            <a:picLocks noChangeAspect="1"/>
+          </p:cNvPicPr>
+          <p:nvPr/>
+        </p:nvPicPr>
+        <p:blipFill>
+          <a:blip r:embed="rId3"/>
+          <a:stretch>
+            <a:fillRect/>
+          </a:stretch>
+        </p:blipFill>
+        <p:spPr>
+          <a:xfrm>
+            <a:off x="3581400" y="3923459"/>
+            <a:ext cx="4876800" cy="2401141"/>
+          </a:xfrm>
+          <a:prstGeom prst="rect">
+            <a:avLst/>
+          </a:prstGeom>
+        </p:spPr>
+      </p:pic>
+      <p:pic>
+        <p:nvPicPr>
+          <p:cNvPr id="6" name="Picture 5">
+            <a:extLst>
+              <a:ext uri="{FF2B5EF4-FFF2-40B4-BE49-F238E27FC236}">
+                <a16:creationId xmlns:a16="http://schemas.microsoft.com/office/drawing/2014/main" id="{FF7740A7-7DD4-4CB6-B8DB-76F8D201E4C6}"/>
+              </a:ext>
+            </a:extLst>
+          </p:cNvPr>
+          <p:cNvPicPr>
+            <a:picLocks noChangeAspect="1"/>
+          </p:cNvPicPr>
+          <p:nvPr/>
+        </p:nvPicPr>
+        <p:blipFill>
+          <a:blip r:embed="rId4"/>
+          <a:stretch>
+            <a:fillRect/>
+          </a:stretch>
+        </p:blipFill>
+        <p:spPr>
+          <a:xfrm>
+            <a:off x="568711" y="1805077"/>
+            <a:ext cx="2297151" cy="2378226"/>
+          </a:xfrm>
+          <a:prstGeom prst="rect">
+            <a:avLst/>
+          </a:prstGeom>
+        </p:spPr>
+      </p:pic>
+      <p:sp>
+        <p:nvSpPr>
+          <p:cNvPr id="7" name="Arrow: Right 6">
+            <a:extLst>
+              <a:ext uri="{FF2B5EF4-FFF2-40B4-BE49-F238E27FC236}">
+                <a16:creationId xmlns:a16="http://schemas.microsoft.com/office/drawing/2014/main" id="{ECDD3158-98C8-4573-91DC-EE3ED577602E}"/>
+              </a:ext>
+            </a:extLst>
+          </p:cNvPr>
+          <p:cNvSpPr/>
+          <p:nvPr/>
+        </p:nvSpPr>
+        <p:spPr>
+          <a:xfrm>
+            <a:off x="2993173" y="2765590"/>
+            <a:ext cx="838200" cy="457200"/>
+          </a:xfrm>
+          <a:prstGeom prst="rightArrow">
+            <a:avLst/>
+          </a:prstGeom>
+        </p:spPr>
+        <p:style>
+          <a:lnRef idx="2">
+            <a:schemeClr val="accent1">
+              <a:shade val="50000"/>
+            </a:schemeClr>
+          </a:lnRef>
+          <a:fillRef idx="1">
+            <a:schemeClr val="accent1"/>
+          </a:fillRef>
+          <a:effectRef idx="0">
+            <a:schemeClr val="accent1"/>
+          </a:effectRef>
+          <a:fontRef idx="minor">
+            <a:schemeClr val="lt1"/>
+          </a:fontRef>
+        </p:style>
         <p:txBody>
-          <a:bodyPr/>
+          <a:bodyPr rtlCol="0" anchor="ctr"/>
           <a:lstStyle/>
           <a:p>
-            <a:r>
-              <a:rPr lang="en-US" dirty="0"/>
-              <a:t>Adding package for D3.js library</a:t>
-            </a:r>
-          </a:p>
-          <a:p>
-            <a:pPr marL="347662" lvl="1" indent="0">
-              <a:lnSpc>
-                <a:spcPct val="200000"/>
-              </a:lnSpc>
-              <a:buNone/>
-            </a:pPr>
-            <a:r>
-              <a:rPr lang="en-US" b="1" dirty="0" err="1"/>
-              <a:t>npm</a:t>
-            </a:r>
-            <a:r>
-              <a:rPr lang="en-US" b="1" dirty="0"/>
-              <a:t> install d3 –save</a:t>
-            </a:r>
-          </a:p>
-          <a:p>
-            <a:pPr>
-              <a:lnSpc>
-                <a:spcPct val="200000"/>
-              </a:lnSpc>
-            </a:pPr>
-            <a:r>
-              <a:rPr lang="en-US" dirty="0"/>
-              <a:t>Add </a:t>
-            </a:r>
-            <a:r>
-              <a:rPr lang="en-US" dirty="0" err="1"/>
-              <a:t>typings</a:t>
-            </a:r>
-            <a:r>
-              <a:rPr lang="en-US" dirty="0"/>
-              <a:t> file to </a:t>
-            </a:r>
-            <a:r>
-              <a:rPr lang="en-US" dirty="0" err="1"/>
-              <a:t>Intellisence</a:t>
-            </a:r>
-            <a:r>
-              <a:rPr lang="en-US" dirty="0"/>
-              <a:t> and type checking</a:t>
-            </a:r>
-          </a:p>
-          <a:p>
-            <a:pPr marL="347662" lvl="1" indent="0">
-              <a:lnSpc>
-                <a:spcPct val="200000"/>
-              </a:lnSpc>
-              <a:buNone/>
-            </a:pPr>
-            <a:r>
-              <a:rPr lang="en-US" b="1" dirty="0" err="1"/>
-              <a:t>npm</a:t>
-            </a:r>
-            <a:r>
-              <a:rPr lang="en-US" b="1" dirty="0"/>
-              <a:t> install @types/d3 --save-dev</a:t>
-            </a:r>
+            <a:pPr algn="ctr"/>
+            <a:endParaRPr lang="en-US"/>
           </a:p>
         </p:txBody>
       </p:sp>
     </p:spTree>
     <p:extLst>
       <p:ext uri="{BB962C8B-B14F-4D97-AF65-F5344CB8AC3E}">
-        <p14:creationId xmlns:p14="http://schemas.microsoft.com/office/powerpoint/2010/main" val="2595283599"/>
+        <p14:creationId xmlns:p14="http://schemas.microsoft.com/office/powerpoint/2010/main" val="2670983332"/>
       </p:ext>
     </p:extLst>
   </p:cSld>
   <p:clrMapOvr>
     <a:masterClrMapping/>
   </p:clrMapOvr>
-  <p:timing>
-    <p:tnLst>
-      <p:par>
-        <p:cTn id="1" dur="indefinite" restart="never" nodeType="tmRoot">
-          <p:childTnLst>
-            <p:seq concurrent="1" nextAc="seek">
-              <p:cTn id="2" dur="indefinite" nodeType="mainSeq">
-                <p:childTnLst>
-                  <p:par>
-                    <p:cTn id="3" fill="hold">
-                      <p:stCondLst>
-                        <p:cond delay="indefinite"/>
-                      </p:stCondLst>
-                      <p:childTnLst>
-                        <p:par>
-                          <p:cTn id="4" fill="hold">
-                            <p:stCondLst>
-                              <p:cond delay="0"/>
-                            </p:stCondLst>
-                            <p:childTnLst>
-                              <p:par>
-                                <p:cTn id="5" presetID="1" presetClass="entr" presetSubtype="0" fill="hold" nodeType="clickEffect">
-                                  <p:stCondLst>
-                                    <p:cond delay="0"/>
-                                  </p:stCondLst>
-                                  <p:childTnLst>
-                                    <p:set>
-                                      <p:cBhvr>
-                                        <p:cTn id="6" dur="1" fill="hold">
-                                          <p:stCondLst>
-                                            <p:cond delay="0"/>
-                                          </p:stCondLst>
-                                        </p:cTn>
-                                        <p:tgtEl>
-                                          <p:spTgt spid="3">
-                                            <p:txEl>
-                                              <p:pRg st="0" end="0"/>
-                                            </p:txEl>
-                                          </p:spTgt>
-                                        </p:tgtEl>
-                                        <p:attrNameLst>
-                                          <p:attrName>style.visibility</p:attrName>
-                                        </p:attrNameLst>
-                                      </p:cBhvr>
-                                      <p:to>
-                                        <p:strVal val="visible"/>
-                                      </p:to>
-                                    </p:set>
-                                  </p:childTnLst>
-                                </p:cTn>
-                              </p:par>
-                              <p:par>
-                                <p:cTn id="7" presetID="1" presetClass="entr" presetSubtype="0" fill="hold" nodeType="withEffect">
-                                  <p:stCondLst>
-                                    <p:cond delay="0"/>
-                                  </p:stCondLst>
-                                  <p:childTnLst>
-                                    <p:set>
-                                      <p:cBhvr>
-                                        <p:cTn id="8" dur="1" fill="hold">
-                                          <p:stCondLst>
-                                            <p:cond delay="0"/>
-                                          </p:stCondLst>
-                                        </p:cTn>
-                                        <p:tgtEl>
-                                          <p:spTgt spid="3">
-                                            <p:txEl>
-                                              <p:pRg st="1" end="1"/>
-                                            </p:txEl>
-                                          </p:spTgt>
-                                        </p:tgtEl>
-                                        <p:attrNameLst>
-                                          <p:attrName>style.visibility</p:attrName>
-                                        </p:attrNameLst>
-                                      </p:cBhvr>
-                                      <p:to>
-                                        <p:strVal val="visible"/>
-                                      </p:to>
-                                    </p:set>
-                                  </p:childTnLst>
-                                </p:cTn>
-                              </p:par>
-                            </p:childTnLst>
-                          </p:cTn>
-                        </p:par>
-                      </p:childTnLst>
-                    </p:cTn>
-                  </p:par>
-                  <p:par>
-                    <p:cTn id="9" fill="hold">
-                      <p:stCondLst>
-                        <p:cond delay="indefinite"/>
-                      </p:stCondLst>
-                      <p:childTnLst>
-                        <p:par>
-                          <p:cTn id="10" fill="hold">
-                            <p:stCondLst>
-                              <p:cond delay="0"/>
-                            </p:stCondLst>
-                            <p:childTnLst>
-                              <p:par>
-                                <p:cTn id="11" presetID="1" presetClass="entr" presetSubtype="0" fill="hold" nodeType="clickEffect">
-                                  <p:stCondLst>
-                                    <p:cond delay="0"/>
-                                  </p:stCondLst>
-                                  <p:childTnLst>
-                                    <p:set>
-                                      <p:cBhvr>
-                                        <p:cTn id="12" dur="1" fill="hold">
-                                          <p:stCondLst>
-                                            <p:cond delay="0"/>
-                                          </p:stCondLst>
-                                        </p:cTn>
-                                        <p:tgtEl>
-                                          <p:spTgt spid="3">
-                                            <p:txEl>
-                                              <p:pRg st="2" end="2"/>
-                                            </p:txEl>
-                                          </p:spTgt>
-                                        </p:tgtEl>
-                                        <p:attrNameLst>
-                                          <p:attrName>style.visibility</p:attrName>
-                                        </p:attrNameLst>
-                                      </p:cBhvr>
-                                      <p:to>
-                                        <p:strVal val="visible"/>
-                                      </p:to>
-                                    </p:set>
-                                  </p:childTnLst>
-                                </p:cTn>
-                              </p:par>
-                              <p:par>
-                                <p:cTn id="13" presetID="1" presetClass="entr" presetSubtype="0" fill="hold" nodeType="withEffect">
-                                  <p:stCondLst>
-                                    <p:cond delay="0"/>
-                                  </p:stCondLst>
-                                  <p:childTnLst>
-                                    <p:set>
-                                      <p:cBhvr>
-                                        <p:cTn id="14" dur="1" fill="hold">
-                                          <p:stCondLst>
-                                            <p:cond delay="0"/>
-                                          </p:stCondLst>
-                                        </p:cTn>
-                                        <p:tgtEl>
-                                          <p:spTgt spid="3">
-                                            <p:txEl>
-                                              <p:pRg st="3" end="3"/>
-                                            </p:txEl>
-                                          </p:spTgt>
-                                        </p:tgtEl>
-                                        <p:attrNameLst>
-                                          <p:attrName>style.visibility</p:attrName>
-                                        </p:attrNameLst>
-                                      </p:cBhvr>
-                                      <p:to>
-                                        <p:strVal val="visible"/>
-                                      </p:to>
-                                    </p:set>
-                                  </p:childTnLst>
-                                </p:cTn>
-                              </p:par>
-                            </p:childTnLst>
-                          </p:cTn>
-                        </p:par>
-                      </p:childTnLst>
-                    </p:cTn>
-                  </p:par>
-                </p:childTnLst>
-              </p:cTn>
-              <p:prevCondLst>
-                <p:cond evt="onPrev" delay="0">
-                  <p:tgtEl>
-                    <p:sldTgt/>
-                  </p:tgtEl>
-                </p:cond>
-              </p:prevCondLst>
-              <p:nextCondLst>
-                <p:cond evt="onNext" delay="0">
-                  <p:tgtEl>
-                    <p:sldTgt/>
-                  </p:tgtEl>
-                </p:cond>
-              </p:nextCondLst>
-            </p:seq>
-          </p:childTnLst>
-        </p:cTn>
-      </p:par>
-    </p:tnLst>
-  </p:timing>
 </p:sld>
 </file>
 
-<file path=ppt/slides/slide18.xml><?xml version="1.0" encoding="utf-8"?>
+<file path=ppt/slides/slide24.xml><?xml version="1.0" encoding="utf-8"?>
 <p:sld xmlns:a="http://schemas.openxmlformats.org/drawingml/2006/main" xmlns:r="http://schemas.openxmlformats.org/officeDocument/2006/relationships" xmlns:p="http://schemas.openxmlformats.org/presentationml/2006/main">
   <p:cSld>
     <p:spTree>
@@ -4723,7 +5661,13 @@
       </p:grpSpPr>
       <p:sp>
         <p:nvSpPr>
-          <p:cNvPr id="2" name="Title 1"/>
+          <p:cNvPr id="2" name="Title 1">
+            <a:extLst>
+              <a:ext uri="{FF2B5EF4-FFF2-40B4-BE49-F238E27FC236}">
+                <a16:creationId xmlns:a16="http://schemas.microsoft.com/office/drawing/2014/main" id="{0069EF9C-C5CB-407B-B2D4-AA1AD3CE91E1}"/>
+              </a:ext>
+            </a:extLst>
+          </p:cNvPr>
           <p:cNvSpPr>
             <a:spLocks noGrp="1"/>
           </p:cNvSpPr>
@@ -4736,22 +5680,178 @@
           <a:bodyPr/>
           <a:lstStyle/>
           <a:p>
-            <a:r>
-              <a:rPr lang="en-US" dirty="0"/>
-              <a:t>Using D3 with </a:t>
-            </a:r>
-            <a:r>
-              <a:rPr lang="en-US" dirty="0" err="1"/>
-              <a:t>SPFx</a:t>
-            </a:r>
+            <a:endParaRPr lang="en-US"/>
+          </a:p>
+        </p:txBody>
+      </p:sp>
+      <p:pic>
+        <p:nvPicPr>
+          <p:cNvPr id="4" name="Picture 3">
+            <a:extLst>
+              <a:ext uri="{FF2B5EF4-FFF2-40B4-BE49-F238E27FC236}">
+                <a16:creationId xmlns:a16="http://schemas.microsoft.com/office/drawing/2014/main" id="{D060E316-EAC5-40EF-87AE-51F16560E919}"/>
+              </a:ext>
+            </a:extLst>
+          </p:cNvPr>
+          <p:cNvPicPr>
+            <a:picLocks noChangeAspect="1"/>
+          </p:cNvPicPr>
+          <p:nvPr/>
+        </p:nvPicPr>
+        <p:blipFill rotWithShape="1">
+          <a:blip r:embed="rId2"/>
+          <a:srcRect l="7577" t="24396" r="12120"/>
+          <a:stretch/>
+        </p:blipFill>
+        <p:spPr>
+          <a:xfrm>
+            <a:off x="2590800" y="3657600"/>
+            <a:ext cx="6353092" cy="2971800"/>
+          </a:xfrm>
+          <a:prstGeom prst="rect">
+            <a:avLst/>
+          </a:prstGeom>
+        </p:spPr>
+      </p:pic>
+      <p:sp>
+        <p:nvSpPr>
+          <p:cNvPr id="5" name="Arrow: Right 4">
+            <a:extLst>
+              <a:ext uri="{FF2B5EF4-FFF2-40B4-BE49-F238E27FC236}">
+                <a16:creationId xmlns:a16="http://schemas.microsoft.com/office/drawing/2014/main" id="{36F6BC79-06DB-49A5-A61E-57A9FF1B36A5}"/>
+              </a:ext>
+            </a:extLst>
+          </p:cNvPr>
+          <p:cNvSpPr/>
+          <p:nvPr/>
+        </p:nvSpPr>
+        <p:spPr>
+          <a:xfrm>
+            <a:off x="1943722" y="3624147"/>
+            <a:ext cx="762000" cy="457200"/>
+          </a:xfrm>
+          <a:prstGeom prst="rightArrow">
+            <a:avLst>
+              <a:gd name="adj1" fmla="val 50000"/>
+              <a:gd name="adj2" fmla="val 62195"/>
+            </a:avLst>
+          </a:prstGeom>
+          <a:solidFill>
+            <a:schemeClr val="accent2"/>
+          </a:solidFill>
+        </p:spPr>
+        <p:style>
+          <a:lnRef idx="2">
+            <a:schemeClr val="accent1">
+              <a:shade val="50000"/>
+            </a:schemeClr>
+          </a:lnRef>
+          <a:fillRef idx="1">
+            <a:schemeClr val="accent1"/>
+          </a:fillRef>
+          <a:effectRef idx="0">
+            <a:schemeClr val="accent1"/>
+          </a:effectRef>
+          <a:fontRef idx="minor">
+            <a:schemeClr val="lt1"/>
+          </a:fontRef>
+        </p:style>
+        <p:txBody>
+          <a:bodyPr rtlCol="0" anchor="ctr"/>
+          <a:lstStyle/>
+          <a:p>
+            <a:pPr algn="ctr"/>
             <a:endParaRPr lang="en-US" dirty="0"/>
           </a:p>
         </p:txBody>
       </p:sp>
+      <p:sp>
+        <p:nvSpPr>
+          <p:cNvPr id="7" name="Rectangle 6">
+            <a:extLst>
+              <a:ext uri="{FF2B5EF4-FFF2-40B4-BE49-F238E27FC236}">
+                <a16:creationId xmlns:a16="http://schemas.microsoft.com/office/drawing/2014/main" id="{E7AB818C-41B6-49F7-BDA9-02D7D3130FEA}"/>
+              </a:ext>
+            </a:extLst>
+          </p:cNvPr>
+          <p:cNvSpPr/>
+          <p:nvPr/>
+        </p:nvSpPr>
+        <p:spPr>
+          <a:xfrm>
+            <a:off x="4548146" y="5157439"/>
+            <a:ext cx="3124200" cy="1295400"/>
+          </a:xfrm>
+          <a:prstGeom prst="rect">
+            <a:avLst/>
+          </a:prstGeom>
+          <a:noFill/>
+          <a:ln w="57150">
+            <a:solidFill>
+              <a:srgbClr val="FF0000"/>
+            </a:solidFill>
+            <a:prstDash val="sysDot"/>
+          </a:ln>
+        </p:spPr>
+        <p:style>
+          <a:lnRef idx="2">
+            <a:schemeClr val="accent1">
+              <a:shade val="50000"/>
+            </a:schemeClr>
+          </a:lnRef>
+          <a:fillRef idx="1">
+            <a:schemeClr val="accent1"/>
+          </a:fillRef>
+          <a:effectRef idx="0">
+            <a:schemeClr val="accent1"/>
+          </a:effectRef>
+          <a:fontRef idx="minor">
+            <a:schemeClr val="lt1"/>
+          </a:fontRef>
+        </p:style>
+        <p:txBody>
+          <a:bodyPr rtlCol="0" anchor="ctr"/>
+          <a:lstStyle/>
+          <a:p>
+            <a:pPr algn="ctr"/>
+            <a:endParaRPr lang="en-US"/>
+          </a:p>
+        </p:txBody>
+      </p:sp>
+      <p:pic>
+        <p:nvPicPr>
+          <p:cNvPr id="8" name="Picture 7">
+            <a:extLst>
+              <a:ext uri="{FF2B5EF4-FFF2-40B4-BE49-F238E27FC236}">
+                <a16:creationId xmlns:a16="http://schemas.microsoft.com/office/drawing/2014/main" id="{EBB0A687-7919-4FBE-A96F-1AF155F0982B}"/>
+              </a:ext>
+            </a:extLst>
+          </p:cNvPr>
+          <p:cNvPicPr>
+            <a:picLocks noChangeAspect="1"/>
+          </p:cNvPicPr>
+          <p:nvPr/>
+        </p:nvPicPr>
+        <p:blipFill>
+          <a:blip r:embed="rId3"/>
+          <a:stretch>
+            <a:fillRect/>
+          </a:stretch>
+        </p:blipFill>
+        <p:spPr>
+          <a:xfrm>
+            <a:off x="304800" y="1239732"/>
+            <a:ext cx="4446479" cy="2189268"/>
+          </a:xfrm>
+          <a:prstGeom prst="rect">
+            <a:avLst/>
+          </a:prstGeom>
+        </p:spPr>
+      </p:pic>
     </p:spTree>
     <p:extLst>
       <p:ext uri="{BB962C8B-B14F-4D97-AF65-F5344CB8AC3E}">
-        <p14:creationId xmlns:p14="http://schemas.microsoft.com/office/powerpoint/2010/main" val="325146060"/>
+        <p14:creationId xmlns:p14="http://schemas.microsoft.com/office/powerpoint/2010/main" val="1572948162"/>
       </p:ext>
     </p:extLst>
   </p:cSld>
@@ -4761,7 +5861,7 @@
 </p:sld>
 </file>
 
-<file path=ppt/slides/slide19.xml><?xml version="1.0" encoding="utf-8"?>
+<file path=ppt/slides/slide25.xml><?xml version="1.0" encoding="utf-8"?>
 <p:sld xmlns:a="http://schemas.openxmlformats.org/drawingml/2006/main" xmlns:r="http://schemas.openxmlformats.org/officeDocument/2006/relationships" xmlns:p="http://schemas.openxmlformats.org/presentationml/2006/main">
   <p:cSld>
     <p:spTree>
@@ -4794,63 +5894,92 @@
           <a:lstStyle/>
           <a:p>
             <a:r>
-              <a:rPr lang="en-US" dirty="0"/>
-              <a:t>Web Part Context</a:t>
-            </a:r>
+              <a:rPr lang="en-US"/>
+              <a:t>Agenda</a:t>
+            </a:r>
+            <a:endParaRPr lang="en-US" dirty="0"/>
           </a:p>
         </p:txBody>
       </p:sp>
-      <p:pic>
-        <p:nvPicPr>
-          <p:cNvPr id="3" name="Picture 2"/>
-          <p:cNvPicPr>
-            <a:picLocks noChangeAspect="1"/>
-          </p:cNvPicPr>
-          <p:nvPr/>
-        </p:nvPicPr>
-        <p:blipFill>
-          <a:blip r:embed="rId2"/>
-          <a:stretch>
-            <a:fillRect/>
-          </a:stretch>
-        </p:blipFill>
-        <p:spPr>
-          <a:xfrm>
-            <a:off x="115957" y="1093304"/>
-            <a:ext cx="7656443" cy="3444074"/>
-          </a:xfrm>
-          <a:prstGeom prst="rect">
-            <a:avLst/>
-          </a:prstGeom>
-        </p:spPr>
-      </p:pic>
-      <p:pic>
-        <p:nvPicPr>
-          <p:cNvPr id="4" name="Picture 3"/>
-          <p:cNvPicPr>
-            <a:picLocks noChangeAspect="1"/>
-          </p:cNvPicPr>
-          <p:nvPr/>
-        </p:nvPicPr>
-        <p:blipFill rotWithShape="1">
-          <a:blip r:embed="rId3"/>
-          <a:srcRect t="8702"/>
-          <a:stretch/>
-        </p:blipFill>
-        <p:spPr>
-          <a:xfrm>
-            <a:off x="5410200" y="4267200"/>
-            <a:ext cx="3634926" cy="2438400"/>
-          </a:xfrm>
-          <a:prstGeom prst="rect">
-            <a:avLst/>
-          </a:prstGeom>
-        </p:spPr>
-      </p:pic>
+      <p:sp>
+        <p:nvSpPr>
+          <p:cNvPr id="3" name="Content Placeholder 2"/>
+          <p:cNvSpPr>
+            <a:spLocks noGrp="1"/>
+          </p:cNvSpPr>
+          <p:nvPr>
+            <p:ph idx="1"/>
+          </p:nvPr>
+        </p:nvSpPr>
+        <p:spPr/>
+        <p:txBody>
+          <a:bodyPr>
+            <a:noAutofit/>
+          </a:bodyPr>
+          <a:lstStyle/>
+          <a:p>
+            <a:pPr lvl="0">
+              <a:buFont typeface="Wingdings" panose="05000000000000000000" pitchFamily="2" charset="2"/>
+              <a:buChar char="ü"/>
+            </a:pPr>
+            <a:r>
+              <a:rPr lang="en-US" sz="2400" dirty="0"/>
+              <a:t>Introduction to the SharePoint Framework</a:t>
+            </a:r>
+          </a:p>
+          <a:p>
+            <a:pPr lvl="0">
+              <a:buFont typeface="Wingdings" panose="05000000000000000000" pitchFamily="2" charset="2"/>
+              <a:buChar char="ü"/>
+            </a:pPr>
+            <a:r>
+              <a:rPr lang="en-US" sz="2400" dirty="0"/>
+              <a:t>Creating SPFX Projects using the Yeoman Generator</a:t>
+            </a:r>
+          </a:p>
+          <a:p>
+            <a:pPr lvl="0">
+              <a:buFont typeface="Wingdings" panose="05000000000000000000" pitchFamily="2" charset="2"/>
+              <a:buChar char="ü"/>
+            </a:pPr>
+            <a:r>
+              <a:rPr lang="en-US" sz="2400" dirty="0"/>
+              <a:t>Testing &amp; Debugging Webparts in SharePoint Workbench</a:t>
+            </a:r>
+          </a:p>
+          <a:p>
+            <a:pPr>
+              <a:buFont typeface="Wingdings" panose="05000000000000000000" pitchFamily="2" charset="2"/>
+              <a:buChar char="ü"/>
+            </a:pPr>
+            <a:r>
+              <a:rPr lang="en-US" sz="2400" dirty="0"/>
+              <a:t>Managing Styles using SCSS Files and CSS Modules</a:t>
+            </a:r>
+          </a:p>
+          <a:p>
+            <a:pPr>
+              <a:buFont typeface="Wingdings" panose="05000000000000000000" pitchFamily="2" charset="2"/>
+              <a:buChar char="Ø"/>
+            </a:pPr>
+            <a:r>
+              <a:rPr lang="en-US" sz="2400" dirty="0"/>
+              <a:t>Creating a Web Part with Custom Properties</a:t>
+            </a:r>
+          </a:p>
+          <a:p>
+            <a:pPr lvl="0"/>
+            <a:r>
+              <a:rPr lang="en-US" sz="2400" dirty="0"/>
+              <a:t>Creating Application Customizers</a:t>
+            </a:r>
+          </a:p>
+        </p:txBody>
+      </p:sp>
     </p:spTree>
     <p:extLst>
       <p:ext uri="{BB962C8B-B14F-4D97-AF65-F5344CB8AC3E}">
-        <p14:creationId xmlns:p14="http://schemas.microsoft.com/office/powerpoint/2010/main" val="2098062114"/>
+        <p14:creationId xmlns:p14="http://schemas.microsoft.com/office/powerpoint/2010/main" val="2119085641"/>
       </p:ext>
     </p:extLst>
   </p:cSld>
@@ -4860,120 +5989,7 @@
 </p:sld>
 </file>
 
-<file path=ppt/slides/slide2.xml><?xml version="1.0" encoding="utf-8"?>
-<p:sld xmlns:a="http://schemas.openxmlformats.org/drawingml/2006/main" xmlns:r="http://schemas.openxmlformats.org/officeDocument/2006/relationships" xmlns:p="http://schemas.openxmlformats.org/presentationml/2006/main">
-  <p:cSld>
-    <p:spTree>
-      <p:nvGrpSpPr>
-        <p:cNvPr id="1" name=""/>
-        <p:cNvGrpSpPr/>
-        <p:nvPr/>
-      </p:nvGrpSpPr>
-      <p:grpSpPr>
-        <a:xfrm>
-          <a:off x="0" y="0"/>
-          <a:ext cx="0" cy="0"/>
-          <a:chOff x="0" y="0"/>
-          <a:chExt cx="0" cy="0"/>
-        </a:xfrm>
-      </p:grpSpPr>
-      <p:sp>
-        <p:nvSpPr>
-          <p:cNvPr id="2" name="Title 1"/>
-          <p:cNvSpPr>
-            <a:spLocks noGrp="1"/>
-          </p:cNvSpPr>
-          <p:nvPr>
-            <p:ph type="title"/>
-          </p:nvPr>
-        </p:nvSpPr>
-        <p:spPr/>
-        <p:txBody>
-          <a:bodyPr/>
-          <a:lstStyle/>
-          <a:p>
-            <a:r>
-              <a:rPr lang="en-US"/>
-              <a:t>Agenda</a:t>
-            </a:r>
-            <a:endParaRPr lang="en-US" dirty="0"/>
-          </a:p>
-        </p:txBody>
-      </p:sp>
-      <p:sp>
-        <p:nvSpPr>
-          <p:cNvPr id="3" name="Content Placeholder 2"/>
-          <p:cNvSpPr>
-            <a:spLocks noGrp="1"/>
-          </p:cNvSpPr>
-          <p:nvPr>
-            <p:ph idx="1"/>
-          </p:nvPr>
-        </p:nvSpPr>
-        <p:spPr/>
-        <p:txBody>
-          <a:bodyPr>
-            <a:noAutofit/>
-          </a:bodyPr>
-          <a:lstStyle/>
-          <a:p>
-            <a:pPr lvl="0"/>
-            <a:r>
-              <a:rPr lang="en-US" sz="2400" dirty="0"/>
-              <a:t>Creating SPFX Projects using the Yeoman Generator</a:t>
-            </a:r>
-          </a:p>
-          <a:p>
-            <a:pPr lvl="0"/>
-            <a:r>
-              <a:rPr lang="en-US" sz="2400" dirty="0"/>
-              <a:t>Testing &amp; Debugging Projects in SharePoint Workbench</a:t>
-            </a:r>
-          </a:p>
-          <a:p>
-            <a:pPr lvl="0"/>
-            <a:r>
-              <a:rPr lang="en-US" sz="2400" dirty="0"/>
-              <a:t>Creating Application Customizers</a:t>
-            </a:r>
-          </a:p>
-          <a:p>
-            <a:pPr lvl="0"/>
-            <a:r>
-              <a:rPr lang="en-US" sz="2400" dirty="0"/>
-              <a:t>Creating Field Customizers and Command Sets.</a:t>
-            </a:r>
-          </a:p>
-          <a:p>
-            <a:pPr lvl="0"/>
-            <a:r>
-              <a:rPr lang="en-US" sz="2400" dirty="0"/>
-              <a:t>Creating a Web Part with Custom Properties</a:t>
-            </a:r>
-          </a:p>
-          <a:p>
-            <a:pPr lvl="0"/>
-            <a:r>
-              <a:rPr lang="en-US" sz="2400" dirty="0"/>
-              <a:t>Managing Styles using SCSS Files and CSS Modules</a:t>
-            </a:r>
-          </a:p>
-        </p:txBody>
-      </p:sp>
-    </p:spTree>
-    <p:extLst>
-      <p:ext uri="{BB962C8B-B14F-4D97-AF65-F5344CB8AC3E}">
-        <p14:creationId xmlns:p14="http://schemas.microsoft.com/office/powerpoint/2010/main" val="1619929893"/>
-      </p:ext>
-    </p:extLst>
-  </p:cSld>
-  <p:clrMapOvr>
-    <a:masterClrMapping/>
-  </p:clrMapOvr>
-</p:sld>
-</file>
-
-<file path=ppt/slides/slide20.xml><?xml version="1.0" encoding="utf-8"?>
+<file path=ppt/slides/slide26.xml><?xml version="1.0" encoding="utf-8"?>
 <p:sld xmlns:a="http://schemas.openxmlformats.org/drawingml/2006/main" xmlns:r="http://schemas.openxmlformats.org/officeDocument/2006/relationships" xmlns:p="http://schemas.openxmlformats.org/presentationml/2006/main">
   <p:cSld>
     <p:spTree>
@@ -5410,7 +6426,7 @@
 </p:sld>
 </file>
 
-<file path=ppt/slides/slide21.xml><?xml version="1.0" encoding="utf-8"?>
+<file path=ppt/slides/slide27.xml><?xml version="1.0" encoding="utf-8"?>
 <p:sld xmlns:a="http://schemas.openxmlformats.org/drawingml/2006/main" xmlns:r="http://schemas.openxmlformats.org/officeDocument/2006/relationships" xmlns:p="http://schemas.openxmlformats.org/presentationml/2006/main">
   <p:cSld>
     <p:spTree>
@@ -5515,480 +6531,6 @@
 </p:sld>
 </file>
 
-<file path=ppt/slides/slide22.xml><?xml version="1.0" encoding="utf-8"?>
-<p:sld xmlns:a="http://schemas.openxmlformats.org/drawingml/2006/main" xmlns:r="http://schemas.openxmlformats.org/officeDocument/2006/relationships" xmlns:p="http://schemas.openxmlformats.org/presentationml/2006/main">
-  <p:cSld>
-    <p:spTree>
-      <p:nvGrpSpPr>
-        <p:cNvPr id="1" name=""/>
-        <p:cNvGrpSpPr/>
-        <p:nvPr/>
-      </p:nvGrpSpPr>
-      <p:grpSpPr>
-        <a:xfrm>
-          <a:off x="0" y="0"/>
-          <a:ext cx="0" cy="0"/>
-          <a:chOff x="0" y="0"/>
-          <a:chExt cx="0" cy="0"/>
-        </a:xfrm>
-      </p:grpSpPr>
-      <p:sp>
-        <p:nvSpPr>
-          <p:cNvPr id="2" name="Title 1"/>
-          <p:cNvSpPr>
-            <a:spLocks noGrp="1"/>
-          </p:cNvSpPr>
-          <p:nvPr>
-            <p:ph type="title"/>
-          </p:nvPr>
-        </p:nvSpPr>
-        <p:spPr/>
-        <p:txBody>
-          <a:bodyPr/>
-          <a:lstStyle/>
-          <a:p>
-            <a:r>
-              <a:rPr lang="en-US" dirty="0"/>
-              <a:t>Web Part Properties</a:t>
-            </a:r>
-          </a:p>
-        </p:txBody>
-      </p:sp>
-    </p:spTree>
-    <p:extLst>
-      <p:ext uri="{BB962C8B-B14F-4D97-AF65-F5344CB8AC3E}">
-        <p14:creationId xmlns:p14="http://schemas.microsoft.com/office/powerpoint/2010/main" val="3620846342"/>
-      </p:ext>
-    </p:extLst>
-  </p:cSld>
-  <p:clrMapOvr>
-    <a:masterClrMapping/>
-  </p:clrMapOvr>
-</p:sld>
-</file>
-
-<file path=ppt/slides/slide23.xml><?xml version="1.0" encoding="utf-8"?>
-<p:sld xmlns:a="http://schemas.openxmlformats.org/drawingml/2006/main" xmlns:r="http://schemas.openxmlformats.org/officeDocument/2006/relationships" xmlns:p="http://schemas.openxmlformats.org/presentationml/2006/main">
-  <p:cSld>
-    <p:spTree>
-      <p:nvGrpSpPr>
-        <p:cNvPr id="1" name=""/>
-        <p:cNvGrpSpPr/>
-        <p:nvPr/>
-      </p:nvGrpSpPr>
-      <p:grpSpPr>
-        <a:xfrm>
-          <a:off x="0" y="0"/>
-          <a:ext cx="0" cy="0"/>
-          <a:chOff x="0" y="0"/>
-          <a:chExt cx="0" cy="0"/>
-        </a:xfrm>
-      </p:grpSpPr>
-      <p:sp>
-        <p:nvSpPr>
-          <p:cNvPr id="2" name="Title 1"/>
-          <p:cNvSpPr>
-            <a:spLocks noGrp="1"/>
-          </p:cNvSpPr>
-          <p:nvPr>
-            <p:ph type="title"/>
-          </p:nvPr>
-        </p:nvSpPr>
-        <p:spPr/>
-        <p:txBody>
-          <a:bodyPr/>
-          <a:lstStyle/>
-          <a:p>
-            <a:r>
-              <a:rPr lang="en-US" dirty="0"/>
-              <a:t>Calling the SharePoint REST API</a:t>
-            </a:r>
-          </a:p>
-        </p:txBody>
-      </p:sp>
-      <p:pic>
-        <p:nvPicPr>
-          <p:cNvPr id="4" name="Picture 3"/>
-          <p:cNvPicPr>
-            <a:picLocks noChangeAspect="1"/>
-          </p:cNvPicPr>
-          <p:nvPr/>
-        </p:nvPicPr>
-        <p:blipFill>
-          <a:blip r:embed="rId2"/>
-          <a:stretch>
-            <a:fillRect/>
-          </a:stretch>
-        </p:blipFill>
-        <p:spPr>
-          <a:xfrm>
-            <a:off x="533400" y="1295400"/>
-            <a:ext cx="7505700" cy="1924050"/>
-          </a:xfrm>
-          <a:prstGeom prst="rect">
-            <a:avLst/>
-          </a:prstGeom>
-        </p:spPr>
-      </p:pic>
-      <p:pic>
-        <p:nvPicPr>
-          <p:cNvPr id="5" name="Picture 4"/>
-          <p:cNvPicPr>
-            <a:picLocks noChangeAspect="1"/>
-          </p:cNvPicPr>
-          <p:nvPr/>
-        </p:nvPicPr>
-        <p:blipFill>
-          <a:blip r:embed="rId3"/>
-          <a:stretch>
-            <a:fillRect/>
-          </a:stretch>
-        </p:blipFill>
-        <p:spPr>
-          <a:xfrm>
-            <a:off x="533400" y="3429000"/>
-            <a:ext cx="7324725" cy="3228975"/>
-          </a:xfrm>
-          <a:prstGeom prst="rect">
-            <a:avLst/>
-          </a:prstGeom>
-        </p:spPr>
-      </p:pic>
-    </p:spTree>
-    <p:extLst>
-      <p:ext uri="{BB962C8B-B14F-4D97-AF65-F5344CB8AC3E}">
-        <p14:creationId xmlns:p14="http://schemas.microsoft.com/office/powerpoint/2010/main" val="2046893145"/>
-      </p:ext>
-    </p:extLst>
-  </p:cSld>
-  <p:clrMapOvr>
-    <a:masterClrMapping/>
-  </p:clrMapOvr>
-</p:sld>
-</file>
-
-<file path=ppt/slides/slide24.xml><?xml version="1.0" encoding="utf-8"?>
-<p:sld xmlns:a="http://schemas.openxmlformats.org/drawingml/2006/main" xmlns:r="http://schemas.openxmlformats.org/officeDocument/2006/relationships" xmlns:p="http://schemas.openxmlformats.org/presentationml/2006/main">
-  <p:cSld>
-    <p:spTree>
-      <p:nvGrpSpPr>
-        <p:cNvPr id="1" name=""/>
-        <p:cNvGrpSpPr/>
-        <p:nvPr/>
-      </p:nvGrpSpPr>
-      <p:grpSpPr>
-        <a:xfrm>
-          <a:off x="0" y="0"/>
-          <a:ext cx="0" cy="0"/>
-          <a:chOff x="0" y="0"/>
-          <a:chExt cx="0" cy="0"/>
-        </a:xfrm>
-      </p:grpSpPr>
-      <p:sp>
-        <p:nvSpPr>
-          <p:cNvPr id="2" name="Title 1"/>
-          <p:cNvSpPr>
-            <a:spLocks noGrp="1"/>
-          </p:cNvSpPr>
-          <p:nvPr>
-            <p:ph type="title"/>
-          </p:nvPr>
-        </p:nvSpPr>
-        <p:spPr/>
-        <p:txBody>
-          <a:bodyPr/>
-          <a:lstStyle/>
-          <a:p>
-            <a:r>
-              <a:rPr lang="en-US" dirty="0"/>
-              <a:t>Calling the SharePoint REST API</a:t>
-            </a:r>
-          </a:p>
-        </p:txBody>
-      </p:sp>
-    </p:spTree>
-    <p:extLst>
-      <p:ext uri="{BB962C8B-B14F-4D97-AF65-F5344CB8AC3E}">
-        <p14:creationId xmlns:p14="http://schemas.microsoft.com/office/powerpoint/2010/main" val="3572419759"/>
-      </p:ext>
-    </p:extLst>
-  </p:cSld>
-  <p:clrMapOvr>
-    <a:masterClrMapping/>
-  </p:clrMapOvr>
-</p:sld>
-</file>
-
-<file path=ppt/slides/slide25.xml><?xml version="1.0" encoding="utf-8"?>
-<p:sld xmlns:a="http://schemas.openxmlformats.org/drawingml/2006/main" xmlns:r="http://schemas.openxmlformats.org/officeDocument/2006/relationships" xmlns:p="http://schemas.openxmlformats.org/presentationml/2006/main">
-  <p:cSld>
-    <p:spTree>
-      <p:nvGrpSpPr>
-        <p:cNvPr id="1" name=""/>
-        <p:cNvGrpSpPr/>
-        <p:nvPr/>
-      </p:nvGrpSpPr>
-      <p:grpSpPr>
-        <a:xfrm>
-          <a:off x="0" y="0"/>
-          <a:ext cx="0" cy="0"/>
-          <a:chOff x="0" y="0"/>
-          <a:chExt cx="0" cy="0"/>
-        </a:xfrm>
-      </p:grpSpPr>
-      <p:sp>
-        <p:nvSpPr>
-          <p:cNvPr id="2" name="Title 1"/>
-          <p:cNvSpPr>
-            <a:spLocks noGrp="1"/>
-          </p:cNvSpPr>
-          <p:nvPr>
-            <p:ph type="title"/>
-          </p:nvPr>
-        </p:nvSpPr>
-        <p:spPr/>
-        <p:txBody>
-          <a:bodyPr/>
-          <a:lstStyle/>
-          <a:p>
-            <a:r>
-              <a:rPr lang="en-US" dirty="0"/>
-              <a:t>React and JSX</a:t>
-            </a:r>
-          </a:p>
-        </p:txBody>
-      </p:sp>
-      <p:pic>
-        <p:nvPicPr>
-          <p:cNvPr id="5" name="Picture 4"/>
-          <p:cNvPicPr>
-            <a:picLocks noChangeAspect="1"/>
-          </p:cNvPicPr>
-          <p:nvPr/>
-        </p:nvPicPr>
-        <p:blipFill>
-          <a:blip r:embed="rId2"/>
-          <a:stretch>
-            <a:fillRect/>
-          </a:stretch>
-        </p:blipFill>
-        <p:spPr>
-          <a:xfrm>
-            <a:off x="324009" y="1219200"/>
-            <a:ext cx="8402548" cy="5334000"/>
-          </a:xfrm>
-          <a:prstGeom prst="rect">
-            <a:avLst/>
-          </a:prstGeom>
-        </p:spPr>
-      </p:pic>
-    </p:spTree>
-    <p:extLst>
-      <p:ext uri="{BB962C8B-B14F-4D97-AF65-F5344CB8AC3E}">
-        <p14:creationId xmlns:p14="http://schemas.microsoft.com/office/powerpoint/2010/main" val="3736987529"/>
-      </p:ext>
-    </p:extLst>
-  </p:cSld>
-  <p:clrMapOvr>
-    <a:masterClrMapping/>
-  </p:clrMapOvr>
-</p:sld>
-</file>
-
-<file path=ppt/slides/slide26.xml><?xml version="1.0" encoding="utf-8"?>
-<p:sld xmlns:a="http://schemas.openxmlformats.org/drawingml/2006/main" xmlns:r="http://schemas.openxmlformats.org/officeDocument/2006/relationships" xmlns:p="http://schemas.openxmlformats.org/presentationml/2006/main">
-  <p:cSld>
-    <p:spTree>
-      <p:nvGrpSpPr>
-        <p:cNvPr id="1" name=""/>
-        <p:cNvGrpSpPr/>
-        <p:nvPr/>
-      </p:nvGrpSpPr>
-      <p:grpSpPr>
-        <a:xfrm>
-          <a:off x="0" y="0"/>
-          <a:ext cx="0" cy="0"/>
-          <a:chOff x="0" y="0"/>
-          <a:chExt cx="0" cy="0"/>
-        </a:xfrm>
-      </p:grpSpPr>
-      <p:sp>
-        <p:nvSpPr>
-          <p:cNvPr id="2" name="Title 1"/>
-          <p:cNvSpPr>
-            <a:spLocks noGrp="1"/>
-          </p:cNvSpPr>
-          <p:nvPr>
-            <p:ph type="title"/>
-          </p:nvPr>
-        </p:nvSpPr>
-        <p:spPr/>
-        <p:txBody>
-          <a:bodyPr/>
-          <a:lstStyle/>
-          <a:p>
-            <a:r>
-              <a:rPr lang="en-US" dirty="0"/>
-              <a:t>Creating Web Parts with React.js</a:t>
-            </a:r>
-          </a:p>
-        </p:txBody>
-      </p:sp>
-    </p:spTree>
-    <p:extLst>
-      <p:ext uri="{BB962C8B-B14F-4D97-AF65-F5344CB8AC3E}">
-        <p14:creationId xmlns:p14="http://schemas.microsoft.com/office/powerpoint/2010/main" val="3745108331"/>
-      </p:ext>
-    </p:extLst>
-  </p:cSld>
-  <p:clrMapOvr>
-    <a:masterClrMapping/>
-  </p:clrMapOvr>
-</p:sld>
-</file>
-
-<file path=ppt/slides/slide27.xml><?xml version="1.0" encoding="utf-8"?>
-<p:sld xmlns:a="http://schemas.openxmlformats.org/drawingml/2006/main" xmlns:r="http://schemas.openxmlformats.org/officeDocument/2006/relationships" xmlns:p="http://schemas.openxmlformats.org/presentationml/2006/main">
-  <p:cSld>
-    <p:spTree>
-      <p:nvGrpSpPr>
-        <p:cNvPr id="1" name=""/>
-        <p:cNvGrpSpPr/>
-        <p:nvPr/>
-      </p:nvGrpSpPr>
-      <p:grpSpPr>
-        <a:xfrm>
-          <a:off x="0" y="0"/>
-          <a:ext cx="0" cy="0"/>
-          <a:chOff x="0" y="0"/>
-          <a:chExt cx="0" cy="0"/>
-        </a:xfrm>
-      </p:grpSpPr>
-      <p:sp>
-        <p:nvSpPr>
-          <p:cNvPr id="2" name="Title 1"/>
-          <p:cNvSpPr>
-            <a:spLocks noGrp="1"/>
-          </p:cNvSpPr>
-          <p:nvPr>
-            <p:ph type="title"/>
-          </p:nvPr>
-        </p:nvSpPr>
-        <p:spPr/>
-        <p:txBody>
-          <a:bodyPr/>
-          <a:lstStyle/>
-          <a:p>
-            <a:r>
-              <a:rPr lang="en-US" dirty="0"/>
-              <a:t>Agenda</a:t>
-            </a:r>
-          </a:p>
-        </p:txBody>
-      </p:sp>
-      <p:sp>
-        <p:nvSpPr>
-          <p:cNvPr id="3" name="Content Placeholder 2"/>
-          <p:cNvSpPr>
-            <a:spLocks noGrp="1"/>
-          </p:cNvSpPr>
-          <p:nvPr>
-            <p:ph idx="1"/>
-          </p:nvPr>
-        </p:nvSpPr>
-        <p:spPr/>
-        <p:txBody>
-          <a:bodyPr>
-            <a:normAutofit/>
-          </a:bodyPr>
-          <a:lstStyle/>
-          <a:p>
-            <a:pPr>
-              <a:buFont typeface="Wingdings" panose="05000000000000000000" pitchFamily="2" charset="2"/>
-              <a:buChar char="ü"/>
-            </a:pPr>
-            <a:r>
-              <a:rPr lang="en-US" dirty="0"/>
-              <a:t>Overview the SharePoint Framework (</a:t>
-            </a:r>
-            <a:r>
-              <a:rPr lang="en-US" dirty="0" err="1"/>
-              <a:t>SPFx</a:t>
-            </a:r>
-            <a:r>
-              <a:rPr lang="en-US" dirty="0"/>
-              <a:t>)</a:t>
-            </a:r>
-          </a:p>
-          <a:p>
-            <a:pPr>
-              <a:buFont typeface="Wingdings" panose="05000000000000000000" pitchFamily="2" charset="2"/>
-              <a:buChar char="ü"/>
-            </a:pPr>
-            <a:r>
-              <a:rPr lang="en-US" dirty="0"/>
-              <a:t>Setting up an </a:t>
-            </a:r>
-            <a:r>
-              <a:rPr lang="en-US" dirty="0" err="1"/>
-              <a:t>SPFx</a:t>
-            </a:r>
-            <a:r>
-              <a:rPr lang="en-US" dirty="0"/>
-              <a:t> Development Environment</a:t>
-            </a:r>
-          </a:p>
-          <a:p>
-            <a:pPr>
-              <a:buFont typeface="Wingdings" panose="05000000000000000000" pitchFamily="2" charset="2"/>
-              <a:buChar char="ü"/>
-            </a:pPr>
-            <a:r>
-              <a:rPr lang="en-US" dirty="0"/>
-              <a:t>Creating Projects using the </a:t>
-            </a:r>
-            <a:r>
-              <a:rPr lang="en-US" dirty="0" err="1"/>
-              <a:t>SPFx</a:t>
-            </a:r>
-            <a:r>
-              <a:rPr lang="en-US" dirty="0"/>
-              <a:t> Templates</a:t>
-            </a:r>
-          </a:p>
-          <a:p>
-            <a:pPr>
-              <a:buFont typeface="Wingdings" panose="05000000000000000000" pitchFamily="2" charset="2"/>
-              <a:buChar char="Ø"/>
-            </a:pPr>
-            <a:r>
-              <a:rPr lang="en-US" dirty="0"/>
-              <a:t>Deploying </a:t>
-            </a:r>
-            <a:r>
-              <a:rPr lang="en-US" dirty="0" err="1"/>
-              <a:t>SPFx</a:t>
-            </a:r>
-            <a:r>
-              <a:rPr lang="en-US" dirty="0"/>
-              <a:t> Projects using an Azure CDN</a:t>
-            </a:r>
-          </a:p>
-        </p:txBody>
-      </p:sp>
-    </p:spTree>
-    <p:extLst>
-      <p:ext uri="{BB962C8B-B14F-4D97-AF65-F5344CB8AC3E}">
-        <p14:creationId xmlns:p14="http://schemas.microsoft.com/office/powerpoint/2010/main" val="360551825"/>
-      </p:ext>
-    </p:extLst>
-  </p:cSld>
-  <p:clrMapOvr>
-    <a:masterClrMapping/>
-  </p:clrMapOvr>
-</p:sld>
-</file>
-
 <file path=ppt/slides/slide28.xml><?xml version="1.0" encoding="utf-8"?>
 <p:sld xmlns:a="http://schemas.openxmlformats.org/drawingml/2006/main" xmlns:r="http://schemas.openxmlformats.org/officeDocument/2006/relationships" xmlns:p="http://schemas.openxmlformats.org/presentationml/2006/main">
   <p:cSld>
@@ -6022,268 +6564,22 @@
           <a:lstStyle/>
           <a:p>
             <a:r>
-              <a:rPr lang="en-US"/>
-              <a:t>Building a Deployment Package</a:t>
-            </a:r>
-            <a:endParaRPr lang="en-US" dirty="0"/>
+              <a:rPr lang="en-US" dirty="0"/>
+              <a:t>Web Part Properties</a:t>
+            </a:r>
           </a:p>
         </p:txBody>
       </p:sp>
-      <p:pic>
-        <p:nvPicPr>
-          <p:cNvPr id="5" name="Content Placeholder 4"/>
-          <p:cNvPicPr>
-            <a:picLocks noGrp="1" noChangeAspect="1"/>
-          </p:cNvPicPr>
-          <p:nvPr>
-            <p:ph idx="1"/>
-          </p:nvPr>
-        </p:nvPicPr>
-        <p:blipFill>
-          <a:blip r:embed="rId2"/>
-          <a:stretch>
-            <a:fillRect/>
-          </a:stretch>
-        </p:blipFill>
-        <p:spPr>
-          <a:xfrm>
-            <a:off x="710648" y="2590800"/>
-            <a:ext cx="4457700" cy="1133475"/>
-          </a:xfrm>
-          <a:ln>
-            <a:solidFill>
-              <a:schemeClr val="tx1"/>
-            </a:solidFill>
-          </a:ln>
-        </p:spPr>
-      </p:pic>
-      <p:pic>
-        <p:nvPicPr>
-          <p:cNvPr id="3" name="Picture 2"/>
-          <p:cNvPicPr>
-            <a:picLocks noChangeAspect="1"/>
-          </p:cNvPicPr>
-          <p:nvPr/>
-        </p:nvPicPr>
-        <p:blipFill rotWithShape="1">
-          <a:blip r:embed="rId3"/>
-          <a:srcRect r="51965" b="78125"/>
-          <a:stretch/>
-        </p:blipFill>
-        <p:spPr>
-          <a:xfrm>
-            <a:off x="689113" y="1275107"/>
-            <a:ext cx="4479235" cy="1066800"/>
-          </a:xfrm>
-          <a:prstGeom prst="rect">
-            <a:avLst/>
-          </a:prstGeom>
-        </p:spPr>
-      </p:pic>
-      <p:pic>
-        <p:nvPicPr>
-          <p:cNvPr id="11" name="Picture 10"/>
-          <p:cNvPicPr>
-            <a:picLocks noChangeAspect="1"/>
-          </p:cNvPicPr>
-          <p:nvPr/>
-        </p:nvPicPr>
-        <p:blipFill>
-          <a:blip r:embed="rId4"/>
-          <a:stretch>
-            <a:fillRect/>
-          </a:stretch>
-        </p:blipFill>
-        <p:spPr>
-          <a:xfrm>
-            <a:off x="730526" y="4038600"/>
-            <a:ext cx="7810500" cy="2419350"/>
-          </a:xfrm>
-          <a:prstGeom prst="rect">
-            <a:avLst/>
-          </a:prstGeom>
-          <a:ln>
-            <a:solidFill>
-              <a:schemeClr val="tx1"/>
-            </a:solidFill>
-          </a:ln>
-        </p:spPr>
-      </p:pic>
     </p:spTree>
     <p:extLst>
       <p:ext uri="{BB962C8B-B14F-4D97-AF65-F5344CB8AC3E}">
-        <p14:creationId xmlns:p14="http://schemas.microsoft.com/office/powerpoint/2010/main" val="910462400"/>
+        <p14:creationId xmlns:p14="http://schemas.microsoft.com/office/powerpoint/2010/main" val="3620846342"/>
       </p:ext>
     </p:extLst>
   </p:cSld>
   <p:clrMapOvr>
     <a:masterClrMapping/>
   </p:clrMapOvr>
-  <p:timing>
-    <p:tnLst>
-      <p:par>
-        <p:cTn id="1" dur="indefinite" restart="never" nodeType="tmRoot">
-          <p:childTnLst>
-            <p:seq concurrent="1" nextAc="seek">
-              <p:cTn id="2" dur="indefinite" nodeType="mainSeq">
-                <p:childTnLst>
-                  <p:par>
-                    <p:cTn id="3" fill="hold">
-                      <p:stCondLst>
-                        <p:cond delay="indefinite"/>
-                      </p:stCondLst>
-                      <p:childTnLst>
-                        <p:par>
-                          <p:cTn id="4" fill="hold">
-                            <p:stCondLst>
-                              <p:cond delay="0"/>
-                            </p:stCondLst>
-                            <p:childTnLst>
-                              <p:par>
-                                <p:cTn id="5" presetID="1" presetClass="entr" presetSubtype="0" fill="hold" nodeType="clickEffect">
-                                  <p:stCondLst>
-                                    <p:cond delay="0"/>
-                                  </p:stCondLst>
-                                  <p:childTnLst>
-                                    <p:set>
-                                      <p:cBhvr>
-                                        <p:cTn id="6" dur="1" fill="hold">
-                                          <p:stCondLst>
-                                            <p:cond delay="0"/>
-                                          </p:stCondLst>
-                                        </p:cTn>
-                                        <p:tgtEl>
-                                          <p:spTgt spid="3"/>
-                                        </p:tgtEl>
-                                        <p:attrNameLst>
-                                          <p:attrName>style.visibility</p:attrName>
-                                        </p:attrNameLst>
-                                      </p:cBhvr>
-                                      <p:to>
-                                        <p:strVal val="visible"/>
-                                      </p:to>
-                                    </p:set>
-                                  </p:childTnLst>
-                                </p:cTn>
-                              </p:par>
-                            </p:childTnLst>
-                          </p:cTn>
-                        </p:par>
-                      </p:childTnLst>
-                    </p:cTn>
-                  </p:par>
-                  <p:par>
-                    <p:cTn id="7" fill="hold">
-                      <p:stCondLst>
-                        <p:cond delay="indefinite"/>
-                      </p:stCondLst>
-                      <p:childTnLst>
-                        <p:par>
-                          <p:cTn id="8" fill="hold">
-                            <p:stCondLst>
-                              <p:cond delay="0"/>
-                            </p:stCondLst>
-                            <p:childTnLst>
-                              <p:par>
-                                <p:cTn id="9" presetID="1" presetClass="entr" presetSubtype="0" fill="hold" nodeType="clickEffect">
-                                  <p:stCondLst>
-                                    <p:cond delay="0"/>
-                                  </p:stCondLst>
-                                  <p:childTnLst>
-                                    <p:set>
-                                      <p:cBhvr>
-                                        <p:cTn id="10" dur="1" fill="hold">
-                                          <p:stCondLst>
-                                            <p:cond delay="0"/>
-                                          </p:stCondLst>
-                                        </p:cTn>
-                                        <p:tgtEl>
-                                          <p:spTgt spid="5"/>
-                                        </p:tgtEl>
-                                        <p:attrNameLst>
-                                          <p:attrName>style.visibility</p:attrName>
-                                        </p:attrNameLst>
-                                      </p:cBhvr>
-                                      <p:to>
-                                        <p:strVal val="visible"/>
-                                      </p:to>
-                                    </p:set>
-                                  </p:childTnLst>
-                                </p:cTn>
-                              </p:par>
-                            </p:childTnLst>
-                          </p:cTn>
-                        </p:par>
-                      </p:childTnLst>
-                    </p:cTn>
-                  </p:par>
-                  <p:par>
-                    <p:cTn id="11" fill="hold">
-                      <p:stCondLst>
-                        <p:cond delay="indefinite"/>
-                      </p:stCondLst>
-                      <p:childTnLst>
-                        <p:par>
-                          <p:cTn id="12" fill="hold">
-                            <p:stCondLst>
-                              <p:cond delay="0"/>
-                            </p:stCondLst>
-                            <p:childTnLst>
-                              <p:par>
-                                <p:cTn id="13" presetID="1" presetClass="entr" presetSubtype="0" fill="hold" nodeType="clickEffect">
-                                  <p:stCondLst>
-                                    <p:cond delay="0"/>
-                                  </p:stCondLst>
-                                  <p:childTnLst>
-                                    <p:set>
-                                      <p:cBhvr>
-                                        <p:cTn id="14" dur="1" fill="hold">
-                                          <p:stCondLst>
-                                            <p:cond delay="0"/>
-                                          </p:stCondLst>
-                                        </p:cTn>
-                                        <p:tgtEl>
-                                          <p:spTgt spid="11"/>
-                                        </p:tgtEl>
-                                        <p:attrNameLst>
-                                          <p:attrName>style.visibility</p:attrName>
-                                        </p:attrNameLst>
-                                      </p:cBhvr>
-                                      <p:to>
-                                        <p:strVal val="visible"/>
-                                      </p:to>
-                                    </p:set>
-                                  </p:childTnLst>
-                                </p:cTn>
-                              </p:par>
-                            </p:childTnLst>
-                          </p:cTn>
-                        </p:par>
-                      </p:childTnLst>
-                    </p:cTn>
-                  </p:par>
-                </p:childTnLst>
-              </p:cTn>
-              <p:prevCondLst>
-                <p:cond evt="onPrev" delay="0">
-                  <p:tgtEl>
-                    <p:sldTgt/>
-                  </p:tgtEl>
-                </p:cond>
-              </p:prevCondLst>
-              <p:nextCondLst>
-                <p:cond evt="onNext" delay="0">
-                  <p:tgtEl>
-                    <p:sldTgt/>
-                  </p:tgtEl>
-                </p:cond>
-              </p:nextCondLst>
-            </p:seq>
-          </p:childTnLst>
-        </p:cTn>
-      </p:par>
-    </p:tnLst>
-  </p:timing>
 </p:sld>
 </file>
 
@@ -6320,15 +6616,16 @@
           <a:lstStyle/>
           <a:p>
             <a:r>
-              <a:rPr lang="en-US" dirty="0"/>
-              <a:t>Deploying to Azure</a:t>
-            </a:r>
+              <a:rPr lang="en-US"/>
+              <a:t>Agenda</a:t>
+            </a:r>
+            <a:endParaRPr lang="en-US" dirty="0"/>
           </a:p>
         </p:txBody>
       </p:sp>
       <p:sp>
         <p:nvSpPr>
-          <p:cNvPr id="5" name="Content Placeholder 4"/>
+          <p:cNvPr id="3" name="Content Placeholder 2"/>
           <p:cNvSpPr>
             <a:spLocks noGrp="1"/>
           </p:cNvSpPr>
@@ -6338,64 +6635,68 @@
         </p:nvSpPr>
         <p:spPr/>
         <p:txBody>
-          <a:bodyPr/>
+          <a:bodyPr>
+            <a:noAutofit/>
+          </a:bodyPr>
           <a:lstStyle/>
           <a:p>
-            <a:r>
-              <a:rPr lang="en-US" dirty="0"/>
-              <a:t>Gulp commands to deploy to CDN</a:t>
-            </a:r>
-          </a:p>
-          <a:p>
-            <a:pPr marL="804862" lvl="1" indent="-457200">
-              <a:lnSpc>
-                <a:spcPct val="150000"/>
-              </a:lnSpc>
-              <a:buFont typeface="+mj-lt"/>
-              <a:buAutoNum type="arabicPeriod"/>
+            <a:pPr lvl="0">
+              <a:buFont typeface="Wingdings" panose="05000000000000000000" pitchFamily="2" charset="2"/>
+              <a:buChar char="ü"/>
             </a:pPr>
             <a:r>
-              <a:rPr lang="en-US" b="1" dirty="0"/>
-              <a:t>gulp --ship</a:t>
-            </a:r>
-          </a:p>
-          <a:p>
-            <a:pPr marL="804862" lvl="1" indent="-457200">
-              <a:lnSpc>
-                <a:spcPct val="150000"/>
-              </a:lnSpc>
-              <a:buFont typeface="+mj-lt"/>
-              <a:buAutoNum type="arabicPeriod"/>
+              <a:rPr lang="en-US" sz="2400" dirty="0"/>
+              <a:t>Introduction to the SharePoint Framework</a:t>
+            </a:r>
+          </a:p>
+          <a:p>
+            <a:pPr lvl="0">
+              <a:buFont typeface="Wingdings" panose="05000000000000000000" pitchFamily="2" charset="2"/>
+              <a:buChar char="ü"/>
             </a:pPr>
             <a:r>
-              <a:rPr lang="en-US" b="1" dirty="0"/>
-              <a:t>gulp deploy-azure-storage</a:t>
-            </a:r>
-          </a:p>
-          <a:p>
-            <a:pPr marL="804862" lvl="1" indent="-457200">
-              <a:lnSpc>
-                <a:spcPct val="150000"/>
-              </a:lnSpc>
-              <a:buFont typeface="+mj-lt"/>
-              <a:buAutoNum type="arabicPeriod"/>
+              <a:rPr lang="en-US" sz="2400" dirty="0"/>
+              <a:t>Creating SPFX Projects using the Yeoman Generator</a:t>
+            </a:r>
+          </a:p>
+          <a:p>
+            <a:pPr lvl="0">
+              <a:buFont typeface="Wingdings" panose="05000000000000000000" pitchFamily="2" charset="2"/>
+              <a:buChar char="ü"/>
             </a:pPr>
             <a:r>
-              <a:rPr lang="en-US" b="1" dirty="0"/>
-              <a:t>gulp bundle --ship</a:t>
-            </a:r>
-          </a:p>
-          <a:p>
-            <a:pPr marL="804862" lvl="1" indent="-457200">
-              <a:lnSpc>
-                <a:spcPct val="150000"/>
-              </a:lnSpc>
-              <a:buFont typeface="+mj-lt"/>
-              <a:buAutoNum type="arabicPeriod"/>
+              <a:rPr lang="en-US" sz="2400" dirty="0"/>
+              <a:t>Testing &amp; Debugging Webparts in SharePoint Workbench</a:t>
+            </a:r>
+          </a:p>
+          <a:p>
+            <a:pPr>
+              <a:buFont typeface="Wingdings" panose="05000000000000000000" pitchFamily="2" charset="2"/>
+              <a:buChar char="ü"/>
             </a:pPr>
             <a:r>
-              <a:rPr lang="en-US" b="1" dirty="0"/>
-              <a:t>gulp package-solution --ship</a:t>
+              <a:rPr lang="en-US" sz="2400" dirty="0"/>
+              <a:t>Managing Styles using SCSS Files and CSS Modules</a:t>
+            </a:r>
+          </a:p>
+          <a:p>
+            <a:pPr>
+              <a:buFont typeface="Wingdings" panose="05000000000000000000" pitchFamily="2" charset="2"/>
+              <a:buChar char="ü"/>
+            </a:pPr>
+            <a:r>
+              <a:rPr lang="en-US" sz="2400" dirty="0"/>
+              <a:t>Creating a Web Part with Custom Properties</a:t>
+            </a:r>
+          </a:p>
+          <a:p>
+            <a:pPr lvl="0">
+              <a:buFont typeface="Wingdings" panose="05000000000000000000" pitchFamily="2" charset="2"/>
+              <a:buChar char="Ø"/>
+            </a:pPr>
+            <a:r>
+              <a:rPr lang="en-US" sz="2400" dirty="0"/>
+              <a:t>Creating Application Customizers</a:t>
             </a:r>
           </a:p>
         </p:txBody>
@@ -6403,7 +6704,7 @@
     </p:spTree>
     <p:extLst>
       <p:ext uri="{BB962C8B-B14F-4D97-AF65-F5344CB8AC3E}">
-        <p14:creationId xmlns:p14="http://schemas.microsoft.com/office/powerpoint/2010/main" val="1380709725"/>
+        <p14:creationId xmlns:p14="http://schemas.microsoft.com/office/powerpoint/2010/main" val="330438874"/>
       </p:ext>
     </p:extLst>
   </p:cSld>
@@ -7019,7 +7320,13 @@
       </p:grpSpPr>
       <p:sp>
         <p:nvSpPr>
-          <p:cNvPr id="2" name="Title 1"/>
+          <p:cNvPr id="2" name="Title 1">
+            <a:extLst>
+              <a:ext uri="{FF2B5EF4-FFF2-40B4-BE49-F238E27FC236}">
+                <a16:creationId xmlns:a16="http://schemas.microsoft.com/office/drawing/2014/main" id="{362EA91D-AE16-4ED8-A17D-456DA642D0CC}"/>
+              </a:ext>
+            </a:extLst>
+          </p:cNvPr>
           <p:cNvSpPr>
             <a:spLocks noGrp="1"/>
           </p:cNvSpPr>
@@ -7034,105 +7341,158 @@
           <a:p>
             <a:r>
               <a:rPr lang="en-US" dirty="0"/>
-              <a:t>Summary</a:t>
+              <a:t>Creating an Application Customizer</a:t>
             </a:r>
           </a:p>
         </p:txBody>
       </p:sp>
-      <p:sp>
-        <p:nvSpPr>
-          <p:cNvPr id="3" name="Content Placeholder 2"/>
-          <p:cNvSpPr>
-            <a:spLocks noGrp="1"/>
-          </p:cNvSpPr>
-          <p:nvPr>
-            <p:ph idx="1"/>
-          </p:nvPr>
-        </p:nvSpPr>
-        <p:spPr/>
+      <p:pic>
+        <p:nvPicPr>
+          <p:cNvPr id="3" name="Picture 2">
+            <a:extLst>
+              <a:ext uri="{FF2B5EF4-FFF2-40B4-BE49-F238E27FC236}">
+                <a16:creationId xmlns:a16="http://schemas.microsoft.com/office/drawing/2014/main" id="{27C72469-8A62-4537-8476-A4B9440494A3}"/>
+              </a:ext>
+            </a:extLst>
+          </p:cNvPr>
+          <p:cNvPicPr/>
+          <p:nvPr/>
+        </p:nvPicPr>
+        <p:blipFill rotWithShape="1">
+          <a:blip r:embed="rId2"/>
+          <a:srcRect t="45377" r="35048" b="12833"/>
+          <a:stretch/>
+        </p:blipFill>
+        <p:spPr bwMode="auto">
+          <a:xfrm>
+            <a:off x="457200" y="1828800"/>
+            <a:ext cx="7615472" cy="2838790"/>
+          </a:xfrm>
+          <a:prstGeom prst="rect">
+            <a:avLst/>
+          </a:prstGeom>
+          <a:ln>
+            <a:solidFill>
+              <a:schemeClr val="tx1"/>
+            </a:solidFill>
+          </a:ln>
+          <a:extLst>
+            <a:ext uri="{53640926-AAD7-44D8-BBD7-CCE9431645EC}">
+              <a14:shadowObscured xmlns:a14="http://schemas.microsoft.com/office/drawing/2010/main"/>
+            </a:ext>
+          </a:extLst>
+        </p:spPr>
+      </p:pic>
+      <p:sp>
+        <p:nvSpPr>
+          <p:cNvPr id="4" name="Arrow: Right 3">
+            <a:extLst>
+              <a:ext uri="{FF2B5EF4-FFF2-40B4-BE49-F238E27FC236}">
+                <a16:creationId xmlns:a16="http://schemas.microsoft.com/office/drawing/2014/main" id="{77931E71-0022-4EC5-9394-9ABF9D97D5D1}"/>
+              </a:ext>
+            </a:extLst>
+          </p:cNvPr>
+          <p:cNvSpPr/>
+          <p:nvPr/>
+        </p:nvSpPr>
+        <p:spPr>
+          <a:xfrm flipH="1">
+            <a:off x="6116290" y="3414571"/>
+            <a:ext cx="1914920" cy="204704"/>
+          </a:xfrm>
+          <a:prstGeom prst="rightArrow">
+            <a:avLst>
+              <a:gd name="adj1" fmla="val 61557"/>
+              <a:gd name="adj2" fmla="val 50000"/>
+            </a:avLst>
+          </a:prstGeom>
+          <a:solidFill>
+            <a:schemeClr val="accent2"/>
+          </a:solidFill>
+          <a:ln w="9525"/>
+        </p:spPr>
+        <p:style>
+          <a:lnRef idx="2">
+            <a:schemeClr val="accent1">
+              <a:shade val="50000"/>
+            </a:schemeClr>
+          </a:lnRef>
+          <a:fillRef idx="1">
+            <a:schemeClr val="accent1"/>
+          </a:fillRef>
+          <a:effectRef idx="0">
+            <a:schemeClr val="accent1"/>
+          </a:effectRef>
+          <a:fontRef idx="minor">
+            <a:schemeClr val="lt1"/>
+          </a:fontRef>
+        </p:style>
         <p:txBody>
-          <a:bodyPr>
-            <a:normAutofit/>
-          </a:bodyPr>
+          <a:bodyPr rtlCol="0" anchor="ctr"/>
           <a:lstStyle/>
           <a:p>
-            <a:pPr>
-              <a:buFont typeface="Wingdings" panose="05000000000000000000" pitchFamily="2" charset="2"/>
-              <a:buChar char="ü"/>
-            </a:pPr>
-            <a:r>
-              <a:rPr lang="en-US" dirty="0"/>
-              <a:t>Overview the SharePoint Framework (</a:t>
-            </a:r>
-            <a:r>
-              <a:rPr lang="en-US" dirty="0" err="1"/>
-              <a:t>SPFx</a:t>
-            </a:r>
-            <a:r>
-              <a:rPr lang="en-US" dirty="0"/>
-              <a:t>)</a:t>
-            </a:r>
-          </a:p>
-          <a:p>
-            <a:pPr>
-              <a:buFont typeface="Wingdings" panose="05000000000000000000" pitchFamily="2" charset="2"/>
-              <a:buChar char="ü"/>
-            </a:pPr>
-            <a:r>
-              <a:rPr lang="en-US" dirty="0"/>
-              <a:t>Setting up an </a:t>
-            </a:r>
-            <a:r>
-              <a:rPr lang="en-US" dirty="0" err="1"/>
-              <a:t>SPFx</a:t>
-            </a:r>
-            <a:r>
-              <a:rPr lang="en-US" dirty="0"/>
-              <a:t> Development Environment</a:t>
-            </a:r>
-          </a:p>
-          <a:p>
-            <a:pPr>
-              <a:buFont typeface="Wingdings" panose="05000000000000000000" pitchFamily="2" charset="2"/>
-              <a:buChar char="ü"/>
-            </a:pPr>
-            <a:r>
-              <a:rPr lang="en-US" dirty="0"/>
-              <a:t>Creating Projects using the </a:t>
-            </a:r>
-            <a:r>
-              <a:rPr lang="en-US" dirty="0" err="1"/>
-              <a:t>SPFx</a:t>
-            </a:r>
-            <a:r>
-              <a:rPr lang="en-US" dirty="0"/>
-              <a:t> Templates</a:t>
-            </a:r>
-          </a:p>
-          <a:p>
-            <a:pPr>
-              <a:buFont typeface="Wingdings" panose="05000000000000000000" pitchFamily="2" charset="2"/>
-              <a:buChar char="ü"/>
-            </a:pPr>
-            <a:r>
-              <a:rPr lang="en-US" dirty="0"/>
-              <a:t>Deploying </a:t>
-            </a:r>
-            <a:r>
-              <a:rPr lang="en-US" dirty="0" err="1"/>
-              <a:t>SPFx</a:t>
-            </a:r>
-            <a:r>
-              <a:rPr lang="en-US" dirty="0"/>
-              <a:t> Projects using an Azure CDN</a:t>
-            </a:r>
+            <a:pPr algn="ctr"/>
+            <a:endParaRPr lang="en-US"/>
+          </a:p>
+        </p:txBody>
+      </p:sp>
+      <p:sp>
+        <p:nvSpPr>
+          <p:cNvPr id="5" name="Arrow: Right 4">
+            <a:extLst>
+              <a:ext uri="{FF2B5EF4-FFF2-40B4-BE49-F238E27FC236}">
+                <a16:creationId xmlns:a16="http://schemas.microsoft.com/office/drawing/2014/main" id="{60C540A8-227B-4073-99D7-8FC3181BFBBC}"/>
+              </a:ext>
+            </a:extLst>
+          </p:cNvPr>
+          <p:cNvSpPr/>
+          <p:nvPr/>
+        </p:nvSpPr>
+        <p:spPr>
+          <a:xfrm flipH="1">
+            <a:off x="7315200" y="3628294"/>
+            <a:ext cx="1246057" cy="204704"/>
+          </a:xfrm>
+          <a:prstGeom prst="rightArrow">
+            <a:avLst>
+              <a:gd name="adj1" fmla="val 61557"/>
+              <a:gd name="adj2" fmla="val 50000"/>
+            </a:avLst>
+          </a:prstGeom>
+          <a:solidFill>
+            <a:schemeClr val="accent2"/>
+          </a:solidFill>
+          <a:ln w="9525"/>
+        </p:spPr>
+        <p:style>
+          <a:lnRef idx="2">
+            <a:schemeClr val="accent1">
+              <a:shade val="50000"/>
+            </a:schemeClr>
+          </a:lnRef>
+          <a:fillRef idx="1">
+            <a:schemeClr val="accent1"/>
+          </a:fillRef>
+          <a:effectRef idx="0">
+            <a:schemeClr val="accent1"/>
+          </a:effectRef>
+          <a:fontRef idx="minor">
+            <a:schemeClr val="lt1"/>
+          </a:fontRef>
+        </p:style>
+        <p:txBody>
+          <a:bodyPr rtlCol="0" anchor="ctr"/>
+          <a:lstStyle/>
+          <a:p>
+            <a:pPr algn="ctr"/>
+            <a:endParaRPr lang="en-US"/>
           </a:p>
         </p:txBody>
       </p:sp>
     </p:spTree>
     <p:extLst>
       <p:ext uri="{BB962C8B-B14F-4D97-AF65-F5344CB8AC3E}">
-        <p14:creationId xmlns:p14="http://schemas.microsoft.com/office/powerpoint/2010/main" val="1526765403"/>
+        <p14:creationId xmlns:p14="http://schemas.microsoft.com/office/powerpoint/2010/main" val="3901633106"/>
       </p:ext>
     </p:extLst>
   </p:cSld>
@@ -7164,7 +7524,7 @@
           <p:cNvPr id="2" name="Title 1">
             <a:extLst>
               <a:ext uri="{FF2B5EF4-FFF2-40B4-BE49-F238E27FC236}">
-                <a16:creationId xmlns:a16="http://schemas.microsoft.com/office/drawing/2014/main" id="{4950C274-D1C5-4762-81C8-582AC8646ABB}"/>
+                <a16:creationId xmlns:a16="http://schemas.microsoft.com/office/drawing/2014/main" id="{60107BA0-C835-43EE-AE33-94D449075A80}"/>
               </a:ext>
             </a:extLst>
           </p:cNvPr>
@@ -7189,7 +7549,241 @@
           <p:cNvPr id="3" name="Picture 2">
             <a:extLst>
               <a:ext uri="{FF2B5EF4-FFF2-40B4-BE49-F238E27FC236}">
-                <a16:creationId xmlns:a16="http://schemas.microsoft.com/office/drawing/2014/main" id="{34BB4FA4-E058-4517-9662-72B4B8B5ACBA}"/>
+                <a16:creationId xmlns:a16="http://schemas.microsoft.com/office/drawing/2014/main" id="{8B6B35DF-E716-4D5B-A9CC-9CBC04B54883}"/>
+              </a:ext>
+            </a:extLst>
+          </p:cNvPr>
+          <p:cNvPicPr/>
+          <p:nvPr/>
+        </p:nvPicPr>
+        <p:blipFill>
+          <a:blip r:embed="rId2">
+            <a:extLst>
+              <a:ext uri="{28A0092B-C50C-407E-A947-70E740481C1C}">
+                <a14:useLocalDpi xmlns:a14="http://schemas.microsoft.com/office/drawing/2010/main" val="0"/>
+              </a:ext>
+            </a:extLst>
+          </a:blip>
+          <a:srcRect/>
+          <a:stretch>
+            <a:fillRect/>
+          </a:stretch>
+        </p:blipFill>
+        <p:spPr bwMode="auto">
+          <a:xfrm>
+            <a:off x="762000" y="1524000"/>
+            <a:ext cx="6303065" cy="2286000"/>
+          </a:xfrm>
+          <a:prstGeom prst="rect">
+            <a:avLst/>
+          </a:prstGeom>
+          <a:noFill/>
+          <a:ln>
+            <a:solidFill>
+              <a:schemeClr val="tx1"/>
+            </a:solidFill>
+          </a:ln>
+        </p:spPr>
+      </p:pic>
+    </p:spTree>
+    <p:extLst>
+      <p:ext uri="{BB962C8B-B14F-4D97-AF65-F5344CB8AC3E}">
+        <p14:creationId xmlns:p14="http://schemas.microsoft.com/office/powerpoint/2010/main" val="56425540"/>
+      </p:ext>
+    </p:extLst>
+  </p:cSld>
+  <p:clrMapOvr>
+    <a:masterClrMapping/>
+  </p:clrMapOvr>
+</p:sld>
+</file>
+
+<file path=ppt/slides/slide32.xml><?xml version="1.0" encoding="utf-8"?>
+<p:sld xmlns:a="http://schemas.openxmlformats.org/drawingml/2006/main" xmlns:r="http://schemas.openxmlformats.org/officeDocument/2006/relationships" xmlns:p="http://schemas.openxmlformats.org/presentationml/2006/main">
+  <p:cSld>
+    <p:spTree>
+      <p:nvGrpSpPr>
+        <p:cNvPr id="1" name=""/>
+        <p:cNvGrpSpPr/>
+        <p:nvPr/>
+      </p:nvGrpSpPr>
+      <p:grpSpPr>
+        <a:xfrm>
+          <a:off x="0" y="0"/>
+          <a:ext cx="0" cy="0"/>
+          <a:chOff x="0" y="0"/>
+          <a:chExt cx="0" cy="0"/>
+        </a:xfrm>
+      </p:grpSpPr>
+      <p:sp>
+        <p:nvSpPr>
+          <p:cNvPr id="2" name="Title 1">
+            <a:extLst>
+              <a:ext uri="{FF2B5EF4-FFF2-40B4-BE49-F238E27FC236}">
+                <a16:creationId xmlns:a16="http://schemas.microsoft.com/office/drawing/2014/main" id="{5D26BD4F-1B10-470B-B8DE-DBD962096F41}"/>
+              </a:ext>
+            </a:extLst>
+          </p:cNvPr>
+          <p:cNvSpPr>
+            <a:spLocks noGrp="1"/>
+          </p:cNvSpPr>
+          <p:nvPr>
+            <p:ph type="title"/>
+          </p:nvPr>
+        </p:nvSpPr>
+        <p:spPr/>
+        <p:txBody>
+          <a:bodyPr/>
+          <a:lstStyle/>
+          <a:p>
+            <a:endParaRPr lang="en-US"/>
+          </a:p>
+        </p:txBody>
+      </p:sp>
+      <p:pic>
+        <p:nvPicPr>
+          <p:cNvPr id="3" name="Picture 2">
+            <a:extLst>
+              <a:ext uri="{FF2B5EF4-FFF2-40B4-BE49-F238E27FC236}">
+                <a16:creationId xmlns:a16="http://schemas.microsoft.com/office/drawing/2014/main" id="{A79F8EF0-1011-4FEA-9CCD-45C44AE7B5B1}"/>
+              </a:ext>
+            </a:extLst>
+          </p:cNvPr>
+          <p:cNvPicPr/>
+          <p:nvPr/>
+        </p:nvPicPr>
+        <p:blipFill>
+          <a:blip r:embed="rId2">
+            <a:extLst>
+              <a:ext uri="{28A0092B-C50C-407E-A947-70E740481C1C}">
+                <a14:useLocalDpi xmlns:a14="http://schemas.microsoft.com/office/drawing/2010/main" val="0"/>
+              </a:ext>
+            </a:extLst>
+          </a:blip>
+          <a:srcRect/>
+          <a:stretch>
+            <a:fillRect/>
+          </a:stretch>
+        </p:blipFill>
+        <p:spPr bwMode="auto">
+          <a:xfrm>
+            <a:off x="828999" y="1295400"/>
+            <a:ext cx="7257402" cy="2286000"/>
+          </a:xfrm>
+          <a:prstGeom prst="rect">
+            <a:avLst/>
+          </a:prstGeom>
+          <a:noFill/>
+          <a:ln>
+            <a:noFill/>
+          </a:ln>
+        </p:spPr>
+      </p:pic>
+      <p:pic>
+        <p:nvPicPr>
+          <p:cNvPr id="4" name="Picture 3">
+            <a:extLst>
+              <a:ext uri="{FF2B5EF4-FFF2-40B4-BE49-F238E27FC236}">
+                <a16:creationId xmlns:a16="http://schemas.microsoft.com/office/drawing/2014/main" id="{488EEBBB-BD7C-4044-879F-C6A7C386633A}"/>
+              </a:ext>
+            </a:extLst>
+          </p:cNvPr>
+          <p:cNvPicPr/>
+          <p:nvPr/>
+        </p:nvPicPr>
+        <p:blipFill>
+          <a:blip r:embed="rId3">
+            <a:extLst>
+              <a:ext uri="{28A0092B-C50C-407E-A947-70E740481C1C}">
+                <a14:useLocalDpi xmlns:a14="http://schemas.microsoft.com/office/drawing/2010/main" val="0"/>
+              </a:ext>
+            </a:extLst>
+          </a:blip>
+          <a:srcRect/>
+          <a:stretch>
+            <a:fillRect/>
+          </a:stretch>
+        </p:blipFill>
+        <p:spPr bwMode="auto">
+          <a:xfrm>
+            <a:off x="828999" y="4191000"/>
+            <a:ext cx="5760946" cy="1371600"/>
+          </a:xfrm>
+          <a:prstGeom prst="rect">
+            <a:avLst/>
+          </a:prstGeom>
+          <a:noFill/>
+          <a:ln>
+            <a:solidFill>
+              <a:schemeClr val="tx1">
+                <a:lumMod val="50000"/>
+                <a:lumOff val="50000"/>
+              </a:schemeClr>
+            </a:solidFill>
+          </a:ln>
+        </p:spPr>
+      </p:pic>
+    </p:spTree>
+    <p:extLst>
+      <p:ext uri="{BB962C8B-B14F-4D97-AF65-F5344CB8AC3E}">
+        <p14:creationId xmlns:p14="http://schemas.microsoft.com/office/powerpoint/2010/main" val="3284384638"/>
+      </p:ext>
+    </p:extLst>
+  </p:cSld>
+  <p:clrMapOvr>
+    <a:masterClrMapping/>
+  </p:clrMapOvr>
+</p:sld>
+</file>
+
+<file path=ppt/slides/slide33.xml><?xml version="1.0" encoding="utf-8"?>
+<p:sld xmlns:a="http://schemas.openxmlformats.org/drawingml/2006/main" xmlns:r="http://schemas.openxmlformats.org/officeDocument/2006/relationships" xmlns:p="http://schemas.openxmlformats.org/presentationml/2006/main">
+  <p:cSld>
+    <p:spTree>
+      <p:nvGrpSpPr>
+        <p:cNvPr id="1" name=""/>
+        <p:cNvGrpSpPr/>
+        <p:nvPr/>
+      </p:nvGrpSpPr>
+      <p:grpSpPr>
+        <a:xfrm>
+          <a:off x="0" y="0"/>
+          <a:ext cx="0" cy="0"/>
+          <a:chOff x="0" y="0"/>
+          <a:chExt cx="0" cy="0"/>
+        </a:xfrm>
+      </p:grpSpPr>
+      <p:sp>
+        <p:nvSpPr>
+          <p:cNvPr id="2" name="Title 1">
+            <a:extLst>
+              <a:ext uri="{FF2B5EF4-FFF2-40B4-BE49-F238E27FC236}">
+                <a16:creationId xmlns:a16="http://schemas.microsoft.com/office/drawing/2014/main" id="{CA90AFEB-0ABD-431B-846D-F2088B3615AD}"/>
+              </a:ext>
+            </a:extLst>
+          </p:cNvPr>
+          <p:cNvSpPr>
+            <a:spLocks noGrp="1"/>
+          </p:cNvSpPr>
+          <p:nvPr>
+            <p:ph type="title"/>
+          </p:nvPr>
+        </p:nvSpPr>
+        <p:spPr/>
+        <p:txBody>
+          <a:bodyPr/>
+          <a:lstStyle/>
+          <a:p>
+            <a:endParaRPr lang="en-US"/>
+          </a:p>
+        </p:txBody>
+      </p:sp>
+      <p:pic>
+        <p:nvPicPr>
+          <p:cNvPr id="3" name="Picture 2">
+            <a:extLst>
+              <a:ext uri="{FF2B5EF4-FFF2-40B4-BE49-F238E27FC236}">
+                <a16:creationId xmlns:a16="http://schemas.microsoft.com/office/drawing/2014/main" id="{C2337E9A-B4A9-46A7-A410-AA6A4249596F}"/>
               </a:ext>
             </a:extLst>
           </p:cNvPr>
@@ -7206,18 +7800,480 @@
         </p:blipFill>
         <p:spPr>
           <a:xfrm>
-            <a:off x="304800" y="1219200"/>
-            <a:ext cx="7239000" cy="3886200"/>
+            <a:off x="486937" y="1212695"/>
+            <a:ext cx="6781800" cy="966704"/>
           </a:xfrm>
           <a:prstGeom prst="rect">
             <a:avLst/>
           </a:prstGeom>
+          <a:ln>
+            <a:solidFill>
+              <a:schemeClr val="tx1">
+                <a:lumMod val="50000"/>
+                <a:lumOff val="50000"/>
+              </a:schemeClr>
+            </a:solidFill>
+          </a:ln>
+        </p:spPr>
+      </p:pic>
+      <p:pic>
+        <p:nvPicPr>
+          <p:cNvPr id="4" name="Picture 3">
+            <a:extLst>
+              <a:ext uri="{FF2B5EF4-FFF2-40B4-BE49-F238E27FC236}">
+                <a16:creationId xmlns:a16="http://schemas.microsoft.com/office/drawing/2014/main" id="{64372097-405A-4A83-9367-203A14F31282}"/>
+              </a:ext>
+            </a:extLst>
+          </p:cNvPr>
+          <p:cNvPicPr>
+            <a:picLocks noChangeAspect="1"/>
+          </p:cNvPicPr>
+          <p:nvPr/>
+        </p:nvPicPr>
+        <p:blipFill>
+          <a:blip r:embed="rId3"/>
+          <a:stretch>
+            <a:fillRect/>
+          </a:stretch>
+        </p:blipFill>
+        <p:spPr>
+          <a:xfrm>
+            <a:off x="486937" y="2490704"/>
+            <a:ext cx="7132319" cy="4114800"/>
+          </a:xfrm>
+          <a:prstGeom prst="rect">
+            <a:avLst/>
+          </a:prstGeom>
+          <a:ln>
+            <a:solidFill>
+              <a:schemeClr val="tx1">
+                <a:lumMod val="50000"/>
+                <a:lumOff val="50000"/>
+              </a:schemeClr>
+            </a:solidFill>
+          </a:ln>
         </p:spPr>
       </p:pic>
     </p:spTree>
     <p:extLst>
       <p:ext uri="{BB962C8B-B14F-4D97-AF65-F5344CB8AC3E}">
-        <p14:creationId xmlns:p14="http://schemas.microsoft.com/office/powerpoint/2010/main" val="3279350518"/>
+        <p14:creationId xmlns:p14="http://schemas.microsoft.com/office/powerpoint/2010/main" val="528392963"/>
+      </p:ext>
+    </p:extLst>
+  </p:cSld>
+  <p:clrMapOvr>
+    <a:masterClrMapping/>
+  </p:clrMapOvr>
+</p:sld>
+</file>
+
+<file path=ppt/slides/slide34.xml><?xml version="1.0" encoding="utf-8"?>
+<p:sld xmlns:a="http://schemas.openxmlformats.org/drawingml/2006/main" xmlns:r="http://schemas.openxmlformats.org/officeDocument/2006/relationships" xmlns:p="http://schemas.openxmlformats.org/presentationml/2006/main">
+  <p:cSld>
+    <p:spTree>
+      <p:nvGrpSpPr>
+        <p:cNvPr id="1" name=""/>
+        <p:cNvGrpSpPr/>
+        <p:nvPr/>
+      </p:nvGrpSpPr>
+      <p:grpSpPr>
+        <a:xfrm>
+          <a:off x="0" y="0"/>
+          <a:ext cx="0" cy="0"/>
+          <a:chOff x="0" y="0"/>
+          <a:chExt cx="0" cy="0"/>
+        </a:xfrm>
+      </p:grpSpPr>
+      <p:sp>
+        <p:nvSpPr>
+          <p:cNvPr id="2" name="Title 1">
+            <a:extLst>
+              <a:ext uri="{FF2B5EF4-FFF2-40B4-BE49-F238E27FC236}">
+                <a16:creationId xmlns:a16="http://schemas.microsoft.com/office/drawing/2014/main" id="{9A99DA3D-BAAC-4085-8FAF-059DED47C6B2}"/>
+              </a:ext>
+            </a:extLst>
+          </p:cNvPr>
+          <p:cNvSpPr>
+            <a:spLocks noGrp="1"/>
+          </p:cNvSpPr>
+          <p:nvPr>
+            <p:ph type="title"/>
+          </p:nvPr>
+        </p:nvSpPr>
+        <p:spPr/>
+        <p:txBody>
+          <a:bodyPr/>
+          <a:lstStyle/>
+          <a:p>
+            <a:endParaRPr lang="en-US"/>
+          </a:p>
+        </p:txBody>
+      </p:sp>
+      <p:pic>
+        <p:nvPicPr>
+          <p:cNvPr id="3" name="Picture 2">
+            <a:extLst>
+              <a:ext uri="{FF2B5EF4-FFF2-40B4-BE49-F238E27FC236}">
+                <a16:creationId xmlns:a16="http://schemas.microsoft.com/office/drawing/2014/main" id="{68893467-7722-4D10-804A-F77860A4C629}"/>
+              </a:ext>
+            </a:extLst>
+          </p:cNvPr>
+          <p:cNvPicPr/>
+          <p:nvPr/>
+        </p:nvPicPr>
+        <p:blipFill>
+          <a:blip r:embed="rId2" cstate="print">
+            <a:extLst>
+              <a:ext uri="{28A0092B-C50C-407E-A947-70E740481C1C}">
+                <a14:useLocalDpi xmlns:a14="http://schemas.microsoft.com/office/drawing/2010/main" val="0"/>
+              </a:ext>
+            </a:extLst>
+          </a:blip>
+          <a:srcRect/>
+          <a:stretch>
+            <a:fillRect/>
+          </a:stretch>
+        </p:blipFill>
+        <p:spPr bwMode="auto">
+          <a:xfrm>
+            <a:off x="914400" y="1524000"/>
+            <a:ext cx="6558390" cy="1905000"/>
+          </a:xfrm>
+          <a:prstGeom prst="rect">
+            <a:avLst/>
+          </a:prstGeom>
+          <a:noFill/>
+          <a:ln>
+            <a:solidFill>
+              <a:schemeClr val="tx1">
+                <a:lumMod val="50000"/>
+                <a:lumOff val="50000"/>
+              </a:schemeClr>
+            </a:solidFill>
+          </a:ln>
+        </p:spPr>
+      </p:pic>
+      <p:pic>
+        <p:nvPicPr>
+          <p:cNvPr id="4" name="Picture 3">
+            <a:extLst>
+              <a:ext uri="{FF2B5EF4-FFF2-40B4-BE49-F238E27FC236}">
+                <a16:creationId xmlns:a16="http://schemas.microsoft.com/office/drawing/2014/main" id="{303B23D0-3EFF-4F3A-81FF-F50DC49E84A3}"/>
+              </a:ext>
+            </a:extLst>
+          </p:cNvPr>
+          <p:cNvPicPr/>
+          <p:nvPr/>
+        </p:nvPicPr>
+        <p:blipFill rotWithShape="1">
+          <a:blip r:embed="rId3">
+            <a:extLst>
+              <a:ext uri="{28A0092B-C50C-407E-A947-70E740481C1C}">
+                <a14:useLocalDpi xmlns:a14="http://schemas.microsoft.com/office/drawing/2010/main" val="0"/>
+              </a:ext>
+            </a:extLst>
+          </a:blip>
+          <a:srcRect r="12319"/>
+          <a:stretch/>
+        </p:blipFill>
+        <p:spPr bwMode="auto">
+          <a:xfrm>
+            <a:off x="381000" y="3962400"/>
+            <a:ext cx="8153400" cy="762000"/>
+          </a:xfrm>
+          <a:prstGeom prst="rect">
+            <a:avLst/>
+          </a:prstGeom>
+          <a:noFill/>
+          <a:ln>
+            <a:solidFill>
+              <a:schemeClr val="tx1">
+                <a:lumMod val="65000"/>
+                <a:lumOff val="35000"/>
+              </a:schemeClr>
+            </a:solidFill>
+          </a:ln>
+        </p:spPr>
+      </p:pic>
+    </p:spTree>
+    <p:extLst>
+      <p:ext uri="{BB962C8B-B14F-4D97-AF65-F5344CB8AC3E}">
+        <p14:creationId xmlns:p14="http://schemas.microsoft.com/office/powerpoint/2010/main" val="3760683434"/>
+      </p:ext>
+    </p:extLst>
+  </p:cSld>
+  <p:clrMapOvr>
+    <a:masterClrMapping/>
+  </p:clrMapOvr>
+</p:sld>
+</file>
+
+<file path=ppt/slides/slide35.xml><?xml version="1.0" encoding="utf-8"?>
+<p:sld xmlns:a="http://schemas.openxmlformats.org/drawingml/2006/main" xmlns:r="http://schemas.openxmlformats.org/officeDocument/2006/relationships" xmlns:p="http://schemas.openxmlformats.org/presentationml/2006/main">
+  <p:cSld>
+    <p:spTree>
+      <p:nvGrpSpPr>
+        <p:cNvPr id="1" name=""/>
+        <p:cNvGrpSpPr/>
+        <p:nvPr/>
+      </p:nvGrpSpPr>
+      <p:grpSpPr>
+        <a:xfrm>
+          <a:off x="0" y="0"/>
+          <a:ext cx="0" cy="0"/>
+          <a:chOff x="0" y="0"/>
+          <a:chExt cx="0" cy="0"/>
+        </a:xfrm>
+      </p:grpSpPr>
+      <p:sp>
+        <p:nvSpPr>
+          <p:cNvPr id="2" name="Title 1">
+            <a:extLst>
+              <a:ext uri="{FF2B5EF4-FFF2-40B4-BE49-F238E27FC236}">
+                <a16:creationId xmlns:a16="http://schemas.microsoft.com/office/drawing/2014/main" id="{98A4D76F-F096-4C95-8954-559638CDA3E8}"/>
+              </a:ext>
+            </a:extLst>
+          </p:cNvPr>
+          <p:cNvSpPr>
+            <a:spLocks noGrp="1"/>
+          </p:cNvSpPr>
+          <p:nvPr>
+            <p:ph type="title"/>
+          </p:nvPr>
+        </p:nvSpPr>
+        <p:spPr/>
+        <p:txBody>
+          <a:bodyPr/>
+          <a:lstStyle/>
+          <a:p>
+            <a:endParaRPr lang="en-US"/>
+          </a:p>
+        </p:txBody>
+      </p:sp>
+      <p:pic>
+        <p:nvPicPr>
+          <p:cNvPr id="3" name="Picture 2">
+            <a:extLst>
+              <a:ext uri="{FF2B5EF4-FFF2-40B4-BE49-F238E27FC236}">
+                <a16:creationId xmlns:a16="http://schemas.microsoft.com/office/drawing/2014/main" id="{878ECCE1-7CA7-47A2-BD3C-004D3999DDD5}"/>
+              </a:ext>
+            </a:extLst>
+          </p:cNvPr>
+          <p:cNvPicPr/>
+          <p:nvPr/>
+        </p:nvPicPr>
+        <p:blipFill rotWithShape="1">
+          <a:blip r:embed="rId2" cstate="print">
+            <a:extLst>
+              <a:ext uri="{28A0092B-C50C-407E-A947-70E740481C1C}">
+                <a14:useLocalDpi xmlns:a14="http://schemas.microsoft.com/office/drawing/2010/main" val="0"/>
+              </a:ext>
+            </a:extLst>
+          </a:blip>
+          <a:srcRect t="12319"/>
+          <a:stretch/>
+        </p:blipFill>
+        <p:spPr bwMode="auto">
+          <a:xfrm>
+            <a:off x="609600" y="1390185"/>
+            <a:ext cx="4258587" cy="2191215"/>
+          </a:xfrm>
+          <a:prstGeom prst="rect">
+            <a:avLst/>
+          </a:prstGeom>
+          <a:noFill/>
+          <a:ln>
+            <a:solidFill>
+              <a:schemeClr val="bg1">
+                <a:lumMod val="75000"/>
+              </a:schemeClr>
+            </a:solidFill>
+          </a:ln>
+          <a:extLst>
+            <a:ext uri="{53640926-AAD7-44D8-BBD7-CCE9431645EC}">
+              <a14:shadowObscured xmlns:a14="http://schemas.microsoft.com/office/drawing/2010/main"/>
+            </a:ext>
+          </a:extLst>
+        </p:spPr>
+      </p:pic>
+      <p:pic>
+        <p:nvPicPr>
+          <p:cNvPr id="5" name="Picture 4">
+            <a:extLst>
+              <a:ext uri="{FF2B5EF4-FFF2-40B4-BE49-F238E27FC236}">
+                <a16:creationId xmlns:a16="http://schemas.microsoft.com/office/drawing/2014/main" id="{A4FB92E7-FE95-4C44-A72E-6EFCDE91F5AF}"/>
+              </a:ext>
+            </a:extLst>
+          </p:cNvPr>
+          <p:cNvPicPr/>
+          <p:nvPr/>
+        </p:nvPicPr>
+        <p:blipFill>
+          <a:blip r:embed="rId3" cstate="print">
+            <a:extLst>
+              <a:ext uri="{28A0092B-C50C-407E-A947-70E740481C1C}">
+                <a14:useLocalDpi xmlns:a14="http://schemas.microsoft.com/office/drawing/2010/main" val="0"/>
+              </a:ext>
+            </a:extLst>
+          </a:blip>
+          <a:srcRect/>
+          <a:stretch>
+            <a:fillRect/>
+          </a:stretch>
+        </p:blipFill>
+        <p:spPr bwMode="auto">
+          <a:xfrm>
+            <a:off x="609600" y="3962400"/>
+            <a:ext cx="5416882" cy="2191215"/>
+          </a:xfrm>
+          <a:prstGeom prst="rect">
+            <a:avLst/>
+          </a:prstGeom>
+          <a:noFill/>
+          <a:ln>
+            <a:solidFill>
+              <a:schemeClr val="tx1">
+                <a:lumMod val="50000"/>
+                <a:lumOff val="50000"/>
+              </a:schemeClr>
+            </a:solidFill>
+          </a:ln>
+        </p:spPr>
+      </p:pic>
+    </p:spTree>
+    <p:extLst>
+      <p:ext uri="{BB962C8B-B14F-4D97-AF65-F5344CB8AC3E}">
+        <p14:creationId xmlns:p14="http://schemas.microsoft.com/office/powerpoint/2010/main" val="1042029858"/>
+      </p:ext>
+    </p:extLst>
+  </p:cSld>
+  <p:clrMapOvr>
+    <a:masterClrMapping/>
+  </p:clrMapOvr>
+</p:sld>
+</file>
+
+<file path=ppt/slides/slide36.xml><?xml version="1.0" encoding="utf-8"?>
+<p:sld xmlns:a="http://schemas.openxmlformats.org/drawingml/2006/main" xmlns:r="http://schemas.openxmlformats.org/officeDocument/2006/relationships" xmlns:p="http://schemas.openxmlformats.org/presentationml/2006/main">
+  <p:cSld>
+    <p:spTree>
+      <p:nvGrpSpPr>
+        <p:cNvPr id="1" name=""/>
+        <p:cNvGrpSpPr/>
+        <p:nvPr/>
+      </p:nvGrpSpPr>
+      <p:grpSpPr>
+        <a:xfrm>
+          <a:off x="0" y="0"/>
+          <a:ext cx="0" cy="0"/>
+          <a:chOff x="0" y="0"/>
+          <a:chExt cx="0" cy="0"/>
+        </a:xfrm>
+      </p:grpSpPr>
+      <p:sp>
+        <p:nvSpPr>
+          <p:cNvPr id="2" name="Title 1"/>
+          <p:cNvSpPr>
+            <a:spLocks noGrp="1"/>
+          </p:cNvSpPr>
+          <p:nvPr>
+            <p:ph type="title"/>
+          </p:nvPr>
+        </p:nvSpPr>
+        <p:spPr/>
+        <p:txBody>
+          <a:bodyPr/>
+          <a:lstStyle/>
+          <a:p>
+            <a:r>
+              <a:rPr lang="en-US" dirty="0"/>
+              <a:t>Summary</a:t>
+            </a:r>
+          </a:p>
+        </p:txBody>
+      </p:sp>
+      <p:sp>
+        <p:nvSpPr>
+          <p:cNvPr id="3" name="Content Placeholder 2"/>
+          <p:cNvSpPr>
+            <a:spLocks noGrp="1"/>
+          </p:cNvSpPr>
+          <p:nvPr>
+            <p:ph idx="1"/>
+          </p:nvPr>
+        </p:nvSpPr>
+        <p:spPr/>
+        <p:txBody>
+          <a:bodyPr>
+            <a:noAutofit/>
+          </a:bodyPr>
+          <a:lstStyle/>
+          <a:p>
+            <a:pPr lvl="0">
+              <a:buFont typeface="Wingdings" panose="05000000000000000000" pitchFamily="2" charset="2"/>
+              <a:buChar char="ü"/>
+            </a:pPr>
+            <a:r>
+              <a:rPr lang="en-US" sz="2400" dirty="0"/>
+              <a:t>Introduction to the SharePoint Framework</a:t>
+            </a:r>
+          </a:p>
+          <a:p>
+            <a:pPr lvl="0">
+              <a:buFont typeface="Wingdings" panose="05000000000000000000" pitchFamily="2" charset="2"/>
+              <a:buChar char="ü"/>
+            </a:pPr>
+            <a:r>
+              <a:rPr lang="en-US" sz="2400" dirty="0"/>
+              <a:t>Creating SPFX Projects using the Yeoman Generator</a:t>
+            </a:r>
+          </a:p>
+          <a:p>
+            <a:pPr lvl="0">
+              <a:buFont typeface="Wingdings" panose="05000000000000000000" pitchFamily="2" charset="2"/>
+              <a:buChar char="ü"/>
+            </a:pPr>
+            <a:r>
+              <a:rPr lang="en-US" sz="2400" dirty="0"/>
+              <a:t>Testing &amp; Debugging Webparts in SharePoint Workbench</a:t>
+            </a:r>
+          </a:p>
+          <a:p>
+            <a:pPr>
+              <a:buFont typeface="Wingdings" panose="05000000000000000000" pitchFamily="2" charset="2"/>
+              <a:buChar char="ü"/>
+            </a:pPr>
+            <a:r>
+              <a:rPr lang="en-US" sz="2400" dirty="0"/>
+              <a:t>Managing Styles using SCSS Files and CSS Modules</a:t>
+            </a:r>
+          </a:p>
+          <a:p>
+            <a:pPr>
+              <a:buFont typeface="Wingdings" panose="05000000000000000000" pitchFamily="2" charset="2"/>
+              <a:buChar char="ü"/>
+            </a:pPr>
+            <a:r>
+              <a:rPr lang="en-US" sz="2400" dirty="0"/>
+              <a:t>Creating a Web Part with Custom Properties</a:t>
+            </a:r>
+          </a:p>
+          <a:p>
+            <a:pPr lvl="0">
+              <a:buFont typeface="Wingdings" panose="05000000000000000000" pitchFamily="2" charset="2"/>
+              <a:buChar char="ü"/>
+            </a:pPr>
+            <a:r>
+              <a:rPr lang="en-US" sz="2400" dirty="0"/>
+              <a:t>Creating Application Customizers</a:t>
+            </a:r>
+          </a:p>
+        </p:txBody>
+      </p:sp>
+    </p:spTree>
+    <p:extLst>
+      <p:ext uri="{BB962C8B-B14F-4D97-AF65-F5344CB8AC3E}">
+        <p14:creationId xmlns:p14="http://schemas.microsoft.com/office/powerpoint/2010/main" val="2972410661"/>
       </p:ext>
     </p:extLst>
   </p:cSld>
@@ -8607,269 +9663,6 @@
           <a:lstStyle/>
           <a:p>
             <a:r>
-              <a:rPr lang="en-US" dirty="0"/>
-              <a:t>Agenda</a:t>
-            </a:r>
-          </a:p>
-        </p:txBody>
-      </p:sp>
-      <p:sp>
-        <p:nvSpPr>
-          <p:cNvPr id="3" name="Content Placeholder 2"/>
-          <p:cNvSpPr>
-            <a:spLocks noGrp="1"/>
-          </p:cNvSpPr>
-          <p:nvPr>
-            <p:ph idx="1"/>
-          </p:nvPr>
-        </p:nvSpPr>
-        <p:spPr/>
-        <p:txBody>
-          <a:bodyPr>
-            <a:normAutofit/>
-          </a:bodyPr>
-          <a:lstStyle/>
-          <a:p>
-            <a:pPr>
-              <a:buFont typeface="Wingdings" panose="05000000000000000000" pitchFamily="2" charset="2"/>
-              <a:buChar char="ü"/>
-            </a:pPr>
-            <a:r>
-              <a:rPr lang="en-US" dirty="0"/>
-              <a:t>Overview the SharePoint Framework (</a:t>
-            </a:r>
-            <a:r>
-              <a:rPr lang="en-US" dirty="0" err="1"/>
-              <a:t>SPFx</a:t>
-            </a:r>
-            <a:r>
-              <a:rPr lang="en-US" dirty="0"/>
-              <a:t>)</a:t>
-            </a:r>
-          </a:p>
-          <a:p>
-            <a:pPr>
-              <a:buFont typeface="Wingdings" panose="05000000000000000000" pitchFamily="2" charset="2"/>
-              <a:buChar char="Ø"/>
-            </a:pPr>
-            <a:r>
-              <a:rPr lang="en-US" dirty="0"/>
-              <a:t>Setting up an </a:t>
-            </a:r>
-            <a:r>
-              <a:rPr lang="en-US" dirty="0" err="1"/>
-              <a:t>SPFx</a:t>
-            </a:r>
-            <a:r>
-              <a:rPr lang="en-US" dirty="0"/>
-              <a:t> Development Environment</a:t>
-            </a:r>
-          </a:p>
-          <a:p>
-            <a:r>
-              <a:rPr lang="en-US" dirty="0"/>
-              <a:t>Creating Projects using the </a:t>
-            </a:r>
-            <a:r>
-              <a:rPr lang="en-US" dirty="0" err="1"/>
-              <a:t>SPFx</a:t>
-            </a:r>
-            <a:r>
-              <a:rPr lang="en-US" dirty="0"/>
-              <a:t> Templates</a:t>
-            </a:r>
-          </a:p>
-          <a:p>
-            <a:r>
-              <a:rPr lang="en-US" dirty="0"/>
-              <a:t>Deploying </a:t>
-            </a:r>
-            <a:r>
-              <a:rPr lang="en-US" dirty="0" err="1"/>
-              <a:t>SPFx</a:t>
-            </a:r>
-            <a:r>
-              <a:rPr lang="en-US" dirty="0"/>
-              <a:t> Projects using an Azure CDN</a:t>
-            </a:r>
-          </a:p>
-        </p:txBody>
-      </p:sp>
-    </p:spTree>
-    <p:extLst>
-      <p:ext uri="{BB962C8B-B14F-4D97-AF65-F5344CB8AC3E}">
-        <p14:creationId xmlns:p14="http://schemas.microsoft.com/office/powerpoint/2010/main" val="4253541066"/>
-      </p:ext>
-    </p:extLst>
-  </p:cSld>
-  <p:clrMapOvr>
-    <a:masterClrMapping/>
-  </p:clrMapOvr>
-</p:sld>
-</file>
-
-<file path=ppt/slides/slide8.xml><?xml version="1.0" encoding="utf-8"?>
-<p:sld xmlns:a="http://schemas.openxmlformats.org/drawingml/2006/main" xmlns:r="http://schemas.openxmlformats.org/officeDocument/2006/relationships" xmlns:p="http://schemas.openxmlformats.org/presentationml/2006/main">
-  <p:cSld>
-    <p:spTree>
-      <p:nvGrpSpPr>
-        <p:cNvPr id="1" name=""/>
-        <p:cNvGrpSpPr/>
-        <p:nvPr/>
-      </p:nvGrpSpPr>
-      <p:grpSpPr>
-        <a:xfrm>
-          <a:off x="0" y="0"/>
-          <a:ext cx="0" cy="0"/>
-          <a:chOff x="0" y="0"/>
-          <a:chExt cx="0" cy="0"/>
-        </a:xfrm>
-      </p:grpSpPr>
-      <p:sp>
-        <p:nvSpPr>
-          <p:cNvPr id="2" name="Title 1"/>
-          <p:cNvSpPr>
-            <a:spLocks noGrp="1"/>
-          </p:cNvSpPr>
-          <p:nvPr>
-            <p:ph type="title"/>
-          </p:nvPr>
-        </p:nvSpPr>
-        <p:spPr/>
-        <p:txBody>
-          <a:bodyPr/>
-          <a:lstStyle/>
-          <a:p>
-            <a:r>
-              <a:rPr lang="en-US" dirty="0"/>
-              <a:t>Install the </a:t>
-            </a:r>
-            <a:r>
-              <a:rPr lang="en-US" dirty="0" err="1"/>
-              <a:t>SPFx</a:t>
-            </a:r>
-            <a:r>
-              <a:rPr lang="en-US" dirty="0"/>
-              <a:t> Developer Toolchain</a:t>
-            </a:r>
-          </a:p>
-        </p:txBody>
-      </p:sp>
-      <p:sp>
-        <p:nvSpPr>
-          <p:cNvPr id="3" name="Content Placeholder 2"/>
-          <p:cNvSpPr>
-            <a:spLocks noGrp="1"/>
-          </p:cNvSpPr>
-          <p:nvPr>
-            <p:ph idx="1"/>
-          </p:nvPr>
-        </p:nvSpPr>
-        <p:spPr/>
-        <p:txBody>
-          <a:bodyPr>
-            <a:noAutofit/>
-          </a:bodyPr>
-          <a:lstStyle/>
-          <a:p>
-            <a:r>
-              <a:rPr lang="en-US" sz="2400" dirty="0"/>
-              <a:t>Install Node.JS</a:t>
-            </a:r>
-          </a:p>
-          <a:p>
-            <a:pPr lvl="1"/>
-            <a:r>
-              <a:rPr lang="en-US" sz="2000" dirty="0"/>
-              <a:t>Version 5.0 recommended - 4.0+ minimum</a:t>
-            </a:r>
-          </a:p>
-          <a:p>
-            <a:pPr lvl="1"/>
-            <a:r>
-              <a:rPr lang="en-US" sz="2000" dirty="0"/>
-              <a:t>Installs Node Package Manage (</a:t>
-            </a:r>
-            <a:r>
-              <a:rPr lang="en-US" sz="2000" dirty="0" err="1"/>
-              <a:t>npm</a:t>
-            </a:r>
-            <a:r>
-              <a:rPr lang="en-US" sz="2000" dirty="0"/>
-              <a:t>) </a:t>
-            </a:r>
-          </a:p>
-          <a:p>
-            <a:r>
-              <a:rPr lang="en-US" sz="2400" dirty="0"/>
-              <a:t>Install Visual Studio Code</a:t>
-            </a:r>
-          </a:p>
-          <a:p>
-            <a:pPr lvl="1"/>
-            <a:r>
-              <a:rPr lang="en-US" sz="2000" dirty="0"/>
-              <a:t>Better environment for Development with Node.js</a:t>
-            </a:r>
-          </a:p>
-          <a:p>
-            <a:r>
-              <a:rPr lang="en-US" sz="2400" dirty="0"/>
-              <a:t>Install Local self-signed certificate</a:t>
-            </a:r>
-          </a:p>
-          <a:p>
-            <a:pPr lvl="1"/>
-            <a:endParaRPr lang="en-US" sz="2000" dirty="0"/>
-          </a:p>
-        </p:txBody>
-      </p:sp>
-    </p:spTree>
-    <p:extLst>
-      <p:ext uri="{BB962C8B-B14F-4D97-AF65-F5344CB8AC3E}">
-        <p14:creationId xmlns:p14="http://schemas.microsoft.com/office/powerpoint/2010/main" val="3982339042"/>
-      </p:ext>
-    </p:extLst>
-  </p:cSld>
-  <p:clrMapOvr>
-    <a:masterClrMapping/>
-  </p:clrMapOvr>
-</p:sld>
-</file>
-
-<file path=ppt/slides/slide9.xml><?xml version="1.0" encoding="utf-8"?>
-<p:sld xmlns:a="http://schemas.openxmlformats.org/drawingml/2006/main" xmlns:r="http://schemas.openxmlformats.org/officeDocument/2006/relationships" xmlns:p="http://schemas.openxmlformats.org/presentationml/2006/main">
-  <p:cSld>
-    <p:spTree>
-      <p:nvGrpSpPr>
-        <p:cNvPr id="1" name=""/>
-        <p:cNvGrpSpPr/>
-        <p:nvPr/>
-      </p:nvGrpSpPr>
-      <p:grpSpPr>
-        <a:xfrm>
-          <a:off x="0" y="0"/>
-          <a:ext cx="0" cy="0"/>
-          <a:chOff x="0" y="0"/>
-          <a:chExt cx="0" cy="0"/>
-        </a:xfrm>
-      </p:grpSpPr>
-      <p:sp>
-        <p:nvSpPr>
-          <p:cNvPr id="2" name="Title 1"/>
-          <p:cNvSpPr>
-            <a:spLocks noGrp="1"/>
-          </p:cNvSpPr>
-          <p:nvPr>
-            <p:ph type="title"/>
-          </p:nvPr>
-        </p:nvSpPr>
-        <p:spPr/>
-        <p:txBody>
-          <a:bodyPr/>
-          <a:lstStyle/>
-          <a:p>
-            <a:r>
               <a:rPr lang="en-US"/>
               <a:t>Installing Packages for SPFx Development</a:t>
             </a:r>
@@ -9242,6 +10035,279 @@
       </p:par>
     </p:tnLst>
   </p:timing>
+</p:sld>
+</file>
+
+<file path=ppt/slides/slide8.xml><?xml version="1.0" encoding="utf-8"?>
+<p:sld xmlns:a="http://schemas.openxmlformats.org/drawingml/2006/main" xmlns:r="http://schemas.openxmlformats.org/officeDocument/2006/relationships" xmlns:p="http://schemas.openxmlformats.org/presentationml/2006/main">
+  <p:cSld>
+    <p:spTree>
+      <p:nvGrpSpPr>
+        <p:cNvPr id="1" name=""/>
+        <p:cNvGrpSpPr/>
+        <p:nvPr/>
+      </p:nvGrpSpPr>
+      <p:grpSpPr>
+        <a:xfrm>
+          <a:off x="0" y="0"/>
+          <a:ext cx="0" cy="0"/>
+          <a:chOff x="0" y="0"/>
+          <a:chExt cx="0" cy="0"/>
+        </a:xfrm>
+      </p:grpSpPr>
+      <p:sp>
+        <p:nvSpPr>
+          <p:cNvPr id="2" name="Title 1"/>
+          <p:cNvSpPr>
+            <a:spLocks noGrp="1"/>
+          </p:cNvSpPr>
+          <p:nvPr>
+            <p:ph type="title"/>
+          </p:nvPr>
+        </p:nvSpPr>
+        <p:spPr/>
+        <p:txBody>
+          <a:bodyPr/>
+          <a:lstStyle/>
+          <a:p>
+            <a:r>
+              <a:rPr lang="en-US"/>
+              <a:t>Agenda</a:t>
+            </a:r>
+            <a:endParaRPr lang="en-US" dirty="0"/>
+          </a:p>
+        </p:txBody>
+      </p:sp>
+      <p:sp>
+        <p:nvSpPr>
+          <p:cNvPr id="3" name="Content Placeholder 2"/>
+          <p:cNvSpPr>
+            <a:spLocks noGrp="1"/>
+          </p:cNvSpPr>
+          <p:nvPr>
+            <p:ph idx="1"/>
+          </p:nvPr>
+        </p:nvSpPr>
+        <p:spPr/>
+        <p:txBody>
+          <a:bodyPr>
+            <a:noAutofit/>
+          </a:bodyPr>
+          <a:lstStyle/>
+          <a:p>
+            <a:pPr lvl="0">
+              <a:buFont typeface="Wingdings" panose="05000000000000000000" pitchFamily="2" charset="2"/>
+              <a:buChar char="ü"/>
+            </a:pPr>
+            <a:r>
+              <a:rPr lang="en-US" sz="2400" dirty="0"/>
+              <a:t>Introduction to the SharePoint Framework</a:t>
+            </a:r>
+          </a:p>
+          <a:p>
+            <a:pPr lvl="0">
+              <a:buFont typeface="Wingdings" panose="05000000000000000000" pitchFamily="2" charset="2"/>
+              <a:buChar char="Ø"/>
+            </a:pPr>
+            <a:r>
+              <a:rPr lang="en-US" sz="2400" dirty="0"/>
+              <a:t>Creating SPFX Projects using the Yeoman Generator</a:t>
+            </a:r>
+          </a:p>
+          <a:p>
+            <a:pPr lvl="0"/>
+            <a:r>
+              <a:rPr lang="en-US" sz="2400" dirty="0"/>
+              <a:t>Testing &amp; Debugging Webparts in SharePoint Workbench</a:t>
+            </a:r>
+          </a:p>
+          <a:p>
+            <a:r>
+              <a:rPr lang="en-US" sz="2400" dirty="0"/>
+              <a:t>Managing Styles using SCSS Files and CSS Modules</a:t>
+            </a:r>
+          </a:p>
+          <a:p>
+            <a:r>
+              <a:rPr lang="en-US" sz="2400" dirty="0"/>
+              <a:t>Creating a Web Part with Custom Properties</a:t>
+            </a:r>
+          </a:p>
+          <a:p>
+            <a:pPr lvl="0"/>
+            <a:r>
+              <a:rPr lang="en-US" sz="2400" dirty="0"/>
+              <a:t>Creating Application Customizers</a:t>
+            </a:r>
+          </a:p>
+        </p:txBody>
+      </p:sp>
+    </p:spTree>
+    <p:extLst>
+      <p:ext uri="{BB962C8B-B14F-4D97-AF65-F5344CB8AC3E}">
+        <p14:creationId xmlns:p14="http://schemas.microsoft.com/office/powerpoint/2010/main" val="3383111650"/>
+      </p:ext>
+    </p:extLst>
+  </p:cSld>
+  <p:clrMapOvr>
+    <a:masterClrMapping/>
+  </p:clrMapOvr>
+</p:sld>
+</file>
+
+<file path=ppt/slides/slide9.xml><?xml version="1.0" encoding="utf-8"?>
+<p:sld xmlns:a="http://schemas.openxmlformats.org/drawingml/2006/main" xmlns:r="http://schemas.openxmlformats.org/officeDocument/2006/relationships" xmlns:p="http://schemas.openxmlformats.org/presentationml/2006/main">
+  <p:cSld>
+    <p:spTree>
+      <p:nvGrpSpPr>
+        <p:cNvPr id="1" name=""/>
+        <p:cNvGrpSpPr/>
+        <p:nvPr/>
+      </p:nvGrpSpPr>
+      <p:grpSpPr>
+        <a:xfrm>
+          <a:off x="0" y="0"/>
+          <a:ext cx="0" cy="0"/>
+          <a:chOff x="0" y="0"/>
+          <a:chExt cx="0" cy="0"/>
+        </a:xfrm>
+      </p:grpSpPr>
+      <p:sp>
+        <p:nvSpPr>
+          <p:cNvPr id="2" name="Title 1"/>
+          <p:cNvSpPr>
+            <a:spLocks noGrp="1"/>
+          </p:cNvSpPr>
+          <p:nvPr>
+            <p:ph type="title"/>
+          </p:nvPr>
+        </p:nvSpPr>
+        <p:spPr/>
+        <p:txBody>
+          <a:bodyPr/>
+          <a:lstStyle/>
+          <a:p>
+            <a:r>
+              <a:rPr lang="en-US" dirty="0"/>
+              <a:t>Using the </a:t>
+            </a:r>
+            <a:r>
+              <a:rPr lang="en-US" dirty="0" err="1"/>
+              <a:t>SPFx</a:t>
+            </a:r>
+            <a:r>
+              <a:rPr lang="en-US" dirty="0"/>
+              <a:t> Yeoman Template</a:t>
+            </a:r>
+          </a:p>
+        </p:txBody>
+      </p:sp>
+      <p:sp>
+        <p:nvSpPr>
+          <p:cNvPr id="3" name="Content Placeholder 2"/>
+          <p:cNvSpPr>
+            <a:spLocks noGrp="1"/>
+          </p:cNvSpPr>
+          <p:nvPr>
+            <p:ph idx="1"/>
+          </p:nvPr>
+        </p:nvSpPr>
+        <p:spPr/>
+        <p:txBody>
+          <a:bodyPr>
+            <a:normAutofit/>
+          </a:bodyPr>
+          <a:lstStyle/>
+          <a:p>
+            <a:r>
+              <a:rPr lang="en-US" sz="2000" dirty="0" err="1"/>
+              <a:t>SPFx</a:t>
+            </a:r>
+            <a:r>
+              <a:rPr lang="en-US" sz="2000" dirty="0"/>
+              <a:t> projects created with Yeoman template</a:t>
+            </a:r>
+          </a:p>
+          <a:p>
+            <a:pPr lvl="1"/>
+            <a:r>
+              <a:rPr lang="en-US" sz="1800" dirty="0" err="1"/>
+              <a:t>yo</a:t>
+            </a:r>
+            <a:r>
+              <a:rPr lang="en-US" sz="1800" dirty="0"/>
+              <a:t> @</a:t>
+            </a:r>
+            <a:r>
+              <a:rPr lang="en-US" sz="1800" dirty="0" err="1"/>
+              <a:t>microsoft</a:t>
+            </a:r>
+            <a:r>
+              <a:rPr lang="en-US" sz="1800" dirty="0"/>
+              <a:t>/</a:t>
+            </a:r>
+            <a:r>
+              <a:rPr lang="en-US" sz="1800" dirty="0" err="1"/>
+              <a:t>sharepoint</a:t>
+            </a:r>
+            <a:endParaRPr lang="en-US" sz="1800" dirty="0"/>
+          </a:p>
+        </p:txBody>
+      </p:sp>
+      <p:pic>
+        <p:nvPicPr>
+          <p:cNvPr id="7" name="Picture 6">
+            <a:extLst>
+              <a:ext uri="{FF2B5EF4-FFF2-40B4-BE49-F238E27FC236}">
+                <a16:creationId xmlns:a16="http://schemas.microsoft.com/office/drawing/2014/main" id="{15CCB848-EAFA-42CF-9997-A4727237E423}"/>
+              </a:ext>
+            </a:extLst>
+          </p:cNvPr>
+          <p:cNvPicPr/>
+          <p:nvPr/>
+        </p:nvPicPr>
+        <p:blipFill rotWithShape="1">
+          <a:blip r:embed="rId2">
+            <a:extLst>
+              <a:ext uri="{28A0092B-C50C-407E-A947-70E740481C1C}">
+                <a14:useLocalDpi xmlns:a14="http://schemas.microsoft.com/office/drawing/2010/main" val="0"/>
+              </a:ext>
+            </a:extLst>
+          </a:blip>
+          <a:srcRect b="7773"/>
+          <a:stretch/>
+        </p:blipFill>
+        <p:spPr bwMode="auto">
+          <a:xfrm>
+            <a:off x="915784" y="2362200"/>
+            <a:ext cx="7312432" cy="3429000"/>
+          </a:xfrm>
+          <a:prstGeom prst="rect">
+            <a:avLst/>
+          </a:prstGeom>
+          <a:noFill/>
+          <a:ln>
+            <a:solidFill>
+              <a:schemeClr val="tx1"/>
+            </a:solidFill>
+          </a:ln>
+          <a:extLst>
+            <a:ext uri="{53640926-AAD7-44D8-BBD7-CCE9431645EC}">
+              <a14:shadowObscured xmlns:a14="http://schemas.microsoft.com/office/drawing/2010/main"/>
+            </a:ext>
+          </a:extLst>
+        </p:spPr>
+      </p:pic>
+    </p:spTree>
+    <p:extLst>
+      <p:ext uri="{BB962C8B-B14F-4D97-AF65-F5344CB8AC3E}">
+        <p14:creationId xmlns:p14="http://schemas.microsoft.com/office/powerpoint/2010/main" val="2828400253"/>
+      </p:ext>
+    </p:extLst>
+  </p:cSld>
+  <p:clrMapOvr>
+    <a:masterClrMapping/>
+  </p:clrMapOvr>
 </p:sld>
 </file>
 
@@ -10075,12 +11141,6 @@
 </file>
 
 <file path=customXml/item1.xml><?xml version="1.0" encoding="utf-8"?>
-<p:properties xmlns:p="http://schemas.microsoft.com/office/2006/metadata/properties" xmlns:xsi="http://www.w3.org/2001/XMLSchema-instance">
-  <documentManagement/>
-</p:properties>
-</file>
-
-<file path=customXml/item2.xml><?xml version="1.0" encoding="utf-8"?>
 <ct:contentTypeSchema xmlns:ct="http://schemas.microsoft.com/office/2006/metadata/contentType" xmlns:ma="http://schemas.microsoft.com/office/2006/metadata/properties/metaAttributes" ct:_="" ma:_="" ma:contentTypeName="Document" ma:contentTypeID="0x01010043F7775CCE86F349BB7C51FB3CE6B150" ma:contentTypeVersion="0" ma:contentTypeDescription="Create a new document." ma:contentTypeScope="" ma:versionID="bb563817a2861b6b5994bd26a2ba9e40">
   <xsd:schema xmlns:xsd="http://www.w3.org/2001/XMLSchema" xmlns:xs="http://www.w3.org/2001/XMLSchema" xmlns:p="http://schemas.microsoft.com/office/2006/metadata/properties" targetNamespace="http://schemas.microsoft.com/office/2006/metadata/properties" ma:root="true" ma:fieldsID="c64490b4aec6201516c3a874156f37b2">
     <xsd:element name="properties">
@@ -10194,16 +11254,13 @@
 </ct:contentTypeSchema>
 </file>
 
-<file path=customXml/item3.xml><?xml version="1.0" encoding="utf-8"?>
-<?mso-contentType ?>
-<FormTemplates xmlns="http://schemas.microsoft.com/sharepoint/v3/contenttype/forms">
-  <Display>DocumentLibraryForm</Display>
-  <Edit>DocumentLibraryForm</Edit>
-  <New>DocumentLibraryForm</New>
-</FormTemplates>
+<file path=customXml/item2.xml><?xml version="1.0" encoding="utf-8"?>
+<p:properties xmlns:p="http://schemas.microsoft.com/office/2006/metadata/properties" xmlns:xsi="http://www.w3.org/2001/XMLSchema-instance">
+  <documentManagement/>
+</p:properties>
 </file>
 
-<file path=customXml/item4.xml><?xml version="1.0" encoding="utf-8"?>
+<file path=customXml/item3.xml><?xml version="1.0" encoding="utf-8"?>
 <outs:outSpaceData xmlns:outs="http://schemas.microsoft.com/office/2009/outspace/metadata">
   <outs:relatedDates>
     <outs:relatedDate>
@@ -10353,22 +11410,16 @@
 </outs:outSpaceData>
 </file>
 
-<file path=customXml/itemProps1.xml><?xml version="1.0" encoding="utf-8"?>
-<ds:datastoreItem xmlns:ds="http://schemas.openxmlformats.org/officeDocument/2006/customXml" ds:itemID="{A5547237-B119-45CA-BEFC-A2DA2BDB03E7}">
-  <ds:schemaRefs>
-    <ds:schemaRef ds:uri="http://schemas.microsoft.com/office/2006/documentManagement/types"/>
-    <ds:schemaRef ds:uri="http://schemas.microsoft.com/office/infopath/2007/PartnerControls"/>
-    <ds:schemaRef ds:uri="http://purl.org/dc/terms/"/>
-    <ds:schemaRef ds:uri="http://purl.org/dc/dcmitype/"/>
-    <ds:schemaRef ds:uri="http://schemas.microsoft.com/office/2006/metadata/properties"/>
-    <ds:schemaRef ds:uri="http://www.w3.org/XML/1998/namespace"/>
-    <ds:schemaRef ds:uri="http://purl.org/dc/elements/1.1/"/>
-    <ds:schemaRef ds:uri="http://schemas.openxmlformats.org/package/2006/metadata/core-properties"/>
-  </ds:schemaRefs>
-</ds:datastoreItem>
+<file path=customXml/item4.xml><?xml version="1.0" encoding="utf-8"?>
+<?mso-contentType ?>
+<FormTemplates xmlns="http://schemas.microsoft.com/sharepoint/v3/contenttype/forms">
+  <Display>DocumentLibraryForm</Display>
+  <Edit>DocumentLibraryForm</Edit>
+  <New>DocumentLibraryForm</New>
+</FormTemplates>
 </file>
 
-<file path=customXml/itemProps2.xml><?xml version="1.0" encoding="utf-8"?>
+<file path=customXml/itemProps1.xml><?xml version="1.0" encoding="utf-8"?>
 <ds:datastoreItem xmlns:ds="http://schemas.openxmlformats.org/officeDocument/2006/customXml" ds:itemID="{E31B5E98-6A59-4EC7-A18B-B1626004080B}">
   <ds:schemaRefs>
     <ds:schemaRef ds:uri="http://schemas.microsoft.com/office/2006/metadata/contentType"/>
@@ -10384,18 +11435,33 @@
 </ds:datastoreItem>
 </file>
 
+<file path=customXml/itemProps2.xml><?xml version="1.0" encoding="utf-8"?>
+<ds:datastoreItem xmlns:ds="http://schemas.openxmlformats.org/officeDocument/2006/customXml" ds:itemID="{A5547237-B119-45CA-BEFC-A2DA2BDB03E7}">
+  <ds:schemaRefs>
+    <ds:schemaRef ds:uri="http://schemas.microsoft.com/office/2006/documentManagement/types"/>
+    <ds:schemaRef ds:uri="http://schemas.microsoft.com/office/infopath/2007/PartnerControls"/>
+    <ds:schemaRef ds:uri="http://purl.org/dc/terms/"/>
+    <ds:schemaRef ds:uri="http://purl.org/dc/dcmitype/"/>
+    <ds:schemaRef ds:uri="http://schemas.microsoft.com/office/2006/metadata/properties"/>
+    <ds:schemaRef ds:uri="http://www.w3.org/XML/1998/namespace"/>
+    <ds:schemaRef ds:uri="http://purl.org/dc/elements/1.1/"/>
+    <ds:schemaRef ds:uri="http://schemas.openxmlformats.org/package/2006/metadata/core-properties"/>
+  </ds:schemaRefs>
+</ds:datastoreItem>
+</file>
+
 <file path=customXml/itemProps3.xml><?xml version="1.0" encoding="utf-8"?>
+<ds:datastoreItem xmlns:ds="http://schemas.openxmlformats.org/officeDocument/2006/customXml" ds:itemID="{8865FC99-B6BD-4E98-8312-F4F432C217EA}">
+  <ds:schemaRefs>
+    <ds:schemaRef ds:uri="http://schemas.microsoft.com/office/2009/outspace/metadata"/>
+  </ds:schemaRefs>
+</ds:datastoreItem>
+</file>
+
+<file path=customXml/itemProps4.xml><?xml version="1.0" encoding="utf-8"?>
 <ds:datastoreItem xmlns:ds="http://schemas.openxmlformats.org/officeDocument/2006/customXml" ds:itemID="{6034B84F-8F8E-48B7-9EFF-C7DE1A66BD73}">
   <ds:schemaRefs>
     <ds:schemaRef ds:uri="http://schemas.microsoft.com/sharepoint/v3/contenttype/forms"/>
   </ds:schemaRefs>
 </ds:datastoreItem>
-</file>
-
-<file path=customXml/itemProps4.xml><?xml version="1.0" encoding="utf-8"?>
-<ds:datastoreItem xmlns:ds="http://schemas.openxmlformats.org/officeDocument/2006/customXml" ds:itemID="{8865FC99-B6BD-4E98-8312-F4F432C217EA}">
-  <ds:schemaRefs>
-    <ds:schemaRef ds:uri="http://schemas.microsoft.com/office/2009/outspace/metadata"/>
-  </ds:schemaRefs>
-</ds:datastoreItem>
 </file>
--- a/04 SharePointFramework.pptx
+++ b/04 SharePointFramework.pptx
@@ -5,48 +5,50 @@
     <p:sldMasterId id="2147483648" r:id="rId5"/>
   </p:sldMasterIdLst>
   <p:notesMasterIdLst>
-    <p:notesMasterId r:id="rId42"/>
+    <p:notesMasterId r:id="rId44"/>
   </p:notesMasterIdLst>
   <p:handoutMasterIdLst>
-    <p:handoutMasterId r:id="rId43"/>
+    <p:handoutMasterId r:id="rId45"/>
   </p:handoutMasterIdLst>
   <p:sldIdLst>
     <p:sldId id="279" r:id="rId6"/>
     <p:sldId id="281" r:id="rId7"/>
     <p:sldId id="282" r:id="rId8"/>
-    <p:sldId id="284" r:id="rId9"/>
-    <p:sldId id="285" r:id="rId10"/>
-    <p:sldId id="286" r:id="rId11"/>
-    <p:sldId id="292" r:id="rId12"/>
-    <p:sldId id="312" r:id="rId13"/>
-    <p:sldId id="294" r:id="rId14"/>
-    <p:sldId id="307" r:id="rId15"/>
-    <p:sldId id="308" r:id="rId16"/>
-    <p:sldId id="309" r:id="rId17"/>
-    <p:sldId id="295" r:id="rId18"/>
-    <p:sldId id="296" r:id="rId19"/>
-    <p:sldId id="313" r:id="rId20"/>
-    <p:sldId id="297" r:id="rId21"/>
-    <p:sldId id="318" r:id="rId22"/>
-    <p:sldId id="302" r:id="rId23"/>
-    <p:sldId id="299" r:id="rId24"/>
-    <p:sldId id="314" r:id="rId25"/>
-    <p:sldId id="298" r:id="rId26"/>
-    <p:sldId id="310" r:id="rId27"/>
-    <p:sldId id="311" r:id="rId28"/>
-    <p:sldId id="319" r:id="rId29"/>
-    <p:sldId id="315" r:id="rId30"/>
-    <p:sldId id="303" r:id="rId31"/>
-    <p:sldId id="304" r:id="rId32"/>
-    <p:sldId id="305" r:id="rId33"/>
-    <p:sldId id="316" r:id="rId34"/>
-    <p:sldId id="320" r:id="rId35"/>
-    <p:sldId id="321" r:id="rId36"/>
-    <p:sldId id="322" r:id="rId37"/>
-    <p:sldId id="327" r:id="rId38"/>
-    <p:sldId id="325" r:id="rId39"/>
-    <p:sldId id="326" r:id="rId40"/>
-    <p:sldId id="317" r:id="rId41"/>
+    <p:sldId id="330" r:id="rId9"/>
+    <p:sldId id="331" r:id="rId10"/>
+    <p:sldId id="284" r:id="rId11"/>
+    <p:sldId id="329" r:id="rId12"/>
+    <p:sldId id="292" r:id="rId13"/>
+    <p:sldId id="312" r:id="rId14"/>
+    <p:sldId id="294" r:id="rId15"/>
+    <p:sldId id="307" r:id="rId16"/>
+    <p:sldId id="308" r:id="rId17"/>
+    <p:sldId id="309" r:id="rId18"/>
+    <p:sldId id="295" r:id="rId19"/>
+    <p:sldId id="296" r:id="rId20"/>
+    <p:sldId id="313" r:id="rId21"/>
+    <p:sldId id="297" r:id="rId22"/>
+    <p:sldId id="318" r:id="rId23"/>
+    <p:sldId id="302" r:id="rId24"/>
+    <p:sldId id="299" r:id="rId25"/>
+    <p:sldId id="314" r:id="rId26"/>
+    <p:sldId id="328" r:id="rId27"/>
+    <p:sldId id="298" r:id="rId28"/>
+    <p:sldId id="310" r:id="rId29"/>
+    <p:sldId id="319" r:id="rId30"/>
+    <p:sldId id="315" r:id="rId31"/>
+    <p:sldId id="303" r:id="rId32"/>
+    <p:sldId id="304" r:id="rId33"/>
+    <p:sldId id="305" r:id="rId34"/>
+    <p:sldId id="316" r:id="rId35"/>
+    <p:sldId id="332" r:id="rId36"/>
+    <p:sldId id="320" r:id="rId37"/>
+    <p:sldId id="321" r:id="rId38"/>
+    <p:sldId id="327" r:id="rId39"/>
+    <p:sldId id="333" r:id="rId40"/>
+    <p:sldId id="325" r:id="rId41"/>
+    <p:sldId id="326" r:id="rId42"/>
+    <p:sldId id="317" r:id="rId43"/>
   </p:sldIdLst>
   <p:sldSz cx="9144000" cy="6858000" type="screen4x3"/>
   <p:notesSz cx="7315200" cy="9601200"/>
@@ -3403,6 +3405,324 @@
       </p:grpSpPr>
       <p:sp>
         <p:nvSpPr>
+          <p:cNvPr id="2" name="Title 1"/>
+          <p:cNvSpPr>
+            <a:spLocks noGrp="1"/>
+          </p:cNvSpPr>
+          <p:nvPr>
+            <p:ph type="title"/>
+          </p:nvPr>
+        </p:nvSpPr>
+        <p:spPr/>
+        <p:txBody>
+          <a:bodyPr/>
+          <a:lstStyle/>
+          <a:p>
+            <a:r>
+              <a:rPr lang="en-US" dirty="0"/>
+              <a:t>Using the </a:t>
+            </a:r>
+            <a:r>
+              <a:rPr lang="en-US" dirty="0" err="1"/>
+              <a:t>SPFx</a:t>
+            </a:r>
+            <a:r>
+              <a:rPr lang="en-US" dirty="0"/>
+              <a:t> Yeoman Template</a:t>
+            </a:r>
+          </a:p>
+        </p:txBody>
+      </p:sp>
+      <p:sp>
+        <p:nvSpPr>
+          <p:cNvPr id="3" name="Content Placeholder 2"/>
+          <p:cNvSpPr>
+            <a:spLocks noGrp="1"/>
+          </p:cNvSpPr>
+          <p:nvPr>
+            <p:ph idx="1"/>
+          </p:nvPr>
+        </p:nvSpPr>
+        <p:spPr/>
+        <p:txBody>
+          <a:bodyPr>
+            <a:normAutofit/>
+          </a:bodyPr>
+          <a:lstStyle/>
+          <a:p>
+            <a:r>
+              <a:rPr lang="en-US" sz="2000" dirty="0"/>
+              <a:t>SPFx projects created with Yeoman template</a:t>
+            </a:r>
+          </a:p>
+          <a:p>
+            <a:endParaRPr lang="en-US" sz="2000" dirty="0"/>
+          </a:p>
+          <a:p>
+            <a:endParaRPr lang="en-US" sz="2000" dirty="0"/>
+          </a:p>
+          <a:p>
+            <a:r>
+              <a:rPr lang="en-US" sz="2000" dirty="0"/>
+              <a:t>Template provides wizard-like experience when creating new project</a:t>
+            </a:r>
+          </a:p>
+          <a:p>
+            <a:pPr lvl="1"/>
+            <a:endParaRPr lang="en-US" sz="1800" dirty="0"/>
+          </a:p>
+        </p:txBody>
+      </p:sp>
+      <p:pic>
+        <p:nvPicPr>
+          <p:cNvPr id="7" name="Picture 6">
+            <a:extLst>
+              <a:ext uri="{FF2B5EF4-FFF2-40B4-BE49-F238E27FC236}">
+                <a16:creationId xmlns:a16="http://schemas.microsoft.com/office/drawing/2014/main" id="{15CCB848-EAFA-42CF-9997-A4727237E423}"/>
+              </a:ext>
+            </a:extLst>
+          </p:cNvPr>
+          <p:cNvPicPr/>
+          <p:nvPr/>
+        </p:nvPicPr>
+        <p:blipFill rotWithShape="1">
+          <a:blip r:embed="rId2">
+            <a:extLst>
+              <a:ext uri="{28A0092B-C50C-407E-A947-70E740481C1C}">
+                <a14:useLocalDpi xmlns:a14="http://schemas.microsoft.com/office/drawing/2010/main" val="0"/>
+              </a:ext>
+            </a:extLst>
+          </a:blip>
+          <a:srcRect b="7773"/>
+          <a:stretch/>
+        </p:blipFill>
+        <p:spPr bwMode="auto">
+          <a:xfrm>
+            <a:off x="801484" y="3126060"/>
+            <a:ext cx="7312432" cy="3429000"/>
+          </a:xfrm>
+          <a:prstGeom prst="rect">
+            <a:avLst/>
+          </a:prstGeom>
+          <a:noFill/>
+          <a:ln>
+            <a:solidFill>
+              <a:schemeClr val="tx1"/>
+            </a:solidFill>
+          </a:ln>
+          <a:extLst>
+            <a:ext uri="{53640926-AAD7-44D8-BBD7-CCE9431645EC}">
+              <a14:shadowObscured xmlns:a14="http://schemas.microsoft.com/office/drawing/2010/main"/>
+            </a:ext>
+          </a:extLst>
+        </p:spPr>
+      </p:pic>
+      <p:sp>
+        <p:nvSpPr>
+          <p:cNvPr id="5" name="Rectangle 4">
+            <a:extLst>
+              <a:ext uri="{FF2B5EF4-FFF2-40B4-BE49-F238E27FC236}">
+                <a16:creationId xmlns:a16="http://schemas.microsoft.com/office/drawing/2014/main" id="{4B05CE37-055B-4CC6-BDB2-A68A4D177F69}"/>
+              </a:ext>
+            </a:extLst>
+          </p:cNvPr>
+          <p:cNvSpPr/>
+          <p:nvPr/>
+        </p:nvSpPr>
+        <p:spPr>
+          <a:xfrm>
+            <a:off x="831221" y="1905000"/>
+            <a:ext cx="6972300" cy="533400"/>
+          </a:xfrm>
+          <a:prstGeom prst="rect">
+            <a:avLst/>
+          </a:prstGeom>
+          <a:solidFill>
+            <a:schemeClr val="tx1"/>
+          </a:solidFill>
+        </p:spPr>
+        <p:style>
+          <a:lnRef idx="2">
+            <a:schemeClr val="accent1">
+              <a:shade val="50000"/>
+            </a:schemeClr>
+          </a:lnRef>
+          <a:fillRef idx="1">
+            <a:schemeClr val="accent1"/>
+          </a:fillRef>
+          <a:effectRef idx="0">
+            <a:schemeClr val="accent1"/>
+          </a:effectRef>
+          <a:fontRef idx="minor">
+            <a:schemeClr val="lt1"/>
+          </a:fontRef>
+        </p:style>
+        <p:txBody>
+          <a:bodyPr lIns="182880" rtlCol="0" anchor="ctr"/>
+          <a:lstStyle/>
+          <a:p>
+            <a:r>
+              <a:rPr lang="en-US" sz="2400" dirty="0" err="1"/>
+              <a:t>yo</a:t>
+            </a:r>
+            <a:r>
+              <a:rPr lang="en-US" sz="2400" dirty="0"/>
+              <a:t> @</a:t>
+            </a:r>
+            <a:r>
+              <a:rPr lang="en-US" sz="2400" dirty="0" err="1"/>
+              <a:t>microsoft</a:t>
+            </a:r>
+            <a:r>
+              <a:rPr lang="en-US" sz="2400" dirty="0"/>
+              <a:t>/</a:t>
+            </a:r>
+            <a:r>
+              <a:rPr lang="en-US" sz="2400" dirty="0" err="1"/>
+              <a:t>sharepoint</a:t>
+            </a:r>
+            <a:endParaRPr lang="en-US" sz="2400" dirty="0"/>
+          </a:p>
+        </p:txBody>
+      </p:sp>
+    </p:spTree>
+    <p:extLst>
+      <p:ext uri="{BB962C8B-B14F-4D97-AF65-F5344CB8AC3E}">
+        <p14:creationId xmlns:p14="http://schemas.microsoft.com/office/powerpoint/2010/main" val="2828400253"/>
+      </p:ext>
+    </p:extLst>
+  </p:cSld>
+  <p:clrMapOvr>
+    <a:masterClrMapping/>
+  </p:clrMapOvr>
+  <p:timing>
+    <p:tnLst>
+      <p:par>
+        <p:cTn id="1" dur="indefinite" restart="never" nodeType="tmRoot">
+          <p:childTnLst>
+            <p:seq concurrent="1" nextAc="seek">
+              <p:cTn id="2" dur="indefinite" nodeType="mainSeq">
+                <p:childTnLst>
+                  <p:par>
+                    <p:cTn id="3" fill="hold">
+                      <p:stCondLst>
+                        <p:cond delay="indefinite"/>
+                      </p:stCondLst>
+                      <p:childTnLst>
+                        <p:par>
+                          <p:cTn id="4" fill="hold">
+                            <p:stCondLst>
+                              <p:cond delay="0"/>
+                            </p:stCondLst>
+                            <p:childTnLst>
+                              <p:par>
+                                <p:cTn id="5" presetID="1" presetClass="entr" presetSubtype="0" fill="hold" nodeType="clickEffect">
+                                  <p:stCondLst>
+                                    <p:cond delay="0"/>
+                                  </p:stCondLst>
+                                  <p:childTnLst>
+                                    <p:set>
+                                      <p:cBhvr>
+                                        <p:cTn id="6" dur="1" fill="hold">
+                                          <p:stCondLst>
+                                            <p:cond delay="0"/>
+                                          </p:stCondLst>
+                                        </p:cTn>
+                                        <p:tgtEl>
+                                          <p:spTgt spid="3">
+                                            <p:txEl>
+                                              <p:pRg st="3" end="3"/>
+                                            </p:txEl>
+                                          </p:spTgt>
+                                        </p:tgtEl>
+                                        <p:attrNameLst>
+                                          <p:attrName>style.visibility</p:attrName>
+                                        </p:attrNameLst>
+                                      </p:cBhvr>
+                                      <p:to>
+                                        <p:strVal val="visible"/>
+                                      </p:to>
+                                    </p:set>
+                                  </p:childTnLst>
+                                </p:cTn>
+                              </p:par>
+                              <p:par>
+                                <p:cTn id="7" presetID="1" presetClass="entr" presetSubtype="0" fill="hold" nodeType="withEffect">
+                                  <p:stCondLst>
+                                    <p:cond delay="0"/>
+                                  </p:stCondLst>
+                                  <p:childTnLst>
+                                    <p:set>
+                                      <p:cBhvr>
+                                        <p:cTn id="8" dur="1" fill="hold">
+                                          <p:stCondLst>
+                                            <p:cond delay="0"/>
+                                          </p:stCondLst>
+                                        </p:cTn>
+                                        <p:tgtEl>
+                                          <p:spTgt spid="7"/>
+                                        </p:tgtEl>
+                                        <p:attrNameLst>
+                                          <p:attrName>style.visibility</p:attrName>
+                                        </p:attrNameLst>
+                                      </p:cBhvr>
+                                      <p:to>
+                                        <p:strVal val="visible"/>
+                                      </p:to>
+                                    </p:set>
+                                  </p:childTnLst>
+                                </p:cTn>
+                              </p:par>
+                            </p:childTnLst>
+                          </p:cTn>
+                        </p:par>
+                      </p:childTnLst>
+                    </p:cTn>
+                  </p:par>
+                </p:childTnLst>
+              </p:cTn>
+              <p:prevCondLst>
+                <p:cond evt="onPrev" delay="0">
+                  <p:tgtEl>
+                    <p:sldTgt/>
+                  </p:tgtEl>
+                </p:cond>
+              </p:prevCondLst>
+              <p:nextCondLst>
+                <p:cond evt="onNext" delay="0">
+                  <p:tgtEl>
+                    <p:sldTgt/>
+                  </p:tgtEl>
+                </p:cond>
+              </p:nextCondLst>
+            </p:seq>
+          </p:childTnLst>
+        </p:cTn>
+      </p:par>
+    </p:tnLst>
+  </p:timing>
+</p:sld>
+</file>
+
+<file path=ppt/slides/slide11.xml><?xml version="1.0" encoding="utf-8"?>
+<p:sld xmlns:a="http://schemas.openxmlformats.org/drawingml/2006/main" xmlns:r="http://schemas.openxmlformats.org/officeDocument/2006/relationships" xmlns:p="http://schemas.openxmlformats.org/presentationml/2006/main">
+  <p:cSld>
+    <p:spTree>
+      <p:nvGrpSpPr>
+        <p:cNvPr id="1" name=""/>
+        <p:cNvGrpSpPr/>
+        <p:nvPr/>
+      </p:nvGrpSpPr>
+      <p:grpSpPr>
+        <a:xfrm>
+          <a:off x="0" y="0"/>
+          <a:ext cx="0" cy="0"/>
+          <a:chOff x="0" y="0"/>
+          <a:chExt cx="0" cy="0"/>
+        </a:xfrm>
+      </p:grpSpPr>
+      <p:sp>
+        <p:nvSpPr>
           <p:cNvPr id="2" name="Title 1">
             <a:extLst>
               <a:ext uri="{FF2B5EF4-FFF2-40B4-BE49-F238E27FC236}">
@@ -3644,7 +3964,7 @@
 </p:sld>
 </file>
 
-<file path=ppt/slides/slide11.xml><?xml version="1.0" encoding="utf-8"?>
+<file path=ppt/slides/slide12.xml><?xml version="1.0" encoding="utf-8"?>
 <p:sld xmlns:a="http://schemas.openxmlformats.org/drawingml/2006/main" xmlns:r="http://schemas.openxmlformats.org/officeDocument/2006/relationships" xmlns:p="http://schemas.openxmlformats.org/presentationml/2006/main">
   <p:cSld>
     <p:spTree>
@@ -3771,7 +4091,7 @@
 </p:sld>
 </file>
 
-<file path=ppt/slides/slide12.xml><?xml version="1.0" encoding="utf-8"?>
+<file path=ppt/slides/slide13.xml><?xml version="1.0" encoding="utf-8"?>
 <p:sld xmlns:a="http://schemas.openxmlformats.org/drawingml/2006/main" xmlns:r="http://schemas.openxmlformats.org/officeDocument/2006/relationships" xmlns:p="http://schemas.openxmlformats.org/presentationml/2006/main">
   <p:cSld>
     <p:spTree>
@@ -3897,7 +4217,7 @@
 </p:sld>
 </file>
 
-<file path=ppt/slides/slide13.xml><?xml version="1.0" encoding="utf-8"?>
+<file path=ppt/slides/slide14.xml><?xml version="1.0" encoding="utf-8"?>
 <p:sld xmlns:a="http://schemas.openxmlformats.org/drawingml/2006/main" xmlns:r="http://schemas.openxmlformats.org/officeDocument/2006/relationships" xmlns:p="http://schemas.openxmlformats.org/presentationml/2006/main">
   <p:cSld>
     <p:spTree>
@@ -4129,7 +4449,7 @@
 </p:sld>
 </file>
 
-<file path=ppt/slides/slide14.xml><?xml version="1.0" encoding="utf-8"?>
+<file path=ppt/slides/slide15.xml><?xml version="1.0" encoding="utf-8"?>
 <p:sld xmlns:a="http://schemas.openxmlformats.org/drawingml/2006/main" xmlns:r="http://schemas.openxmlformats.org/officeDocument/2006/relationships" xmlns:p="http://schemas.openxmlformats.org/presentationml/2006/main">
   <p:cSld>
     <p:spTree>
@@ -4348,126 +4668,6 @@
 </p:sld>
 </file>
 
-<file path=ppt/slides/slide15.xml><?xml version="1.0" encoding="utf-8"?>
-<p:sld xmlns:a="http://schemas.openxmlformats.org/drawingml/2006/main" xmlns:r="http://schemas.openxmlformats.org/officeDocument/2006/relationships" xmlns:p="http://schemas.openxmlformats.org/presentationml/2006/main">
-  <p:cSld>
-    <p:spTree>
-      <p:nvGrpSpPr>
-        <p:cNvPr id="1" name=""/>
-        <p:cNvGrpSpPr/>
-        <p:nvPr/>
-      </p:nvGrpSpPr>
-      <p:grpSpPr>
-        <a:xfrm>
-          <a:off x="0" y="0"/>
-          <a:ext cx="0" cy="0"/>
-          <a:chOff x="0" y="0"/>
-          <a:chExt cx="0" cy="0"/>
-        </a:xfrm>
-      </p:grpSpPr>
-      <p:sp>
-        <p:nvSpPr>
-          <p:cNvPr id="2" name="Title 1"/>
-          <p:cNvSpPr>
-            <a:spLocks noGrp="1"/>
-          </p:cNvSpPr>
-          <p:nvPr>
-            <p:ph type="title"/>
-          </p:nvPr>
-        </p:nvSpPr>
-        <p:spPr/>
-        <p:txBody>
-          <a:bodyPr/>
-          <a:lstStyle/>
-          <a:p>
-            <a:r>
-              <a:rPr lang="en-US"/>
-              <a:t>Agenda</a:t>
-            </a:r>
-            <a:endParaRPr lang="en-US" dirty="0"/>
-          </a:p>
-        </p:txBody>
-      </p:sp>
-      <p:sp>
-        <p:nvSpPr>
-          <p:cNvPr id="3" name="Content Placeholder 2"/>
-          <p:cNvSpPr>
-            <a:spLocks noGrp="1"/>
-          </p:cNvSpPr>
-          <p:nvPr>
-            <p:ph idx="1"/>
-          </p:nvPr>
-        </p:nvSpPr>
-        <p:spPr/>
-        <p:txBody>
-          <a:bodyPr>
-            <a:noAutofit/>
-          </a:bodyPr>
-          <a:lstStyle/>
-          <a:p>
-            <a:pPr lvl="0">
-              <a:buFont typeface="Wingdings" panose="05000000000000000000" pitchFamily="2" charset="2"/>
-              <a:buChar char="ü"/>
-            </a:pPr>
-            <a:r>
-              <a:rPr lang="en-US" sz="2400" dirty="0"/>
-              <a:t>Introduction to the SharePoint Framework</a:t>
-            </a:r>
-          </a:p>
-          <a:p>
-            <a:pPr lvl="0">
-              <a:buFont typeface="Wingdings" panose="05000000000000000000" pitchFamily="2" charset="2"/>
-              <a:buChar char="ü"/>
-            </a:pPr>
-            <a:r>
-              <a:rPr lang="en-US" sz="2400" dirty="0"/>
-              <a:t>Creating SPFX Projects using the Yeoman Generator</a:t>
-            </a:r>
-          </a:p>
-          <a:p>
-            <a:pPr lvl="0">
-              <a:buFont typeface="Wingdings" panose="05000000000000000000" pitchFamily="2" charset="2"/>
-              <a:buChar char="Ø"/>
-            </a:pPr>
-            <a:r>
-              <a:rPr lang="en-US" sz="2400" dirty="0"/>
-              <a:t>Testing &amp; Debugging Webparts in SharePoint Workbench</a:t>
-            </a:r>
-          </a:p>
-          <a:p>
-            <a:r>
-              <a:rPr lang="en-US" sz="2400" dirty="0"/>
-              <a:t>Managing Styles using SCSS Files and CSS Modules</a:t>
-            </a:r>
-          </a:p>
-          <a:p>
-            <a:r>
-              <a:rPr lang="en-US" sz="2400" dirty="0"/>
-              <a:t>Creating a Web Part with Custom Properties</a:t>
-            </a:r>
-          </a:p>
-          <a:p>
-            <a:pPr lvl="0"/>
-            <a:r>
-              <a:rPr lang="en-US" sz="2400" dirty="0"/>
-              <a:t>Creating Application Customizers</a:t>
-            </a:r>
-          </a:p>
-        </p:txBody>
-      </p:sp>
-    </p:spTree>
-    <p:extLst>
-      <p:ext uri="{BB962C8B-B14F-4D97-AF65-F5344CB8AC3E}">
-        <p14:creationId xmlns:p14="http://schemas.microsoft.com/office/powerpoint/2010/main" val="3694796357"/>
-      </p:ext>
-    </p:extLst>
-  </p:cSld>
-  <p:clrMapOvr>
-    <a:masterClrMapping/>
-  </p:clrMapOvr>
-</p:sld>
-</file>
-
 <file path=ppt/slides/slide16.xml><?xml version="1.0" encoding="utf-8"?>
 <p:sld xmlns:a="http://schemas.openxmlformats.org/drawingml/2006/main" xmlns:r="http://schemas.openxmlformats.org/officeDocument/2006/relationships" xmlns:p="http://schemas.openxmlformats.org/presentationml/2006/main">
   <p:cSld>
@@ -4501,16 +4701,128 @@
           <a:lstStyle/>
           <a:p>
             <a:r>
+              <a:rPr lang="en-US"/>
+              <a:t>Agenda</a:t>
+            </a:r>
+            <a:endParaRPr lang="en-US" dirty="0"/>
+          </a:p>
+        </p:txBody>
+      </p:sp>
+      <p:sp>
+        <p:nvSpPr>
+          <p:cNvPr id="3" name="Content Placeholder 2"/>
+          <p:cNvSpPr>
+            <a:spLocks noGrp="1"/>
+          </p:cNvSpPr>
+          <p:nvPr>
+            <p:ph idx="1"/>
+          </p:nvPr>
+        </p:nvSpPr>
+        <p:spPr/>
+        <p:txBody>
+          <a:bodyPr>
+            <a:noAutofit/>
+          </a:bodyPr>
+          <a:lstStyle/>
+          <a:p>
+            <a:pPr lvl="0">
+              <a:buFont typeface="Wingdings" panose="05000000000000000000" pitchFamily="2" charset="2"/>
+              <a:buChar char="ü"/>
+            </a:pPr>
+            <a:r>
+              <a:rPr lang="en-US" sz="2400" dirty="0"/>
+              <a:t>Introduction to the SharePoint Framework</a:t>
+            </a:r>
+          </a:p>
+          <a:p>
+            <a:pPr lvl="0">
+              <a:buFont typeface="Wingdings" panose="05000000000000000000" pitchFamily="2" charset="2"/>
+              <a:buChar char="ü"/>
+            </a:pPr>
+            <a:r>
+              <a:rPr lang="en-US" sz="2400" dirty="0"/>
+              <a:t>Creating SPFX Projects using the Yeoman Generator</a:t>
+            </a:r>
+          </a:p>
+          <a:p>
+            <a:pPr lvl="0">
+              <a:buFont typeface="Wingdings" panose="05000000000000000000" pitchFamily="2" charset="2"/>
+              <a:buChar char="Ø"/>
+            </a:pPr>
+            <a:r>
+              <a:rPr lang="en-US" sz="2400" dirty="0"/>
+              <a:t>Testing &amp; Debugging Webparts in SharePoint Workbench</a:t>
+            </a:r>
+          </a:p>
+          <a:p>
+            <a:r>
+              <a:rPr lang="en-US" sz="2400" dirty="0"/>
+              <a:t>Managing Styles using SCSS Files and CSS Modules</a:t>
+            </a:r>
+          </a:p>
+          <a:p>
+            <a:r>
+              <a:rPr lang="en-US" sz="2400" dirty="0"/>
+              <a:t>Creating a Web Part with Custom Properties</a:t>
+            </a:r>
+          </a:p>
+          <a:p>
+            <a:pPr lvl="0"/>
+            <a:r>
+              <a:rPr lang="en-US" sz="2400" dirty="0"/>
+              <a:t>Creating Application Customizers</a:t>
+            </a:r>
+          </a:p>
+        </p:txBody>
+      </p:sp>
+    </p:spTree>
+    <p:extLst>
+      <p:ext uri="{BB962C8B-B14F-4D97-AF65-F5344CB8AC3E}">
+        <p14:creationId xmlns:p14="http://schemas.microsoft.com/office/powerpoint/2010/main" val="3694796357"/>
+      </p:ext>
+    </p:extLst>
+  </p:cSld>
+  <p:clrMapOvr>
+    <a:masterClrMapping/>
+  </p:clrMapOvr>
+</p:sld>
+</file>
+
+<file path=ppt/slides/slide17.xml><?xml version="1.0" encoding="utf-8"?>
+<p:sld xmlns:a="http://schemas.openxmlformats.org/drawingml/2006/main" xmlns:r="http://schemas.openxmlformats.org/officeDocument/2006/relationships" xmlns:p="http://schemas.openxmlformats.org/presentationml/2006/main">
+  <p:cSld>
+    <p:spTree>
+      <p:nvGrpSpPr>
+        <p:cNvPr id="1" name=""/>
+        <p:cNvGrpSpPr/>
+        <p:nvPr/>
+      </p:nvGrpSpPr>
+      <p:grpSpPr>
+        <a:xfrm>
+          <a:off x="0" y="0"/>
+          <a:ext cx="0" cy="0"/>
+          <a:chOff x="0" y="0"/>
+          <a:chExt cx="0" cy="0"/>
+        </a:xfrm>
+      </p:grpSpPr>
+      <p:sp>
+        <p:nvSpPr>
+          <p:cNvPr id="2" name="Title 1"/>
+          <p:cNvSpPr>
+            <a:spLocks noGrp="1"/>
+          </p:cNvSpPr>
+          <p:nvPr>
+            <p:ph type="title"/>
+          </p:nvPr>
+        </p:nvSpPr>
+        <p:spPr/>
+        <p:txBody>
+          <a:bodyPr/>
+          <a:lstStyle/>
+          <a:p>
+            <a:r>
               <a:rPr lang="en-US" dirty="0"/>
-              <a:t>Developing a </a:t>
-            </a:r>
-            <a:r>
-              <a:rPr lang="en-US" dirty="0" err="1"/>
-              <a:t>SPFx</a:t>
-            </a:r>
-            <a:r>
-              <a:rPr lang="en-US" dirty="0"/>
-              <a:t> Web Part?</a:t>
+              <a:t>The "Hello World" SPFx Webpart</a:t>
             </a:r>
           </a:p>
         </p:txBody>
@@ -4534,7 +4846,7 @@
           <a:p>
             <a:r>
               <a:rPr lang="en-US" sz="2400" dirty="0"/>
-              <a:t>Create class that extends </a:t>
+              <a:t>Webpart class must extend </a:t>
             </a:r>
             <a:r>
               <a:rPr lang="en-US" sz="2400" dirty="0" err="1"/>
@@ -4553,14 +4865,48 @@
             <a:pPr lvl="1"/>
             <a:r>
               <a:rPr lang="en-US" sz="2000" dirty="0"/>
-              <a:t>Base class provides access to page context</a:t>
+              <a:t>Base class provides API though </a:t>
+            </a:r>
+            <a:r>
+              <a:rPr lang="en-US" sz="2000" b="1" dirty="0"/>
+              <a:t>context</a:t>
+            </a:r>
+            <a:r>
+              <a:rPr lang="en-US" sz="2000" dirty="0"/>
+              <a:t> and </a:t>
+            </a:r>
+            <a:r>
+              <a:rPr lang="en-US" sz="2000" b="1" dirty="0" err="1"/>
+              <a:t>pageContext</a:t>
+            </a:r>
+            <a:endParaRPr lang="en-US" sz="2000" b="1" dirty="0"/>
+          </a:p>
+          <a:p>
+            <a:pPr lvl="1"/>
+            <a:r>
+              <a:rPr lang="en-US" sz="2000" dirty="0"/>
+              <a:t>Base class provides </a:t>
+            </a:r>
+            <a:r>
+              <a:rPr lang="en-US" sz="2000" b="1" dirty="0" err="1"/>
+              <a:t>domElement</a:t>
+            </a:r>
+            <a:r>
+              <a:rPr lang="en-US" sz="2000" dirty="0"/>
+              <a:t> to access hosting page DOM</a:t>
             </a:r>
           </a:p>
         </p:txBody>
       </p:sp>
       <p:pic>
         <p:nvPicPr>
-          <p:cNvPr id="4" name="Picture 3"/>
+          <p:cNvPr id="6" name="Picture 5">
+            <a:extLst>
+              <a:ext uri="{FF2B5EF4-FFF2-40B4-BE49-F238E27FC236}">
+                <a16:creationId xmlns:a16="http://schemas.microsoft.com/office/drawing/2014/main" id="{8613C4BC-E5A7-46A7-A95A-404D47A9F2E2}"/>
+              </a:ext>
+            </a:extLst>
+          </p:cNvPr>
           <p:cNvPicPr>
             <a:picLocks noChangeAspect="1"/>
           </p:cNvPicPr>
@@ -4574,8 +4920,8 @@
         </p:blipFill>
         <p:spPr>
           <a:xfrm>
-            <a:off x="914400" y="2895600"/>
-            <a:ext cx="6924675" cy="3086100"/>
+            <a:off x="914400" y="3200400"/>
+            <a:ext cx="6534150" cy="3037936"/>
           </a:xfrm>
           <a:prstGeom prst="rect">
             <a:avLst/>
@@ -4595,7 +4941,7 @@
 </p:sld>
 </file>
 
-<file path=ppt/slides/slide17.xml><?xml version="1.0" encoding="utf-8"?>
+<file path=ppt/slides/slide18.xml><?xml version="1.0" encoding="utf-8"?>
 <p:sld xmlns:a="http://schemas.openxmlformats.org/drawingml/2006/main" xmlns:r="http://schemas.openxmlformats.org/officeDocument/2006/relationships" xmlns:p="http://schemas.openxmlformats.org/presentationml/2006/main">
   <p:cSld>
     <p:spTree>
@@ -4640,6 +4986,74 @@
           </a:p>
         </p:txBody>
       </p:sp>
+      <p:sp>
+        <p:nvSpPr>
+          <p:cNvPr id="4" name="Content Placeholder 3">
+            <a:extLst>
+              <a:ext uri="{FF2B5EF4-FFF2-40B4-BE49-F238E27FC236}">
+                <a16:creationId xmlns:a16="http://schemas.microsoft.com/office/drawing/2014/main" id="{3EFEC3DE-669E-43C6-B2DB-03FF5B86265C}"/>
+              </a:ext>
+            </a:extLst>
+          </p:cNvPr>
+          <p:cNvSpPr>
+            <a:spLocks noGrp="1"/>
+          </p:cNvSpPr>
+          <p:nvPr>
+            <p:ph idx="1"/>
+          </p:nvPr>
+        </p:nvSpPr>
+        <p:spPr/>
+        <p:txBody>
+          <a:bodyPr>
+            <a:normAutofit/>
+          </a:bodyPr>
+          <a:lstStyle/>
+          <a:p>
+            <a:r>
+              <a:rPr lang="en-US" sz="2400" dirty="0"/>
+              <a:t>Each webpart requires its own manifest file</a:t>
+            </a:r>
+          </a:p>
+          <a:p>
+            <a:pPr lvl="1"/>
+            <a:r>
+              <a:rPr lang="en-US" sz="2000" dirty="0"/>
+              <a:t>Manifest file automatically added by SPFx Yeoman template</a:t>
+            </a:r>
+          </a:p>
+          <a:p>
+            <a:pPr lvl="1"/>
+            <a:endParaRPr lang="en-US" sz="2000" dirty="0"/>
+          </a:p>
+          <a:p>
+            <a:pPr lvl="1"/>
+            <a:endParaRPr lang="en-US" sz="2000" dirty="0"/>
+          </a:p>
+          <a:p>
+            <a:pPr lvl="1"/>
+            <a:endParaRPr lang="en-US" sz="2000" dirty="0"/>
+          </a:p>
+          <a:p>
+            <a:pPr lvl="1"/>
+            <a:endParaRPr lang="en-US" sz="2000" dirty="0"/>
+          </a:p>
+          <a:p>
+            <a:pPr lvl="1"/>
+            <a:endParaRPr lang="en-US" sz="2000" dirty="0"/>
+          </a:p>
+          <a:p>
+            <a:pPr lvl="1"/>
+            <a:r>
+              <a:rPr lang="en-US" sz="2000" dirty="0"/>
+              <a:t>Update manifest to set webpart title and icon</a:t>
+            </a:r>
+          </a:p>
+          <a:p>
+            <a:pPr lvl="1"/>
+            <a:endParaRPr lang="en-US" sz="2000" dirty="0"/>
+          </a:p>
+        </p:txBody>
+      </p:sp>
       <p:pic>
         <p:nvPicPr>
           <p:cNvPr id="3" name="Picture 2">
@@ -4652,7 +5066,7 @@
           <p:cNvPicPr/>
           <p:nvPr/>
         </p:nvPicPr>
-        <p:blipFill>
+        <p:blipFill rotWithShape="1">
           <a:blip r:embed="rId2">
             <a:extLst>
               <a:ext uri="{28A0092B-C50C-407E-A947-70E740481C1C}">
@@ -4660,15 +5074,13 @@
               </a:ext>
             </a:extLst>
           </a:blip>
-          <a:srcRect/>
-          <a:stretch>
-            <a:fillRect/>
-          </a:stretch>
+          <a:srcRect t="30343" b="7403"/>
+          <a:stretch/>
         </p:blipFill>
         <p:spPr bwMode="auto">
           <a:xfrm>
-            <a:off x="685800" y="1600200"/>
-            <a:ext cx="3124200" cy="2139582"/>
+            <a:off x="1178313" y="2362200"/>
+            <a:ext cx="3872889" cy="1651158"/>
           </a:xfrm>
           <a:prstGeom prst="rect">
             <a:avLst/>
@@ -4711,8 +5123,8 @@
         </p:blipFill>
         <p:spPr bwMode="auto">
           <a:xfrm>
-            <a:off x="721112" y="4191000"/>
-            <a:ext cx="3657600" cy="1490345"/>
+            <a:off x="1178313" y="4665028"/>
+            <a:ext cx="4820956" cy="1964372"/>
           </a:xfrm>
           <a:prstGeom prst="rect">
             <a:avLst/>
@@ -4738,7 +5150,7 @@
 </p:sld>
 </file>
 
-<file path=ppt/slides/slide18.xml><?xml version="1.0" encoding="utf-8"?>
+<file path=ppt/slides/slide19.xml><?xml version="1.0" encoding="utf-8"?>
 <p:sld xmlns:a="http://schemas.openxmlformats.org/drawingml/2006/main" xmlns:r="http://schemas.openxmlformats.org/officeDocument/2006/relationships" xmlns:p="http://schemas.openxmlformats.org/presentationml/2006/main">
   <p:cSld>
     <p:spTree>
@@ -4837,63 +5249,6 @@
 </p:sld>
 </file>
 
-<file path=ppt/slides/slide19.xml><?xml version="1.0" encoding="utf-8"?>
-<p:sld xmlns:a="http://schemas.openxmlformats.org/drawingml/2006/main" xmlns:r="http://schemas.openxmlformats.org/officeDocument/2006/relationships" xmlns:p="http://schemas.openxmlformats.org/presentationml/2006/main">
-  <p:cSld>
-    <p:spTree>
-      <p:nvGrpSpPr>
-        <p:cNvPr id="1" name=""/>
-        <p:cNvGrpSpPr/>
-        <p:nvPr/>
-      </p:nvGrpSpPr>
-      <p:grpSpPr>
-        <a:xfrm>
-          <a:off x="0" y="0"/>
-          <a:ext cx="0" cy="0"/>
-          <a:chOff x="0" y="0"/>
-          <a:chExt cx="0" cy="0"/>
-        </a:xfrm>
-      </p:grpSpPr>
-      <p:sp>
-        <p:nvSpPr>
-          <p:cNvPr id="2" name="Title 1"/>
-          <p:cNvSpPr>
-            <a:spLocks noGrp="1"/>
-          </p:cNvSpPr>
-          <p:nvPr>
-            <p:ph type="title"/>
-          </p:nvPr>
-        </p:nvSpPr>
-        <p:spPr/>
-        <p:txBody>
-          <a:bodyPr/>
-          <a:lstStyle/>
-          <a:p>
-            <a:r>
-              <a:rPr lang="en-US" dirty="0"/>
-              <a:t>Hello World with </a:t>
-            </a:r>
-            <a:r>
-              <a:rPr lang="en-US" dirty="0" err="1"/>
-              <a:t>SPFx</a:t>
-            </a:r>
-            <a:endParaRPr lang="en-US" dirty="0"/>
-          </a:p>
-        </p:txBody>
-      </p:sp>
-    </p:spTree>
-    <p:extLst>
-      <p:ext uri="{BB962C8B-B14F-4D97-AF65-F5344CB8AC3E}">
-        <p14:creationId xmlns:p14="http://schemas.microsoft.com/office/powerpoint/2010/main" val="2726954055"/>
-      </p:ext>
-    </p:extLst>
-  </p:cSld>
-  <p:clrMapOvr>
-    <a:masterClrMapping/>
-  </p:clrMapOvr>
-</p:sld>
-</file>
-
 <file path=ppt/slides/slide2.xml><?xml version="1.0" encoding="utf-8"?>
 <p:sld xmlns:a="http://schemas.openxmlformats.org/drawingml/2006/main" xmlns:r="http://schemas.openxmlformats.org/officeDocument/2006/relationships" xmlns:p="http://schemas.openxmlformats.org/presentationml/2006/main">
   <p:cSld>
@@ -5038,88 +5393,21 @@
           <a:lstStyle/>
           <a:p>
             <a:r>
-              <a:rPr lang="en-US"/>
-              <a:t>Agenda</a:t>
+              <a:rPr lang="en-US" dirty="0"/>
+              <a:t>Hello World with </a:t>
+            </a:r>
+            <a:r>
+              <a:rPr lang="en-US" dirty="0" err="1"/>
+              <a:t>SPFx</a:t>
             </a:r>
             <a:endParaRPr lang="en-US" dirty="0"/>
-          </a:p>
-        </p:txBody>
-      </p:sp>
-      <p:sp>
-        <p:nvSpPr>
-          <p:cNvPr id="3" name="Content Placeholder 2"/>
-          <p:cNvSpPr>
-            <a:spLocks noGrp="1"/>
-          </p:cNvSpPr>
-          <p:nvPr>
-            <p:ph idx="1"/>
-          </p:nvPr>
-        </p:nvSpPr>
-        <p:spPr/>
-        <p:txBody>
-          <a:bodyPr>
-            <a:noAutofit/>
-          </a:bodyPr>
-          <a:lstStyle/>
-          <a:p>
-            <a:pPr lvl="0">
-              <a:buFont typeface="Wingdings" panose="05000000000000000000" pitchFamily="2" charset="2"/>
-              <a:buChar char="ü"/>
-            </a:pPr>
-            <a:r>
-              <a:rPr lang="en-US" sz="2400" dirty="0"/>
-              <a:t>Introduction to the SharePoint Framework</a:t>
-            </a:r>
-          </a:p>
-          <a:p>
-            <a:pPr lvl="0">
-              <a:buFont typeface="Wingdings" panose="05000000000000000000" pitchFamily="2" charset="2"/>
-              <a:buChar char="ü"/>
-            </a:pPr>
-            <a:r>
-              <a:rPr lang="en-US" sz="2400" dirty="0"/>
-              <a:t>Creating SPFX Projects using the Yeoman Generator</a:t>
-            </a:r>
-          </a:p>
-          <a:p>
-            <a:pPr lvl="0">
-              <a:buFont typeface="Wingdings" panose="05000000000000000000" pitchFamily="2" charset="2"/>
-              <a:buChar char="ü"/>
-            </a:pPr>
-            <a:r>
-              <a:rPr lang="en-US" sz="2400" dirty="0"/>
-              <a:t>Testing &amp; Debugging Webparts in SharePoint Workbench</a:t>
-            </a:r>
-          </a:p>
-          <a:p>
-            <a:pPr>
-              <a:buFont typeface="Wingdings" panose="05000000000000000000" pitchFamily="2" charset="2"/>
-              <a:buChar char="Ø"/>
-            </a:pPr>
-            <a:r>
-              <a:rPr lang="en-US" sz="2400" dirty="0"/>
-              <a:t>Managing Styles using SCSS Files and CSS Modules</a:t>
-            </a:r>
-          </a:p>
-          <a:p>
-            <a:r>
-              <a:rPr lang="en-US" sz="2400" dirty="0"/>
-              <a:t>Creating a Web Part with Custom Properties</a:t>
-            </a:r>
-          </a:p>
-          <a:p>
-            <a:pPr lvl="0"/>
-            <a:r>
-              <a:rPr lang="en-US" sz="2400" dirty="0"/>
-              <a:t>Creating Application Customizers</a:t>
-            </a:r>
           </a:p>
         </p:txBody>
       </p:sp>
     </p:spTree>
     <p:extLst>
       <p:ext uri="{BB962C8B-B14F-4D97-AF65-F5344CB8AC3E}">
-        <p14:creationId xmlns:p14="http://schemas.microsoft.com/office/powerpoint/2010/main" val="4016575774"/>
+        <p14:creationId xmlns:p14="http://schemas.microsoft.com/office/powerpoint/2010/main" val="2726954055"/>
       </p:ext>
     </p:extLst>
   </p:cSld>
@@ -5162,9 +5450,10 @@
           <a:lstStyle/>
           <a:p>
             <a:r>
-              <a:rPr lang="en-US" dirty="0"/>
-              <a:t>Working with SASS and .SCSS Files</a:t>
-            </a:r>
+              <a:rPr lang="en-US"/>
+              <a:t>Agenda</a:t>
+            </a:r>
+            <a:endParaRPr lang="en-US" dirty="0"/>
           </a:p>
         </p:txBody>
       </p:sp>
@@ -5180,65 +5469,249 @@
         </p:nvSpPr>
         <p:spPr/>
         <p:txBody>
+          <a:bodyPr>
+            <a:noAutofit/>
+          </a:bodyPr>
+          <a:lstStyle/>
+          <a:p>
+            <a:pPr lvl="0">
+              <a:buFont typeface="Wingdings" panose="05000000000000000000" pitchFamily="2" charset="2"/>
+              <a:buChar char="ü"/>
+            </a:pPr>
+            <a:r>
+              <a:rPr lang="en-US" sz="2400" dirty="0"/>
+              <a:t>Introduction to the SharePoint Framework</a:t>
+            </a:r>
+          </a:p>
+          <a:p>
+            <a:pPr lvl="0">
+              <a:buFont typeface="Wingdings" panose="05000000000000000000" pitchFamily="2" charset="2"/>
+              <a:buChar char="ü"/>
+            </a:pPr>
+            <a:r>
+              <a:rPr lang="en-US" sz="2400" dirty="0"/>
+              <a:t>Creating SPFX Projects using the Yeoman Generator</a:t>
+            </a:r>
+          </a:p>
+          <a:p>
+            <a:pPr lvl="0">
+              <a:buFont typeface="Wingdings" panose="05000000000000000000" pitchFamily="2" charset="2"/>
+              <a:buChar char="ü"/>
+            </a:pPr>
+            <a:r>
+              <a:rPr lang="en-US" sz="2400" dirty="0"/>
+              <a:t>Testing &amp; Debugging Webparts in SharePoint Workbench</a:t>
+            </a:r>
+          </a:p>
+          <a:p>
+            <a:pPr>
+              <a:buFont typeface="Wingdings" panose="05000000000000000000" pitchFamily="2" charset="2"/>
+              <a:buChar char="Ø"/>
+            </a:pPr>
+            <a:r>
+              <a:rPr lang="en-US" sz="2400" dirty="0"/>
+              <a:t>Managing Styles using SCSS Files and CSS Modules</a:t>
+            </a:r>
+          </a:p>
+          <a:p>
+            <a:r>
+              <a:rPr lang="en-US" sz="2400" dirty="0"/>
+              <a:t>Creating a Web Part with Custom Properties</a:t>
+            </a:r>
+          </a:p>
+          <a:p>
+            <a:pPr lvl="0"/>
+            <a:r>
+              <a:rPr lang="en-US" sz="2400" dirty="0"/>
+              <a:t>Creating Application Customizers</a:t>
+            </a:r>
+          </a:p>
+        </p:txBody>
+      </p:sp>
+    </p:spTree>
+    <p:extLst>
+      <p:ext uri="{BB962C8B-B14F-4D97-AF65-F5344CB8AC3E}">
+        <p14:creationId xmlns:p14="http://schemas.microsoft.com/office/powerpoint/2010/main" val="4016575774"/>
+      </p:ext>
+    </p:extLst>
+  </p:cSld>
+  <p:clrMapOvr>
+    <a:masterClrMapping/>
+  </p:clrMapOvr>
+</p:sld>
+</file>
+
+<file path=ppt/slides/slide22.xml><?xml version="1.0" encoding="utf-8"?>
+<p:sld xmlns:a="http://schemas.openxmlformats.org/drawingml/2006/main" xmlns:r="http://schemas.openxmlformats.org/officeDocument/2006/relationships" xmlns:p="http://schemas.openxmlformats.org/presentationml/2006/main">
+  <p:cSld>
+    <p:spTree>
+      <p:nvGrpSpPr>
+        <p:cNvPr id="1" name=""/>
+        <p:cNvGrpSpPr/>
+        <p:nvPr/>
+      </p:nvGrpSpPr>
+      <p:grpSpPr>
+        <a:xfrm>
+          <a:off x="0" y="0"/>
+          <a:ext cx="0" cy="0"/>
+          <a:chOff x="0" y="0"/>
+          <a:chExt cx="0" cy="0"/>
+        </a:xfrm>
+      </p:grpSpPr>
+      <p:sp>
+        <p:nvSpPr>
+          <p:cNvPr id="2" name="Title 1">
+            <a:extLst>
+              <a:ext uri="{FF2B5EF4-FFF2-40B4-BE49-F238E27FC236}">
+                <a16:creationId xmlns:a16="http://schemas.microsoft.com/office/drawing/2014/main" id="{F7A899E8-6BD1-4E61-AB0B-C355A1FC421B}"/>
+              </a:ext>
+            </a:extLst>
+          </p:cNvPr>
+          <p:cNvSpPr>
+            <a:spLocks noGrp="1"/>
+          </p:cNvSpPr>
+          <p:nvPr>
+            <p:ph type="title"/>
+          </p:nvPr>
+        </p:nvSpPr>
+        <p:spPr/>
+        <p:txBody>
           <a:bodyPr/>
           <a:lstStyle/>
           <a:p>
             <a:r>
               <a:rPr lang="en-US" dirty="0"/>
-              <a:t>Sass: Syntactically Awesome Style Sheets</a:t>
-            </a:r>
-          </a:p>
-          <a:p>
-            <a:pPr lvl="1"/>
-            <a:r>
-              <a:rPr lang="en-US" dirty="0"/>
-              <a:t>Compiles .</a:t>
-            </a:r>
-            <a:r>
-              <a:rPr lang="en-US" dirty="0" err="1"/>
-              <a:t>scss</a:t>
-            </a:r>
-            <a:r>
-              <a:rPr lang="en-US" dirty="0"/>
-              <a:t> files into .</a:t>
-            </a:r>
-            <a:r>
-              <a:rPr lang="en-US" dirty="0" err="1"/>
-              <a:t>css</a:t>
-            </a:r>
-            <a:r>
-              <a:rPr lang="en-US" dirty="0"/>
-              <a:t> files</a:t>
-            </a:r>
-          </a:p>
-          <a:p>
-            <a:pPr lvl="1"/>
-            <a:r>
-              <a:rPr lang="en-US" dirty="0"/>
-              <a:t>Allows build process to use variables and nesting</a:t>
+              <a:t>Issues with CSS in Web Development</a:t>
             </a:r>
           </a:p>
         </p:txBody>
       </p:sp>
       <p:sp>
         <p:nvSpPr>
-          <p:cNvPr id="7" name="Right Arrow Callout 6"/>
+          <p:cNvPr id="3" name="Content Placeholder 2">
+            <a:extLst>
+              <a:ext uri="{FF2B5EF4-FFF2-40B4-BE49-F238E27FC236}">
+                <a16:creationId xmlns:a16="http://schemas.microsoft.com/office/drawing/2014/main" id="{200CBC71-F2DE-41E3-9ADD-725A4E374489}"/>
+              </a:ext>
+            </a:extLst>
+          </p:cNvPr>
+          <p:cNvSpPr>
+            <a:spLocks noGrp="1"/>
+          </p:cNvSpPr>
+          <p:nvPr>
+            <p:ph idx="1"/>
+          </p:nvPr>
+        </p:nvSpPr>
+        <p:spPr/>
+        <p:txBody>
+          <a:bodyPr/>
+          <a:lstStyle/>
+          <a:p>
+            <a:r>
+              <a:rPr lang="en-US" dirty="0"/>
+              <a:t>CSS can be hard to manage in large applications</a:t>
+            </a:r>
+          </a:p>
+          <a:p>
+            <a:pPr lvl="1"/>
+            <a:r>
+              <a:rPr lang="en-US" dirty="0"/>
+              <a:t>Global style names can conflict with one another</a:t>
+            </a:r>
+          </a:p>
+          <a:p>
+            <a:pPr lvl="1"/>
+            <a:r>
+              <a:rPr lang="en-US" dirty="0"/>
+              <a:t>Component CSS should not affect other parts of page</a:t>
+            </a:r>
+          </a:p>
+          <a:p>
+            <a:pPr lvl="1"/>
+            <a:r>
+              <a:rPr lang="en-US" dirty="0"/>
+              <a:t>Component CSS should be isolated</a:t>
+            </a:r>
+          </a:p>
+          <a:p>
+            <a:pPr lvl="1"/>
+            <a:r>
+              <a:rPr lang="en-US" dirty="0"/>
+              <a:t>You should avoid using element IDs in CSS</a:t>
+            </a:r>
+          </a:p>
+          <a:p>
+            <a:pPr lvl="1"/>
+            <a:r>
+              <a:rPr lang="en-US" dirty="0"/>
+              <a:t>Prefer using classes instead of IDs</a:t>
+            </a:r>
+          </a:p>
+          <a:p>
+            <a:pPr lvl="1"/>
+            <a:r>
+              <a:rPr lang="en-US" dirty="0"/>
+              <a:t>You should create class names unique across page</a:t>
+            </a:r>
+          </a:p>
+        </p:txBody>
+      </p:sp>
+      <p:pic>
+        <p:nvPicPr>
+          <p:cNvPr id="4" name="Picture 3">
+            <a:extLst>
+              <a:ext uri="{FF2B5EF4-FFF2-40B4-BE49-F238E27FC236}">
+                <a16:creationId xmlns:a16="http://schemas.microsoft.com/office/drawing/2014/main" id="{30352248-C3A1-4F5C-A0C0-A243C9103353}"/>
+              </a:ext>
+            </a:extLst>
+          </p:cNvPr>
+          <p:cNvPicPr>
+            <a:picLocks noChangeAspect="1"/>
+          </p:cNvPicPr>
+          <p:nvPr/>
+        </p:nvPicPr>
+        <p:blipFill>
+          <a:blip r:embed="rId2"/>
+          <a:stretch>
+            <a:fillRect/>
+          </a:stretch>
+        </p:blipFill>
+        <p:spPr>
+          <a:xfrm>
+            <a:off x="4800600" y="4824034"/>
+            <a:ext cx="3811966" cy="1172331"/>
+          </a:xfrm>
+          <a:prstGeom prst="rect">
+            <a:avLst/>
+          </a:prstGeom>
+        </p:spPr>
+      </p:pic>
+      <p:sp>
+        <p:nvSpPr>
+          <p:cNvPr id="5" name="Arrow: Right 4">
+            <a:extLst>
+              <a:ext uri="{FF2B5EF4-FFF2-40B4-BE49-F238E27FC236}">
+                <a16:creationId xmlns:a16="http://schemas.microsoft.com/office/drawing/2014/main" id="{C3FB223F-6417-4A31-9C3D-C935BCF88C90}"/>
+              </a:ext>
+            </a:extLst>
+          </p:cNvPr>
           <p:cNvSpPr/>
           <p:nvPr/>
         </p:nvSpPr>
         <p:spPr>
           <a:xfrm>
-            <a:off x="3786336" y="3013435"/>
-            <a:ext cx="1714500" cy="2378697"/>
+            <a:off x="1143000" y="5105400"/>
+            <a:ext cx="3964366" cy="419100"/>
           </a:xfrm>
-          <a:prstGeom prst="rightArrowCallout">
+          <a:prstGeom prst="rightArrow">
             <a:avLst>
-              <a:gd name="adj1" fmla="val 29167"/>
-              <a:gd name="adj2" fmla="val 20897"/>
-              <a:gd name="adj3" fmla="val 25524"/>
-              <a:gd name="adj4" fmla="val 64977"/>
+              <a:gd name="adj1" fmla="val 70906"/>
+              <a:gd name="adj2" fmla="val 89911"/>
             </a:avLst>
           </a:prstGeom>
+          <a:solidFill>
+            <a:schemeClr val="accent2"/>
+          </a:solidFill>
         </p:spPr>
         <p:style>
           <a:lnRef idx="2">
@@ -5262,36 +5735,276 @@
           <a:p>
             <a:pPr algn="ctr"/>
             <a:r>
-              <a:rPr lang="en-US" dirty="0"/>
-              <a:t>SASS</a:t>
+              <a:rPr lang="en-US" sz="1400" dirty="0">
+                <a:solidFill>
+                  <a:srgbClr val="800000"/>
+                </a:solidFill>
+              </a:rPr>
+              <a:t>Bad, Bad, Bad - do not use IDs in a webpart</a:t>
             </a:r>
           </a:p>
         </p:txBody>
       </p:sp>
-      <p:pic>
-        <p:nvPicPr>
-          <p:cNvPr id="8" name="Picture 7"/>
-          <p:cNvPicPr>
-            <a:picLocks noChangeAspect="1"/>
-          </p:cNvPicPr>
+    </p:spTree>
+    <p:extLst>
+      <p:ext uri="{BB962C8B-B14F-4D97-AF65-F5344CB8AC3E}">
+        <p14:creationId xmlns:p14="http://schemas.microsoft.com/office/powerpoint/2010/main" val="457278929"/>
+      </p:ext>
+    </p:extLst>
+  </p:cSld>
+  <p:clrMapOvr>
+    <a:masterClrMapping/>
+  </p:clrMapOvr>
+</p:sld>
+</file>
+
+<file path=ppt/slides/slide23.xml><?xml version="1.0" encoding="utf-8"?>
+<p:sld xmlns:a="http://schemas.openxmlformats.org/drawingml/2006/main" xmlns:r="http://schemas.openxmlformats.org/officeDocument/2006/relationships" xmlns:p="http://schemas.openxmlformats.org/presentationml/2006/main">
+  <p:cSld>
+    <p:spTree>
+      <p:nvGrpSpPr>
+        <p:cNvPr id="1" name=""/>
+        <p:cNvGrpSpPr/>
+        <p:nvPr/>
+      </p:nvGrpSpPr>
+      <p:grpSpPr>
+        <a:xfrm>
+          <a:off x="0" y="0"/>
+          <a:ext cx="0" cy="0"/>
+          <a:chOff x="0" y="0"/>
+          <a:chExt cx="0" cy="0"/>
+        </a:xfrm>
+      </p:grpSpPr>
+      <p:sp>
+        <p:nvSpPr>
+          <p:cNvPr id="2" name="Title 1"/>
+          <p:cNvSpPr>
+            <a:spLocks noGrp="1"/>
+          </p:cNvSpPr>
+          <p:nvPr>
+            <p:ph type="title"/>
+          </p:nvPr>
+        </p:nvSpPr>
+        <p:spPr/>
+        <p:txBody>
+          <a:bodyPr/>
+          <a:lstStyle/>
+          <a:p>
+            <a:r>
+              <a:rPr lang="en-US" dirty="0"/>
+              <a:t>Working with SASS and .SCSS Files</a:t>
+            </a:r>
+          </a:p>
+        </p:txBody>
+      </p:sp>
+      <p:sp>
+        <p:nvSpPr>
+          <p:cNvPr id="3" name="Content Placeholder 2"/>
+          <p:cNvSpPr>
+            <a:spLocks noGrp="1"/>
+          </p:cNvSpPr>
+          <p:nvPr>
+            <p:ph idx="1"/>
+          </p:nvPr>
+        </p:nvSpPr>
+        <p:spPr/>
+        <p:txBody>
+          <a:bodyPr>
+            <a:normAutofit/>
+          </a:bodyPr>
+          <a:lstStyle/>
+          <a:p>
+            <a:r>
+              <a:rPr lang="en-US" sz="2400" dirty="0"/>
+              <a:t>SPFx uses Syntactically Awesome Style Sheets (SASS)</a:t>
+            </a:r>
+          </a:p>
+          <a:p>
+            <a:pPr lvl="1"/>
+            <a:r>
+              <a:rPr lang="en-US" sz="2000" dirty="0"/>
+              <a:t>Styles maintained in .</a:t>
+            </a:r>
+            <a:r>
+              <a:rPr lang="en-US" sz="2000" dirty="0" err="1"/>
+              <a:t>scss</a:t>
+            </a:r>
+            <a:r>
+              <a:rPr lang="en-US" sz="2000" dirty="0"/>
+              <a:t> files instead of .</a:t>
+            </a:r>
+            <a:r>
+              <a:rPr lang="en-US" sz="2000" dirty="0" err="1"/>
+              <a:t>css</a:t>
+            </a:r>
+            <a:r>
+              <a:rPr lang="en-US" sz="2000" dirty="0"/>
+              <a:t> files</a:t>
+            </a:r>
+          </a:p>
+          <a:p>
+            <a:pPr lvl="1"/>
+            <a:r>
+              <a:rPr lang="en-US" sz="2000" dirty="0"/>
+              <a:t>SASS is superset of CSS with variables, selector nesting &amp; </a:t>
+            </a:r>
+            <a:r>
+              <a:rPr lang="en-US" sz="2000" dirty="0" err="1"/>
+              <a:t>mixins</a:t>
+            </a:r>
+            <a:endParaRPr lang="en-US" sz="2000" dirty="0"/>
+          </a:p>
+          <a:p>
+            <a:pPr lvl="1"/>
+            <a:r>
+              <a:rPr lang="en-US" sz="2000" dirty="0"/>
+              <a:t>SASS compilation occurs when you build project using </a:t>
+            </a:r>
+            <a:r>
+              <a:rPr lang="en-US" sz="2000" b="1" dirty="0"/>
+              <a:t>gulp build</a:t>
+            </a:r>
+          </a:p>
+          <a:p>
+            <a:pPr lvl="1"/>
+            <a:r>
+              <a:rPr lang="en-US" sz="2000" dirty="0"/>
+              <a:t>Webpack compiles .</a:t>
+            </a:r>
+            <a:r>
+              <a:rPr lang="en-US" sz="2000" dirty="0" err="1"/>
+              <a:t>scss</a:t>
+            </a:r>
+            <a:r>
+              <a:rPr lang="en-US" sz="2000" dirty="0"/>
+              <a:t> files into .</a:t>
+            </a:r>
+            <a:r>
+              <a:rPr lang="en-US" sz="2000" dirty="0" err="1"/>
+              <a:t>css</a:t>
+            </a:r>
+            <a:r>
+              <a:rPr lang="en-US" sz="2000" dirty="0"/>
+              <a:t> files</a:t>
+            </a:r>
+          </a:p>
+          <a:p>
+            <a:r>
+              <a:rPr lang="en-US" sz="2400" dirty="0"/>
+              <a:t>SASS compilation generates unique style names</a:t>
+            </a:r>
+          </a:p>
+          <a:p>
+            <a:pPr lvl="1"/>
+            <a:r>
+              <a:rPr lang="en-US" sz="2000" b="1" dirty="0" err="1"/>
+              <a:t>helloWebPart</a:t>
+            </a:r>
+            <a:r>
+              <a:rPr lang="en-US" sz="2000" dirty="0"/>
+              <a:t> renamed to </a:t>
+            </a:r>
+            <a:r>
+              <a:rPr lang="en-US" sz="2000" b="1" dirty="0"/>
+              <a:t>helloWebPart_0989818e</a:t>
+            </a:r>
+            <a:endParaRPr lang="en-US" sz="2000" dirty="0"/>
+          </a:p>
+        </p:txBody>
+      </p:sp>
+      <p:grpSp>
+        <p:nvGrpSpPr>
+          <p:cNvPr id="4" name="Group 3">
+            <a:extLst>
+              <a:ext uri="{FF2B5EF4-FFF2-40B4-BE49-F238E27FC236}">
+                <a16:creationId xmlns:a16="http://schemas.microsoft.com/office/drawing/2014/main" id="{E80AF977-15A7-4B8E-8B43-E793D1C88415}"/>
+              </a:ext>
+            </a:extLst>
+          </p:cNvPr>
+          <p:cNvGrpSpPr/>
           <p:nvPr/>
-        </p:nvPicPr>
-        <p:blipFill>
-          <a:blip r:embed="rId2"/>
-          <a:stretch>
-            <a:fillRect/>
-          </a:stretch>
-        </p:blipFill>
-        <p:spPr>
+        </p:nvGrpSpPr>
+        <p:grpSpPr>
           <a:xfrm>
-            <a:off x="5608434" y="3190505"/>
-            <a:ext cx="3247510" cy="2024555"/>
+            <a:off x="3883944" y="4343401"/>
+            <a:ext cx="5031456" cy="2378697"/>
+            <a:chOff x="3883944" y="4343401"/>
+            <a:chExt cx="5031456" cy="2378697"/>
           </a:xfrm>
-          <a:prstGeom prst="rect">
-            <a:avLst/>
-          </a:prstGeom>
-        </p:spPr>
-      </p:pic>
+        </p:grpSpPr>
+        <p:sp>
+          <p:nvSpPr>
+            <p:cNvPr id="7" name="Right Arrow Callout 6"/>
+            <p:cNvSpPr/>
+            <p:nvPr/>
+          </p:nvSpPr>
+          <p:spPr>
+            <a:xfrm>
+              <a:off x="3883944" y="4343401"/>
+              <a:ext cx="1714500" cy="2378697"/>
+            </a:xfrm>
+            <a:prstGeom prst="rightArrowCallout">
+              <a:avLst>
+                <a:gd name="adj1" fmla="val 29167"/>
+                <a:gd name="adj2" fmla="val 20897"/>
+                <a:gd name="adj3" fmla="val 25524"/>
+                <a:gd name="adj4" fmla="val 64977"/>
+              </a:avLst>
+            </a:prstGeom>
+          </p:spPr>
+          <p:style>
+            <a:lnRef idx="2">
+              <a:schemeClr val="accent1">
+                <a:shade val="50000"/>
+              </a:schemeClr>
+            </a:lnRef>
+            <a:fillRef idx="1">
+              <a:schemeClr val="accent1"/>
+            </a:fillRef>
+            <a:effectRef idx="0">
+              <a:schemeClr val="accent1"/>
+            </a:effectRef>
+            <a:fontRef idx="minor">
+              <a:schemeClr val="lt1"/>
+            </a:fontRef>
+          </p:style>
+          <p:txBody>
+            <a:bodyPr rtlCol="0" anchor="ctr"/>
+            <a:lstStyle/>
+            <a:p>
+              <a:pPr algn="ctr"/>
+              <a:r>
+                <a:rPr lang="en-US" dirty="0"/>
+                <a:t>SASS</a:t>
+              </a:r>
+            </a:p>
+          </p:txBody>
+        </p:sp>
+        <p:pic>
+          <p:nvPicPr>
+            <p:cNvPr id="8" name="Picture 7"/>
+            <p:cNvPicPr>
+              <a:picLocks noChangeAspect="1"/>
+            </p:cNvPicPr>
+            <p:nvPr/>
+          </p:nvPicPr>
+          <p:blipFill>
+            <a:blip r:embed="rId2"/>
+            <a:stretch>
+              <a:fillRect/>
+            </a:stretch>
+          </p:blipFill>
+          <p:spPr>
+            <a:xfrm>
+              <a:off x="5667890" y="4520470"/>
+              <a:ext cx="3247510" cy="2024555"/>
+            </a:xfrm>
+            <a:prstGeom prst="rect">
+              <a:avLst/>
+            </a:prstGeom>
+          </p:spPr>
+        </p:pic>
+      </p:grpSp>
       <p:pic>
         <p:nvPicPr>
           <p:cNvPr id="9" name="Picture 8"/>
@@ -5308,31 +6021,8 @@
         </p:blipFill>
         <p:spPr>
           <a:xfrm>
-            <a:off x="771524" y="3013437"/>
+            <a:off x="899409" y="4343400"/>
             <a:ext cx="2828925" cy="2378697"/>
-          </a:xfrm>
-          <a:prstGeom prst="rect">
-            <a:avLst/>
-          </a:prstGeom>
-        </p:spPr>
-      </p:pic>
-      <p:pic>
-        <p:nvPicPr>
-          <p:cNvPr id="10" name="Picture 9"/>
-          <p:cNvPicPr>
-            <a:picLocks noChangeAspect="1"/>
-          </p:cNvPicPr>
-          <p:nvPr/>
-        </p:nvPicPr>
-        <p:blipFill rotWithShape="1">
-          <a:blip r:embed="rId4"/>
-          <a:srcRect l="9836" t="54321" r="7634" b="17747"/>
-          <a:stretch/>
-        </p:blipFill>
-        <p:spPr>
-          <a:xfrm>
-            <a:off x="792039" y="5767389"/>
-            <a:ext cx="5715000" cy="862011"/>
           </a:xfrm>
           <a:prstGeom prst="rect">
             <a:avLst/>
@@ -5352,7 +6042,7 @@
 </p:sld>
 </file>
 
-<file path=ppt/slides/slide22.xml><?xml version="1.0" encoding="utf-8"?>
+<file path=ppt/slides/slide24.xml><?xml version="1.0" encoding="utf-8"?>
 <p:sld xmlns:a="http://schemas.openxmlformats.org/drawingml/2006/main" xmlns:r="http://schemas.openxmlformats.org/officeDocument/2006/relationships" xmlns:p="http://schemas.openxmlformats.org/presentationml/2006/main">
   <p:cSld>
     <p:spTree>
@@ -5391,18 +6081,55 @@
           <a:lstStyle/>
           <a:p>
             <a:r>
-              <a:rPr lang="en-US" dirty="0"/>
-              <a:t>SCSS File Compilation</a:t>
+              <a:rPr lang="en-US" sz="2700" dirty="0"/>
+              <a:t>SCSS Compilation Generates TypeScript File</a:t>
+            </a:r>
+          </a:p>
+        </p:txBody>
+      </p:sp>
+      <p:sp>
+        <p:nvSpPr>
+          <p:cNvPr id="8" name="Content Placeholder 7">
+            <a:extLst>
+              <a:ext uri="{FF2B5EF4-FFF2-40B4-BE49-F238E27FC236}">
+                <a16:creationId xmlns:a16="http://schemas.microsoft.com/office/drawing/2014/main" id="{18A07798-CC79-4E4C-BD4E-64B990B19B34}"/>
+              </a:ext>
+            </a:extLst>
+          </p:cNvPr>
+          <p:cNvSpPr>
+            <a:spLocks noGrp="1"/>
+          </p:cNvSpPr>
+          <p:nvPr>
+            <p:ph idx="1"/>
+          </p:nvPr>
+        </p:nvSpPr>
+        <p:spPr/>
+        <p:txBody>
+          <a:bodyPr>
+            <a:normAutofit/>
+          </a:bodyPr>
+          <a:lstStyle/>
+          <a:p>
+            <a:r>
+              <a:rPr lang="en-US" sz="2400" dirty="0"/>
+              <a:t>SASS compilation also generates TypeScript file</a:t>
+            </a:r>
+          </a:p>
+          <a:p>
+            <a:pPr lvl="1"/>
+            <a:r>
+              <a:rPr lang="en-US" sz="2000" dirty="0"/>
+              <a:t>Used to provide strongly-types style names in TypeScript code</a:t>
             </a:r>
           </a:p>
         </p:txBody>
       </p:sp>
       <p:pic>
         <p:nvPicPr>
-          <p:cNvPr id="3" name="Picture 2">
+          <p:cNvPr id="4" name="Picture 3">
             <a:extLst>
               <a:ext uri="{FF2B5EF4-FFF2-40B4-BE49-F238E27FC236}">
-                <a16:creationId xmlns:a16="http://schemas.microsoft.com/office/drawing/2014/main" id="{2FB030B3-544D-4F8C-8C9F-2549C1A87F12}"/>
+                <a16:creationId xmlns:a16="http://schemas.microsoft.com/office/drawing/2014/main" id="{6FB71CFA-A55D-43EB-9C44-DF1C9CFBCFD7}"/>
               </a:ext>
             </a:extLst>
           </p:cNvPr>
@@ -5419,96 +6146,8 @@
         </p:blipFill>
         <p:spPr>
           <a:xfrm>
-            <a:off x="481012" y="1371600"/>
-            <a:ext cx="7953375" cy="1495425"/>
-          </a:xfrm>
-          <a:prstGeom prst="rect">
-            <a:avLst/>
-          </a:prstGeom>
-        </p:spPr>
-      </p:pic>
-    </p:spTree>
-    <p:extLst>
-      <p:ext uri="{BB962C8B-B14F-4D97-AF65-F5344CB8AC3E}">
-        <p14:creationId xmlns:p14="http://schemas.microsoft.com/office/powerpoint/2010/main" val="2663811900"/>
-      </p:ext>
-    </p:extLst>
-  </p:cSld>
-  <p:clrMapOvr>
-    <a:masterClrMapping/>
-  </p:clrMapOvr>
-</p:sld>
-</file>
-
-<file path=ppt/slides/slide23.xml><?xml version="1.0" encoding="utf-8"?>
-<p:sld xmlns:a="http://schemas.openxmlformats.org/drawingml/2006/main" xmlns:r="http://schemas.openxmlformats.org/officeDocument/2006/relationships" xmlns:p="http://schemas.openxmlformats.org/presentationml/2006/main">
-  <p:cSld>
-    <p:spTree>
-      <p:nvGrpSpPr>
-        <p:cNvPr id="1" name=""/>
-        <p:cNvGrpSpPr/>
-        <p:nvPr/>
-      </p:nvGrpSpPr>
-      <p:grpSpPr>
-        <a:xfrm>
-          <a:off x="0" y="0"/>
-          <a:ext cx="0" cy="0"/>
-          <a:chOff x="0" y="0"/>
-          <a:chExt cx="0" cy="0"/>
-        </a:xfrm>
-      </p:grpSpPr>
-      <p:sp>
-        <p:nvSpPr>
-          <p:cNvPr id="2" name="Title 1">
-            <a:extLst>
-              <a:ext uri="{FF2B5EF4-FFF2-40B4-BE49-F238E27FC236}">
-                <a16:creationId xmlns:a16="http://schemas.microsoft.com/office/drawing/2014/main" id="{AC0F77CE-3435-48D4-8F6F-920F2972D4A3}"/>
-              </a:ext>
-            </a:extLst>
-          </p:cNvPr>
-          <p:cNvSpPr>
-            <a:spLocks noGrp="1"/>
-          </p:cNvSpPr>
-          <p:nvPr>
-            <p:ph type="title"/>
-          </p:nvPr>
-        </p:nvSpPr>
-        <p:spPr/>
-        <p:txBody>
-          <a:bodyPr/>
-          <a:lstStyle/>
-          <a:p>
-            <a:r>
-              <a:rPr lang="en-US" dirty="0"/>
-              <a:t>SCSS Module Compilation</a:t>
-            </a:r>
-          </a:p>
-        </p:txBody>
-      </p:sp>
-      <p:pic>
-        <p:nvPicPr>
-          <p:cNvPr id="3" name="Picture 2">
-            <a:extLst>
-              <a:ext uri="{FF2B5EF4-FFF2-40B4-BE49-F238E27FC236}">
-                <a16:creationId xmlns:a16="http://schemas.microsoft.com/office/drawing/2014/main" id="{E49821B8-8E98-45C1-AF41-4A4E90FFEC79}"/>
-              </a:ext>
-            </a:extLst>
-          </p:cNvPr>
-          <p:cNvPicPr>
-            <a:picLocks noChangeAspect="1"/>
-          </p:cNvPicPr>
-          <p:nvPr/>
-        </p:nvPicPr>
-        <p:blipFill>
-          <a:blip r:embed="rId2"/>
-          <a:stretch>
-            <a:fillRect/>
-          </a:stretch>
-        </p:blipFill>
-        <p:spPr>
-          <a:xfrm>
-            <a:off x="3958684" y="2133600"/>
-            <a:ext cx="3295650" cy="1504950"/>
+            <a:off x="4210673" y="2759064"/>
+            <a:ext cx="3204557" cy="1468946"/>
           </a:xfrm>
           <a:prstGeom prst="rect">
             <a:avLst/>
@@ -5528,7 +6167,7 @@
           <p:cNvPr id="5" name="Picture 4">
             <a:extLst>
               <a:ext uri="{FF2B5EF4-FFF2-40B4-BE49-F238E27FC236}">
-                <a16:creationId xmlns:a16="http://schemas.microsoft.com/office/drawing/2014/main" id="{D274E8B9-848F-4A32-9617-3D230DDDC805}"/>
+                <a16:creationId xmlns:a16="http://schemas.microsoft.com/office/drawing/2014/main" id="{D829E7BB-0946-4188-863E-4D03FDF013F2}"/>
               </a:ext>
             </a:extLst>
           </p:cNvPr>
@@ -5545,8 +6184,8 @@
         </p:blipFill>
         <p:spPr>
           <a:xfrm>
-            <a:off x="3581400" y="3923459"/>
-            <a:ext cx="4876800" cy="2401141"/>
+            <a:off x="4214286" y="4395359"/>
+            <a:ext cx="4742003" cy="2343696"/>
           </a:xfrm>
           <a:prstGeom prst="rect">
             <a:avLst/>
@@ -5558,7 +6197,7 @@
           <p:cNvPr id="6" name="Picture 5">
             <a:extLst>
               <a:ext uri="{FF2B5EF4-FFF2-40B4-BE49-F238E27FC236}">
-                <a16:creationId xmlns:a16="http://schemas.microsoft.com/office/drawing/2014/main" id="{FF7740A7-7DD4-4CB6-B8DB-76F8D201E4C6}"/>
+                <a16:creationId xmlns:a16="http://schemas.microsoft.com/office/drawing/2014/main" id="{1324A4E4-D93E-4B3A-949C-2D9A48E3D889}"/>
               </a:ext>
             </a:extLst>
           </p:cNvPr>
@@ -5575,8 +6214,8 @@
         </p:blipFill>
         <p:spPr>
           <a:xfrm>
-            <a:off x="568711" y="1805077"/>
-            <a:ext cx="2297151" cy="2378226"/>
+            <a:off x="914400" y="2438401"/>
+            <a:ext cx="2233657" cy="2321330"/>
           </a:xfrm>
           <a:prstGeom prst="rect">
             <a:avLst/>
@@ -5588,7 +6227,7 @@
           <p:cNvPr id="7" name="Arrow: Right 6">
             <a:extLst>
               <a:ext uri="{FF2B5EF4-FFF2-40B4-BE49-F238E27FC236}">
-                <a16:creationId xmlns:a16="http://schemas.microsoft.com/office/drawing/2014/main" id="{ECDD3158-98C8-4573-91DC-EE3ED577602E}"/>
+                <a16:creationId xmlns:a16="http://schemas.microsoft.com/office/drawing/2014/main" id="{0E09459A-A6DE-4191-B594-0B3D2ADA894B}"/>
               </a:ext>
             </a:extLst>
           </p:cNvPr>
@@ -5597,8 +6236,8 @@
         </p:nvSpPr>
         <p:spPr>
           <a:xfrm>
-            <a:off x="2993173" y="2765590"/>
-            <a:ext cx="838200" cy="457200"/>
+            <a:off x="3271849" y="3375935"/>
+            <a:ext cx="815032" cy="446262"/>
           </a:xfrm>
           <a:prstGeom prst="rightArrow">
             <a:avLst/>
@@ -5632,7 +6271,7 @@
     </p:spTree>
     <p:extLst>
       <p:ext uri="{BB962C8B-B14F-4D97-AF65-F5344CB8AC3E}">
-        <p14:creationId xmlns:p14="http://schemas.microsoft.com/office/powerpoint/2010/main" val="2670983332"/>
+        <p14:creationId xmlns:p14="http://schemas.microsoft.com/office/powerpoint/2010/main" val="2663811900"/>
       </p:ext>
     </p:extLst>
   </p:cSld>
@@ -5642,7 +6281,7 @@
 </p:sld>
 </file>
 
-<file path=ppt/slides/slide24.xml><?xml version="1.0" encoding="utf-8"?>
+<file path=ppt/slides/slide25.xml><?xml version="1.0" encoding="utf-8"?>
 <p:sld xmlns:a="http://schemas.openxmlformats.org/drawingml/2006/main" xmlns:r="http://schemas.openxmlformats.org/officeDocument/2006/relationships" xmlns:p="http://schemas.openxmlformats.org/presentationml/2006/main">
   <p:cSld>
     <p:spTree>
@@ -5661,10 +6300,10 @@
       </p:grpSpPr>
       <p:sp>
         <p:nvSpPr>
-          <p:cNvPr id="2" name="Title 1">
+          <p:cNvPr id="6" name="Title 5">
             <a:extLst>
               <a:ext uri="{FF2B5EF4-FFF2-40B4-BE49-F238E27FC236}">
-                <a16:creationId xmlns:a16="http://schemas.microsoft.com/office/drawing/2014/main" id="{0069EF9C-C5CB-407B-B2D4-AA1AD3CE91E1}"/>
+                <a16:creationId xmlns:a16="http://schemas.microsoft.com/office/drawing/2014/main" id="{A5A0F53E-4A6B-467B-B976-EEFB16411D07}"/>
               </a:ext>
             </a:extLst>
           </p:cNvPr>
@@ -5680,7 +6319,85 @@
           <a:bodyPr/>
           <a:lstStyle/>
           <a:p>
-            <a:endParaRPr lang="en-US"/>
+            <a:r>
+              <a:rPr lang="en-US" dirty="0"/>
+              <a:t>Importing Style Names in a TypeScript File</a:t>
+            </a:r>
+          </a:p>
+        </p:txBody>
+      </p:sp>
+      <p:sp>
+        <p:nvSpPr>
+          <p:cNvPr id="10" name="Content Placeholder 9">
+            <a:extLst>
+              <a:ext uri="{FF2B5EF4-FFF2-40B4-BE49-F238E27FC236}">
+                <a16:creationId xmlns:a16="http://schemas.microsoft.com/office/drawing/2014/main" id="{B765BF92-51C7-45CE-A521-0B07EDEE32AF}"/>
+              </a:ext>
+            </a:extLst>
+          </p:cNvPr>
+          <p:cNvSpPr>
+            <a:spLocks noGrp="1"/>
+          </p:cNvSpPr>
+          <p:nvPr>
+            <p:ph idx="1"/>
+          </p:nvPr>
+        </p:nvSpPr>
+        <p:spPr/>
+        <p:txBody>
+          <a:bodyPr>
+            <a:normAutofit/>
+          </a:bodyPr>
+          <a:lstStyle/>
+          <a:p>
+            <a:r>
+              <a:rPr lang="en-US" sz="2000" dirty="0"/>
+              <a:t>You can run </a:t>
+            </a:r>
+            <a:r>
+              <a:rPr lang="en-US" sz="2000" b="1" dirty="0"/>
+              <a:t>gulp build</a:t>
+            </a:r>
+            <a:r>
+              <a:rPr lang="en-US" sz="2000" dirty="0"/>
+              <a:t> to force SASS compilation</a:t>
+            </a:r>
+          </a:p>
+          <a:p>
+            <a:pPr lvl="1"/>
+            <a:r>
+              <a:rPr lang="en-US" sz="1800" b="1" dirty="0"/>
+              <a:t>import</a:t>
+            </a:r>
+            <a:r>
+              <a:rPr lang="en-US" sz="1800" dirty="0"/>
+              <a:t> statement to .</a:t>
+            </a:r>
+            <a:r>
+              <a:rPr lang="en-US" sz="1800" dirty="0" err="1"/>
+              <a:t>scss</a:t>
+            </a:r>
+            <a:r>
+              <a:rPr lang="en-US" sz="1800" dirty="0"/>
+              <a:t> file displays error until you run </a:t>
+            </a:r>
+            <a:r>
+              <a:rPr lang="en-US" sz="1800" b="1" dirty="0"/>
+              <a:t>gulp build</a:t>
+            </a:r>
+          </a:p>
+          <a:p>
+            <a:pPr lvl="1"/>
+            <a:endParaRPr lang="en-US" sz="1800" dirty="0"/>
+          </a:p>
+          <a:p>
+            <a:pPr lvl="1"/>
+            <a:endParaRPr lang="en-US" sz="1800" dirty="0"/>
+          </a:p>
+          <a:p>
+            <a:r>
+              <a:rPr lang="en-US" sz="2000" dirty="0"/>
+              <a:t>Once compiled, SCSS styles names can be referenced in TypeScript</a:t>
+            </a:r>
           </a:p>
         </p:txBody>
       </p:sp>
@@ -5705,7 +6422,7 @@
         </p:blipFill>
         <p:spPr>
           <a:xfrm>
-            <a:off x="2590800" y="3657600"/>
+            <a:off x="1600200" y="3494048"/>
             <a:ext cx="6353092" cy="2971800"/>
           </a:xfrm>
           <a:prstGeom prst="rect">
@@ -5727,7 +6444,7 @@
         </p:nvSpPr>
         <p:spPr>
           <a:xfrm>
-            <a:off x="1943722" y="3624147"/>
+            <a:off x="953122" y="3460595"/>
             <a:ext cx="762000" cy="457200"/>
           </a:xfrm>
           <a:prstGeom prst="rightArrow">
@@ -5779,7 +6496,7 @@
         </p:nvSpPr>
         <p:spPr>
           <a:xfrm>
-            <a:off x="4548146" y="5157439"/>
+            <a:off x="3557546" y="4993887"/>
             <a:ext cx="3124200" cy="1295400"/>
           </a:xfrm>
           <a:prstGeom prst="rect">
@@ -5820,10 +6537,10 @@
       </p:sp>
       <p:pic>
         <p:nvPicPr>
-          <p:cNvPr id="8" name="Picture 7">
+          <p:cNvPr id="9" name="Picture 8">
             <a:extLst>
               <a:ext uri="{FF2B5EF4-FFF2-40B4-BE49-F238E27FC236}">
-                <a16:creationId xmlns:a16="http://schemas.microsoft.com/office/drawing/2014/main" id="{EBB0A687-7919-4FBE-A96F-1AF155F0982B}"/>
+                <a16:creationId xmlns:a16="http://schemas.microsoft.com/office/drawing/2014/main" id="{AB825148-E565-432F-87EE-94C6512A51E7}"/>
               </a:ext>
             </a:extLst>
           </p:cNvPr>
@@ -5832,16 +6549,15 @@
           </p:cNvPicPr>
           <p:nvPr/>
         </p:nvPicPr>
-        <p:blipFill>
+        <p:blipFill rotWithShape="1">
           <a:blip r:embed="rId3"/>
-          <a:stretch>
-            <a:fillRect/>
-          </a:stretch>
+          <a:srcRect l="8623" t="57753" r="1317" b="7205"/>
+          <a:stretch/>
         </p:blipFill>
         <p:spPr>
           <a:xfrm>
-            <a:off x="304800" y="1239732"/>
-            <a:ext cx="4446479" cy="2189268"/>
+            <a:off x="1066800" y="2286000"/>
+            <a:ext cx="7162800" cy="524019"/>
           </a:xfrm>
           <a:prstGeom prst="rect">
             <a:avLst/>
@@ -5861,7 +6577,7 @@
 </p:sld>
 </file>
 
-<file path=ppt/slides/slide25.xml><?xml version="1.0" encoding="utf-8"?>
+<file path=ppt/slides/slide26.xml><?xml version="1.0" encoding="utf-8"?>
 <p:sld xmlns:a="http://schemas.openxmlformats.org/drawingml/2006/main" xmlns:r="http://schemas.openxmlformats.org/officeDocument/2006/relationships" xmlns:p="http://schemas.openxmlformats.org/presentationml/2006/main">
   <p:cSld>
     <p:spTree>
@@ -5989,7 +6705,7 @@
 </p:sld>
 </file>
 
-<file path=ppt/slides/slide26.xml><?xml version="1.0" encoding="utf-8"?>
+<file path=ppt/slides/slide27.xml><?xml version="1.0" encoding="utf-8"?>
 <p:sld xmlns:a="http://schemas.openxmlformats.org/drawingml/2006/main" xmlns:r="http://schemas.openxmlformats.org/officeDocument/2006/relationships" xmlns:p="http://schemas.openxmlformats.org/presentationml/2006/main">
   <p:cSld>
     <p:spTree>
@@ -6426,7 +7142,7 @@
 </p:sld>
 </file>
 
-<file path=ppt/slides/slide27.xml><?xml version="1.0" encoding="utf-8"?>
+<file path=ppt/slides/slide28.xml><?xml version="1.0" encoding="utf-8"?>
 <p:sld xmlns:a="http://schemas.openxmlformats.org/drawingml/2006/main" xmlns:r="http://schemas.openxmlformats.org/officeDocument/2006/relationships" xmlns:p="http://schemas.openxmlformats.org/presentationml/2006/main">
   <p:cSld>
     <p:spTree>
@@ -6531,58 +7247,6 @@
 </p:sld>
 </file>
 
-<file path=ppt/slides/slide28.xml><?xml version="1.0" encoding="utf-8"?>
-<p:sld xmlns:a="http://schemas.openxmlformats.org/drawingml/2006/main" xmlns:r="http://schemas.openxmlformats.org/officeDocument/2006/relationships" xmlns:p="http://schemas.openxmlformats.org/presentationml/2006/main">
-  <p:cSld>
-    <p:spTree>
-      <p:nvGrpSpPr>
-        <p:cNvPr id="1" name=""/>
-        <p:cNvGrpSpPr/>
-        <p:nvPr/>
-      </p:nvGrpSpPr>
-      <p:grpSpPr>
-        <a:xfrm>
-          <a:off x="0" y="0"/>
-          <a:ext cx="0" cy="0"/>
-          <a:chOff x="0" y="0"/>
-          <a:chExt cx="0" cy="0"/>
-        </a:xfrm>
-      </p:grpSpPr>
-      <p:sp>
-        <p:nvSpPr>
-          <p:cNvPr id="2" name="Title 1"/>
-          <p:cNvSpPr>
-            <a:spLocks noGrp="1"/>
-          </p:cNvSpPr>
-          <p:nvPr>
-            <p:ph type="title"/>
-          </p:nvPr>
-        </p:nvSpPr>
-        <p:spPr/>
-        <p:txBody>
-          <a:bodyPr/>
-          <a:lstStyle/>
-          <a:p>
-            <a:r>
-              <a:rPr lang="en-US" dirty="0"/>
-              <a:t>Web Part Properties</a:t>
-            </a:r>
-          </a:p>
-        </p:txBody>
-      </p:sp>
-    </p:spTree>
-    <p:extLst>
-      <p:ext uri="{BB962C8B-B14F-4D97-AF65-F5344CB8AC3E}">
-        <p14:creationId xmlns:p14="http://schemas.microsoft.com/office/powerpoint/2010/main" val="3620846342"/>
-      </p:ext>
-    </p:extLst>
-  </p:cSld>
-  <p:clrMapOvr>
-    <a:masterClrMapping/>
-  </p:clrMapOvr>
-</p:sld>
-</file>
-
 <file path=ppt/slides/slide29.xml><?xml version="1.0" encoding="utf-8"?>
 <p:sld xmlns:a="http://schemas.openxmlformats.org/drawingml/2006/main" xmlns:r="http://schemas.openxmlformats.org/officeDocument/2006/relationships" xmlns:p="http://schemas.openxmlformats.org/presentationml/2006/main">
   <p:cSld>
@@ -6616,87 +7280,8 @@
           <a:lstStyle/>
           <a:p>
             <a:r>
-              <a:rPr lang="en-US"/>
-              <a:t>Agenda</a:t>
-            </a:r>
-            <a:endParaRPr lang="en-US" dirty="0"/>
-          </a:p>
-        </p:txBody>
-      </p:sp>
-      <p:sp>
-        <p:nvSpPr>
-          <p:cNvPr id="3" name="Content Placeholder 2"/>
-          <p:cNvSpPr>
-            <a:spLocks noGrp="1"/>
-          </p:cNvSpPr>
-          <p:nvPr>
-            <p:ph idx="1"/>
-          </p:nvPr>
-        </p:nvSpPr>
-        <p:spPr/>
-        <p:txBody>
-          <a:bodyPr>
-            <a:noAutofit/>
-          </a:bodyPr>
-          <a:lstStyle/>
-          <a:p>
-            <a:pPr lvl="0">
-              <a:buFont typeface="Wingdings" panose="05000000000000000000" pitchFamily="2" charset="2"/>
-              <a:buChar char="ü"/>
-            </a:pPr>
-            <a:r>
-              <a:rPr lang="en-US" sz="2400" dirty="0"/>
-              <a:t>Introduction to the SharePoint Framework</a:t>
-            </a:r>
-          </a:p>
-          <a:p>
-            <a:pPr lvl="0">
-              <a:buFont typeface="Wingdings" panose="05000000000000000000" pitchFamily="2" charset="2"/>
-              <a:buChar char="ü"/>
-            </a:pPr>
-            <a:r>
-              <a:rPr lang="en-US" sz="2400" dirty="0"/>
-              <a:t>Creating SPFX Projects using the Yeoman Generator</a:t>
-            </a:r>
-          </a:p>
-          <a:p>
-            <a:pPr lvl="0">
-              <a:buFont typeface="Wingdings" panose="05000000000000000000" pitchFamily="2" charset="2"/>
-              <a:buChar char="ü"/>
-            </a:pPr>
-            <a:r>
-              <a:rPr lang="en-US" sz="2400" dirty="0"/>
-              <a:t>Testing &amp; Debugging Webparts in SharePoint Workbench</a:t>
-            </a:r>
-          </a:p>
-          <a:p>
-            <a:pPr>
-              <a:buFont typeface="Wingdings" panose="05000000000000000000" pitchFamily="2" charset="2"/>
-              <a:buChar char="ü"/>
-            </a:pPr>
-            <a:r>
-              <a:rPr lang="en-US" sz="2400" dirty="0"/>
-              <a:t>Managing Styles using SCSS Files and CSS Modules</a:t>
-            </a:r>
-          </a:p>
-          <a:p>
-            <a:pPr>
-              <a:buFont typeface="Wingdings" panose="05000000000000000000" pitchFamily="2" charset="2"/>
-              <a:buChar char="ü"/>
-            </a:pPr>
-            <a:r>
-              <a:rPr lang="en-US" sz="2400" dirty="0"/>
-              <a:t>Creating a Web Part with Custom Properties</a:t>
-            </a:r>
-          </a:p>
-          <a:p>
-            <a:pPr lvl="0">
-              <a:buFont typeface="Wingdings" panose="05000000000000000000" pitchFamily="2" charset="2"/>
-              <a:buChar char="Ø"/>
-            </a:pPr>
-            <a:r>
-              <a:rPr lang="en-US" sz="2400" dirty="0"/>
-              <a:t>Creating Application Customizers</a:t>
+              <a:rPr lang="en-US" dirty="0"/>
+              <a:t>Web Part Properties</a:t>
             </a:r>
           </a:p>
         </p:txBody>
@@ -6704,7 +7289,7 @@
     </p:spTree>
     <p:extLst>
       <p:ext uri="{BB962C8B-B14F-4D97-AF65-F5344CB8AC3E}">
-        <p14:creationId xmlns:p14="http://schemas.microsoft.com/office/powerpoint/2010/main" val="330438874"/>
+        <p14:creationId xmlns:p14="http://schemas.microsoft.com/office/powerpoint/2010/main" val="3620846342"/>
       </p:ext>
     </p:extLst>
   </p:cSld>
@@ -6765,95 +7350,96 @@
         </p:nvSpPr>
         <p:spPr/>
         <p:txBody>
-          <a:bodyPr/>
+          <a:bodyPr>
+            <a:normAutofit/>
+          </a:bodyPr>
           <a:lstStyle/>
           <a:p>
             <a:r>
-              <a:rPr lang="en-US" dirty="0"/>
+              <a:rPr lang="en-US" sz="2400" dirty="0"/>
               <a:t>Farm Solutions</a:t>
             </a:r>
           </a:p>
           <a:p>
             <a:pPr lvl="1"/>
             <a:r>
-              <a:rPr lang="en-US" dirty="0"/>
-              <a:t>Server-side DLLs and XML Definitions</a:t>
-            </a:r>
-          </a:p>
-          <a:p>
-            <a:r>
-              <a:rPr lang="en-US" dirty="0"/>
+              <a:rPr lang="en-US" sz="2000" dirty="0"/>
+              <a:t>Server-side DLLs and XML-based Definitions</a:t>
+            </a:r>
+          </a:p>
+          <a:p>
+            <a:r>
+              <a:rPr lang="en-US" sz="2400" dirty="0"/>
               <a:t>S</a:t>
             </a:r>
             <a:r>
-              <a:rPr lang="en-US" strike="sngStrike" dirty="0"/>
+              <a:rPr lang="en-US" sz="2400" strike="sngStrike" dirty="0"/>
               <a:t>andboxed Solutions</a:t>
             </a:r>
           </a:p>
           <a:p>
             <a:r>
-              <a:rPr lang="en-US" dirty="0"/>
+              <a:rPr lang="en-US" sz="2400" dirty="0"/>
               <a:t>SharePoint </a:t>
             </a:r>
             <a:r>
-              <a:rPr lang="en-US" strike="sngStrike" dirty="0"/>
+              <a:rPr lang="en-US" sz="2400" strike="sngStrike" dirty="0"/>
               <a:t>Apps</a:t>
             </a:r>
             <a:r>
-              <a:rPr lang="en-US" dirty="0"/>
+              <a:rPr lang="en-US" sz="2400" dirty="0"/>
               <a:t> Add-ins</a:t>
             </a:r>
           </a:p>
           <a:p>
             <a:pPr lvl="1"/>
             <a:r>
-              <a:rPr lang="en-US" dirty="0" err="1"/>
+              <a:rPr lang="en-US" sz="2000" dirty="0" err="1"/>
               <a:t>iFrames</a:t>
             </a:r>
             <a:r>
-              <a:rPr lang="en-US" dirty="0"/>
-              <a:t> used to add in security dimension</a:t>
+              <a:rPr lang="en-US" sz="2000" dirty="0"/>
+              <a:t> used to add in extra security dimension</a:t>
             </a:r>
           </a:p>
           <a:p>
             <a:pPr lvl="1"/>
             <a:r>
-              <a:rPr lang="en-US" dirty="0"/>
-              <a:t>complexity of 2 domains (app web vs host web)</a:t>
-            </a:r>
-          </a:p>
-          <a:p>
-            <a:r>
-              <a:rPr lang="en-US" dirty="0"/>
+              <a:rPr lang="en-US" sz="2000" dirty="0"/>
+              <a:t>Introduced complexity with 2 domains (app web vs host web)</a:t>
+            </a:r>
+          </a:p>
+          <a:p>
+            <a:r>
+              <a:rPr lang="en-US" sz="2400" dirty="0"/>
               <a:t>JavaScript Injection</a:t>
             </a:r>
           </a:p>
           <a:p>
             <a:pPr lvl="1"/>
             <a:r>
-              <a:rPr lang="en-US" dirty="0"/>
-              <a:t>Scripting can be disabled</a:t>
+              <a:rPr lang="en-US" sz="2000" dirty="0"/>
+              <a:t>Scripting can be disabled in SharePoint Online</a:t>
             </a:r>
           </a:p>
           <a:p>
             <a:pPr lvl="1"/>
             <a:r>
-              <a:rPr lang="en-US" dirty="0"/>
+              <a:rPr lang="en-US" sz="2000" dirty="0"/>
               <a:t>No formal deployment model</a:t>
             </a:r>
           </a:p>
           <a:p>
             <a:r>
-              <a:rPr lang="en-US" dirty="0"/>
-              <a:t>SharePoint Framework (</a:t>
-            </a:r>
-            <a:r>
-              <a:rPr lang="en-US" dirty="0" err="1"/>
-              <a:t>SPFx</a:t>
-            </a:r>
-            <a:r>
-              <a:rPr lang="en-US" dirty="0"/>
-              <a:t>)</a:t>
+              <a:rPr lang="en-US" sz="2400" dirty="0"/>
+              <a:t>SharePoint Framework</a:t>
+            </a:r>
+          </a:p>
+          <a:p>
+            <a:pPr lvl="1"/>
+            <a:r>
+              <a:rPr lang="en-US" sz="2000" dirty="0"/>
+              <a:t>A natural evolution and formalization of JavaScript Injection model</a:t>
             </a:r>
           </a:p>
         </p:txBody>
@@ -7276,6 +7862,55 @@
                       </p:childTnLst>
                     </p:cTn>
                   </p:par>
+                  <p:par>
+                    <p:cTn id="33" fill="hold">
+                      <p:stCondLst>
+                        <p:cond delay="indefinite"/>
+                      </p:stCondLst>
+                      <p:childTnLst>
+                        <p:par>
+                          <p:cTn id="34" fill="hold">
+                            <p:stCondLst>
+                              <p:cond delay="0"/>
+                            </p:stCondLst>
+                            <p:childTnLst>
+                              <p:par>
+                                <p:cTn id="35" presetID="1" presetClass="entr" presetSubtype="0" fill="hold" nodeType="clickEffect">
+                                  <p:stCondLst>
+                                    <p:cond delay="0"/>
+                                  </p:stCondLst>
+                                  <p:childTnLst>
+                                    <p:set>
+                                      <p:cBhvr>
+                                        <p:cTn id="36" dur="1" fill="hold">
+                                          <p:stCondLst>
+                                            <p:cond delay="0"/>
+                                          </p:stCondLst>
+                                        </p:cTn>
+                                        <p:tgtEl>
+                                          <p:spTgt spid="3">
+                                            <p:txEl>
+                                              <p:pRg st="10" end="10"/>
+                                            </p:txEl>
+                                          </p:spTgt>
+                                        </p:tgtEl>
+                                        <p:attrNameLst>
+                                          <p:attrName>style.visibility</p:attrName>
+                                        </p:attrNameLst>
+                                      </p:cBhvr>
+                                      <p:to>
+                                        <p:strVal val="visible"/>
+                                      </p:to>
+                                    </p:set>
+                                  </p:childTnLst>
+                                </p:cTn>
+                              </p:par>
+                            </p:childTnLst>
+                          </p:cTn>
+                        </p:par>
+                      </p:childTnLst>
+                    </p:cTn>
+                  </p:par>
                 </p:childTnLst>
               </p:cTn>
               <p:prevCondLst>
@@ -7320,6 +7955,285 @@
       </p:grpSpPr>
       <p:sp>
         <p:nvSpPr>
+          <p:cNvPr id="2" name="Title 1"/>
+          <p:cNvSpPr>
+            <a:spLocks noGrp="1"/>
+          </p:cNvSpPr>
+          <p:nvPr>
+            <p:ph type="title"/>
+          </p:nvPr>
+        </p:nvSpPr>
+        <p:spPr/>
+        <p:txBody>
+          <a:bodyPr/>
+          <a:lstStyle/>
+          <a:p>
+            <a:r>
+              <a:rPr lang="en-US"/>
+              <a:t>Agenda</a:t>
+            </a:r>
+            <a:endParaRPr lang="en-US" dirty="0"/>
+          </a:p>
+        </p:txBody>
+      </p:sp>
+      <p:sp>
+        <p:nvSpPr>
+          <p:cNvPr id="3" name="Content Placeholder 2"/>
+          <p:cNvSpPr>
+            <a:spLocks noGrp="1"/>
+          </p:cNvSpPr>
+          <p:nvPr>
+            <p:ph idx="1"/>
+          </p:nvPr>
+        </p:nvSpPr>
+        <p:spPr/>
+        <p:txBody>
+          <a:bodyPr>
+            <a:noAutofit/>
+          </a:bodyPr>
+          <a:lstStyle/>
+          <a:p>
+            <a:pPr lvl="0">
+              <a:buFont typeface="Wingdings" panose="05000000000000000000" pitchFamily="2" charset="2"/>
+              <a:buChar char="ü"/>
+            </a:pPr>
+            <a:r>
+              <a:rPr lang="en-US" sz="2400" dirty="0"/>
+              <a:t>Introduction to the SharePoint Framework</a:t>
+            </a:r>
+          </a:p>
+          <a:p>
+            <a:pPr lvl="0">
+              <a:buFont typeface="Wingdings" panose="05000000000000000000" pitchFamily="2" charset="2"/>
+              <a:buChar char="ü"/>
+            </a:pPr>
+            <a:r>
+              <a:rPr lang="en-US" sz="2400" dirty="0"/>
+              <a:t>Creating SPFX Projects using the Yeoman Generator</a:t>
+            </a:r>
+          </a:p>
+          <a:p>
+            <a:pPr lvl="0">
+              <a:buFont typeface="Wingdings" panose="05000000000000000000" pitchFamily="2" charset="2"/>
+              <a:buChar char="ü"/>
+            </a:pPr>
+            <a:r>
+              <a:rPr lang="en-US" sz="2400" dirty="0"/>
+              <a:t>Testing &amp; Debugging Webparts in SharePoint Workbench</a:t>
+            </a:r>
+          </a:p>
+          <a:p>
+            <a:pPr>
+              <a:buFont typeface="Wingdings" panose="05000000000000000000" pitchFamily="2" charset="2"/>
+              <a:buChar char="ü"/>
+            </a:pPr>
+            <a:r>
+              <a:rPr lang="en-US" sz="2400" dirty="0"/>
+              <a:t>Managing Styles using SCSS Files and CSS Modules</a:t>
+            </a:r>
+          </a:p>
+          <a:p>
+            <a:pPr>
+              <a:buFont typeface="Wingdings" panose="05000000000000000000" pitchFamily="2" charset="2"/>
+              <a:buChar char="ü"/>
+            </a:pPr>
+            <a:r>
+              <a:rPr lang="en-US" sz="2400" dirty="0"/>
+              <a:t>Creating a Web Part with Custom Properties</a:t>
+            </a:r>
+          </a:p>
+          <a:p>
+            <a:pPr lvl="0">
+              <a:buFont typeface="Wingdings" panose="05000000000000000000" pitchFamily="2" charset="2"/>
+              <a:buChar char="Ø"/>
+            </a:pPr>
+            <a:r>
+              <a:rPr lang="en-US" sz="2400" dirty="0"/>
+              <a:t>Creating Application Customizers</a:t>
+            </a:r>
+          </a:p>
+        </p:txBody>
+      </p:sp>
+    </p:spTree>
+    <p:extLst>
+      <p:ext uri="{BB962C8B-B14F-4D97-AF65-F5344CB8AC3E}">
+        <p14:creationId xmlns:p14="http://schemas.microsoft.com/office/powerpoint/2010/main" val="330438874"/>
+      </p:ext>
+    </p:extLst>
+  </p:cSld>
+  <p:clrMapOvr>
+    <a:masterClrMapping/>
+  </p:clrMapOvr>
+</p:sld>
+</file>
+
+<file path=ppt/slides/slide31.xml><?xml version="1.0" encoding="utf-8"?>
+<p:sld xmlns:a="http://schemas.openxmlformats.org/drawingml/2006/main" xmlns:r="http://schemas.openxmlformats.org/officeDocument/2006/relationships" xmlns:p="http://schemas.openxmlformats.org/presentationml/2006/main">
+  <p:cSld>
+    <p:spTree>
+      <p:nvGrpSpPr>
+        <p:cNvPr id="1" name=""/>
+        <p:cNvGrpSpPr/>
+        <p:nvPr/>
+      </p:nvGrpSpPr>
+      <p:grpSpPr>
+        <a:xfrm>
+          <a:off x="0" y="0"/>
+          <a:ext cx="0" cy="0"/>
+          <a:chOff x="0" y="0"/>
+          <a:chExt cx="0" cy="0"/>
+        </a:xfrm>
+      </p:grpSpPr>
+      <p:sp>
+        <p:nvSpPr>
+          <p:cNvPr id="2" name="Title 1"/>
+          <p:cNvSpPr>
+            <a:spLocks noGrp="1"/>
+          </p:cNvSpPr>
+          <p:nvPr>
+            <p:ph type="title"/>
+          </p:nvPr>
+        </p:nvSpPr>
+        <p:spPr/>
+        <p:txBody>
+          <a:bodyPr/>
+          <a:lstStyle/>
+          <a:p>
+            <a:r>
+              <a:rPr lang="en-US"/>
+              <a:t>SPFx Application Extensions</a:t>
+            </a:r>
+            <a:endParaRPr lang="en-US" dirty="0"/>
+          </a:p>
+        </p:txBody>
+      </p:sp>
+      <p:sp>
+        <p:nvSpPr>
+          <p:cNvPr id="3" name="Content Placeholder 2"/>
+          <p:cNvSpPr>
+            <a:spLocks noGrp="1"/>
+          </p:cNvSpPr>
+          <p:nvPr>
+            <p:ph idx="1"/>
+          </p:nvPr>
+        </p:nvSpPr>
+        <p:spPr/>
+        <p:txBody>
+          <a:bodyPr>
+            <a:normAutofit/>
+          </a:bodyPr>
+          <a:lstStyle/>
+          <a:p>
+            <a:r>
+              <a:rPr lang="en-US" sz="2400" dirty="0"/>
+              <a:t>Application Customizers</a:t>
+            </a:r>
+          </a:p>
+          <a:p>
+            <a:pPr lvl="1"/>
+            <a:r>
+              <a:rPr lang="en-US" sz="2000" dirty="0"/>
+              <a:t>Used to add page header and/or page footer into modern pages</a:t>
+            </a:r>
+          </a:p>
+          <a:p>
+            <a:pPr lvl="1"/>
+            <a:r>
+              <a:rPr lang="en-US" sz="2000" dirty="0"/>
+              <a:t>Application customizers not supported in classic pages</a:t>
+            </a:r>
+          </a:p>
+          <a:p>
+            <a:pPr>
+              <a:spcBef>
+                <a:spcPts val="1200"/>
+              </a:spcBef>
+            </a:pPr>
+            <a:r>
+              <a:rPr lang="en-US" sz="2400" dirty="0"/>
+              <a:t>Field Customizers</a:t>
+            </a:r>
+          </a:p>
+          <a:p>
+            <a:pPr lvl="1"/>
+            <a:r>
+              <a:rPr lang="en-US" sz="2000" dirty="0"/>
+              <a:t>Used to add client-side behavior on top of site columns</a:t>
+            </a:r>
+          </a:p>
+          <a:p>
+            <a:pPr lvl="1"/>
+            <a:r>
+              <a:rPr lang="en-US" sz="2000" dirty="0"/>
+              <a:t>Allows you to create custom field rendering experience</a:t>
+            </a:r>
+          </a:p>
+          <a:p>
+            <a:pPr>
+              <a:spcBef>
+                <a:spcPts val="1200"/>
+              </a:spcBef>
+            </a:pPr>
+            <a:r>
+              <a:rPr lang="en-US" sz="2400" dirty="0"/>
+              <a:t>Command Sets</a:t>
+            </a:r>
+          </a:p>
+          <a:p>
+            <a:pPr lvl="1"/>
+            <a:r>
+              <a:rPr lang="en-US" sz="2000" dirty="0"/>
+              <a:t>Allows you to add custom commands into SharePoint UI</a:t>
+            </a:r>
+          </a:p>
+          <a:p>
+            <a:pPr lvl="1"/>
+            <a:r>
+              <a:rPr lang="en-US" sz="2000" dirty="0"/>
+              <a:t>SPFx component for creating user custom actions</a:t>
+            </a:r>
+          </a:p>
+          <a:p>
+            <a:pPr lvl="1"/>
+            <a:r>
+              <a:rPr lang="en-US" sz="2000" dirty="0"/>
+              <a:t>Users invoke commands which trigger your client-side code</a:t>
+            </a:r>
+          </a:p>
+        </p:txBody>
+      </p:sp>
+    </p:spTree>
+    <p:extLst>
+      <p:ext uri="{BB962C8B-B14F-4D97-AF65-F5344CB8AC3E}">
+        <p14:creationId xmlns:p14="http://schemas.microsoft.com/office/powerpoint/2010/main" val="2184763983"/>
+      </p:ext>
+    </p:extLst>
+  </p:cSld>
+  <p:clrMapOvr>
+    <a:masterClrMapping/>
+  </p:clrMapOvr>
+</p:sld>
+</file>
+
+<file path=ppt/slides/slide32.xml><?xml version="1.0" encoding="utf-8"?>
+<p:sld xmlns:a="http://schemas.openxmlformats.org/drawingml/2006/main" xmlns:r="http://schemas.openxmlformats.org/officeDocument/2006/relationships" xmlns:p="http://schemas.openxmlformats.org/presentationml/2006/main">
+  <p:cSld>
+    <p:spTree>
+      <p:nvGrpSpPr>
+        <p:cNvPr id="1" name=""/>
+        <p:cNvGrpSpPr/>
+        <p:nvPr/>
+      </p:nvGrpSpPr>
+      <p:grpSpPr>
+        <a:xfrm>
+          <a:off x="0" y="0"/>
+          <a:ext cx="0" cy="0"/>
+          <a:chOff x="0" y="0"/>
+          <a:chExt cx="0" cy="0"/>
+        </a:xfrm>
+      </p:grpSpPr>
+      <p:sp>
+        <p:nvSpPr>
           <p:cNvPr id="2" name="Title 1">
             <a:extLst>
               <a:ext uri="{FF2B5EF4-FFF2-40B4-BE49-F238E27FC236}">
@@ -7342,6 +8256,43 @@
             <a:r>
               <a:rPr lang="en-US" dirty="0"/>
               <a:t>Creating an Application Customizer</a:t>
+            </a:r>
+          </a:p>
+        </p:txBody>
+      </p:sp>
+      <p:sp>
+        <p:nvSpPr>
+          <p:cNvPr id="6" name="Content Placeholder 5">
+            <a:extLst>
+              <a:ext uri="{FF2B5EF4-FFF2-40B4-BE49-F238E27FC236}">
+                <a16:creationId xmlns:a16="http://schemas.microsoft.com/office/drawing/2014/main" id="{670618BA-70C8-4ABD-8853-C49901BC153F}"/>
+              </a:ext>
+            </a:extLst>
+          </p:cNvPr>
+          <p:cNvSpPr>
+            <a:spLocks noGrp="1"/>
+          </p:cNvSpPr>
+          <p:nvPr>
+            <p:ph idx="1"/>
+          </p:nvPr>
+        </p:nvSpPr>
+        <p:spPr/>
+        <p:txBody>
+          <a:bodyPr>
+            <a:normAutofit/>
+          </a:bodyPr>
+          <a:lstStyle/>
+          <a:p>
+            <a:r>
+              <a:rPr lang="en-US" sz="2400" dirty="0"/>
+              <a:t>Yeoman templates support creating application extension</a:t>
+            </a:r>
+          </a:p>
+          <a:p>
+            <a:pPr lvl="1"/>
+            <a:r>
+              <a:rPr lang="en-US" sz="2000" dirty="0"/>
+              <a:t>You can choose between the 3 types of application extensions</a:t>
             </a:r>
           </a:p>
         </p:txBody>
@@ -7365,7 +8316,7 @@
         </p:blipFill>
         <p:spPr bwMode="auto">
           <a:xfrm>
-            <a:off x="457200" y="1828800"/>
+            <a:off x="764264" y="2514600"/>
             <a:ext cx="7615472" cy="2838790"/>
           </a:xfrm>
           <a:prstGeom prst="rect">
@@ -7397,7 +8348,7 @@
         </p:nvSpPr>
         <p:spPr>
           <a:xfrm flipH="1">
-            <a:off x="6116290" y="3414571"/>
+            <a:off x="6423354" y="4100371"/>
             <a:ext cx="1914920" cy="204704"/>
           </a:xfrm>
           <a:prstGeom prst="rightArrow">
@@ -7450,7 +8401,7 @@
         </p:nvSpPr>
         <p:spPr>
           <a:xfrm flipH="1">
-            <a:off x="7315200" y="3628294"/>
+            <a:off x="7622264" y="4314094"/>
             <a:ext cx="1246057" cy="204704"/>
           </a:xfrm>
           <a:prstGeom prst="rightArrow">
@@ -7502,7 +8453,7 @@
 </p:sld>
 </file>
 
-<file path=ppt/slides/slide31.xml><?xml version="1.0" encoding="utf-8"?>
+<file path=ppt/slides/slide33.xml><?xml version="1.0" encoding="utf-8"?>
 <p:sld xmlns:a="http://schemas.openxmlformats.org/drawingml/2006/main" xmlns:r="http://schemas.openxmlformats.org/officeDocument/2006/relationships" xmlns:p="http://schemas.openxmlformats.org/presentationml/2006/main">
   <p:cSld>
     <p:spTree>
@@ -7540,7 +8491,10 @@
           <a:bodyPr/>
           <a:lstStyle/>
           <a:p>
-            <a:endParaRPr lang="en-US"/>
+            <a:r>
+              <a:rPr lang="en-US" dirty="0"/>
+              <a:t>The Application Customizer Manifest</a:t>
+            </a:r>
           </a:p>
         </p:txBody>
       </p:sp>
@@ -7571,8 +8525,8 @@
         </p:blipFill>
         <p:spPr bwMode="auto">
           <a:xfrm>
-            <a:off x="762000" y="1524000"/>
-            <a:ext cx="6303065" cy="2286000"/>
+            <a:off x="306351" y="1268052"/>
+            <a:ext cx="4287951" cy="1555157"/>
           </a:xfrm>
           <a:prstGeom prst="rect">
             <a:avLst/>
@@ -7585,106 +8539,12 @@
           </a:ln>
         </p:spPr>
       </p:pic>
-    </p:spTree>
-    <p:extLst>
-      <p:ext uri="{BB962C8B-B14F-4D97-AF65-F5344CB8AC3E}">
-        <p14:creationId xmlns:p14="http://schemas.microsoft.com/office/powerpoint/2010/main" val="56425540"/>
-      </p:ext>
-    </p:extLst>
-  </p:cSld>
-  <p:clrMapOvr>
-    <a:masterClrMapping/>
-  </p:clrMapOvr>
-</p:sld>
-</file>
-
-<file path=ppt/slides/slide32.xml><?xml version="1.0" encoding="utf-8"?>
-<p:sld xmlns:a="http://schemas.openxmlformats.org/drawingml/2006/main" xmlns:r="http://schemas.openxmlformats.org/officeDocument/2006/relationships" xmlns:p="http://schemas.openxmlformats.org/presentationml/2006/main">
-  <p:cSld>
-    <p:spTree>
-      <p:nvGrpSpPr>
-        <p:cNvPr id="1" name=""/>
-        <p:cNvGrpSpPr/>
-        <p:nvPr/>
-      </p:nvGrpSpPr>
-      <p:grpSpPr>
-        <a:xfrm>
-          <a:off x="0" y="0"/>
-          <a:ext cx="0" cy="0"/>
-          <a:chOff x="0" y="0"/>
-          <a:chExt cx="0" cy="0"/>
-        </a:xfrm>
-      </p:grpSpPr>
-      <p:sp>
-        <p:nvSpPr>
-          <p:cNvPr id="2" name="Title 1">
-            <a:extLst>
-              <a:ext uri="{FF2B5EF4-FFF2-40B4-BE49-F238E27FC236}">
-                <a16:creationId xmlns:a16="http://schemas.microsoft.com/office/drawing/2014/main" id="{5D26BD4F-1B10-470B-B8DE-DBD962096F41}"/>
-              </a:ext>
-            </a:extLst>
-          </p:cNvPr>
-          <p:cNvSpPr>
-            <a:spLocks noGrp="1"/>
-          </p:cNvSpPr>
-          <p:nvPr>
-            <p:ph type="title"/>
-          </p:nvPr>
-        </p:nvSpPr>
-        <p:spPr/>
-        <p:txBody>
-          <a:bodyPr/>
-          <a:lstStyle/>
-          <a:p>
-            <a:endParaRPr lang="en-US"/>
-          </a:p>
-        </p:txBody>
-      </p:sp>
-      <p:pic>
-        <p:nvPicPr>
-          <p:cNvPr id="3" name="Picture 2">
-            <a:extLst>
-              <a:ext uri="{FF2B5EF4-FFF2-40B4-BE49-F238E27FC236}">
-                <a16:creationId xmlns:a16="http://schemas.microsoft.com/office/drawing/2014/main" id="{A79F8EF0-1011-4FEA-9CCD-45C44AE7B5B1}"/>
-              </a:ext>
-            </a:extLst>
-          </p:cNvPr>
-          <p:cNvPicPr/>
-          <p:nvPr/>
-        </p:nvPicPr>
-        <p:blipFill>
-          <a:blip r:embed="rId2">
-            <a:extLst>
-              <a:ext uri="{28A0092B-C50C-407E-A947-70E740481C1C}">
-                <a14:useLocalDpi xmlns:a14="http://schemas.microsoft.com/office/drawing/2010/main" val="0"/>
-              </a:ext>
-            </a:extLst>
-          </a:blip>
-          <a:srcRect/>
-          <a:stretch>
-            <a:fillRect/>
-          </a:stretch>
-        </p:blipFill>
-        <p:spPr bwMode="auto">
-          <a:xfrm>
-            <a:off x="828999" y="1295400"/>
-            <a:ext cx="7257402" cy="2286000"/>
-          </a:xfrm>
-          <a:prstGeom prst="rect">
-            <a:avLst/>
-          </a:prstGeom>
-          <a:noFill/>
-          <a:ln>
-            <a:noFill/>
-          </a:ln>
-        </p:spPr>
-      </p:pic>
       <p:pic>
         <p:nvPicPr>
           <p:cNvPr id="4" name="Picture 3">
             <a:extLst>
               <a:ext uri="{FF2B5EF4-FFF2-40B4-BE49-F238E27FC236}">
-                <a16:creationId xmlns:a16="http://schemas.microsoft.com/office/drawing/2014/main" id="{488EEBBB-BD7C-4044-879F-C6A7C386633A}"/>
+                <a16:creationId xmlns:a16="http://schemas.microsoft.com/office/drawing/2014/main" id="{43197D8F-A99F-4DD1-A829-B55F0FE98234}"/>
               </a:ext>
             </a:extLst>
           </p:cNvPr>
@@ -7706,8 +8566,47 @@
         </p:blipFill>
         <p:spPr bwMode="auto">
           <a:xfrm>
-            <a:off x="828999" y="4191000"/>
-            <a:ext cx="5760946" cy="1371600"/>
+            <a:off x="2394977" y="3124200"/>
+            <a:ext cx="6368023" cy="2005856"/>
+          </a:xfrm>
+          <a:prstGeom prst="rect">
+            <a:avLst/>
+          </a:prstGeom>
+          <a:noFill/>
+          <a:ln>
+            <a:noFill/>
+          </a:ln>
+        </p:spPr>
+      </p:pic>
+      <p:pic>
+        <p:nvPicPr>
+          <p:cNvPr id="5" name="Picture 4">
+            <a:extLst>
+              <a:ext uri="{FF2B5EF4-FFF2-40B4-BE49-F238E27FC236}">
+                <a16:creationId xmlns:a16="http://schemas.microsoft.com/office/drawing/2014/main" id="{426C7CE9-8CCC-417E-B719-531F01BD509F}"/>
+              </a:ext>
+            </a:extLst>
+          </p:cNvPr>
+          <p:cNvPicPr/>
+          <p:nvPr/>
+        </p:nvPicPr>
+        <p:blipFill>
+          <a:blip r:embed="rId4">
+            <a:extLst>
+              <a:ext uri="{28A0092B-C50C-407E-A947-70E740481C1C}">
+                <a14:useLocalDpi xmlns:a14="http://schemas.microsoft.com/office/drawing/2010/main" val="0"/>
+              </a:ext>
+            </a:extLst>
+          </a:blip>
+          <a:srcRect/>
+          <a:stretch>
+            <a:fillRect/>
+          </a:stretch>
+        </p:blipFill>
+        <p:spPr bwMode="auto">
+          <a:xfrm>
+            <a:off x="2394977" y="5394334"/>
+            <a:ext cx="4706768" cy="1120615"/>
           </a:xfrm>
           <a:prstGeom prst="rect">
             <a:avLst/>
@@ -7723,10 +8622,59 @@
           </a:ln>
         </p:spPr>
       </p:pic>
+      <p:sp>
+        <p:nvSpPr>
+          <p:cNvPr id="7" name="Arrow: Left 6">
+            <a:extLst>
+              <a:ext uri="{FF2B5EF4-FFF2-40B4-BE49-F238E27FC236}">
+                <a16:creationId xmlns:a16="http://schemas.microsoft.com/office/drawing/2014/main" id="{76B98186-CEAC-4D1F-80ED-912A4417F0E0}"/>
+              </a:ext>
+            </a:extLst>
+          </p:cNvPr>
+          <p:cNvSpPr/>
+          <p:nvPr/>
+        </p:nvSpPr>
+        <p:spPr>
+          <a:xfrm>
+            <a:off x="4547839" y="2265556"/>
+            <a:ext cx="762000" cy="304800"/>
+          </a:xfrm>
+          <a:prstGeom prst="leftArrow">
+            <a:avLst/>
+          </a:prstGeom>
+          <a:solidFill>
+            <a:schemeClr val="accent2"/>
+          </a:solidFill>
+        </p:spPr>
+        <p:style>
+          <a:lnRef idx="2">
+            <a:schemeClr val="accent1">
+              <a:shade val="50000"/>
+            </a:schemeClr>
+          </a:lnRef>
+          <a:fillRef idx="1">
+            <a:schemeClr val="accent1"/>
+          </a:fillRef>
+          <a:effectRef idx="0">
+            <a:schemeClr val="accent1"/>
+          </a:effectRef>
+          <a:fontRef idx="minor">
+            <a:schemeClr val="lt1"/>
+          </a:fontRef>
+        </p:style>
+        <p:txBody>
+          <a:bodyPr rtlCol="0" anchor="ctr"/>
+          <a:lstStyle/>
+          <a:p>
+            <a:pPr algn="ctr"/>
+            <a:endParaRPr lang="en-US"/>
+          </a:p>
+        </p:txBody>
+      </p:sp>
     </p:spTree>
     <p:extLst>
       <p:ext uri="{BB962C8B-B14F-4D97-AF65-F5344CB8AC3E}">
-        <p14:creationId xmlns:p14="http://schemas.microsoft.com/office/powerpoint/2010/main" val="3284384638"/>
+        <p14:creationId xmlns:p14="http://schemas.microsoft.com/office/powerpoint/2010/main" val="56425540"/>
       </p:ext>
     </p:extLst>
   </p:cSld>
@@ -7736,7 +8684,7 @@
 </p:sld>
 </file>
 
-<file path=ppt/slides/slide33.xml><?xml version="1.0" encoding="utf-8"?>
+<file path=ppt/slides/slide34.xml><?xml version="1.0" encoding="utf-8"?>
 <p:sld xmlns:a="http://schemas.openxmlformats.org/drawingml/2006/main" xmlns:r="http://schemas.openxmlformats.org/officeDocument/2006/relationships" xmlns:p="http://schemas.openxmlformats.org/presentationml/2006/main">
   <p:cSld>
     <p:spTree>
@@ -7774,16 +8722,19 @@
           <a:bodyPr/>
           <a:lstStyle/>
           <a:p>
-            <a:endParaRPr lang="en-US"/>
+            <a:r>
+              <a:rPr lang="en-US" dirty="0"/>
+              <a:t>Implementing an Application Customizer</a:t>
+            </a:r>
           </a:p>
         </p:txBody>
       </p:sp>
       <p:pic>
         <p:nvPicPr>
-          <p:cNvPr id="3" name="Picture 2">
+          <p:cNvPr id="5" name="Picture 4">
             <a:extLst>
               <a:ext uri="{FF2B5EF4-FFF2-40B4-BE49-F238E27FC236}">
-                <a16:creationId xmlns:a16="http://schemas.microsoft.com/office/drawing/2014/main" id="{C2337E9A-B4A9-46A7-A410-AA6A4249596F}"/>
+                <a16:creationId xmlns:a16="http://schemas.microsoft.com/office/drawing/2014/main" id="{A907828D-32CA-4AFD-A610-3849FD027B8D}"/>
               </a:ext>
             </a:extLst>
           </p:cNvPr>
@@ -7800,58 +8751,12 @@
         </p:blipFill>
         <p:spPr>
           <a:xfrm>
-            <a:off x="486937" y="1212695"/>
-            <a:ext cx="6781800" cy="966704"/>
+            <a:off x="381000" y="1219200"/>
+            <a:ext cx="7620000" cy="5374019"/>
           </a:xfrm>
           <a:prstGeom prst="rect">
             <a:avLst/>
           </a:prstGeom>
-          <a:ln>
-            <a:solidFill>
-              <a:schemeClr val="tx1">
-                <a:lumMod val="50000"/>
-                <a:lumOff val="50000"/>
-              </a:schemeClr>
-            </a:solidFill>
-          </a:ln>
-        </p:spPr>
-      </p:pic>
-      <p:pic>
-        <p:nvPicPr>
-          <p:cNvPr id="4" name="Picture 3">
-            <a:extLst>
-              <a:ext uri="{FF2B5EF4-FFF2-40B4-BE49-F238E27FC236}">
-                <a16:creationId xmlns:a16="http://schemas.microsoft.com/office/drawing/2014/main" id="{64372097-405A-4A83-9367-203A14F31282}"/>
-              </a:ext>
-            </a:extLst>
-          </p:cNvPr>
-          <p:cNvPicPr>
-            <a:picLocks noChangeAspect="1"/>
-          </p:cNvPicPr>
-          <p:nvPr/>
-        </p:nvPicPr>
-        <p:blipFill>
-          <a:blip r:embed="rId3"/>
-          <a:stretch>
-            <a:fillRect/>
-          </a:stretch>
-        </p:blipFill>
-        <p:spPr>
-          <a:xfrm>
-            <a:off x="486937" y="2490704"/>
-            <a:ext cx="7132319" cy="4114800"/>
-          </a:xfrm>
-          <a:prstGeom prst="rect">
-            <a:avLst/>
-          </a:prstGeom>
-          <a:ln>
-            <a:solidFill>
-              <a:schemeClr val="tx1">
-                <a:lumMod val="50000"/>
-                <a:lumOff val="50000"/>
-              </a:schemeClr>
-            </a:solidFill>
-          </a:ln>
         </p:spPr>
       </p:pic>
     </p:spTree>
@@ -7867,7 +8772,95 @@
 </p:sld>
 </file>
 
-<file path=ppt/slides/slide34.xml><?xml version="1.0" encoding="utf-8"?>
+<file path=ppt/slides/slide35.xml><?xml version="1.0" encoding="utf-8"?>
+<p:sld xmlns:a="http://schemas.openxmlformats.org/drawingml/2006/main" xmlns:r="http://schemas.openxmlformats.org/officeDocument/2006/relationships" xmlns:p="http://schemas.openxmlformats.org/presentationml/2006/main">
+  <p:cSld>
+    <p:spTree>
+      <p:nvGrpSpPr>
+        <p:cNvPr id="1" name=""/>
+        <p:cNvGrpSpPr/>
+        <p:nvPr/>
+      </p:nvGrpSpPr>
+      <p:grpSpPr>
+        <a:xfrm>
+          <a:off x="0" y="0"/>
+          <a:ext cx="0" cy="0"/>
+          <a:chOff x="0" y="0"/>
+          <a:chExt cx="0" cy="0"/>
+        </a:xfrm>
+      </p:grpSpPr>
+      <p:sp>
+        <p:nvSpPr>
+          <p:cNvPr id="2" name="Title 1">
+            <a:extLst>
+              <a:ext uri="{FF2B5EF4-FFF2-40B4-BE49-F238E27FC236}">
+                <a16:creationId xmlns:a16="http://schemas.microsoft.com/office/drawing/2014/main" id="{5C4109DF-2635-4F50-A2FD-E528FBD8183C}"/>
+              </a:ext>
+            </a:extLst>
+          </p:cNvPr>
+          <p:cNvSpPr>
+            <a:spLocks noGrp="1"/>
+          </p:cNvSpPr>
+          <p:nvPr>
+            <p:ph type="title"/>
+          </p:nvPr>
+        </p:nvSpPr>
+        <p:spPr/>
+        <p:txBody>
+          <a:bodyPr/>
+          <a:lstStyle/>
+          <a:p>
+            <a:r>
+              <a:rPr lang="en-US" dirty="0"/>
+              <a:t>Rendering Content into Placeholders</a:t>
+            </a:r>
+          </a:p>
+        </p:txBody>
+      </p:sp>
+      <p:pic>
+        <p:nvPicPr>
+          <p:cNvPr id="3" name="Picture 2">
+            <a:extLst>
+              <a:ext uri="{FF2B5EF4-FFF2-40B4-BE49-F238E27FC236}">
+                <a16:creationId xmlns:a16="http://schemas.microsoft.com/office/drawing/2014/main" id="{2F944A1D-F885-4A67-B3BF-5F32F21F3F4F}"/>
+              </a:ext>
+            </a:extLst>
+          </p:cNvPr>
+          <p:cNvPicPr>
+            <a:picLocks noChangeAspect="1"/>
+          </p:cNvPicPr>
+          <p:nvPr/>
+        </p:nvPicPr>
+        <p:blipFill>
+          <a:blip r:embed="rId2"/>
+          <a:stretch>
+            <a:fillRect/>
+          </a:stretch>
+        </p:blipFill>
+        <p:spPr>
+          <a:xfrm>
+            <a:off x="163551" y="1066800"/>
+            <a:ext cx="8001000" cy="5585185"/>
+          </a:xfrm>
+          <a:prstGeom prst="rect">
+            <a:avLst/>
+          </a:prstGeom>
+        </p:spPr>
+      </p:pic>
+    </p:spTree>
+    <p:extLst>
+      <p:ext uri="{BB962C8B-B14F-4D97-AF65-F5344CB8AC3E}">
+        <p14:creationId xmlns:p14="http://schemas.microsoft.com/office/powerpoint/2010/main" val="384774696"/>
+      </p:ext>
+    </p:extLst>
+  </p:cSld>
+  <p:clrMapOvr>
+    <a:masterClrMapping/>
+  </p:clrMapOvr>
+</p:sld>
+</file>
+
+<file path=ppt/slides/slide36.xml><?xml version="1.0" encoding="utf-8"?>
 <p:sld xmlns:a="http://schemas.openxmlformats.org/drawingml/2006/main" xmlns:r="http://schemas.openxmlformats.org/officeDocument/2006/relationships" xmlns:p="http://schemas.openxmlformats.org/presentationml/2006/main">
   <p:cSld>
     <p:spTree>
@@ -7905,7 +8898,80 @@
           <a:bodyPr/>
           <a:lstStyle/>
           <a:p>
-            <a:endParaRPr lang="en-US"/>
+            <a:r>
+              <a:rPr lang="en-US" dirty="0"/>
+              <a:t>Debugging an Application Customizer</a:t>
+            </a:r>
+          </a:p>
+        </p:txBody>
+      </p:sp>
+      <p:sp>
+        <p:nvSpPr>
+          <p:cNvPr id="5" name="Content Placeholder 4">
+            <a:extLst>
+              <a:ext uri="{FF2B5EF4-FFF2-40B4-BE49-F238E27FC236}">
+                <a16:creationId xmlns:a16="http://schemas.microsoft.com/office/drawing/2014/main" id="{2C0FCC8F-E705-4A0A-BD88-DEEF9E54020F}"/>
+              </a:ext>
+            </a:extLst>
+          </p:cNvPr>
+          <p:cNvSpPr>
+            <a:spLocks noGrp="1"/>
+          </p:cNvSpPr>
+          <p:nvPr>
+            <p:ph idx="1"/>
+          </p:nvPr>
+        </p:nvSpPr>
+        <p:spPr/>
+        <p:txBody>
+          <a:bodyPr>
+            <a:normAutofit/>
+          </a:bodyPr>
+          <a:lstStyle/>
+          <a:p>
+            <a:r>
+              <a:rPr lang="en-US" sz="2400" dirty="0"/>
+              <a:t>You must build debug URL with query string parameters</a:t>
+            </a:r>
+          </a:p>
+          <a:p>
+            <a:pPr lvl="1"/>
+            <a:r>
+              <a:rPr lang="en-US" sz="2000" dirty="0"/>
+              <a:t>You must add GUID which is application customizer ID</a:t>
+            </a:r>
+          </a:p>
+          <a:p>
+            <a:pPr lvl="1"/>
+            <a:endParaRPr lang="en-US" sz="2000" dirty="0"/>
+          </a:p>
+          <a:p>
+            <a:pPr lvl="1"/>
+            <a:endParaRPr lang="en-US" sz="2000" dirty="0"/>
+          </a:p>
+          <a:p>
+            <a:pPr lvl="1"/>
+            <a:endParaRPr lang="en-US" sz="2000" dirty="0"/>
+          </a:p>
+          <a:p>
+            <a:pPr lvl="1"/>
+            <a:endParaRPr lang="en-US" sz="2000" dirty="0"/>
+          </a:p>
+          <a:p>
+            <a:endParaRPr lang="en-US" sz="2400" dirty="0"/>
+          </a:p>
+          <a:p>
+            <a:endParaRPr lang="en-US" sz="2400" dirty="0"/>
+          </a:p>
+          <a:p>
+            <a:pPr lvl="1"/>
+            <a:r>
+              <a:rPr lang="en-US" sz="2000" dirty="0"/>
+              <a:t>Next, you copy and paste URL into browser address bar</a:t>
+            </a:r>
+          </a:p>
+          <a:p>
+            <a:pPr lvl="1"/>
+            <a:endParaRPr lang="en-US" sz="2000" dirty="0"/>
           </a:p>
         </p:txBody>
       </p:sp>
@@ -7936,8 +9002,8 @@
         </p:blipFill>
         <p:spPr bwMode="auto">
           <a:xfrm>
-            <a:off x="914400" y="1524000"/>
-            <a:ext cx="6558390" cy="1905000"/>
+            <a:off x="1143000" y="2362200"/>
+            <a:ext cx="7345397" cy="2133600"/>
           </a:xfrm>
           <a:prstGeom prst="rect">
             <a:avLst/>
@@ -7978,8 +9044,8 @@
         </p:blipFill>
         <p:spPr bwMode="auto">
           <a:xfrm>
-            <a:off x="381000" y="3962400"/>
-            <a:ext cx="8153400" cy="762000"/>
+            <a:off x="1143000" y="5181600"/>
+            <a:ext cx="7620000" cy="609600"/>
           </a:xfrm>
           <a:prstGeom prst="rect">
             <a:avLst/>
@@ -8008,7 +9074,7 @@
 </p:sld>
 </file>
 
-<file path=ppt/slides/slide35.xml><?xml version="1.0" encoding="utf-8"?>
+<file path=ppt/slides/slide37.xml><?xml version="1.0" encoding="utf-8"?>
 <p:sld xmlns:a="http://schemas.openxmlformats.org/drawingml/2006/main" xmlns:r="http://schemas.openxmlformats.org/officeDocument/2006/relationships" xmlns:p="http://schemas.openxmlformats.org/presentationml/2006/main">
   <p:cSld>
     <p:spTree>
@@ -8046,7 +9112,10 @@
           <a:bodyPr/>
           <a:lstStyle/>
           <a:p>
-            <a:endParaRPr lang="en-US"/>
+            <a:r>
+              <a:rPr lang="en-US" dirty="0"/>
+              <a:t>Testing the Application Customizer</a:t>
+            </a:r>
           </a:p>
         </p:txBody>
       </p:sp>
@@ -8075,8 +9144,8 @@
         </p:blipFill>
         <p:spPr bwMode="auto">
           <a:xfrm>
-            <a:off x="609600" y="1390185"/>
-            <a:ext cx="4258587" cy="2191215"/>
+            <a:off x="381000" y="1278931"/>
+            <a:ext cx="4114800" cy="1705887"/>
           </a:xfrm>
           <a:prstGeom prst="rect">
             <a:avLst/>
@@ -8123,8 +9192,8 @@
         </p:blipFill>
         <p:spPr bwMode="auto">
           <a:xfrm>
-            <a:off x="609600" y="3962400"/>
-            <a:ext cx="5416882" cy="2191215"/>
+            <a:off x="388434" y="3344187"/>
+            <a:ext cx="8100051" cy="3276600"/>
           </a:xfrm>
           <a:prstGeom prst="rect">
             <a:avLst/>
@@ -8153,7 +9222,7 @@
 </p:sld>
 </file>
 
-<file path=ppt/slides/slide36.xml><?xml version="1.0" encoding="utf-8"?>
+<file path=ppt/slides/slide38.xml><?xml version="1.0" encoding="utf-8"?>
 <p:sld xmlns:a="http://schemas.openxmlformats.org/drawingml/2006/main" xmlns:r="http://schemas.openxmlformats.org/officeDocument/2006/relationships" xmlns:p="http://schemas.openxmlformats.org/presentationml/2006/main">
   <p:cSld>
     <p:spTree>
@@ -8302,7 +9371,13 @@
       </p:grpSpPr>
       <p:sp>
         <p:nvSpPr>
-          <p:cNvPr id="2" name="Title 1"/>
+          <p:cNvPr id="2" name="Title 1">
+            <a:extLst>
+              <a:ext uri="{FF2B5EF4-FFF2-40B4-BE49-F238E27FC236}">
+                <a16:creationId xmlns:a16="http://schemas.microsoft.com/office/drawing/2014/main" id="{E4F6ED2E-A0D4-4D8A-8F25-8AA9E58EEC23}"/>
+              </a:ext>
+            </a:extLst>
+          </p:cNvPr>
           <p:cNvSpPr>
             <a:spLocks noGrp="1"/>
           </p:cNvSpPr>
@@ -8317,22 +9392,20 @@
           <a:p>
             <a:r>
               <a:rPr lang="en-US" dirty="0"/>
-              <a:t>What is </a:t>
-            </a:r>
-            <a:r>
-              <a:rPr lang="en-US" dirty="0" err="1"/>
-              <a:t>SPFx</a:t>
-            </a:r>
-            <a:r>
-              <a:rPr lang="en-US" dirty="0"/>
-              <a:t>?</a:t>
+              <a:t>SharePoint Framework (SPFx)</a:t>
             </a:r>
           </a:p>
         </p:txBody>
       </p:sp>
       <p:sp>
         <p:nvSpPr>
-          <p:cNvPr id="3" name="Content Placeholder 2"/>
+          <p:cNvPr id="3" name="Content Placeholder 2">
+            <a:extLst>
+              <a:ext uri="{FF2B5EF4-FFF2-40B4-BE49-F238E27FC236}">
+                <a16:creationId xmlns:a16="http://schemas.microsoft.com/office/drawing/2014/main" id="{340F4EE6-7A06-463A-B0B3-84AD5C723CC6}"/>
+              </a:ext>
+            </a:extLst>
+          </p:cNvPr>
           <p:cNvSpPr>
             <a:spLocks noGrp="1"/>
           </p:cNvSpPr>
@@ -8349,56 +9422,69 @@
           <a:p>
             <a:r>
               <a:rPr lang="en-US" sz="2400" dirty="0"/>
-              <a:t>Development model based on pages and web parts</a:t>
+              <a:t>Getting Started with the SharePoint Framework </a:t>
             </a:r>
           </a:p>
           <a:p>
             <a:pPr lvl="1"/>
             <a:r>
               <a:rPr lang="en-US" sz="2000" dirty="0"/>
-              <a:t>Based on client-side development with JavaScript or TypeScript</a:t>
+              <a:t>Your write your logic using client-side TypeScript code</a:t>
             </a:r>
           </a:p>
           <a:p>
             <a:pPr lvl="1"/>
             <a:r>
               <a:rPr lang="en-US" sz="2000" dirty="0"/>
-              <a:t>Code runs with authenticated identity of current user</a:t>
+              <a:t>You can use any JavaScript libraries (e.g. React, Knockout, etc.)</a:t>
             </a:r>
           </a:p>
           <a:p>
             <a:pPr lvl="1"/>
             <a:r>
               <a:rPr lang="en-US" sz="2000" dirty="0"/>
-              <a:t>Easy access to SharePoint and Office 365 content and data</a:t>
+              <a:t>Your code runs under the identity of the current user</a:t>
             </a:r>
           </a:p>
           <a:p>
             <a:pPr lvl="1"/>
             <a:r>
               <a:rPr lang="en-US" sz="2000" dirty="0"/>
-              <a:t>Developer tools designed to support cross-platform development</a:t>
+              <a:t>You don't worry about authenticating the user - it's already done</a:t>
             </a:r>
           </a:p>
           <a:p>
             <a:pPr lvl="1"/>
             <a:r>
               <a:rPr lang="en-US" sz="2000" dirty="0"/>
-              <a:t>Great support for targeting mobile devices</a:t>
+              <a:t>You can leverage the APIs added by SharePoint Framework</a:t>
+            </a:r>
+          </a:p>
+          <a:p>
+            <a:pPr lvl="1"/>
+            <a:r>
+              <a:rPr lang="en-US" sz="2000" dirty="0"/>
+              <a:t>You create components like webparts and application customizers</a:t>
             </a:r>
           </a:p>
         </p:txBody>
       </p:sp>
       <p:sp>
         <p:nvSpPr>
-          <p:cNvPr id="4" name="Rectangle 3"/>
+          <p:cNvPr id="6" name="Rectangle 5">
+            <a:extLst>
+              <a:ext uri="{FF2B5EF4-FFF2-40B4-BE49-F238E27FC236}">
+                <a16:creationId xmlns:a16="http://schemas.microsoft.com/office/drawing/2014/main" id="{7DE8A1AE-AE0C-4808-A119-A5B4921902F6}"/>
+              </a:ext>
+            </a:extLst>
+          </p:cNvPr>
           <p:cNvSpPr/>
           <p:nvPr/>
         </p:nvSpPr>
         <p:spPr>
           <a:xfrm>
-            <a:off x="1295400" y="3903785"/>
-            <a:ext cx="6096000" cy="2573215"/>
+            <a:off x="1219200" y="4352192"/>
+            <a:ext cx="6019800" cy="2116015"/>
           </a:xfrm>
           <a:prstGeom prst="rect">
             <a:avLst/>
@@ -8448,13 +9534,19 @@
       </p:sp>
       <p:sp>
         <p:nvSpPr>
-          <p:cNvPr id="5" name="Rectangle 4"/>
+          <p:cNvPr id="7" name="Rectangle 6">
+            <a:extLst>
+              <a:ext uri="{FF2B5EF4-FFF2-40B4-BE49-F238E27FC236}">
+                <a16:creationId xmlns:a16="http://schemas.microsoft.com/office/drawing/2014/main" id="{C79EFEE8-4EF1-45AE-8B0D-A22DA2C63B4A}"/>
+              </a:ext>
+            </a:extLst>
+          </p:cNvPr>
           <p:cNvSpPr/>
           <p:nvPr/>
         </p:nvSpPr>
         <p:spPr>
           <a:xfrm>
-            <a:off x="1524000" y="4100147"/>
+            <a:off x="1447800" y="4548554"/>
             <a:ext cx="2667000" cy="762000"/>
           </a:xfrm>
           <a:prstGeom prst="rect">
@@ -8499,20 +9591,26 @@
                   <a:schemeClr val="tx1"/>
                 </a:solidFill>
               </a:rPr>
-              <a:t>Client-side Web Part 1</a:t>
+              <a:t>SPFx Component 1</a:t>
             </a:r>
           </a:p>
         </p:txBody>
       </p:sp>
       <p:sp>
         <p:nvSpPr>
-          <p:cNvPr id="7" name="Rectangle 6"/>
+          <p:cNvPr id="8" name="Rectangle 7">
+            <a:extLst>
+              <a:ext uri="{FF2B5EF4-FFF2-40B4-BE49-F238E27FC236}">
+                <a16:creationId xmlns:a16="http://schemas.microsoft.com/office/drawing/2014/main" id="{3C275B10-B2BE-43D7-BC1C-3FAFE926A10D}"/>
+              </a:ext>
+            </a:extLst>
+          </p:cNvPr>
           <p:cNvSpPr/>
           <p:nvPr/>
         </p:nvSpPr>
         <p:spPr>
           <a:xfrm>
-            <a:off x="1524000" y="4862147"/>
+            <a:off x="1447800" y="5310554"/>
             <a:ext cx="2667000" cy="359019"/>
           </a:xfrm>
           <a:prstGeom prst="rect">
@@ -8564,13 +9662,19 @@
       </p:sp>
       <p:sp>
         <p:nvSpPr>
-          <p:cNvPr id="8" name="Rectangle 7"/>
+          <p:cNvPr id="9" name="Rectangle 8">
+            <a:extLst>
+              <a:ext uri="{FF2B5EF4-FFF2-40B4-BE49-F238E27FC236}">
+                <a16:creationId xmlns:a16="http://schemas.microsoft.com/office/drawing/2014/main" id="{8E66120E-97F2-4998-88A1-73E54BAFE334}"/>
+              </a:ext>
+            </a:extLst>
+          </p:cNvPr>
           <p:cNvSpPr/>
           <p:nvPr/>
         </p:nvSpPr>
         <p:spPr>
           <a:xfrm>
-            <a:off x="1524000" y="5221166"/>
+            <a:off x="1447800" y="5669573"/>
             <a:ext cx="2667000" cy="359019"/>
           </a:xfrm>
           <a:prstGeom prst="rect">
@@ -8622,13 +9726,83 @@
       </p:sp>
       <p:sp>
         <p:nvSpPr>
-          <p:cNvPr id="11" name="Rectangle 10"/>
+          <p:cNvPr id="11" name="Rectangle 10">
+            <a:extLst>
+              <a:ext uri="{FF2B5EF4-FFF2-40B4-BE49-F238E27FC236}">
+                <a16:creationId xmlns:a16="http://schemas.microsoft.com/office/drawing/2014/main" id="{4BDDD60D-D739-4DF5-90E0-478C9E993288}"/>
+              </a:ext>
+            </a:extLst>
+          </p:cNvPr>
           <p:cNvSpPr/>
           <p:nvPr/>
         </p:nvSpPr>
         <p:spPr>
           <a:xfrm>
-            <a:off x="1524000" y="5580185"/>
+            <a:off x="4343400" y="4552950"/>
+            <a:ext cx="2667000" cy="762000"/>
+          </a:xfrm>
+          <a:prstGeom prst="rect">
+            <a:avLst/>
+          </a:prstGeom>
+          <a:solidFill>
+            <a:schemeClr val="accent2">
+              <a:lumMod val="40000"/>
+              <a:lumOff val="60000"/>
+            </a:schemeClr>
+          </a:solidFill>
+          <a:ln w="12700">
+            <a:solidFill>
+              <a:schemeClr val="tx1"/>
+            </a:solidFill>
+          </a:ln>
+        </p:spPr>
+        <p:style>
+          <a:lnRef idx="2">
+            <a:schemeClr val="accent1">
+              <a:shade val="50000"/>
+            </a:schemeClr>
+          </a:lnRef>
+          <a:fillRef idx="1">
+            <a:schemeClr val="accent1"/>
+          </a:fillRef>
+          <a:effectRef idx="0">
+            <a:schemeClr val="accent1"/>
+          </a:effectRef>
+          <a:fontRef idx="minor">
+            <a:schemeClr val="lt1"/>
+          </a:fontRef>
+        </p:style>
+        <p:txBody>
+          <a:bodyPr rtlCol="0" anchor="ctr"/>
+          <a:lstStyle/>
+          <a:p>
+            <a:pPr algn="ctr"/>
+            <a:r>
+              <a:rPr lang="en-US" dirty="0">
+                <a:solidFill>
+                  <a:schemeClr val="tx1"/>
+                </a:solidFill>
+              </a:rPr>
+              <a:t>SPFx Component 2</a:t>
+            </a:r>
+          </a:p>
+        </p:txBody>
+      </p:sp>
+      <p:sp>
+        <p:nvSpPr>
+          <p:cNvPr id="12" name="Rectangle 11">
+            <a:extLst>
+              <a:ext uri="{FF2B5EF4-FFF2-40B4-BE49-F238E27FC236}">
+                <a16:creationId xmlns:a16="http://schemas.microsoft.com/office/drawing/2014/main" id="{36E26C1D-7657-4F3D-B603-EF3CA6B88CAC}"/>
+              </a:ext>
+            </a:extLst>
+          </p:cNvPr>
+          <p:cNvSpPr/>
+          <p:nvPr/>
+        </p:nvSpPr>
+        <p:spPr>
+          <a:xfrm>
+            <a:off x="4343400" y="5314950"/>
             <a:ext cx="2667000" cy="359019"/>
           </a:xfrm>
           <a:prstGeom prst="rect">
@@ -8673,78 +9847,26 @@
                   <a:schemeClr val="tx1"/>
                 </a:solidFill>
               </a:rPr>
-              <a:t>SharePoint REST API</a:t>
+              <a:t>TypeScript</a:t>
             </a:r>
           </a:p>
         </p:txBody>
       </p:sp>
       <p:sp>
         <p:nvSpPr>
-          <p:cNvPr id="14" name="Rectangle 13"/>
+          <p:cNvPr id="13" name="Rectangle 12">
+            <a:extLst>
+              <a:ext uri="{FF2B5EF4-FFF2-40B4-BE49-F238E27FC236}">
+                <a16:creationId xmlns:a16="http://schemas.microsoft.com/office/drawing/2014/main" id="{CF9E2B7E-1F98-436D-ADD2-E1875DC56EB9}"/>
+              </a:ext>
+            </a:extLst>
+          </p:cNvPr>
           <p:cNvSpPr/>
           <p:nvPr/>
         </p:nvSpPr>
         <p:spPr>
           <a:xfrm>
-            <a:off x="4419600" y="4104543"/>
-            <a:ext cx="2667000" cy="762000"/>
-          </a:xfrm>
-          <a:prstGeom prst="rect">
-            <a:avLst/>
-          </a:prstGeom>
-          <a:solidFill>
-            <a:schemeClr val="accent2">
-              <a:lumMod val="40000"/>
-              <a:lumOff val="60000"/>
-            </a:schemeClr>
-          </a:solidFill>
-          <a:ln w="12700">
-            <a:solidFill>
-              <a:schemeClr val="tx1"/>
-            </a:solidFill>
-          </a:ln>
-        </p:spPr>
-        <p:style>
-          <a:lnRef idx="2">
-            <a:schemeClr val="accent1">
-              <a:shade val="50000"/>
-            </a:schemeClr>
-          </a:lnRef>
-          <a:fillRef idx="1">
-            <a:schemeClr val="accent1"/>
-          </a:fillRef>
-          <a:effectRef idx="0">
-            <a:schemeClr val="accent1"/>
-          </a:effectRef>
-          <a:fontRef idx="minor">
-            <a:schemeClr val="lt1"/>
-          </a:fontRef>
-        </p:style>
-        <p:txBody>
-          <a:bodyPr rtlCol="0" anchor="ctr"/>
-          <a:lstStyle/>
-          <a:p>
-            <a:pPr algn="ctr"/>
-            <a:r>
-              <a:rPr lang="en-US" dirty="0">
-                <a:solidFill>
-                  <a:schemeClr val="tx1"/>
-                </a:solidFill>
-              </a:rPr>
-              <a:t>Client-side Web Part 2</a:t>
-            </a:r>
-          </a:p>
-        </p:txBody>
-      </p:sp>
-      <p:sp>
-        <p:nvSpPr>
-          <p:cNvPr id="15" name="Rectangle 14"/>
-          <p:cNvSpPr/>
-          <p:nvPr/>
-        </p:nvSpPr>
-        <p:spPr>
-          <a:xfrm>
-            <a:off x="4419600" y="4866543"/>
+            <a:off x="4343400" y="5673969"/>
             <a:ext cx="2667000" cy="359019"/>
           </a:xfrm>
           <a:prstGeom prst="rect">
@@ -8789,123 +9911,7 @@
                   <a:schemeClr val="tx1"/>
                 </a:solidFill>
               </a:rPr>
-              <a:t>TypeScript</a:t>
-            </a:r>
-          </a:p>
-        </p:txBody>
-      </p:sp>
-      <p:sp>
-        <p:nvSpPr>
-          <p:cNvPr id="16" name="Rectangle 15"/>
-          <p:cNvSpPr/>
-          <p:nvPr/>
-        </p:nvSpPr>
-        <p:spPr>
-          <a:xfrm>
-            <a:off x="4419600" y="5225562"/>
-            <a:ext cx="2667000" cy="359019"/>
-          </a:xfrm>
-          <a:prstGeom prst="rect">
-            <a:avLst/>
-          </a:prstGeom>
-          <a:solidFill>
-            <a:schemeClr val="accent2">
-              <a:lumMod val="60000"/>
-              <a:lumOff val="40000"/>
-            </a:schemeClr>
-          </a:solidFill>
-          <a:ln w="12700">
-            <a:solidFill>
-              <a:schemeClr val="tx1"/>
-            </a:solidFill>
-          </a:ln>
-        </p:spPr>
-        <p:style>
-          <a:lnRef idx="2">
-            <a:schemeClr val="accent1">
-              <a:shade val="50000"/>
-            </a:schemeClr>
-          </a:lnRef>
-          <a:fillRef idx="1">
-            <a:schemeClr val="accent1"/>
-          </a:fillRef>
-          <a:effectRef idx="0">
-            <a:schemeClr val="accent1"/>
-          </a:effectRef>
-          <a:fontRef idx="minor">
-            <a:schemeClr val="lt1"/>
-          </a:fontRef>
-        </p:style>
-        <p:txBody>
-          <a:bodyPr rtlCol="0" anchor="ctr"/>
-          <a:lstStyle/>
-          <a:p>
-            <a:pPr algn="ctr"/>
-            <a:r>
-              <a:rPr lang="en-US" sz="1200" b="1" dirty="0">
-                <a:solidFill>
-                  <a:schemeClr val="tx1"/>
-                </a:solidFill>
-              </a:rPr>
               <a:t>React</a:t>
-            </a:r>
-          </a:p>
-        </p:txBody>
-      </p:sp>
-      <p:sp>
-        <p:nvSpPr>
-          <p:cNvPr id="17" name="Rectangle 16"/>
-          <p:cNvSpPr/>
-          <p:nvPr/>
-        </p:nvSpPr>
-        <p:spPr>
-          <a:xfrm>
-            <a:off x="4419600" y="5584581"/>
-            <a:ext cx="2667000" cy="359019"/>
-          </a:xfrm>
-          <a:prstGeom prst="rect">
-            <a:avLst/>
-          </a:prstGeom>
-          <a:solidFill>
-            <a:schemeClr val="accent2">
-              <a:lumMod val="60000"/>
-              <a:lumOff val="40000"/>
-            </a:schemeClr>
-          </a:solidFill>
-          <a:ln w="12700">
-            <a:solidFill>
-              <a:schemeClr val="tx1"/>
-            </a:solidFill>
-          </a:ln>
-        </p:spPr>
-        <p:style>
-          <a:lnRef idx="2">
-            <a:schemeClr val="accent1">
-              <a:shade val="50000"/>
-            </a:schemeClr>
-          </a:lnRef>
-          <a:fillRef idx="1">
-            <a:schemeClr val="accent1"/>
-          </a:fillRef>
-          <a:effectRef idx="0">
-            <a:schemeClr val="accent1"/>
-          </a:effectRef>
-          <a:fontRef idx="minor">
-            <a:schemeClr val="lt1"/>
-          </a:fontRef>
-        </p:style>
-        <p:txBody>
-          <a:bodyPr rtlCol="0" anchor="ctr"/>
-          <a:lstStyle/>
-          <a:p>
-            <a:pPr algn="ctr"/>
-            <a:r>
-              <a:rPr lang="en-US" sz="1200" b="1" dirty="0">
-                <a:solidFill>
-                  <a:schemeClr val="tx1"/>
-                </a:solidFill>
-              </a:rPr>
-              <a:t>Microsoft Graph API</a:t>
             </a:r>
           </a:p>
         </p:txBody>
@@ -8913,7 +9919,7 @@
     </p:spTree>
     <p:extLst>
       <p:ext uri="{BB962C8B-B14F-4D97-AF65-F5344CB8AC3E}">
-        <p14:creationId xmlns:p14="http://schemas.microsoft.com/office/powerpoint/2010/main" val="1508206866"/>
+        <p14:creationId xmlns:p14="http://schemas.microsoft.com/office/powerpoint/2010/main" val="383691478"/>
       </p:ext>
     </p:extLst>
   </p:cSld>
@@ -8954,7 +9960,7 @@
                                           </p:stCondLst>
                                         </p:cTn>
                                         <p:tgtEl>
-                                          <p:spTgt spid="4"/>
+                                          <p:spTgt spid="6"/>
                                         </p:tgtEl>
                                         <p:attrNameLst>
                                           <p:attrName>style.visibility</p:attrName>
@@ -8999,7 +10005,7 @@
                                           </p:stCondLst>
                                         </p:cTn>
                                         <p:tgtEl>
-                                          <p:spTgt spid="5"/>
+                                          <p:spTgt spid="7"/>
                                         </p:tgtEl>
                                         <p:attrNameLst>
                                           <p:attrName>style.visibility</p:attrName>
@@ -9044,7 +10050,7 @@
                                           </p:stCondLst>
                                         </p:cTn>
                                         <p:tgtEl>
-                                          <p:spTgt spid="7"/>
+                                          <p:spTgt spid="8"/>
                                         </p:tgtEl>
                                         <p:attrNameLst>
                                           <p:attrName>style.visibility</p:attrName>
@@ -9089,7 +10095,7 @@
                                           </p:stCondLst>
                                         </p:cTn>
                                         <p:tgtEl>
-                                          <p:spTgt spid="8"/>
+                                          <p:spTgt spid="9"/>
                                         </p:tgtEl>
                                         <p:attrNameLst>
                                           <p:attrName>style.visibility</p:attrName>
@@ -9179,7 +10185,7 @@
                                           </p:stCondLst>
                                         </p:cTn>
                                         <p:tgtEl>
-                                          <p:spTgt spid="14"/>
+                                          <p:spTgt spid="12"/>
                                         </p:tgtEl>
                                         <p:attrNameLst>
                                           <p:attrName>style.visibility</p:attrName>
@@ -9224,97 +10230,7 @@
                                           </p:stCondLst>
                                         </p:cTn>
                                         <p:tgtEl>
-                                          <p:spTgt spid="15"/>
-                                        </p:tgtEl>
-                                        <p:attrNameLst>
-                                          <p:attrName>style.visibility</p:attrName>
-                                        </p:attrNameLst>
-                                      </p:cBhvr>
-                                      <p:to>
-                                        <p:strVal val="visible"/>
-                                      </p:to>
-                                    </p:set>
-                                  </p:childTnLst>
-                                </p:cTn>
-                              </p:par>
-                            </p:childTnLst>
-                          </p:cTn>
-                        </p:par>
-                      </p:childTnLst>
-                    </p:cTn>
-                  </p:par>
-                  <p:par>
-                    <p:cTn id="31" fill="hold">
-                      <p:stCondLst>
-                        <p:cond delay="indefinite"/>
-                      </p:stCondLst>
-                      <p:childTnLst>
-                        <p:par>
-                          <p:cTn id="32" fill="hold">
-                            <p:stCondLst>
-                              <p:cond delay="0"/>
-                            </p:stCondLst>
-                            <p:childTnLst>
-                              <p:par>
-                                <p:cTn id="33" presetID="1" presetClass="entr" presetSubtype="0" fill="hold" grpId="0" nodeType="clickEffect">
-                                  <p:stCondLst>
-                                    <p:cond delay="0"/>
-                                  </p:stCondLst>
-                                  <p:childTnLst>
-                                    <p:set>
-                                      <p:cBhvr>
-                                        <p:cTn id="34" dur="1" fill="hold">
-                                          <p:stCondLst>
-                                            <p:cond delay="0"/>
-                                          </p:stCondLst>
-                                        </p:cTn>
-                                        <p:tgtEl>
-                                          <p:spTgt spid="16"/>
-                                        </p:tgtEl>
-                                        <p:attrNameLst>
-                                          <p:attrName>style.visibility</p:attrName>
-                                        </p:attrNameLst>
-                                      </p:cBhvr>
-                                      <p:to>
-                                        <p:strVal val="visible"/>
-                                      </p:to>
-                                    </p:set>
-                                  </p:childTnLst>
-                                </p:cTn>
-                              </p:par>
-                            </p:childTnLst>
-                          </p:cTn>
-                        </p:par>
-                      </p:childTnLst>
-                    </p:cTn>
-                  </p:par>
-                  <p:par>
-                    <p:cTn id="35" fill="hold">
-                      <p:stCondLst>
-                        <p:cond delay="indefinite"/>
-                      </p:stCondLst>
-                      <p:childTnLst>
-                        <p:par>
-                          <p:cTn id="36" fill="hold">
-                            <p:stCondLst>
-                              <p:cond delay="0"/>
-                            </p:stCondLst>
-                            <p:childTnLst>
-                              <p:par>
-                                <p:cTn id="37" presetID="1" presetClass="entr" presetSubtype="0" fill="hold" grpId="0" nodeType="clickEffect">
-                                  <p:stCondLst>
-                                    <p:cond delay="0"/>
-                                  </p:stCondLst>
-                                  <p:childTnLst>
-                                    <p:set>
-                                      <p:cBhvr>
-                                        <p:cTn id="38" dur="1" fill="hold">
-                                          <p:stCondLst>
-                                            <p:cond delay="0"/>
-                                          </p:stCondLst>
-                                        </p:cTn>
-                                        <p:tgtEl>
-                                          <p:spTgt spid="17"/>
+                                          <p:spTgt spid="13"/>
                                         </p:tgtEl>
                                         <p:attrNameLst>
                                           <p:attrName>style.visibility</p:attrName>
@@ -9355,15 +10271,13 @@
       </p:par>
     </p:tnLst>
     <p:bldLst>
-      <p:bldP spid="4" grpId="0" animBg="1"/>
-      <p:bldP spid="5" grpId="0" animBg="1"/>
+      <p:bldP spid="6" grpId="0" animBg="1"/>
       <p:bldP spid="7" grpId="0" animBg="1"/>
       <p:bldP spid="8" grpId="0" animBg="1"/>
+      <p:bldP spid="9" grpId="0" animBg="1"/>
       <p:bldP spid="11" grpId="0" animBg="1"/>
-      <p:bldP spid="14" grpId="0" animBg="1"/>
-      <p:bldP spid="15" grpId="0" animBg="1"/>
-      <p:bldP spid="16" grpId="0" animBg="1"/>
-      <p:bldP spid="17" grpId="0" animBg="1"/>
+      <p:bldP spid="12" grpId="0" animBg="1"/>
+      <p:bldP spid="13" grpId="0" animBg="1"/>
     </p:bldLst>
   </p:timing>
 </p:sld>
@@ -9388,7 +10302,13 @@
       </p:grpSpPr>
       <p:sp>
         <p:nvSpPr>
-          <p:cNvPr id="2" name="Title 1"/>
+          <p:cNvPr id="2" name="Title 1">
+            <a:extLst>
+              <a:ext uri="{FF2B5EF4-FFF2-40B4-BE49-F238E27FC236}">
+                <a16:creationId xmlns:a16="http://schemas.microsoft.com/office/drawing/2014/main" id="{E4F6ED2E-A0D4-4D8A-8F25-8AA9E58EEC23}"/>
+              </a:ext>
+            </a:extLst>
+          </p:cNvPr>
           <p:cNvSpPr>
             <a:spLocks noGrp="1"/>
           </p:cNvSpPr>
@@ -9402,23 +10322,22 @@
           <a:lstStyle/>
           <a:p>
             <a:r>
-              <a:rPr lang="en-US" dirty="0"/>
-              <a:t>How Does </a:t>
-            </a:r>
-            <a:r>
-              <a:rPr lang="en-US" dirty="0" err="1"/>
-              <a:t>SPFx</a:t>
-            </a:r>
-            <a:r>
-              <a:rPr lang="en-US" dirty="0"/>
-              <a:t> Work?</a:t>
-            </a:r>
+              <a:rPr lang="en-US"/>
+              <a:t>SPFx versus the SharePoint Add-in Model</a:t>
+            </a:r>
+            <a:endParaRPr lang="en-US" dirty="0"/>
           </a:p>
         </p:txBody>
       </p:sp>
       <p:sp>
         <p:nvSpPr>
-          <p:cNvPr id="3" name="Content Placeholder 2"/>
+          <p:cNvPr id="3" name="Content Placeholder 2">
+            <a:extLst>
+              <a:ext uri="{FF2B5EF4-FFF2-40B4-BE49-F238E27FC236}">
+                <a16:creationId xmlns:a16="http://schemas.microsoft.com/office/drawing/2014/main" id="{340F4EE6-7A06-463A-B0B3-84AD5C723CC6}"/>
+              </a:ext>
+            </a:extLst>
+          </p:cNvPr>
           <p:cNvSpPr>
             <a:spLocks noGrp="1"/>
           </p:cNvSpPr>
@@ -9428,79 +10347,104 @@
         </p:nvSpPr>
         <p:spPr/>
         <p:txBody>
-          <a:bodyPr/>
+          <a:bodyPr>
+            <a:noAutofit/>
+          </a:bodyPr>
           <a:lstStyle/>
           <a:p>
             <a:r>
-              <a:rPr lang="en-US" dirty="0"/>
-              <a:t>No more </a:t>
-            </a:r>
-            <a:r>
-              <a:rPr lang="en-US" dirty="0" err="1"/>
-              <a:t>iFrames</a:t>
-            </a:r>
-            <a:endParaRPr lang="en-US" dirty="0"/>
+              <a:rPr lang="en-US" sz="2400" dirty="0"/>
+              <a:t>SPFx is quite different from SharePoint Add-in model</a:t>
+            </a:r>
           </a:p>
           <a:p>
             <a:pPr lvl="1"/>
             <a:r>
-              <a:rPr lang="en-US" dirty="0"/>
-              <a:t>Code runs the context of the current page</a:t>
-            </a:r>
-          </a:p>
-          <a:p>
-            <a:r>
-              <a:rPr lang="en-US" dirty="0"/>
-              <a:t>Code runs with identity and permissions of user</a:t>
-            </a:r>
+              <a:rPr lang="en-US" sz="2000" dirty="0"/>
+              <a:t>SPFx components hosted directly on page, not in </a:t>
+            </a:r>
+            <a:r>
+              <a:rPr lang="en-US" sz="2000" dirty="0" err="1"/>
+              <a:t>iFrame</a:t>
+            </a:r>
+            <a:endParaRPr lang="en-US" sz="2000" dirty="0"/>
           </a:p>
           <a:p>
             <a:pPr lvl="1"/>
             <a:r>
-              <a:rPr lang="en-US" dirty="0"/>
-              <a:t>Uses open browser connections for current user</a:t>
-            </a:r>
-          </a:p>
-          <a:p>
-            <a:r>
-              <a:rPr lang="en-US" dirty="0"/>
-              <a:t>Supports lifecycle events</a:t>
+              <a:rPr lang="en-US" sz="2000" dirty="0"/>
+              <a:t>SPFx components rendered using DOM of hosting page</a:t>
             </a:r>
           </a:p>
           <a:p>
             <a:pPr lvl="1"/>
             <a:r>
-              <a:rPr lang="en-US" dirty="0"/>
-              <a:t>render, load, serialize, </a:t>
-            </a:r>
-            <a:r>
-              <a:rPr lang="en-US" dirty="0" err="1"/>
-              <a:t>deserialize</a:t>
-            </a:r>
-            <a:r>
-              <a:rPr lang="en-US" dirty="0"/>
-              <a:t>, etc.</a:t>
-            </a:r>
-          </a:p>
-          <a:p>
-            <a:r>
-              <a:rPr lang="en-US" dirty="0"/>
-              <a:t>Use whatever JavaScript framework you want</a:t>
+              <a:rPr lang="en-US" sz="2000" dirty="0"/>
+              <a:t>No more confusion over "host web" versus "app web"</a:t>
             </a:r>
           </a:p>
           <a:p>
             <a:pPr lvl="1"/>
-            <a:r>
-              <a:rPr lang="en-US" dirty="0"/>
-              <a:t>React, Handlebars, Knockout, Angular1, Angular2, D3</a:t>
-            </a:r>
+            <a:endParaRPr lang="en-US" sz="2000" dirty="0"/>
+          </a:p>
+          <a:p>
+            <a:r>
+              <a:rPr lang="en-US" sz="2400" dirty="0"/>
+              <a:t>SPFx developer experience is completely different</a:t>
+            </a:r>
+          </a:p>
+          <a:p>
+            <a:pPr lvl="1"/>
+            <a:r>
+              <a:rPr lang="en-US" sz="2000" dirty="0"/>
+              <a:t>SPFx uses modern tools (npm, Yeoman, gulp and webpack)</a:t>
+            </a:r>
+          </a:p>
+          <a:p>
+            <a:pPr lvl="1"/>
+            <a:r>
+              <a:rPr lang="en-US" sz="2000" dirty="0"/>
+              <a:t>Requires move from Visual Studio to Node.js &amp; Visual Studio Code</a:t>
+            </a:r>
+          </a:p>
+          <a:p>
+            <a:pPr lvl="1"/>
+            <a:endParaRPr lang="en-US" sz="2000" dirty="0"/>
+          </a:p>
+          <a:p>
+            <a:r>
+              <a:rPr lang="en-US" sz="2400" dirty="0"/>
+              <a:t>Considerations for migrating to SharePoint Framework</a:t>
+            </a:r>
+          </a:p>
+          <a:p>
+            <a:pPr lvl="1"/>
+            <a:r>
+              <a:rPr lang="en-US" sz="2000" dirty="0"/>
+              <a:t>SPFx is replacement for SharePoint-hosted add-in model</a:t>
+            </a:r>
+          </a:p>
+          <a:p>
+            <a:pPr lvl="1"/>
+            <a:r>
+              <a:rPr lang="en-US" sz="2000" dirty="0"/>
+              <a:t>SPFx has nothing similar to provided-hosted add-in model</a:t>
+            </a:r>
+          </a:p>
+          <a:p>
+            <a:pPr lvl="1"/>
+            <a:endParaRPr lang="en-US" sz="2000" dirty="0"/>
+          </a:p>
+          <a:p>
+            <a:pPr lvl="1"/>
+            <a:endParaRPr lang="en-US" sz="2000" dirty="0"/>
           </a:p>
         </p:txBody>
       </p:sp>
     </p:spTree>
     <p:extLst>
       <p:ext uri="{BB962C8B-B14F-4D97-AF65-F5344CB8AC3E}">
-        <p14:creationId xmlns:p14="http://schemas.microsoft.com/office/powerpoint/2010/main" val="651660522"/>
+        <p14:creationId xmlns:p14="http://schemas.microsoft.com/office/powerpoint/2010/main" val="754349464"/>
       </p:ext>
     </p:extLst>
   </p:cSld>
@@ -9544,7 +10488,7 @@
           <a:p>
             <a:r>
               <a:rPr lang="en-US" dirty="0"/>
-              <a:t>Cross-platform Toolchain</a:t>
+              <a:t>SharePoint Framework Webparts</a:t>
             </a:r>
           </a:p>
         </p:txBody>
@@ -9561,66 +10505,617 @@
         </p:nvSpPr>
         <p:spPr/>
         <p:txBody>
-          <a:bodyPr/>
+          <a:bodyPr>
+            <a:normAutofit/>
+          </a:bodyPr>
           <a:lstStyle/>
           <a:p>
             <a:r>
-              <a:rPr lang="en-US" dirty="0"/>
-              <a:t>Node.js</a:t>
-            </a:r>
-          </a:p>
-          <a:p>
-            <a:r>
-              <a:rPr lang="en-US" dirty="0"/>
-              <a:t>Node Package Manager (</a:t>
-            </a:r>
-            <a:r>
-              <a:rPr lang="en-US" dirty="0" err="1"/>
-              <a:t>npm</a:t>
-            </a:r>
-            <a:r>
-              <a:rPr lang="en-US" dirty="0"/>
-              <a:t>)</a:t>
-            </a:r>
-          </a:p>
-          <a:p>
-            <a:r>
-              <a:rPr lang="en-US" dirty="0"/>
-              <a:t>TypeScript</a:t>
-            </a:r>
-          </a:p>
-          <a:p>
-            <a:r>
-              <a:rPr lang="en-US" dirty="0"/>
-              <a:t>Yeoman</a:t>
-            </a:r>
-          </a:p>
-          <a:p>
-            <a:r>
-              <a:rPr lang="en-US" dirty="0" err="1"/>
-              <a:t>Webpack</a:t>
-            </a:r>
-            <a:endParaRPr lang="en-US" dirty="0"/>
-          </a:p>
-          <a:p>
-            <a:r>
-              <a:rPr lang="en-US" dirty="0"/>
-              <a:t>Gulp</a:t>
-            </a:r>
-          </a:p>
-          <a:p>
-            <a:r>
-              <a:rPr lang="en-US" dirty="0" err="1"/>
-              <a:t>git</a:t>
-            </a:r>
-            <a:endParaRPr lang="en-US" dirty="0"/>
+              <a:rPr lang="en-US" sz="2000" dirty="0"/>
+              <a:t>Webparts play central role in SharePoint Framework development</a:t>
+            </a:r>
+          </a:p>
+          <a:p>
+            <a:pPr lvl="1"/>
+            <a:r>
+              <a:rPr lang="en-US" sz="1800" dirty="0"/>
+              <a:t>SPFx webparts designed to run on modern pages</a:t>
+            </a:r>
+          </a:p>
+          <a:p>
+            <a:pPr lvl="1"/>
+            <a:r>
+              <a:rPr lang="en-US" sz="1800" dirty="0"/>
+              <a:t>SPFx webparts can also be added to classic pages</a:t>
+            </a:r>
+          </a:p>
+          <a:p>
+            <a:pPr>
+              <a:spcBef>
+                <a:spcPts val="1200"/>
+              </a:spcBef>
+            </a:pPr>
+            <a:r>
+              <a:rPr lang="en-US" sz="2200" dirty="0"/>
+              <a:t>Developing Webparts</a:t>
+            </a:r>
+          </a:p>
+          <a:p>
+            <a:pPr lvl="1"/>
+            <a:r>
+              <a:rPr lang="en-US" sz="1800" dirty="0"/>
+              <a:t>You create webparts using classes defined in Typescript</a:t>
+            </a:r>
+          </a:p>
+          <a:p>
+            <a:pPr lvl="1"/>
+            <a:r>
+              <a:rPr lang="en-US" sz="1800" dirty="0"/>
+              <a:t>Webpart class inherits from base class defined by SPFx APIs</a:t>
+            </a:r>
+          </a:p>
+          <a:p>
+            <a:pPr lvl="1"/>
+            <a:r>
+              <a:rPr lang="en-US" sz="1800" dirty="0"/>
+              <a:t>SPFx support webpart lifecycle methods (e.g. render, load, serialize. etc.)</a:t>
+            </a:r>
+          </a:p>
+          <a:p>
+            <a:pPr lvl="1"/>
+            <a:r>
+              <a:rPr lang="en-US" sz="1800" dirty="0"/>
+              <a:t>SPFx APIs provide easy access to content in SharePoint and Office 365</a:t>
+            </a:r>
           </a:p>
         </p:txBody>
       </p:sp>
+      <p:grpSp>
+        <p:nvGrpSpPr>
+          <p:cNvPr id="6" name="Group 5">
+            <a:extLst>
+              <a:ext uri="{FF2B5EF4-FFF2-40B4-BE49-F238E27FC236}">
+                <a16:creationId xmlns:a16="http://schemas.microsoft.com/office/drawing/2014/main" id="{24B54DA1-DBF4-4C39-AFDD-71F32E7FC803}"/>
+              </a:ext>
+            </a:extLst>
+          </p:cNvPr>
+          <p:cNvGrpSpPr/>
+          <p:nvPr/>
+        </p:nvGrpSpPr>
+        <p:grpSpPr>
+          <a:xfrm>
+            <a:off x="1219200" y="4580906"/>
+            <a:ext cx="5257800" cy="2048494"/>
+            <a:chOff x="1066800" y="4343399"/>
+            <a:chExt cx="5867400" cy="2286001"/>
+          </a:xfrm>
+        </p:grpSpPr>
+        <p:sp>
+          <p:nvSpPr>
+            <p:cNvPr id="4" name="Rectangle 3"/>
+            <p:cNvSpPr/>
+            <p:nvPr/>
+          </p:nvSpPr>
+          <p:spPr>
+            <a:xfrm>
+              <a:off x="1066800" y="4343399"/>
+              <a:ext cx="5867400" cy="2286001"/>
+            </a:xfrm>
+            <a:prstGeom prst="rect">
+              <a:avLst/>
+            </a:prstGeom>
+            <a:solidFill>
+              <a:schemeClr val="bg1">
+                <a:lumMod val="95000"/>
+              </a:schemeClr>
+            </a:solidFill>
+            <a:ln w="12700">
+              <a:solidFill>
+                <a:schemeClr val="tx1"/>
+              </a:solidFill>
+            </a:ln>
+          </p:spPr>
+          <p:style>
+            <a:lnRef idx="2">
+              <a:schemeClr val="accent1">
+                <a:shade val="50000"/>
+              </a:schemeClr>
+            </a:lnRef>
+            <a:fillRef idx="1">
+              <a:schemeClr val="accent1"/>
+            </a:fillRef>
+            <a:effectRef idx="0">
+              <a:schemeClr val="accent1"/>
+            </a:effectRef>
+            <a:fontRef idx="minor">
+              <a:schemeClr val="lt1"/>
+            </a:fontRef>
+          </p:style>
+          <p:txBody>
+            <a:bodyPr rtlCol="0" anchor="b"/>
+            <a:lstStyle/>
+            <a:p>
+              <a:pPr algn="ctr"/>
+              <a:r>
+                <a:rPr lang="en-US" sz="1600" dirty="0">
+                  <a:solidFill>
+                    <a:schemeClr val="tx1"/>
+                  </a:solidFill>
+                </a:rPr>
+                <a:t>SharePoint Page (modern or classic)</a:t>
+              </a:r>
+            </a:p>
+          </p:txBody>
+        </p:sp>
+        <p:sp>
+          <p:nvSpPr>
+            <p:cNvPr id="5" name="Rectangle 4"/>
+            <p:cNvSpPr/>
+            <p:nvPr/>
+          </p:nvSpPr>
+          <p:spPr>
+            <a:xfrm>
+              <a:off x="1219200" y="4495800"/>
+              <a:ext cx="2667000" cy="586154"/>
+            </a:xfrm>
+            <a:prstGeom prst="rect">
+              <a:avLst/>
+            </a:prstGeom>
+            <a:solidFill>
+              <a:schemeClr val="accent2">
+                <a:lumMod val="40000"/>
+                <a:lumOff val="60000"/>
+              </a:schemeClr>
+            </a:solidFill>
+            <a:ln w="12700">
+              <a:solidFill>
+                <a:schemeClr val="tx1"/>
+              </a:solidFill>
+            </a:ln>
+          </p:spPr>
+          <p:style>
+            <a:lnRef idx="2">
+              <a:schemeClr val="accent1">
+                <a:shade val="50000"/>
+              </a:schemeClr>
+            </a:lnRef>
+            <a:fillRef idx="1">
+              <a:schemeClr val="accent1"/>
+            </a:fillRef>
+            <a:effectRef idx="0">
+              <a:schemeClr val="accent1"/>
+            </a:effectRef>
+            <a:fontRef idx="minor">
+              <a:schemeClr val="lt1"/>
+            </a:fontRef>
+          </p:style>
+          <p:txBody>
+            <a:bodyPr rtlCol="0" anchor="ctr"/>
+            <a:lstStyle/>
+            <a:p>
+              <a:pPr algn="ctr"/>
+              <a:r>
+                <a:rPr lang="en-US" sz="1400" b="1" dirty="0">
+                  <a:solidFill>
+                    <a:schemeClr val="tx1"/>
+                  </a:solidFill>
+                </a:rPr>
+                <a:t>Client-side Web Part 1</a:t>
+              </a:r>
+            </a:p>
+          </p:txBody>
+        </p:sp>
+        <p:sp>
+          <p:nvSpPr>
+            <p:cNvPr id="7" name="Rectangle 6"/>
+            <p:cNvSpPr/>
+            <p:nvPr/>
+          </p:nvSpPr>
+          <p:spPr>
+            <a:xfrm>
+              <a:off x="1219200" y="5081954"/>
+              <a:ext cx="2667000" cy="359019"/>
+            </a:xfrm>
+            <a:prstGeom prst="rect">
+              <a:avLst/>
+            </a:prstGeom>
+            <a:solidFill>
+              <a:schemeClr val="accent2">
+                <a:lumMod val="60000"/>
+                <a:lumOff val="40000"/>
+              </a:schemeClr>
+            </a:solidFill>
+            <a:ln w="12700">
+              <a:solidFill>
+                <a:schemeClr val="tx1"/>
+              </a:solidFill>
+            </a:ln>
+          </p:spPr>
+          <p:style>
+            <a:lnRef idx="2">
+              <a:schemeClr val="accent1">
+                <a:shade val="50000"/>
+              </a:schemeClr>
+            </a:lnRef>
+            <a:fillRef idx="1">
+              <a:schemeClr val="accent1"/>
+            </a:fillRef>
+            <a:effectRef idx="0">
+              <a:schemeClr val="accent1"/>
+            </a:effectRef>
+            <a:fontRef idx="minor">
+              <a:schemeClr val="lt1"/>
+            </a:fontRef>
+          </p:style>
+          <p:txBody>
+            <a:bodyPr rtlCol="0" anchor="ctr"/>
+            <a:lstStyle/>
+            <a:p>
+              <a:pPr algn="ctr"/>
+              <a:r>
+                <a:rPr lang="en-US" sz="1200" b="1" dirty="0">
+                  <a:solidFill>
+                    <a:schemeClr val="tx1"/>
+                  </a:solidFill>
+                </a:rPr>
+                <a:t>TypeScript</a:t>
+              </a:r>
+            </a:p>
+          </p:txBody>
+        </p:sp>
+        <p:sp>
+          <p:nvSpPr>
+            <p:cNvPr id="8" name="Rectangle 7"/>
+            <p:cNvSpPr/>
+            <p:nvPr/>
+          </p:nvSpPr>
+          <p:spPr>
+            <a:xfrm>
+              <a:off x="1219200" y="5440973"/>
+              <a:ext cx="2667000" cy="359019"/>
+            </a:xfrm>
+            <a:prstGeom prst="rect">
+              <a:avLst/>
+            </a:prstGeom>
+            <a:solidFill>
+              <a:schemeClr val="accent2">
+                <a:lumMod val="60000"/>
+                <a:lumOff val="40000"/>
+              </a:schemeClr>
+            </a:solidFill>
+            <a:ln w="12700">
+              <a:solidFill>
+                <a:schemeClr val="tx1"/>
+              </a:solidFill>
+            </a:ln>
+          </p:spPr>
+          <p:style>
+            <a:lnRef idx="2">
+              <a:schemeClr val="accent1">
+                <a:shade val="50000"/>
+              </a:schemeClr>
+            </a:lnRef>
+            <a:fillRef idx="1">
+              <a:schemeClr val="accent1"/>
+            </a:fillRef>
+            <a:effectRef idx="0">
+              <a:schemeClr val="accent1"/>
+            </a:effectRef>
+            <a:fontRef idx="minor">
+              <a:schemeClr val="lt1"/>
+            </a:fontRef>
+          </p:style>
+          <p:txBody>
+            <a:bodyPr rtlCol="0" anchor="ctr"/>
+            <a:lstStyle/>
+            <a:p>
+              <a:pPr algn="ctr"/>
+              <a:r>
+                <a:rPr lang="en-US" sz="1200" b="1" dirty="0">
+                  <a:solidFill>
+                    <a:schemeClr val="tx1"/>
+                  </a:solidFill>
+                </a:rPr>
+                <a:t>Knockout</a:t>
+              </a:r>
+            </a:p>
+          </p:txBody>
+        </p:sp>
+        <p:sp>
+          <p:nvSpPr>
+            <p:cNvPr id="11" name="Rectangle 10"/>
+            <p:cNvSpPr/>
+            <p:nvPr/>
+          </p:nvSpPr>
+          <p:spPr>
+            <a:xfrm>
+              <a:off x="1219200" y="5799992"/>
+              <a:ext cx="2667000" cy="359019"/>
+            </a:xfrm>
+            <a:prstGeom prst="rect">
+              <a:avLst/>
+            </a:prstGeom>
+            <a:solidFill>
+              <a:schemeClr val="accent2">
+                <a:lumMod val="60000"/>
+                <a:lumOff val="40000"/>
+              </a:schemeClr>
+            </a:solidFill>
+            <a:ln w="12700">
+              <a:solidFill>
+                <a:schemeClr val="tx1"/>
+              </a:solidFill>
+            </a:ln>
+          </p:spPr>
+          <p:style>
+            <a:lnRef idx="2">
+              <a:schemeClr val="accent1">
+                <a:shade val="50000"/>
+              </a:schemeClr>
+            </a:lnRef>
+            <a:fillRef idx="1">
+              <a:schemeClr val="accent1"/>
+            </a:fillRef>
+            <a:effectRef idx="0">
+              <a:schemeClr val="accent1"/>
+            </a:effectRef>
+            <a:fontRef idx="minor">
+              <a:schemeClr val="lt1"/>
+            </a:fontRef>
+          </p:style>
+          <p:txBody>
+            <a:bodyPr rtlCol="0" anchor="ctr"/>
+            <a:lstStyle/>
+            <a:p>
+              <a:pPr algn="ctr"/>
+              <a:r>
+                <a:rPr lang="en-US" sz="1200" b="1" dirty="0">
+                  <a:solidFill>
+                    <a:schemeClr val="tx1"/>
+                  </a:solidFill>
+                </a:rPr>
+                <a:t>SharePoint REST API</a:t>
+              </a:r>
+            </a:p>
+          </p:txBody>
+        </p:sp>
+        <p:sp>
+          <p:nvSpPr>
+            <p:cNvPr id="14" name="Rectangle 13"/>
+            <p:cNvSpPr/>
+            <p:nvPr/>
+          </p:nvSpPr>
+          <p:spPr>
+            <a:xfrm>
+              <a:off x="4114800" y="4495800"/>
+              <a:ext cx="2667000" cy="590550"/>
+            </a:xfrm>
+            <a:prstGeom prst="rect">
+              <a:avLst/>
+            </a:prstGeom>
+            <a:solidFill>
+              <a:schemeClr val="accent2">
+                <a:lumMod val="40000"/>
+                <a:lumOff val="60000"/>
+              </a:schemeClr>
+            </a:solidFill>
+            <a:ln w="12700">
+              <a:solidFill>
+                <a:schemeClr val="tx1"/>
+              </a:solidFill>
+            </a:ln>
+          </p:spPr>
+          <p:style>
+            <a:lnRef idx="2">
+              <a:schemeClr val="accent1">
+                <a:shade val="50000"/>
+              </a:schemeClr>
+            </a:lnRef>
+            <a:fillRef idx="1">
+              <a:schemeClr val="accent1"/>
+            </a:fillRef>
+            <a:effectRef idx="0">
+              <a:schemeClr val="accent1"/>
+            </a:effectRef>
+            <a:fontRef idx="minor">
+              <a:schemeClr val="lt1"/>
+            </a:fontRef>
+          </p:style>
+          <p:txBody>
+            <a:bodyPr rtlCol="0" anchor="ctr"/>
+            <a:lstStyle/>
+            <a:p>
+              <a:pPr algn="ctr"/>
+              <a:r>
+                <a:rPr lang="en-US" sz="1400" b="1" dirty="0">
+                  <a:solidFill>
+                    <a:schemeClr val="tx1"/>
+                  </a:solidFill>
+                </a:rPr>
+                <a:t>Client-side Web Part 2</a:t>
+              </a:r>
+            </a:p>
+          </p:txBody>
+        </p:sp>
+        <p:sp>
+          <p:nvSpPr>
+            <p:cNvPr id="15" name="Rectangle 14"/>
+            <p:cNvSpPr/>
+            <p:nvPr/>
+          </p:nvSpPr>
+          <p:spPr>
+            <a:xfrm>
+              <a:off x="4114800" y="5086350"/>
+              <a:ext cx="2667000" cy="359019"/>
+            </a:xfrm>
+            <a:prstGeom prst="rect">
+              <a:avLst/>
+            </a:prstGeom>
+            <a:solidFill>
+              <a:schemeClr val="accent2">
+                <a:lumMod val="60000"/>
+                <a:lumOff val="40000"/>
+              </a:schemeClr>
+            </a:solidFill>
+            <a:ln w="12700">
+              <a:solidFill>
+                <a:schemeClr val="tx1"/>
+              </a:solidFill>
+            </a:ln>
+          </p:spPr>
+          <p:style>
+            <a:lnRef idx="2">
+              <a:schemeClr val="accent1">
+                <a:shade val="50000"/>
+              </a:schemeClr>
+            </a:lnRef>
+            <a:fillRef idx="1">
+              <a:schemeClr val="accent1"/>
+            </a:fillRef>
+            <a:effectRef idx="0">
+              <a:schemeClr val="accent1"/>
+            </a:effectRef>
+            <a:fontRef idx="minor">
+              <a:schemeClr val="lt1"/>
+            </a:fontRef>
+          </p:style>
+          <p:txBody>
+            <a:bodyPr rtlCol="0" anchor="ctr"/>
+            <a:lstStyle/>
+            <a:p>
+              <a:pPr algn="ctr"/>
+              <a:r>
+                <a:rPr lang="en-US" sz="1200" b="1" dirty="0">
+                  <a:solidFill>
+                    <a:schemeClr val="tx1"/>
+                  </a:solidFill>
+                </a:rPr>
+                <a:t>TypeScript</a:t>
+              </a:r>
+            </a:p>
+          </p:txBody>
+        </p:sp>
+        <p:sp>
+          <p:nvSpPr>
+            <p:cNvPr id="16" name="Rectangle 15"/>
+            <p:cNvSpPr/>
+            <p:nvPr/>
+          </p:nvSpPr>
+          <p:spPr>
+            <a:xfrm>
+              <a:off x="4114800" y="5445369"/>
+              <a:ext cx="2667000" cy="359019"/>
+            </a:xfrm>
+            <a:prstGeom prst="rect">
+              <a:avLst/>
+            </a:prstGeom>
+            <a:solidFill>
+              <a:schemeClr val="accent2">
+                <a:lumMod val="60000"/>
+                <a:lumOff val="40000"/>
+              </a:schemeClr>
+            </a:solidFill>
+            <a:ln w="12700">
+              <a:solidFill>
+                <a:schemeClr val="tx1"/>
+              </a:solidFill>
+            </a:ln>
+          </p:spPr>
+          <p:style>
+            <a:lnRef idx="2">
+              <a:schemeClr val="accent1">
+                <a:shade val="50000"/>
+              </a:schemeClr>
+            </a:lnRef>
+            <a:fillRef idx="1">
+              <a:schemeClr val="accent1"/>
+            </a:fillRef>
+            <a:effectRef idx="0">
+              <a:schemeClr val="accent1"/>
+            </a:effectRef>
+            <a:fontRef idx="minor">
+              <a:schemeClr val="lt1"/>
+            </a:fontRef>
+          </p:style>
+          <p:txBody>
+            <a:bodyPr rtlCol="0" anchor="ctr"/>
+            <a:lstStyle/>
+            <a:p>
+              <a:pPr algn="ctr"/>
+              <a:r>
+                <a:rPr lang="en-US" sz="1200" b="1" dirty="0">
+                  <a:solidFill>
+                    <a:schemeClr val="tx1"/>
+                  </a:solidFill>
+                </a:rPr>
+                <a:t>React</a:t>
+              </a:r>
+            </a:p>
+          </p:txBody>
+        </p:sp>
+        <p:sp>
+          <p:nvSpPr>
+            <p:cNvPr id="17" name="Rectangle 16"/>
+            <p:cNvSpPr/>
+            <p:nvPr/>
+          </p:nvSpPr>
+          <p:spPr>
+            <a:xfrm>
+              <a:off x="4114800" y="5804388"/>
+              <a:ext cx="2667000" cy="359019"/>
+            </a:xfrm>
+            <a:prstGeom prst="rect">
+              <a:avLst/>
+            </a:prstGeom>
+            <a:solidFill>
+              <a:schemeClr val="accent2">
+                <a:lumMod val="60000"/>
+                <a:lumOff val="40000"/>
+              </a:schemeClr>
+            </a:solidFill>
+            <a:ln w="12700">
+              <a:solidFill>
+                <a:schemeClr val="tx1"/>
+              </a:solidFill>
+            </a:ln>
+          </p:spPr>
+          <p:style>
+            <a:lnRef idx="2">
+              <a:schemeClr val="accent1">
+                <a:shade val="50000"/>
+              </a:schemeClr>
+            </a:lnRef>
+            <a:fillRef idx="1">
+              <a:schemeClr val="accent1"/>
+            </a:fillRef>
+            <a:effectRef idx="0">
+              <a:schemeClr val="accent1"/>
+            </a:effectRef>
+            <a:fontRef idx="minor">
+              <a:schemeClr val="lt1"/>
+            </a:fontRef>
+          </p:style>
+          <p:txBody>
+            <a:bodyPr rtlCol="0" anchor="ctr"/>
+            <a:lstStyle/>
+            <a:p>
+              <a:pPr algn="ctr"/>
+              <a:r>
+                <a:rPr lang="en-US" sz="1200" b="1" dirty="0">
+                  <a:solidFill>
+                    <a:schemeClr val="tx1"/>
+                  </a:solidFill>
+                </a:rPr>
+                <a:t>Microsoft Graph API</a:t>
+              </a:r>
+            </a:p>
+          </p:txBody>
+        </p:sp>
+      </p:grpSp>
     </p:spTree>
     <p:extLst>
       <p:ext uri="{BB962C8B-B14F-4D97-AF65-F5344CB8AC3E}">
-        <p14:creationId xmlns:p14="http://schemas.microsoft.com/office/powerpoint/2010/main" val="1041243450"/>
+        <p14:creationId xmlns:p14="http://schemas.microsoft.com/office/powerpoint/2010/main" val="1508206866"/>
       </p:ext>
     </p:extLst>
   </p:cSld>
@@ -9664,6 +11159,446 @@
           <a:p>
             <a:r>
               <a:rPr lang="en-US"/>
+              <a:t>SharePoint Framework Component Types</a:t>
+            </a:r>
+            <a:endParaRPr lang="en-US" dirty="0"/>
+          </a:p>
+        </p:txBody>
+      </p:sp>
+      <p:sp>
+        <p:nvSpPr>
+          <p:cNvPr id="3" name="Content Placeholder 2"/>
+          <p:cNvSpPr>
+            <a:spLocks noGrp="1"/>
+          </p:cNvSpPr>
+          <p:nvPr>
+            <p:ph idx="1"/>
+          </p:nvPr>
+        </p:nvSpPr>
+        <p:spPr/>
+        <p:txBody>
+          <a:bodyPr>
+            <a:normAutofit/>
+          </a:bodyPr>
+          <a:lstStyle/>
+          <a:p>
+            <a:r>
+              <a:rPr lang="en-US" sz="2400" dirty="0"/>
+              <a:t>SPFx allows you to create several styles of webparts</a:t>
+            </a:r>
+          </a:p>
+          <a:p>
+            <a:pPr lvl="1"/>
+            <a:r>
+              <a:rPr lang="en-US" sz="2000" dirty="0"/>
+              <a:t>Standard Webparts</a:t>
+            </a:r>
+          </a:p>
+          <a:p>
+            <a:pPr lvl="1"/>
+            <a:r>
+              <a:rPr lang="en-US" sz="2000" dirty="0"/>
+              <a:t>React Webparts</a:t>
+            </a:r>
+          </a:p>
+          <a:p>
+            <a:r>
+              <a:rPr lang="en-US" sz="2400" dirty="0"/>
+              <a:t>SPFx also provides several other Application Extensions</a:t>
+            </a:r>
+          </a:p>
+          <a:p>
+            <a:pPr lvl="1"/>
+            <a:r>
+              <a:rPr lang="en-US" sz="2000" dirty="0"/>
+              <a:t>Application Customizer</a:t>
+            </a:r>
+          </a:p>
+          <a:p>
+            <a:pPr lvl="1"/>
+            <a:r>
+              <a:rPr lang="en-US" sz="2000" dirty="0"/>
+              <a:t>Field Customizers</a:t>
+            </a:r>
+          </a:p>
+          <a:p>
+            <a:pPr lvl="1"/>
+            <a:r>
+              <a:rPr lang="en-US" sz="2000" dirty="0"/>
+              <a:t>Command Sets</a:t>
+            </a:r>
+          </a:p>
+        </p:txBody>
+      </p:sp>
+      <p:grpSp>
+        <p:nvGrpSpPr>
+          <p:cNvPr id="6" name="Group 5">
+            <a:extLst>
+              <a:ext uri="{FF2B5EF4-FFF2-40B4-BE49-F238E27FC236}">
+                <a16:creationId xmlns:a16="http://schemas.microsoft.com/office/drawing/2014/main" id="{DADE05CA-BA68-4B8F-8322-0FD211FE3DA4}"/>
+              </a:ext>
+            </a:extLst>
+          </p:cNvPr>
+          <p:cNvGrpSpPr/>
+          <p:nvPr/>
+        </p:nvGrpSpPr>
+        <p:grpSpPr>
+          <a:xfrm>
+            <a:off x="1143000" y="4360127"/>
+            <a:ext cx="5715000" cy="2286000"/>
+            <a:chOff x="1295400" y="3903785"/>
+            <a:chExt cx="6096000" cy="2573215"/>
+          </a:xfrm>
+        </p:grpSpPr>
+        <p:sp>
+          <p:nvSpPr>
+            <p:cNvPr id="4" name="Rectangle 3"/>
+            <p:cNvSpPr/>
+            <p:nvPr/>
+          </p:nvSpPr>
+          <p:spPr>
+            <a:xfrm>
+              <a:off x="1295400" y="3903785"/>
+              <a:ext cx="6096000" cy="2573215"/>
+            </a:xfrm>
+            <a:prstGeom prst="rect">
+              <a:avLst/>
+            </a:prstGeom>
+            <a:solidFill>
+              <a:schemeClr val="bg1">
+                <a:lumMod val="95000"/>
+              </a:schemeClr>
+            </a:solidFill>
+            <a:ln w="12700">
+              <a:solidFill>
+                <a:schemeClr val="tx1"/>
+              </a:solidFill>
+            </a:ln>
+          </p:spPr>
+          <p:style>
+            <a:lnRef idx="2">
+              <a:schemeClr val="accent1">
+                <a:shade val="50000"/>
+              </a:schemeClr>
+            </a:lnRef>
+            <a:fillRef idx="1">
+              <a:schemeClr val="accent1"/>
+            </a:fillRef>
+            <a:effectRef idx="0">
+              <a:schemeClr val="accent1"/>
+            </a:effectRef>
+            <a:fontRef idx="minor">
+              <a:schemeClr val="lt1"/>
+            </a:fontRef>
+          </p:style>
+          <p:txBody>
+            <a:bodyPr rtlCol="0" anchor="b"/>
+            <a:lstStyle/>
+            <a:p>
+              <a:pPr algn="ctr"/>
+              <a:r>
+                <a:rPr lang="en-US" sz="1600" dirty="0">
+                  <a:solidFill>
+                    <a:schemeClr val="tx1"/>
+                  </a:solidFill>
+                </a:rPr>
+                <a:t>Modern SharePoint Page</a:t>
+              </a:r>
+            </a:p>
+          </p:txBody>
+        </p:sp>
+        <p:sp>
+          <p:nvSpPr>
+            <p:cNvPr id="5" name="Rectangle 4"/>
+            <p:cNvSpPr/>
+            <p:nvPr/>
+          </p:nvSpPr>
+          <p:spPr>
+            <a:xfrm>
+              <a:off x="1524000" y="4643804"/>
+              <a:ext cx="2667000" cy="762000"/>
+            </a:xfrm>
+            <a:prstGeom prst="rect">
+              <a:avLst/>
+            </a:prstGeom>
+            <a:solidFill>
+              <a:schemeClr val="accent2">
+                <a:lumMod val="40000"/>
+                <a:lumOff val="60000"/>
+              </a:schemeClr>
+            </a:solidFill>
+            <a:ln w="12700">
+              <a:solidFill>
+                <a:schemeClr val="tx1"/>
+              </a:solidFill>
+            </a:ln>
+          </p:spPr>
+          <p:style>
+            <a:lnRef idx="2">
+              <a:schemeClr val="accent1">
+                <a:shade val="50000"/>
+              </a:schemeClr>
+            </a:lnRef>
+            <a:fillRef idx="1">
+              <a:schemeClr val="accent1"/>
+            </a:fillRef>
+            <a:effectRef idx="0">
+              <a:schemeClr val="accent1"/>
+            </a:effectRef>
+            <a:fontRef idx="minor">
+              <a:schemeClr val="lt1"/>
+            </a:fontRef>
+          </p:style>
+          <p:txBody>
+            <a:bodyPr rtlCol="0" anchor="ctr"/>
+            <a:lstStyle/>
+            <a:p>
+              <a:pPr algn="ctr"/>
+              <a:r>
+                <a:rPr lang="en-US" sz="1600" dirty="0">
+                  <a:solidFill>
+                    <a:schemeClr val="tx1"/>
+                  </a:solidFill>
+                </a:rPr>
+                <a:t>Client-side Web Part 1</a:t>
+              </a:r>
+            </a:p>
+          </p:txBody>
+        </p:sp>
+        <p:sp>
+          <p:nvSpPr>
+            <p:cNvPr id="14" name="Rectangle 13"/>
+            <p:cNvSpPr/>
+            <p:nvPr/>
+          </p:nvSpPr>
+          <p:spPr>
+            <a:xfrm>
+              <a:off x="4419600" y="4648200"/>
+              <a:ext cx="2667000" cy="762000"/>
+            </a:xfrm>
+            <a:prstGeom prst="rect">
+              <a:avLst/>
+            </a:prstGeom>
+            <a:solidFill>
+              <a:schemeClr val="accent2">
+                <a:lumMod val="40000"/>
+                <a:lumOff val="60000"/>
+              </a:schemeClr>
+            </a:solidFill>
+            <a:ln w="12700">
+              <a:solidFill>
+                <a:schemeClr val="tx1"/>
+              </a:solidFill>
+            </a:ln>
+          </p:spPr>
+          <p:style>
+            <a:lnRef idx="2">
+              <a:schemeClr val="accent1">
+                <a:shade val="50000"/>
+              </a:schemeClr>
+            </a:lnRef>
+            <a:fillRef idx="1">
+              <a:schemeClr val="accent1"/>
+            </a:fillRef>
+            <a:effectRef idx="0">
+              <a:schemeClr val="accent1"/>
+            </a:effectRef>
+            <a:fontRef idx="minor">
+              <a:schemeClr val="lt1"/>
+            </a:fontRef>
+          </p:style>
+          <p:txBody>
+            <a:bodyPr rtlCol="0" anchor="ctr"/>
+            <a:lstStyle/>
+            <a:p>
+              <a:pPr algn="ctr"/>
+              <a:r>
+                <a:rPr lang="en-US" sz="1600" dirty="0">
+                  <a:solidFill>
+                    <a:schemeClr val="tx1"/>
+                  </a:solidFill>
+                </a:rPr>
+                <a:t>Client-side Web Part 2</a:t>
+              </a:r>
+            </a:p>
+          </p:txBody>
+        </p:sp>
+        <p:sp>
+          <p:nvSpPr>
+            <p:cNvPr id="13" name="Rectangle 12">
+              <a:extLst>
+                <a:ext uri="{FF2B5EF4-FFF2-40B4-BE49-F238E27FC236}">
+                  <a16:creationId xmlns:a16="http://schemas.microsoft.com/office/drawing/2014/main" id="{CFFB600A-6DF7-4BDC-859A-B79FFFF0BCC7}"/>
+                </a:ext>
+              </a:extLst>
+            </p:cNvPr>
+            <p:cNvSpPr/>
+            <p:nvPr/>
+          </p:nvSpPr>
+          <p:spPr>
+            <a:xfrm>
+              <a:off x="1524000" y="4038600"/>
+              <a:ext cx="5562600" cy="452804"/>
+            </a:xfrm>
+            <a:prstGeom prst="rect">
+              <a:avLst/>
+            </a:prstGeom>
+            <a:solidFill>
+              <a:schemeClr val="accent3">
+                <a:lumMod val="40000"/>
+                <a:lumOff val="60000"/>
+              </a:schemeClr>
+            </a:solidFill>
+            <a:ln w="12700">
+              <a:solidFill>
+                <a:schemeClr val="tx1"/>
+              </a:solidFill>
+            </a:ln>
+          </p:spPr>
+          <p:style>
+            <a:lnRef idx="2">
+              <a:schemeClr val="accent1">
+                <a:shade val="50000"/>
+              </a:schemeClr>
+            </a:lnRef>
+            <a:fillRef idx="1">
+              <a:schemeClr val="accent1"/>
+            </a:fillRef>
+            <a:effectRef idx="0">
+              <a:schemeClr val="accent1"/>
+            </a:effectRef>
+            <a:fontRef idx="minor">
+              <a:schemeClr val="lt1"/>
+            </a:fontRef>
+          </p:style>
+          <p:txBody>
+            <a:bodyPr rtlCol="0" anchor="ctr"/>
+            <a:lstStyle/>
+            <a:p>
+              <a:pPr algn="ctr"/>
+              <a:r>
+                <a:rPr lang="en-US" sz="1600" dirty="0">
+                  <a:solidFill>
+                    <a:schemeClr val="tx1"/>
+                  </a:solidFill>
+                </a:rPr>
+                <a:t>Application Extension 1</a:t>
+              </a:r>
+            </a:p>
+          </p:txBody>
+        </p:sp>
+        <p:sp>
+          <p:nvSpPr>
+            <p:cNvPr id="18" name="Rectangle 17">
+              <a:extLst>
+                <a:ext uri="{FF2B5EF4-FFF2-40B4-BE49-F238E27FC236}">
+                  <a16:creationId xmlns:a16="http://schemas.microsoft.com/office/drawing/2014/main" id="{677A1D47-8016-43AE-834F-2436F661CBCB}"/>
+                </a:ext>
+              </a:extLst>
+            </p:cNvPr>
+            <p:cNvSpPr/>
+            <p:nvPr/>
+          </p:nvSpPr>
+          <p:spPr>
+            <a:xfrm>
+              <a:off x="1501698" y="5571893"/>
+              <a:ext cx="5562600" cy="452804"/>
+            </a:xfrm>
+            <a:prstGeom prst="rect">
+              <a:avLst/>
+            </a:prstGeom>
+            <a:solidFill>
+              <a:schemeClr val="accent3">
+                <a:lumMod val="40000"/>
+                <a:lumOff val="60000"/>
+              </a:schemeClr>
+            </a:solidFill>
+            <a:ln w="12700">
+              <a:solidFill>
+                <a:schemeClr val="tx1"/>
+              </a:solidFill>
+            </a:ln>
+          </p:spPr>
+          <p:style>
+            <a:lnRef idx="2">
+              <a:schemeClr val="accent1">
+                <a:shade val="50000"/>
+              </a:schemeClr>
+            </a:lnRef>
+            <a:fillRef idx="1">
+              <a:schemeClr val="accent1"/>
+            </a:fillRef>
+            <a:effectRef idx="0">
+              <a:schemeClr val="accent1"/>
+            </a:effectRef>
+            <a:fontRef idx="minor">
+              <a:schemeClr val="lt1"/>
+            </a:fontRef>
+          </p:style>
+          <p:txBody>
+            <a:bodyPr rtlCol="0" anchor="ctr"/>
+            <a:lstStyle/>
+            <a:p>
+              <a:pPr algn="ctr"/>
+              <a:r>
+                <a:rPr lang="en-US" sz="1600" dirty="0">
+                  <a:solidFill>
+                    <a:schemeClr val="tx1"/>
+                  </a:solidFill>
+                </a:rPr>
+                <a:t>Application Extension 2</a:t>
+              </a:r>
+            </a:p>
+          </p:txBody>
+        </p:sp>
+      </p:grpSp>
+    </p:spTree>
+    <p:extLst>
+      <p:ext uri="{BB962C8B-B14F-4D97-AF65-F5344CB8AC3E}">
+        <p14:creationId xmlns:p14="http://schemas.microsoft.com/office/powerpoint/2010/main" val="2510111323"/>
+      </p:ext>
+    </p:extLst>
+  </p:cSld>
+  <p:clrMapOvr>
+    <a:masterClrMapping/>
+  </p:clrMapOvr>
+</p:sld>
+</file>
+
+<file path=ppt/slides/slide8.xml><?xml version="1.0" encoding="utf-8"?>
+<p:sld xmlns:a="http://schemas.openxmlformats.org/drawingml/2006/main" xmlns:r="http://schemas.openxmlformats.org/officeDocument/2006/relationships" xmlns:p="http://schemas.openxmlformats.org/presentationml/2006/main">
+  <p:cSld>
+    <p:spTree>
+      <p:nvGrpSpPr>
+        <p:cNvPr id="1" name=""/>
+        <p:cNvGrpSpPr/>
+        <p:nvPr/>
+      </p:nvGrpSpPr>
+      <p:grpSpPr>
+        <a:xfrm>
+          <a:off x="0" y="0"/>
+          <a:ext cx="0" cy="0"/>
+          <a:chOff x="0" y="0"/>
+          <a:chExt cx="0" cy="0"/>
+        </a:xfrm>
+      </p:grpSpPr>
+      <p:sp>
+        <p:nvSpPr>
+          <p:cNvPr id="2" name="Title 1"/>
+          <p:cNvSpPr>
+            <a:spLocks noGrp="1"/>
+          </p:cNvSpPr>
+          <p:nvPr>
+            <p:ph type="title"/>
+          </p:nvPr>
+        </p:nvSpPr>
+        <p:spPr/>
+        <p:txBody>
+          <a:bodyPr/>
+          <a:lstStyle/>
+          <a:p>
+            <a:r>
+              <a:rPr lang="en-US"/>
               <a:t>Installing Packages for SPFx Development</a:t>
             </a:r>
             <a:endParaRPr lang="en-US" dirty="0"/>
@@ -9692,10 +11627,7 @@
           </a:p>
           <a:p>
             <a:pPr lvl="2"/>
-            <a:r>
-              <a:rPr lang="en-US" dirty="0"/>
-              <a:t>npm install -g gulp</a:t>
-            </a:r>
+            <a:endParaRPr lang="en-US" dirty="0"/>
           </a:p>
           <a:p>
             <a:pPr lvl="1"/>
@@ -9709,14 +11641,6 @@
           </a:p>
           <a:p>
             <a:pPr lvl="2"/>
-            <a:r>
-              <a:rPr lang="en-US" dirty="0"/>
-              <a:t>npm install -g </a:t>
-            </a:r>
-            <a:r>
-              <a:rPr lang="en-US" dirty="0" err="1"/>
-              <a:t>yo</a:t>
-            </a:r>
             <a:endParaRPr lang="en-US" dirty="0"/>
           </a:p>
           <a:p>
@@ -9731,27 +11655,182 @@
           </a:p>
           <a:p>
             <a:pPr lvl="2"/>
-            <a:r>
-              <a:rPr lang="en-US" dirty="0"/>
-              <a:t>npm install -g @</a:t>
-            </a:r>
-            <a:r>
-              <a:rPr lang="en-US" dirty="0" err="1"/>
-              <a:t>microsoft</a:t>
-            </a:r>
-            <a:r>
-              <a:rPr lang="en-US" dirty="0"/>
-              <a:t>/generator-</a:t>
-            </a:r>
-            <a:r>
-              <a:rPr lang="en-US" dirty="0" err="1"/>
-              <a:t>sharepoint</a:t>
-            </a:r>
             <a:endParaRPr lang="en-US" dirty="0"/>
           </a:p>
           <a:p>
             <a:pPr lvl="1"/>
             <a:endParaRPr lang="en-US" dirty="0"/>
+          </a:p>
+        </p:txBody>
+      </p:sp>
+      <p:sp>
+        <p:nvSpPr>
+          <p:cNvPr id="4" name="Rectangle 3">
+            <a:extLst>
+              <a:ext uri="{FF2B5EF4-FFF2-40B4-BE49-F238E27FC236}">
+                <a16:creationId xmlns:a16="http://schemas.microsoft.com/office/drawing/2014/main" id="{8092E04A-1F7C-43A9-8D52-044B5B983ABD}"/>
+              </a:ext>
+            </a:extLst>
+          </p:cNvPr>
+          <p:cNvSpPr/>
+          <p:nvPr/>
+        </p:nvSpPr>
+        <p:spPr>
+          <a:xfrm>
+            <a:off x="838200" y="2057400"/>
+            <a:ext cx="6972300" cy="533400"/>
+          </a:xfrm>
+          <a:prstGeom prst="rect">
+            <a:avLst/>
+          </a:prstGeom>
+          <a:solidFill>
+            <a:schemeClr val="tx1"/>
+          </a:solidFill>
+        </p:spPr>
+        <p:style>
+          <a:lnRef idx="2">
+            <a:schemeClr val="accent1">
+              <a:shade val="50000"/>
+            </a:schemeClr>
+          </a:lnRef>
+          <a:fillRef idx="1">
+            <a:schemeClr val="accent1"/>
+          </a:fillRef>
+          <a:effectRef idx="0">
+            <a:schemeClr val="accent1"/>
+          </a:effectRef>
+          <a:fontRef idx="minor">
+            <a:schemeClr val="lt1"/>
+          </a:fontRef>
+        </p:style>
+        <p:txBody>
+          <a:bodyPr lIns="182880" rtlCol="0" anchor="ctr"/>
+          <a:lstStyle/>
+          <a:p>
+            <a:r>
+              <a:rPr lang="en-US" sz="2400" dirty="0"/>
+              <a:t>npm install -g gulp</a:t>
+            </a:r>
+          </a:p>
+        </p:txBody>
+      </p:sp>
+      <p:sp>
+        <p:nvSpPr>
+          <p:cNvPr id="5" name="Rectangle 4">
+            <a:extLst>
+              <a:ext uri="{FF2B5EF4-FFF2-40B4-BE49-F238E27FC236}">
+                <a16:creationId xmlns:a16="http://schemas.microsoft.com/office/drawing/2014/main" id="{0898B02A-6C81-45E0-9FE4-59AB17FDF5ED}"/>
+              </a:ext>
+            </a:extLst>
+          </p:cNvPr>
+          <p:cNvSpPr/>
+          <p:nvPr/>
+        </p:nvSpPr>
+        <p:spPr>
+          <a:xfrm>
+            <a:off x="838200" y="4800600"/>
+            <a:ext cx="6972300" cy="533400"/>
+          </a:xfrm>
+          <a:prstGeom prst="rect">
+            <a:avLst/>
+          </a:prstGeom>
+          <a:solidFill>
+            <a:schemeClr val="tx1"/>
+          </a:solidFill>
+        </p:spPr>
+        <p:style>
+          <a:lnRef idx="2">
+            <a:schemeClr val="accent1">
+              <a:shade val="50000"/>
+            </a:schemeClr>
+          </a:lnRef>
+          <a:fillRef idx="1">
+            <a:schemeClr val="accent1"/>
+          </a:fillRef>
+          <a:effectRef idx="0">
+            <a:schemeClr val="accent1"/>
+          </a:effectRef>
+          <a:fontRef idx="minor">
+            <a:schemeClr val="lt1"/>
+          </a:fontRef>
+        </p:style>
+        <p:txBody>
+          <a:bodyPr lIns="182880" rtlCol="0" anchor="ctr"/>
+          <a:lstStyle/>
+          <a:p>
+            <a:r>
+              <a:rPr lang="en-US" sz="2400" dirty="0"/>
+              <a:t>npm install -g @</a:t>
+            </a:r>
+            <a:r>
+              <a:rPr lang="en-US" sz="2400" dirty="0" err="1"/>
+              <a:t>microsoft</a:t>
+            </a:r>
+            <a:r>
+              <a:rPr lang="en-US" sz="2400" dirty="0"/>
+              <a:t>/generator-</a:t>
+            </a:r>
+            <a:r>
+              <a:rPr lang="en-US" sz="2400" dirty="0" err="1"/>
+              <a:t>sharepoint</a:t>
+            </a:r>
+            <a:endParaRPr lang="en-US" sz="2400" dirty="0"/>
+          </a:p>
+        </p:txBody>
+      </p:sp>
+      <p:sp>
+        <p:nvSpPr>
+          <p:cNvPr id="6" name="Rectangle 5">
+            <a:extLst>
+              <a:ext uri="{FF2B5EF4-FFF2-40B4-BE49-F238E27FC236}">
+                <a16:creationId xmlns:a16="http://schemas.microsoft.com/office/drawing/2014/main" id="{1B0302D9-821A-4BB0-846B-2327FF70C280}"/>
+              </a:ext>
+            </a:extLst>
+          </p:cNvPr>
+          <p:cNvSpPr/>
+          <p:nvPr/>
+        </p:nvSpPr>
+        <p:spPr>
+          <a:xfrm>
+            <a:off x="838200" y="3429000"/>
+            <a:ext cx="6972300" cy="533400"/>
+          </a:xfrm>
+          <a:prstGeom prst="rect">
+            <a:avLst/>
+          </a:prstGeom>
+          <a:solidFill>
+            <a:schemeClr val="tx1"/>
+          </a:solidFill>
+        </p:spPr>
+        <p:style>
+          <a:lnRef idx="2">
+            <a:schemeClr val="accent1">
+              <a:shade val="50000"/>
+            </a:schemeClr>
+          </a:lnRef>
+          <a:fillRef idx="1">
+            <a:schemeClr val="accent1"/>
+          </a:fillRef>
+          <a:effectRef idx="0">
+            <a:schemeClr val="accent1"/>
+          </a:effectRef>
+          <a:fontRef idx="minor">
+            <a:schemeClr val="lt1"/>
+          </a:fontRef>
+        </p:style>
+        <p:txBody>
+          <a:bodyPr lIns="182880" rtlCol="0" anchor="ctr"/>
+          <a:lstStyle/>
+          <a:p>
+            <a:r>
+              <a:rPr lang="en-US" sz="2400" dirty="0"/>
+              <a:t>npm install -g </a:t>
+            </a:r>
+            <a:r>
+              <a:rPr lang="en-US" sz="2400" dirty="0" err="1"/>
+              <a:t>yo</a:t>
+            </a:r>
+            <a:endParaRPr lang="en-US" sz="2400" dirty="0"/>
           </a:p>
         </p:txBody>
       </p:sp>
@@ -9817,7 +11896,7 @@
                                 </p:cTn>
                               </p:par>
                               <p:par>
-                                <p:cTn id="7" presetID="1" presetClass="entr" presetSubtype="0" fill="hold" nodeType="withEffect">
+                                <p:cTn id="7" presetID="1" presetClass="entr" presetSubtype="0" fill="hold" grpId="0" nodeType="withEffect">
                                   <p:stCondLst>
                                     <p:cond delay="0"/>
                                   </p:stCondLst>
@@ -9830,11 +11909,7 @@
                                           </p:stCondLst>
                                         </p:cTn>
                                         <p:tgtEl>
-                                          <p:spTgt spid="3">
-                                            <p:txEl>
-                                              <p:pRg st="1" end="1"/>
-                                            </p:txEl>
-                                          </p:spTgt>
+                                          <p:spTgt spid="4"/>
                                         </p:tgtEl>
                                         <p:attrNameLst>
                                           <p:attrName>style.visibility</p:attrName>
@@ -9897,7 +11972,7 @@
                                 </p:cTn>
                               </p:par>
                               <p:par>
-                                <p:cTn id="13" presetID="1" presetClass="entr" presetSubtype="0" fill="hold" nodeType="withEffect">
+                                <p:cTn id="13" presetID="1" presetClass="entr" presetSubtype="0" fill="hold" grpId="0" nodeType="withEffect">
                                   <p:stCondLst>
                                     <p:cond delay="0"/>
                                   </p:stCondLst>
@@ -9910,11 +11985,7 @@
                                           </p:stCondLst>
                                         </p:cTn>
                                         <p:tgtEl>
-                                          <p:spTgt spid="3">
-                                            <p:txEl>
-                                              <p:pRg st="4" end="4"/>
-                                            </p:txEl>
-                                          </p:spTgt>
+                                          <p:spTgt spid="6"/>
                                         </p:tgtEl>
                                         <p:attrNameLst>
                                           <p:attrName>style.visibility</p:attrName>
@@ -9977,7 +12048,7 @@
                                 </p:cTn>
                               </p:par>
                               <p:par>
-                                <p:cTn id="19" presetID="1" presetClass="entr" presetSubtype="0" fill="hold" nodeType="withEffect">
+                                <p:cTn id="19" presetID="1" presetClass="entr" presetSubtype="0" fill="hold" grpId="0" nodeType="withEffect">
                                   <p:stCondLst>
                                     <p:cond delay="0"/>
                                   </p:stCondLst>
@@ -9990,11 +12061,7 @@
                                           </p:stCondLst>
                                         </p:cTn>
                                         <p:tgtEl>
-                                          <p:spTgt spid="3">
-                                            <p:txEl>
-                                              <p:pRg st="7" end="7"/>
-                                            </p:txEl>
-                                          </p:spTgt>
+                                          <p:spTgt spid="5"/>
                                         </p:tgtEl>
                                         <p:attrNameLst>
                                           <p:attrName>style.visibility</p:attrName>
@@ -10034,124 +12101,12 @@
         </p:cTn>
       </p:par>
     </p:tnLst>
+    <p:bldLst>
+      <p:bldP spid="4" grpId="0" animBg="1"/>
+      <p:bldP spid="5" grpId="0" animBg="1"/>
+      <p:bldP spid="6" grpId="0" animBg="1"/>
+    </p:bldLst>
   </p:timing>
-</p:sld>
-</file>
-
-<file path=ppt/slides/slide8.xml><?xml version="1.0" encoding="utf-8"?>
-<p:sld xmlns:a="http://schemas.openxmlformats.org/drawingml/2006/main" xmlns:r="http://schemas.openxmlformats.org/officeDocument/2006/relationships" xmlns:p="http://schemas.openxmlformats.org/presentationml/2006/main">
-  <p:cSld>
-    <p:spTree>
-      <p:nvGrpSpPr>
-        <p:cNvPr id="1" name=""/>
-        <p:cNvGrpSpPr/>
-        <p:nvPr/>
-      </p:nvGrpSpPr>
-      <p:grpSpPr>
-        <a:xfrm>
-          <a:off x="0" y="0"/>
-          <a:ext cx="0" cy="0"/>
-          <a:chOff x="0" y="0"/>
-          <a:chExt cx="0" cy="0"/>
-        </a:xfrm>
-      </p:grpSpPr>
-      <p:sp>
-        <p:nvSpPr>
-          <p:cNvPr id="2" name="Title 1"/>
-          <p:cNvSpPr>
-            <a:spLocks noGrp="1"/>
-          </p:cNvSpPr>
-          <p:nvPr>
-            <p:ph type="title"/>
-          </p:nvPr>
-        </p:nvSpPr>
-        <p:spPr/>
-        <p:txBody>
-          <a:bodyPr/>
-          <a:lstStyle/>
-          <a:p>
-            <a:r>
-              <a:rPr lang="en-US"/>
-              <a:t>Agenda</a:t>
-            </a:r>
-            <a:endParaRPr lang="en-US" dirty="0"/>
-          </a:p>
-        </p:txBody>
-      </p:sp>
-      <p:sp>
-        <p:nvSpPr>
-          <p:cNvPr id="3" name="Content Placeholder 2"/>
-          <p:cNvSpPr>
-            <a:spLocks noGrp="1"/>
-          </p:cNvSpPr>
-          <p:nvPr>
-            <p:ph idx="1"/>
-          </p:nvPr>
-        </p:nvSpPr>
-        <p:spPr/>
-        <p:txBody>
-          <a:bodyPr>
-            <a:noAutofit/>
-          </a:bodyPr>
-          <a:lstStyle/>
-          <a:p>
-            <a:pPr lvl="0">
-              <a:buFont typeface="Wingdings" panose="05000000000000000000" pitchFamily="2" charset="2"/>
-              <a:buChar char="ü"/>
-            </a:pPr>
-            <a:r>
-              <a:rPr lang="en-US" sz="2400" dirty="0"/>
-              <a:t>Introduction to the SharePoint Framework</a:t>
-            </a:r>
-          </a:p>
-          <a:p>
-            <a:pPr lvl="0">
-              <a:buFont typeface="Wingdings" panose="05000000000000000000" pitchFamily="2" charset="2"/>
-              <a:buChar char="Ø"/>
-            </a:pPr>
-            <a:r>
-              <a:rPr lang="en-US" sz="2400" dirty="0"/>
-              <a:t>Creating SPFX Projects using the Yeoman Generator</a:t>
-            </a:r>
-          </a:p>
-          <a:p>
-            <a:pPr lvl="0"/>
-            <a:r>
-              <a:rPr lang="en-US" sz="2400" dirty="0"/>
-              <a:t>Testing &amp; Debugging Webparts in SharePoint Workbench</a:t>
-            </a:r>
-          </a:p>
-          <a:p>
-            <a:r>
-              <a:rPr lang="en-US" sz="2400" dirty="0"/>
-              <a:t>Managing Styles using SCSS Files and CSS Modules</a:t>
-            </a:r>
-          </a:p>
-          <a:p>
-            <a:r>
-              <a:rPr lang="en-US" sz="2400" dirty="0"/>
-              <a:t>Creating a Web Part with Custom Properties</a:t>
-            </a:r>
-          </a:p>
-          <a:p>
-            <a:pPr lvl="0"/>
-            <a:r>
-              <a:rPr lang="en-US" sz="2400" dirty="0"/>
-              <a:t>Creating Application Customizers</a:t>
-            </a:r>
-          </a:p>
-        </p:txBody>
-      </p:sp>
-    </p:spTree>
-    <p:extLst>
-      <p:ext uri="{BB962C8B-B14F-4D97-AF65-F5344CB8AC3E}">
-        <p14:creationId xmlns:p14="http://schemas.microsoft.com/office/powerpoint/2010/main" val="3383111650"/>
-      </p:ext>
-    </p:extLst>
-  </p:cSld>
-  <p:clrMapOvr>
-    <a:masterClrMapping/>
-  </p:clrMapOvr>
 </p:sld>
 </file>
 
@@ -10188,17 +12143,10 @@
           <a:lstStyle/>
           <a:p>
             <a:r>
-              <a:rPr lang="en-US" dirty="0"/>
-              <a:t>Using the </a:t>
-            </a:r>
-            <a:r>
-              <a:rPr lang="en-US" dirty="0" err="1"/>
-              <a:t>SPFx</a:t>
-            </a:r>
-            <a:r>
-              <a:rPr lang="en-US" dirty="0"/>
-              <a:t> Yeoman Template</a:t>
-            </a:r>
+              <a:rPr lang="en-US"/>
+              <a:t>Agenda</a:t>
+            </a:r>
+            <a:endParaRPr lang="en-US" dirty="0"/>
           </a:p>
         </p:txBody>
       </p:sp>
@@ -10215,93 +12163,61 @@
         <p:spPr/>
         <p:txBody>
           <a:bodyPr>
-            <a:normAutofit/>
+            <a:noAutofit/>
           </a:bodyPr>
           <a:lstStyle/>
           <a:p>
-            <a:r>
-              <a:rPr lang="en-US" sz="2000" dirty="0" err="1"/>
-              <a:t>SPFx</a:t>
-            </a:r>
-            <a:r>
-              <a:rPr lang="en-US" sz="2000" dirty="0"/>
-              <a:t> projects created with Yeoman template</a:t>
-            </a:r>
-          </a:p>
-          <a:p>
-            <a:pPr lvl="1"/>
-            <a:r>
-              <a:rPr lang="en-US" sz="1800" dirty="0" err="1"/>
-              <a:t>yo</a:t>
-            </a:r>
-            <a:r>
-              <a:rPr lang="en-US" sz="1800" dirty="0"/>
-              <a:t> @</a:t>
-            </a:r>
-            <a:r>
-              <a:rPr lang="en-US" sz="1800" dirty="0" err="1"/>
-              <a:t>microsoft</a:t>
-            </a:r>
-            <a:r>
-              <a:rPr lang="en-US" sz="1800" dirty="0"/>
-              <a:t>/</a:t>
-            </a:r>
-            <a:r>
-              <a:rPr lang="en-US" sz="1800" dirty="0" err="1"/>
-              <a:t>sharepoint</a:t>
-            </a:r>
-            <a:endParaRPr lang="en-US" sz="1800" dirty="0"/>
+            <a:pPr lvl="0">
+              <a:buFont typeface="Wingdings" panose="05000000000000000000" pitchFamily="2" charset="2"/>
+              <a:buChar char="ü"/>
+            </a:pPr>
+            <a:r>
+              <a:rPr lang="en-US" sz="2400" dirty="0"/>
+              <a:t>Introduction to the SharePoint Framework</a:t>
+            </a:r>
+          </a:p>
+          <a:p>
+            <a:pPr lvl="0">
+              <a:buFont typeface="Wingdings" panose="05000000000000000000" pitchFamily="2" charset="2"/>
+              <a:buChar char="Ø"/>
+            </a:pPr>
+            <a:r>
+              <a:rPr lang="en-US" sz="2400" dirty="0"/>
+              <a:t>Creating SPFX Projects using the Yeoman Generator</a:t>
+            </a:r>
+          </a:p>
+          <a:p>
+            <a:pPr lvl="0"/>
+            <a:r>
+              <a:rPr lang="en-US" sz="2400" dirty="0"/>
+              <a:t>Testing &amp; Debugging Webparts in SharePoint Workbench</a:t>
+            </a:r>
+          </a:p>
+          <a:p>
+            <a:r>
+              <a:rPr lang="en-US" sz="2400" dirty="0"/>
+              <a:t>Managing Styles using SCSS Files and CSS Modules</a:t>
+            </a:r>
+          </a:p>
+          <a:p>
+            <a:r>
+              <a:rPr lang="en-US" sz="2400" dirty="0"/>
+              <a:t>Creating a Web Part with Custom Properties</a:t>
+            </a:r>
+          </a:p>
+          <a:p>
+            <a:pPr lvl="0"/>
+            <a:r>
+              <a:rPr lang="en-US" sz="2400" dirty="0"/>
+              <a:t>Creating Application Customizers</a:t>
+            </a:r>
           </a:p>
         </p:txBody>
       </p:sp>
-      <p:pic>
-        <p:nvPicPr>
-          <p:cNvPr id="7" name="Picture 6">
-            <a:extLst>
-              <a:ext uri="{FF2B5EF4-FFF2-40B4-BE49-F238E27FC236}">
-                <a16:creationId xmlns:a16="http://schemas.microsoft.com/office/drawing/2014/main" id="{15CCB848-EAFA-42CF-9997-A4727237E423}"/>
-              </a:ext>
-            </a:extLst>
-          </p:cNvPr>
-          <p:cNvPicPr/>
-          <p:nvPr/>
-        </p:nvPicPr>
-        <p:blipFill rotWithShape="1">
-          <a:blip r:embed="rId2">
-            <a:extLst>
-              <a:ext uri="{28A0092B-C50C-407E-A947-70E740481C1C}">
-                <a14:useLocalDpi xmlns:a14="http://schemas.microsoft.com/office/drawing/2010/main" val="0"/>
-              </a:ext>
-            </a:extLst>
-          </a:blip>
-          <a:srcRect b="7773"/>
-          <a:stretch/>
-        </p:blipFill>
-        <p:spPr bwMode="auto">
-          <a:xfrm>
-            <a:off x="915784" y="2362200"/>
-            <a:ext cx="7312432" cy="3429000"/>
-          </a:xfrm>
-          <a:prstGeom prst="rect">
-            <a:avLst/>
-          </a:prstGeom>
-          <a:noFill/>
-          <a:ln>
-            <a:solidFill>
-              <a:schemeClr val="tx1"/>
-            </a:solidFill>
-          </a:ln>
-          <a:extLst>
-            <a:ext uri="{53640926-AAD7-44D8-BBD7-CCE9431645EC}">
-              <a14:shadowObscured xmlns:a14="http://schemas.microsoft.com/office/drawing/2010/main"/>
-            </a:ext>
-          </a:extLst>
-        </p:spPr>
-      </p:pic>
     </p:spTree>
     <p:extLst>
       <p:ext uri="{BB962C8B-B14F-4D97-AF65-F5344CB8AC3E}">
-        <p14:creationId xmlns:p14="http://schemas.microsoft.com/office/powerpoint/2010/main" val="2828400253"/>
+        <p14:creationId xmlns:p14="http://schemas.microsoft.com/office/powerpoint/2010/main" val="3383111650"/>
       </p:ext>
     </p:extLst>
   </p:cSld>
@@ -11141,6 +13057,12 @@
 </file>
 
 <file path=customXml/item1.xml><?xml version="1.0" encoding="utf-8"?>
+<p:properties xmlns:p="http://schemas.microsoft.com/office/2006/metadata/properties" xmlns:xsi="http://www.w3.org/2001/XMLSchema-instance">
+  <documentManagement/>
+</p:properties>
+</file>
+
+<file path=customXml/item2.xml><?xml version="1.0" encoding="utf-8"?>
 <ct:contentTypeSchema xmlns:ct="http://schemas.microsoft.com/office/2006/metadata/contentType" xmlns:ma="http://schemas.microsoft.com/office/2006/metadata/properties/metaAttributes" ct:_="" ma:_="" ma:contentTypeName="Document" ma:contentTypeID="0x01010043F7775CCE86F349BB7C51FB3CE6B150" ma:contentTypeVersion="0" ma:contentTypeDescription="Create a new document." ma:contentTypeScope="" ma:versionID="bb563817a2861b6b5994bd26a2ba9e40">
   <xsd:schema xmlns:xsd="http://www.w3.org/2001/XMLSchema" xmlns:xs="http://www.w3.org/2001/XMLSchema" xmlns:p="http://schemas.microsoft.com/office/2006/metadata/properties" targetNamespace="http://schemas.microsoft.com/office/2006/metadata/properties" ma:root="true" ma:fieldsID="c64490b4aec6201516c3a874156f37b2">
     <xsd:element name="properties">
@@ -11254,13 +13176,16 @@
 </ct:contentTypeSchema>
 </file>
 
-<file path=customXml/item2.xml><?xml version="1.0" encoding="utf-8"?>
-<p:properties xmlns:p="http://schemas.microsoft.com/office/2006/metadata/properties" xmlns:xsi="http://www.w3.org/2001/XMLSchema-instance">
-  <documentManagement/>
-</p:properties>
+<file path=customXml/item3.xml><?xml version="1.0" encoding="utf-8"?>
+<?mso-contentType ?>
+<FormTemplates xmlns="http://schemas.microsoft.com/sharepoint/v3/contenttype/forms">
+  <Display>DocumentLibraryForm</Display>
+  <Edit>DocumentLibraryForm</Edit>
+  <New>DocumentLibraryForm</New>
+</FormTemplates>
 </file>
 
-<file path=customXml/item3.xml><?xml version="1.0" encoding="utf-8"?>
+<file path=customXml/item4.xml><?xml version="1.0" encoding="utf-8"?>
 <outs:outSpaceData xmlns:outs="http://schemas.microsoft.com/office/2009/outspace/metadata">
   <outs:relatedDates>
     <outs:relatedDate>
@@ -11410,16 +13335,22 @@
 </outs:outSpaceData>
 </file>
 
-<file path=customXml/item4.xml><?xml version="1.0" encoding="utf-8"?>
-<?mso-contentType ?>
-<FormTemplates xmlns="http://schemas.microsoft.com/sharepoint/v3/contenttype/forms">
-  <Display>DocumentLibraryForm</Display>
-  <Edit>DocumentLibraryForm</Edit>
-  <New>DocumentLibraryForm</New>
-</FormTemplates>
+<file path=customXml/itemProps1.xml><?xml version="1.0" encoding="utf-8"?>
+<ds:datastoreItem xmlns:ds="http://schemas.openxmlformats.org/officeDocument/2006/customXml" ds:itemID="{A5547237-B119-45CA-BEFC-A2DA2BDB03E7}">
+  <ds:schemaRefs>
+    <ds:schemaRef ds:uri="http://purl.org/dc/dcmitype/"/>
+    <ds:schemaRef ds:uri="http://schemas.microsoft.com/office/2006/documentManagement/types"/>
+    <ds:schemaRef ds:uri="http://schemas.microsoft.com/office/2006/metadata/properties"/>
+    <ds:schemaRef ds:uri="http://www.w3.org/XML/1998/namespace"/>
+    <ds:schemaRef ds:uri="http://purl.org/dc/elements/1.1/"/>
+    <ds:schemaRef ds:uri="http://schemas.microsoft.com/office/infopath/2007/PartnerControls"/>
+    <ds:schemaRef ds:uri="http://schemas.openxmlformats.org/package/2006/metadata/core-properties"/>
+    <ds:schemaRef ds:uri="http://purl.org/dc/terms/"/>
+  </ds:schemaRefs>
+</ds:datastoreItem>
 </file>
 
-<file path=customXml/itemProps1.xml><?xml version="1.0" encoding="utf-8"?>
+<file path=customXml/itemProps2.xml><?xml version="1.0" encoding="utf-8"?>
 <ds:datastoreItem xmlns:ds="http://schemas.openxmlformats.org/officeDocument/2006/customXml" ds:itemID="{E31B5E98-6A59-4EC7-A18B-B1626004080B}">
   <ds:schemaRefs>
     <ds:schemaRef ds:uri="http://schemas.microsoft.com/office/2006/metadata/contentType"/>
@@ -11435,33 +13366,18 @@
 </ds:datastoreItem>
 </file>
 
-<file path=customXml/itemProps2.xml><?xml version="1.0" encoding="utf-8"?>
-<ds:datastoreItem xmlns:ds="http://schemas.openxmlformats.org/officeDocument/2006/customXml" ds:itemID="{A5547237-B119-45CA-BEFC-A2DA2BDB03E7}">
+<file path=customXml/itemProps3.xml><?xml version="1.0" encoding="utf-8"?>
+<ds:datastoreItem xmlns:ds="http://schemas.openxmlformats.org/officeDocument/2006/customXml" ds:itemID="{6034B84F-8F8E-48B7-9EFF-C7DE1A66BD73}">
   <ds:schemaRefs>
-    <ds:schemaRef ds:uri="http://schemas.microsoft.com/office/2006/documentManagement/types"/>
-    <ds:schemaRef ds:uri="http://schemas.microsoft.com/office/infopath/2007/PartnerControls"/>
-    <ds:schemaRef ds:uri="http://purl.org/dc/terms/"/>
-    <ds:schemaRef ds:uri="http://purl.org/dc/dcmitype/"/>
-    <ds:schemaRef ds:uri="http://schemas.microsoft.com/office/2006/metadata/properties"/>
-    <ds:schemaRef ds:uri="http://www.w3.org/XML/1998/namespace"/>
-    <ds:schemaRef ds:uri="http://purl.org/dc/elements/1.1/"/>
-    <ds:schemaRef ds:uri="http://schemas.openxmlformats.org/package/2006/metadata/core-properties"/>
+    <ds:schemaRef ds:uri="http://schemas.microsoft.com/sharepoint/v3/contenttype/forms"/>
   </ds:schemaRefs>
 </ds:datastoreItem>
 </file>
 
-<file path=customXml/itemProps3.xml><?xml version="1.0" encoding="utf-8"?>
+<file path=customXml/itemProps4.xml><?xml version="1.0" encoding="utf-8"?>
 <ds:datastoreItem xmlns:ds="http://schemas.openxmlformats.org/officeDocument/2006/customXml" ds:itemID="{8865FC99-B6BD-4E98-8312-F4F432C217EA}">
   <ds:schemaRefs>
     <ds:schemaRef ds:uri="http://schemas.microsoft.com/office/2009/outspace/metadata"/>
   </ds:schemaRefs>
 </ds:datastoreItem>
-</file>
-
-<file path=customXml/itemProps4.xml><?xml version="1.0" encoding="utf-8"?>
-<ds:datastoreItem xmlns:ds="http://schemas.openxmlformats.org/officeDocument/2006/customXml" ds:itemID="{6034B84F-8F8E-48B7-9EFF-C7DE1A66BD73}">
-  <ds:schemaRefs>
-    <ds:schemaRef ds:uri="http://schemas.microsoft.com/sharepoint/v3/contenttype/forms"/>
-  </ds:schemaRefs>
-</ds:datastoreItem>
 </file>
--- a/04 SharePointFramework.pptx
+++ b/04 SharePointFramework.pptx
@@ -6791,7 +6791,7 @@
             </a:r>
             <a:r>
               <a:rPr lang="en-US" sz="2000" dirty="0" err="1"/>
-              <a:t>panelPropertySettings</a:t>
+              <a:t>getPropertyPaneConfiguration</a:t>
             </a:r>
             <a:r>
               <a:rPr lang="en-US" sz="2000" dirty="0"/>
@@ -6850,21 +6850,28 @@
       </p:pic>
       <p:pic>
         <p:nvPicPr>
-          <p:cNvPr id="6" name="Picture 5"/>
+          <p:cNvPr id="3" name="Picture 2">
+            <a:extLst>
+              <a:ext uri="{FF2B5EF4-FFF2-40B4-BE49-F238E27FC236}">
+                <a16:creationId xmlns:a16="http://schemas.microsoft.com/office/drawing/2014/main" id="{A15192EB-5001-4A41-B9A6-62B023007408}"/>
+              </a:ext>
+            </a:extLst>
+          </p:cNvPr>
           <p:cNvPicPr>
             <a:picLocks noChangeAspect="1"/>
           </p:cNvPicPr>
           <p:nvPr/>
         </p:nvPicPr>
-        <p:blipFill rotWithShape="1">
+        <p:blipFill>
           <a:blip r:embed="rId4"/>
-          <a:srcRect b="63130"/>
-          <a:stretch/>
+          <a:stretch>
+            <a:fillRect/>
+          </a:stretch>
         </p:blipFill>
         <p:spPr>
           <a:xfrm>
-            <a:off x="795130" y="4384003"/>
-            <a:ext cx="5419725" cy="2019300"/>
+            <a:off x="826232" y="4356417"/>
+            <a:ext cx="6505575" cy="2229244"/>
           </a:xfrm>
           <a:prstGeom prst="rect">
             <a:avLst/>
@@ -7084,33 +7091,6 @@
                                   </p:childTnLst>
                                 </p:cTn>
                               </p:par>
-                              <p:par>
-                                <p:cTn id="19" presetID="1" presetClass="entr" presetSubtype="0" fill="hold" nodeType="withEffect">
-                                  <p:stCondLst>
-                                    <p:cond delay="0"/>
-                                  </p:stCondLst>
-                                  <p:childTnLst>
-                                    <p:set>
-                                      <p:cBhvr>
-                                        <p:cTn id="20" dur="1" fill="hold">
-                                          <p:stCondLst>
-                                            <p:cond delay="0"/>
-                                          </p:stCondLst>
-                                        </p:cTn>
-                                        <p:tgtEl>
-                                          <p:spTgt spid="6"/>
-                                        </p:tgtEl>
-                                        <p:attrNameLst>
-                                          <p:attrName>style.visibility</p:attrName>
-                                        </p:attrNameLst>
-                                      </p:cBhvr>
-                                      <p:to>
-                                        <p:strVal val="visible"/>
-                                      </p:to>
-                                    </p:set>
-                                  </p:childTnLst>
-                                </p:cTn>
-                              </p:par>
                             </p:childTnLst>
                           </p:cTn>
                         </p:par>
@@ -7183,7 +7163,7 @@
       </p:sp>
       <p:pic>
         <p:nvPicPr>
-          <p:cNvPr id="3" name="Picture 2"/>
+          <p:cNvPr id="4" name="Picture 3"/>
           <p:cNvPicPr>
             <a:picLocks noChangeAspect="1"/>
           </p:cNvPicPr>
@@ -7197,17 +7177,28 @@
         </p:blipFill>
         <p:spPr>
           <a:xfrm>
-            <a:off x="175591" y="1600200"/>
-            <a:ext cx="4599697" cy="4648200"/>
+            <a:off x="5632349" y="1143000"/>
+            <a:ext cx="3313518" cy="4187687"/>
           </a:xfrm>
           <a:prstGeom prst="rect">
             <a:avLst/>
           </a:prstGeom>
+          <a:ln>
+            <a:solidFill>
+              <a:schemeClr val="tx1"/>
+            </a:solidFill>
+          </a:ln>
         </p:spPr>
       </p:pic>
       <p:pic>
         <p:nvPicPr>
-          <p:cNvPr id="4" name="Picture 3"/>
+          <p:cNvPr id="5" name="Picture 4">
+            <a:extLst>
+              <a:ext uri="{FF2B5EF4-FFF2-40B4-BE49-F238E27FC236}">
+                <a16:creationId xmlns:a16="http://schemas.microsoft.com/office/drawing/2014/main" id="{1A169B60-EB98-4CEA-80C8-69CC78946AC2}"/>
+              </a:ext>
+            </a:extLst>
+          </p:cNvPr>
           <p:cNvPicPr>
             <a:picLocks noChangeAspect="1"/>
           </p:cNvPicPr>
@@ -7221,19 +7212,60 @@
         </p:blipFill>
         <p:spPr>
           <a:xfrm>
-            <a:off x="4994893" y="1600200"/>
-            <a:ext cx="3683143" cy="4654826"/>
+            <a:off x="76200" y="1066800"/>
+            <a:ext cx="4534798" cy="5715000"/>
           </a:xfrm>
           <a:prstGeom prst="rect">
             <a:avLst/>
           </a:prstGeom>
-          <a:ln>
-            <a:solidFill>
-              <a:schemeClr val="tx1"/>
-            </a:solidFill>
-          </a:ln>
         </p:spPr>
       </p:pic>
+      <p:sp>
+        <p:nvSpPr>
+          <p:cNvPr id="6" name="Arrow: Right 5">
+            <a:extLst>
+              <a:ext uri="{FF2B5EF4-FFF2-40B4-BE49-F238E27FC236}">
+                <a16:creationId xmlns:a16="http://schemas.microsoft.com/office/drawing/2014/main" id="{9648B99C-6EA6-4C14-B745-7A99EBC72AE5}"/>
+              </a:ext>
+            </a:extLst>
+          </p:cNvPr>
+          <p:cNvSpPr/>
+          <p:nvPr/>
+        </p:nvSpPr>
+        <p:spPr>
+          <a:xfrm>
+            <a:off x="4743061" y="2514600"/>
+            <a:ext cx="757225" cy="533400"/>
+          </a:xfrm>
+          <a:prstGeom prst="rightArrow">
+            <a:avLst/>
+          </a:prstGeom>
+        </p:spPr>
+        <p:style>
+          <a:lnRef idx="2">
+            <a:schemeClr val="accent1">
+              <a:shade val="50000"/>
+            </a:schemeClr>
+          </a:lnRef>
+          <a:fillRef idx="1">
+            <a:schemeClr val="accent1"/>
+          </a:fillRef>
+          <a:effectRef idx="0">
+            <a:schemeClr val="accent1"/>
+          </a:effectRef>
+          <a:fontRef idx="minor">
+            <a:schemeClr val="lt1"/>
+          </a:fontRef>
+        </p:style>
+        <p:txBody>
+          <a:bodyPr rtlCol="0" anchor="ctr"/>
+          <a:lstStyle/>
+          <a:p>
+            <a:pPr algn="ctr"/>
+            <a:endParaRPr lang="en-US"/>
+          </a:p>
+        </p:txBody>
+      </p:sp>
     </p:spTree>
     <p:extLst>
       <p:ext uri="{BB962C8B-B14F-4D97-AF65-F5344CB8AC3E}">
@@ -11622,7 +11654,7 @@
           <a:p>
             <a:r>
               <a:rPr lang="en-US" dirty="0"/>
-              <a:t>Install Gulp</a:t>
+              <a:t>Install Gulp (version 3)</a:t>
             </a:r>
           </a:p>
           <a:p>
@@ -11709,7 +11741,7 @@
           <a:p>
             <a:r>
               <a:rPr lang="en-US" sz="2400" dirty="0"/>
-              <a:t>npm install -g gulp</a:t>
+              <a:t>npm install -g gulp@3</a:t>
             </a:r>
           </a:p>
         </p:txBody>
@@ -13057,12 +13089,6 @@
 </file>
 
 <file path=customXml/item1.xml><?xml version="1.0" encoding="utf-8"?>
-<p:properties xmlns:p="http://schemas.microsoft.com/office/2006/metadata/properties" xmlns:xsi="http://www.w3.org/2001/XMLSchema-instance">
-  <documentManagement/>
-</p:properties>
-</file>
-
-<file path=customXml/item2.xml><?xml version="1.0" encoding="utf-8"?>
 <ct:contentTypeSchema xmlns:ct="http://schemas.microsoft.com/office/2006/metadata/contentType" xmlns:ma="http://schemas.microsoft.com/office/2006/metadata/properties/metaAttributes" ct:_="" ma:_="" ma:contentTypeName="Document" ma:contentTypeID="0x01010043F7775CCE86F349BB7C51FB3CE6B150" ma:contentTypeVersion="0" ma:contentTypeDescription="Create a new document." ma:contentTypeScope="" ma:versionID="bb563817a2861b6b5994bd26a2ba9e40">
   <xsd:schema xmlns:xsd="http://www.w3.org/2001/XMLSchema" xmlns:xs="http://www.w3.org/2001/XMLSchema" xmlns:p="http://schemas.microsoft.com/office/2006/metadata/properties" targetNamespace="http://schemas.microsoft.com/office/2006/metadata/properties" ma:root="true" ma:fieldsID="c64490b4aec6201516c3a874156f37b2">
     <xsd:element name="properties">
@@ -13176,16 +13202,7 @@
 </ct:contentTypeSchema>
 </file>
 
-<file path=customXml/item3.xml><?xml version="1.0" encoding="utf-8"?>
-<?mso-contentType ?>
-<FormTemplates xmlns="http://schemas.microsoft.com/sharepoint/v3/contenttype/forms">
-  <Display>DocumentLibraryForm</Display>
-  <Edit>DocumentLibraryForm</Edit>
-  <New>DocumentLibraryForm</New>
-</FormTemplates>
-</file>
-
-<file path=customXml/item4.xml><?xml version="1.0" encoding="utf-8"?>
+<file path=customXml/item2.xml><?xml version="1.0" encoding="utf-8"?>
 <outs:outSpaceData xmlns:outs="http://schemas.microsoft.com/office/2009/outspace/metadata">
   <outs:relatedDates>
     <outs:relatedDate>
@@ -13335,22 +13352,22 @@
 </outs:outSpaceData>
 </file>
 
-<file path=customXml/itemProps1.xml><?xml version="1.0" encoding="utf-8"?>
-<ds:datastoreItem xmlns:ds="http://schemas.openxmlformats.org/officeDocument/2006/customXml" ds:itemID="{A5547237-B119-45CA-BEFC-A2DA2BDB03E7}">
-  <ds:schemaRefs>
-    <ds:schemaRef ds:uri="http://purl.org/dc/dcmitype/"/>
-    <ds:schemaRef ds:uri="http://schemas.microsoft.com/office/2006/documentManagement/types"/>
-    <ds:schemaRef ds:uri="http://schemas.microsoft.com/office/2006/metadata/properties"/>
-    <ds:schemaRef ds:uri="http://www.w3.org/XML/1998/namespace"/>
-    <ds:schemaRef ds:uri="http://purl.org/dc/elements/1.1/"/>
-    <ds:schemaRef ds:uri="http://schemas.microsoft.com/office/infopath/2007/PartnerControls"/>
-    <ds:schemaRef ds:uri="http://schemas.openxmlformats.org/package/2006/metadata/core-properties"/>
-    <ds:schemaRef ds:uri="http://purl.org/dc/terms/"/>
-  </ds:schemaRefs>
-</ds:datastoreItem>
+<file path=customXml/item3.xml><?xml version="1.0" encoding="utf-8"?>
+<?mso-contentType ?>
+<FormTemplates xmlns="http://schemas.microsoft.com/sharepoint/v3/contenttype/forms">
+  <Display>DocumentLibraryForm</Display>
+  <Edit>DocumentLibraryForm</Edit>
+  <New>DocumentLibraryForm</New>
+</FormTemplates>
 </file>
 
-<file path=customXml/itemProps2.xml><?xml version="1.0" encoding="utf-8"?>
+<file path=customXml/item4.xml><?xml version="1.0" encoding="utf-8"?>
+<p:properties xmlns:p="http://schemas.microsoft.com/office/2006/metadata/properties" xmlns:xsi="http://www.w3.org/2001/XMLSchema-instance">
+  <documentManagement/>
+</p:properties>
+</file>
+
+<file path=customXml/itemProps1.xml><?xml version="1.0" encoding="utf-8"?>
 <ds:datastoreItem xmlns:ds="http://schemas.openxmlformats.org/officeDocument/2006/customXml" ds:itemID="{E31B5E98-6A59-4EC7-A18B-B1626004080B}">
   <ds:schemaRefs>
     <ds:schemaRef ds:uri="http://schemas.microsoft.com/office/2006/metadata/contentType"/>
@@ -13366,6 +13383,14 @@
 </ds:datastoreItem>
 </file>
 
+<file path=customXml/itemProps2.xml><?xml version="1.0" encoding="utf-8"?>
+<ds:datastoreItem xmlns:ds="http://schemas.openxmlformats.org/officeDocument/2006/customXml" ds:itemID="{8865FC99-B6BD-4E98-8312-F4F432C217EA}">
+  <ds:schemaRefs>
+    <ds:schemaRef ds:uri="http://schemas.microsoft.com/office/2009/outspace/metadata"/>
+  </ds:schemaRefs>
+</ds:datastoreItem>
+</file>
+
 <file path=customXml/itemProps3.xml><?xml version="1.0" encoding="utf-8"?>
 <ds:datastoreItem xmlns:ds="http://schemas.openxmlformats.org/officeDocument/2006/customXml" ds:itemID="{6034B84F-8F8E-48B7-9EFF-C7DE1A66BD73}">
   <ds:schemaRefs>
@@ -13375,9 +13400,16 @@
 </file>
 
 <file path=customXml/itemProps4.xml><?xml version="1.0" encoding="utf-8"?>
-<ds:datastoreItem xmlns:ds="http://schemas.openxmlformats.org/officeDocument/2006/customXml" ds:itemID="{8865FC99-B6BD-4E98-8312-F4F432C217EA}">
+<ds:datastoreItem xmlns:ds="http://schemas.openxmlformats.org/officeDocument/2006/customXml" ds:itemID="{A5547237-B119-45CA-BEFC-A2DA2BDB03E7}">
   <ds:schemaRefs>
-    <ds:schemaRef ds:uri="http://schemas.microsoft.com/office/2009/outspace/metadata"/>
+    <ds:schemaRef ds:uri="http://purl.org/dc/dcmitype/"/>
+    <ds:schemaRef ds:uri="http://schemas.microsoft.com/office/2006/documentManagement/types"/>
+    <ds:schemaRef ds:uri="http://schemas.microsoft.com/office/2006/metadata/properties"/>
+    <ds:schemaRef ds:uri="http://www.w3.org/XML/1998/namespace"/>
+    <ds:schemaRef ds:uri="http://purl.org/dc/elements/1.1/"/>
+    <ds:schemaRef ds:uri="http://schemas.microsoft.com/office/infopath/2007/PartnerControls"/>
+    <ds:schemaRef ds:uri="http://schemas.openxmlformats.org/package/2006/metadata/core-properties"/>
+    <ds:schemaRef ds:uri="http://purl.org/dc/terms/"/>
   </ds:schemaRefs>
 </ds:datastoreItem>
 </file>